--- a/1-freshman/2st-semester/백세시대부자학/백제시대부자학-조은성.pptx
+++ b/1-freshman/2st-semester/백세시대부자학/백제시대부자학-조은성.pptx
@@ -5,33 +5,34 @@
     <p:sldMasterId id="2147483666" r:id="rId4"/>
   </p:sldMasterIdLst>
   <p:notesMasterIdLst>
-    <p:notesMasterId r:id="rId26"/>
+    <p:notesMasterId r:id="rId27"/>
   </p:notesMasterIdLst>
   <p:handoutMasterIdLst>
-    <p:handoutMasterId r:id="rId27"/>
+    <p:handoutMasterId r:id="rId28"/>
   </p:handoutMasterIdLst>
   <p:sldIdLst>
     <p:sldId id="256" r:id="rId5"/>
-    <p:sldId id="277" r:id="rId6"/>
-    <p:sldId id="261" r:id="rId7"/>
-    <p:sldId id="262" r:id="rId8"/>
-    <p:sldId id="289" r:id="rId9"/>
-    <p:sldId id="264" r:id="rId10"/>
-    <p:sldId id="258" r:id="rId11"/>
-    <p:sldId id="278" r:id="rId12"/>
-    <p:sldId id="266" r:id="rId13"/>
-    <p:sldId id="292" r:id="rId14"/>
-    <p:sldId id="268" r:id="rId15"/>
-    <p:sldId id="280" r:id="rId16"/>
-    <p:sldId id="270" r:id="rId17"/>
-    <p:sldId id="293" r:id="rId18"/>
-    <p:sldId id="294" r:id="rId19"/>
-    <p:sldId id="260" r:id="rId20"/>
-    <p:sldId id="282" r:id="rId21"/>
-    <p:sldId id="283" r:id="rId22"/>
-    <p:sldId id="295" r:id="rId23"/>
-    <p:sldId id="275" r:id="rId24"/>
-    <p:sldId id="276" r:id="rId25"/>
+    <p:sldId id="296" r:id="rId6"/>
+    <p:sldId id="277" r:id="rId7"/>
+    <p:sldId id="261" r:id="rId8"/>
+    <p:sldId id="262" r:id="rId9"/>
+    <p:sldId id="289" r:id="rId10"/>
+    <p:sldId id="264" r:id="rId11"/>
+    <p:sldId id="258" r:id="rId12"/>
+    <p:sldId id="278" r:id="rId13"/>
+    <p:sldId id="266" r:id="rId14"/>
+    <p:sldId id="292" r:id="rId15"/>
+    <p:sldId id="268" r:id="rId16"/>
+    <p:sldId id="280" r:id="rId17"/>
+    <p:sldId id="270" r:id="rId18"/>
+    <p:sldId id="293" r:id="rId19"/>
+    <p:sldId id="294" r:id="rId20"/>
+    <p:sldId id="260" r:id="rId21"/>
+    <p:sldId id="282" r:id="rId22"/>
+    <p:sldId id="283" r:id="rId23"/>
+    <p:sldId id="295" r:id="rId24"/>
+    <p:sldId id="275" r:id="rId25"/>
+    <p:sldId id="276" r:id="rId26"/>
   </p:sldIdLst>
   <p:sldSz cx="12192000" cy="6858000"/>
   <p:notesSz cx="6858000" cy="9144000"/>
@@ -2554,7 +2555,7 @@
             <a:fld id="{D4B9A9E5-4F7F-4A7D-9DE1-899232329269}" type="slidenum">
               <a:rPr lang="en-US" altLang="ko-KR" smtClean="0"/>
               <a:pPr/>
-              <a:t>10</a:t>
+              <a:t>11</a:t>
             </a:fld>
             <a:endParaRPr lang="ko-KR" altLang="en-US"/>
           </a:p>
@@ -2639,7 +2640,7 @@
             <a:fld id="{D4B9A9E5-4F7F-4A7D-9DE1-899232329269}" type="slidenum">
               <a:rPr lang="en-US" altLang="ko-KR" smtClean="0"/>
               <a:pPr/>
-              <a:t>11</a:t>
+              <a:t>12</a:t>
             </a:fld>
             <a:endParaRPr lang="ko-KR" altLang="en-US"/>
           </a:p>
@@ -2724,7 +2725,7 @@
             <a:fld id="{D4B9A9E5-4F7F-4A7D-9DE1-899232329269}" type="slidenum">
               <a:rPr lang="en-US" altLang="ko-KR" smtClean="0"/>
               <a:pPr/>
-              <a:t>12</a:t>
+              <a:t>13</a:t>
             </a:fld>
             <a:endParaRPr lang="ko-KR" altLang="en-US"/>
           </a:p>
@@ -2809,7 +2810,7 @@
             <a:fld id="{D4B9A9E5-4F7F-4A7D-9DE1-899232329269}" type="slidenum">
               <a:rPr lang="en-US" altLang="ko-KR" smtClean="0"/>
               <a:pPr/>
-              <a:t>13</a:t>
+              <a:t>14</a:t>
             </a:fld>
             <a:endParaRPr lang="ko-KR" altLang="en-US"/>
           </a:p>
@@ -2894,7 +2895,7 @@
             <a:fld id="{D4B9A9E5-4F7F-4A7D-9DE1-899232329269}" type="slidenum">
               <a:rPr lang="en-US" altLang="ko-KR" smtClean="0"/>
               <a:pPr/>
-              <a:t>14</a:t>
+              <a:t>15</a:t>
             </a:fld>
             <a:endParaRPr lang="ko-KR" altLang="en-US"/>
           </a:p>
@@ -2979,7 +2980,7 @@
             <a:fld id="{D4B9A9E5-4F7F-4A7D-9DE1-899232329269}" type="slidenum">
               <a:rPr lang="en-US" altLang="ko-KR" smtClean="0"/>
               <a:pPr/>
-              <a:t>15</a:t>
+              <a:t>16</a:t>
             </a:fld>
             <a:endParaRPr lang="ko-KR" altLang="en-US"/>
           </a:p>
@@ -3064,7 +3065,7 @@
             <a:fld id="{D4B9A9E5-4F7F-4A7D-9DE1-899232329269}" type="slidenum">
               <a:rPr lang="en-US" altLang="ko-KR" smtClean="0"/>
               <a:pPr/>
-              <a:t>16</a:t>
+              <a:t>17</a:t>
             </a:fld>
             <a:endParaRPr lang="ko-KR" altLang="en-US"/>
           </a:p>
@@ -3149,7 +3150,7 @@
             <a:fld id="{D4B9A9E5-4F7F-4A7D-9DE1-899232329269}" type="slidenum">
               <a:rPr lang="en-US" altLang="ko-KR" smtClean="0"/>
               <a:pPr/>
-              <a:t>17</a:t>
+              <a:t>18</a:t>
             </a:fld>
             <a:endParaRPr lang="ko-KR" altLang="en-US"/>
           </a:p>
@@ -3234,7 +3235,7 @@
             <a:fld id="{D4B9A9E5-4F7F-4A7D-9DE1-899232329269}" type="slidenum">
               <a:rPr lang="en-US" altLang="ko-KR" smtClean="0"/>
               <a:pPr/>
-              <a:t>18</a:t>
+              <a:t>19</a:t>
             </a:fld>
             <a:endParaRPr lang="ko-KR" altLang="en-US"/>
           </a:p>
@@ -3319,7 +3320,7 @@
             <a:fld id="{D4B9A9E5-4F7F-4A7D-9DE1-899232329269}" type="slidenum">
               <a:rPr lang="en-US" altLang="ko-KR" noProof="0" smtClean="0"/>
               <a:pPr/>
-              <a:t>19</a:t>
+              <a:t>20</a:t>
             </a:fld>
             <a:endParaRPr lang="ko-KR" altLang="en-US" noProof="0"/>
           </a:p>
@@ -3404,7 +3405,7 @@
             <a:fld id="{D4B9A9E5-4F7F-4A7D-9DE1-899232329269}" type="slidenum">
               <a:rPr lang="en-US" altLang="ko-KR" smtClean="0"/>
               <a:pPr/>
-              <a:t>2</a:t>
+              <a:t>3</a:t>
             </a:fld>
             <a:endParaRPr lang="ko-KR" altLang="en-US"/>
           </a:p>
@@ -3489,7 +3490,7 @@
             <a:fld id="{D4B9A9E5-4F7F-4A7D-9DE1-899232329269}" type="slidenum">
               <a:rPr lang="en-US" altLang="ko-KR" smtClean="0"/>
               <a:pPr/>
-              <a:t>20</a:t>
+              <a:t>21</a:t>
             </a:fld>
             <a:endParaRPr lang="ko-KR" altLang="en-US"/>
           </a:p>
@@ -3575,7 +3576,7 @@
             <a:pPr rtl="0"/>
             <a:fld id="{D4B9A9E5-4F7F-4A7D-9DE1-899232329269}" type="slidenum">
               <a:rPr lang="en-US" altLang="ko-KR" smtClean="0"/>
-              <a:t>21</a:t>
+              <a:t>22</a:t>
             </a:fld>
             <a:endParaRPr lang="ko-KR" altLang="en-US"/>
           </a:p>
@@ -3660,7 +3661,7 @@
             <a:fld id="{D4B9A9E5-4F7F-4A7D-9DE1-899232329269}" type="slidenum">
               <a:rPr lang="en-US" altLang="ko-KR" smtClean="0"/>
               <a:pPr/>
-              <a:t>3</a:t>
+              <a:t>4</a:t>
             </a:fld>
             <a:endParaRPr lang="ko-KR" altLang="en-US"/>
           </a:p>
@@ -3745,7 +3746,7 @@
             <a:fld id="{D4B9A9E5-4F7F-4A7D-9DE1-899232329269}" type="slidenum">
               <a:rPr lang="en-US" altLang="ko-KR" smtClean="0"/>
               <a:pPr/>
-              <a:t>4</a:t>
+              <a:t>5</a:t>
             </a:fld>
             <a:endParaRPr lang="ko-KR" altLang="en-US"/>
           </a:p>
@@ -3830,7 +3831,7 @@
             <a:fld id="{D4B9A9E5-4F7F-4A7D-9DE1-899232329269}" type="slidenum">
               <a:rPr lang="en-US" altLang="ko-KR" smtClean="0"/>
               <a:pPr/>
-              <a:t>5</a:t>
+              <a:t>6</a:t>
             </a:fld>
             <a:endParaRPr lang="ko-KR" altLang="en-US"/>
           </a:p>
@@ -3915,7 +3916,7 @@
             <a:fld id="{D4B9A9E5-4F7F-4A7D-9DE1-899232329269}" type="slidenum">
               <a:rPr lang="en-US" altLang="ko-KR" smtClean="0"/>
               <a:pPr/>
-              <a:t>6</a:t>
+              <a:t>7</a:t>
             </a:fld>
             <a:endParaRPr lang="ko-KR" altLang="en-US"/>
           </a:p>
@@ -4000,7 +4001,7 @@
             <a:fld id="{D4B9A9E5-4F7F-4A7D-9DE1-899232329269}" type="slidenum">
               <a:rPr lang="en-US" altLang="ko-KR" smtClean="0"/>
               <a:pPr/>
-              <a:t>7</a:t>
+              <a:t>8</a:t>
             </a:fld>
             <a:endParaRPr lang="ko-KR" altLang="en-US"/>
           </a:p>
@@ -4085,7 +4086,7 @@
             <a:fld id="{D4B9A9E5-4F7F-4A7D-9DE1-899232329269}" type="slidenum">
               <a:rPr lang="en-US" altLang="ko-KR" smtClean="0"/>
               <a:pPr/>
-              <a:t>8</a:t>
+              <a:t>9</a:t>
             </a:fld>
             <a:endParaRPr lang="ko-KR" altLang="en-US"/>
           </a:p>
@@ -4170,7 +4171,7 @@
             <a:fld id="{D4B9A9E5-4F7F-4A7D-9DE1-899232329269}" type="slidenum">
               <a:rPr lang="en-US" altLang="ko-KR" smtClean="0"/>
               <a:pPr/>
-              <a:t>9</a:t>
+              <a:t>10</a:t>
             </a:fld>
             <a:endParaRPr lang="ko-KR" altLang="en-US"/>
           </a:p>
@@ -22160,7 +22161,7 @@
           <p:cNvPr id="2" name="제목 1">
             <a:extLst>
               <a:ext uri="{FF2B5EF4-FFF2-40B4-BE49-F238E27FC236}">
-                <a16:creationId xmlns:a16="http://schemas.microsoft.com/office/drawing/2014/main" id="{5864BC4F-3D59-464A-857E-6F155B368ED7}"/>
+                <a16:creationId xmlns:a16="http://schemas.microsoft.com/office/drawing/2014/main" id="{5CE54ABB-4929-4810-950B-2DAEA0A5BAB4}"/>
               </a:ext>
             </a:extLst>
           </p:cNvPr>
@@ -22184,17 +22185,18 @@
             <a:pPr rtl="0"/>
             <a:r>
               <a:rPr lang="ko-KR" altLang="en-US"/>
-              <a:t>시장 비교</a:t>
-            </a:r>
-          </a:p>
-        </p:txBody>
-      </p:sp>
-      <p:sp>
-        <p:nvSpPr>
-          <p:cNvPr id="9" name="텍스트 개체 틀 8">
-            <a:extLst>
-              <a:ext uri="{FF2B5EF4-FFF2-40B4-BE49-F238E27FC236}">
-                <a16:creationId xmlns:a16="http://schemas.microsoft.com/office/drawing/2014/main" id="{8C1455DF-5CEC-44A2-A92D-8E901D15B7CC}"/>
+              <a:t>시장 개요</a:t>
+            </a:r>
+            <a:endParaRPr lang="ko-KR" altLang="en-US" dirty="0"/>
+          </a:p>
+        </p:txBody>
+      </p:sp>
+      <p:sp>
+        <p:nvSpPr>
+          <p:cNvPr id="4" name="텍스트 개체 틀 3">
+            <a:extLst>
+              <a:ext uri="{FF2B5EF4-FFF2-40B4-BE49-F238E27FC236}">
+                <a16:creationId xmlns:a16="http://schemas.microsoft.com/office/drawing/2014/main" id="{A112B089-A8F9-45B1-BE6E-EAC10163F082}"/>
               </a:ext>
             </a:extLst>
           </p:cNvPr>
@@ -22207,8 +22209,8 @@
         </p:nvSpPr>
         <p:spPr>
           <a:xfrm>
-            <a:off x="2063855" y="3145298"/>
-            <a:ext cx="1450310" cy="823912"/>
+            <a:off x="1243104" y="2776936"/>
+            <a:ext cx="2882475" cy="823912"/>
           </a:xfrm>
         </p:spPr>
         <p:txBody>
@@ -22217,11 +22219,11 @@
           <a:p>
             <a:pPr rtl="0"/>
             <a:r>
-              <a:rPr lang="en-US" altLang="ko-KR" sz="3200" dirty="0"/>
+              <a:rPr lang="en-US" altLang="ko-KR" dirty="0"/>
               <a:t>₩30</a:t>
             </a:r>
             <a:r>
-              <a:rPr lang="ko-KR" altLang="en-US" sz="3200" dirty="0"/>
+              <a:rPr lang="ko-KR" altLang="en-US" dirty="0"/>
               <a:t>억</a:t>
             </a:r>
           </a:p>
@@ -22229,24 +22231,88 @@
       </p:sp>
       <p:sp>
         <p:nvSpPr>
-          <p:cNvPr id="10" name="텍스트 개체 틀 9">
-            <a:extLst>
-              <a:ext uri="{FF2B5EF4-FFF2-40B4-BE49-F238E27FC236}">
-                <a16:creationId xmlns:a16="http://schemas.microsoft.com/office/drawing/2014/main" id="{7C7E7B18-D05F-4C44-8718-8C671160FC98}"/>
-              </a:ext>
-            </a:extLst>
-          </p:cNvPr>
-          <p:cNvSpPr>
-            <a:spLocks noGrp="1"/>
-          </p:cNvSpPr>
-          <p:nvPr>
-            <p:ph type="body" idx="15"/>
-          </p:nvPr>
-        </p:nvSpPr>
-        <p:spPr>
-          <a:xfrm>
-            <a:off x="5475514" y="3145298"/>
-            <a:ext cx="1450310" cy="823912"/>
+          <p:cNvPr id="7" name="내용 개체 틀 6">
+            <a:extLst>
+              <a:ext uri="{FF2B5EF4-FFF2-40B4-BE49-F238E27FC236}">
+                <a16:creationId xmlns:a16="http://schemas.microsoft.com/office/drawing/2014/main" id="{6B35F89A-6CDF-41F7-BD87-18B45BD7330B}"/>
+              </a:ext>
+            </a:extLst>
+          </p:cNvPr>
+          <p:cNvSpPr>
+            <a:spLocks noGrp="1"/>
+          </p:cNvSpPr>
+          <p:nvPr>
+            <p:ph sz="half" idx="2"/>
+          </p:nvPr>
+        </p:nvSpPr>
+        <p:spPr>
+          <a:xfrm>
+            <a:off x="1243104" y="3834606"/>
+            <a:ext cx="2882475" cy="1997867"/>
+          </a:xfrm>
+        </p:spPr>
+        <p:txBody>
+          <a:bodyPr vert="horz" lIns="91440" tIns="45720" rIns="91440" bIns="45720" rtlCol="0" anchor="t">
+            <a:normAutofit/>
+          </a:bodyPr>
+          <a:lstStyle/>
+          <a:p>
+            <a:pPr rtl="0"/>
+            <a:r>
+              <a:rPr lang="ko-KR" altLang="en-US" noProof="1"/>
+              <a:t>창조의 자유</a:t>
+            </a:r>
+            <a:endParaRPr lang="ko-KR" altLang="en-US"/>
+          </a:p>
+          <a:p>
+            <a:pPr rtl="0"/>
+            <a:r>
+              <a:rPr lang="ko-KR" altLang="en-US" noProof="1"/>
+              <a:t>선택적 포괄 시장</a:t>
+            </a:r>
+          </a:p>
+          <a:p>
+            <a:pPr rtl="0"/>
+            <a:r>
+              <a:rPr lang="en-US" altLang="ko-KR" noProof="1"/>
+              <a:t>SAM(</a:t>
+            </a:r>
+            <a:r>
+              <a:rPr lang="ko-KR" altLang="en-US" noProof="1"/>
+              <a:t>유효 시장</a:t>
+            </a:r>
+            <a:r>
+              <a:rPr lang="en-US" altLang="ko-KR" noProof="1"/>
+              <a:t>)</a:t>
+            </a:r>
+            <a:endParaRPr lang="ko-KR" altLang="en-US" noProof="1"/>
+          </a:p>
+          <a:p>
+            <a:pPr rtl="0"/>
+            <a:endParaRPr lang="ko-KR" altLang="en-ZA" noProof="1"/>
+          </a:p>
+        </p:txBody>
+      </p:sp>
+      <p:sp>
+        <p:nvSpPr>
+          <p:cNvPr id="6" name="텍스트 개체 틀 5">
+            <a:extLst>
+              <a:ext uri="{FF2B5EF4-FFF2-40B4-BE49-F238E27FC236}">
+                <a16:creationId xmlns:a16="http://schemas.microsoft.com/office/drawing/2014/main" id="{0FE22F9B-4BF8-41DC-8F1C-836B546E59AD}"/>
+              </a:ext>
+            </a:extLst>
+          </p:cNvPr>
+          <p:cNvSpPr>
+            <a:spLocks noGrp="1"/>
+          </p:cNvSpPr>
+          <p:nvPr>
+            <p:ph type="body" sz="quarter" idx="3"/>
+          </p:nvPr>
+        </p:nvSpPr>
+        <p:spPr>
+          <a:xfrm>
+            <a:off x="4647665" y="2776936"/>
+            <a:ext cx="2896671" cy="823912"/>
           </a:xfrm>
         </p:spPr>
         <p:txBody>
@@ -22255,11 +22321,11 @@
           <a:p>
             <a:pPr rtl="0"/>
             <a:r>
-              <a:rPr lang="en-US" altLang="ko-KR" sz="3200" dirty="0"/>
-              <a:t>₩20</a:t>
-            </a:r>
-            <a:r>
-              <a:rPr lang="ko-KR" altLang="en-US" sz="3200" dirty="0"/>
+              <a:rPr lang="en-US" altLang="ko-KR" dirty="0"/>
+              <a:t>₩10</a:t>
+            </a:r>
+            <a:r>
+              <a:rPr lang="ko-KR" altLang="en-US" dirty="0"/>
               <a:t>억</a:t>
             </a:r>
           </a:p>
@@ -22267,24 +22333,24 @@
       </p:sp>
       <p:sp>
         <p:nvSpPr>
-          <p:cNvPr id="11" name="텍스트 개체 틀 10">
-            <a:extLst>
-              <a:ext uri="{FF2B5EF4-FFF2-40B4-BE49-F238E27FC236}">
-                <a16:creationId xmlns:a16="http://schemas.microsoft.com/office/drawing/2014/main" id="{C4EAD5C6-02F0-4D27-8D85-1BD5EA833D6F}"/>
-              </a:ext>
-            </a:extLst>
-          </p:cNvPr>
-          <p:cNvSpPr>
-            <a:spLocks noGrp="1"/>
-          </p:cNvSpPr>
-          <p:nvPr>
-            <p:ph type="body" idx="16"/>
-          </p:nvPr>
-        </p:nvSpPr>
-        <p:spPr>
-          <a:xfrm>
-            <a:off x="8887174" y="3145298"/>
-            <a:ext cx="1450310" cy="823912"/>
+          <p:cNvPr id="3" name="텍스트 개체 틀 2">
+            <a:extLst>
+              <a:ext uri="{FF2B5EF4-FFF2-40B4-BE49-F238E27FC236}">
+                <a16:creationId xmlns:a16="http://schemas.microsoft.com/office/drawing/2014/main" id="{D5E1C399-8F48-44F5-9461-3C89866D4CE1}"/>
+              </a:ext>
+            </a:extLst>
+          </p:cNvPr>
+          <p:cNvSpPr>
+            <a:spLocks noGrp="1"/>
+          </p:cNvSpPr>
+          <p:nvPr>
+            <p:ph sz="quarter" idx="4"/>
+          </p:nvPr>
+        </p:nvSpPr>
+        <p:spPr>
+          <a:xfrm>
+            <a:off x="4647665" y="3834606"/>
+            <a:ext cx="2896671" cy="1997867"/>
           </a:xfrm>
         </p:spPr>
         <p:txBody>
@@ -22293,11 +22359,70 @@
           <a:p>
             <a:pPr rtl="0"/>
             <a:r>
-              <a:rPr lang="en-US" altLang="ko-KR" sz="3200" dirty="0"/>
-              <a:t>₩10</a:t>
-            </a:r>
-            <a:r>
-              <a:rPr lang="ko-KR" altLang="en-US" sz="3200" dirty="0"/>
+              <a:rPr lang="ko-KR" altLang="en-US"/>
+              <a:t>구축 기회</a:t>
+            </a:r>
+          </a:p>
+          <a:p>
+            <a:pPr rtl="0"/>
+            <a:r>
+              <a:rPr lang="ko-KR" altLang="en-US"/>
+              <a:t>완전 포괄 시장</a:t>
+            </a:r>
+          </a:p>
+          <a:p>
+            <a:pPr rtl="0"/>
+            <a:r>
+              <a:rPr lang="en-US" altLang="ko-KR"/>
+              <a:t>TAM(</a:t>
+            </a:r>
+            <a:r>
+              <a:rPr lang="ko-KR" altLang="en-US"/>
+              <a:t>전체 시장</a:t>
+            </a:r>
+            <a:r>
+              <a:rPr lang="en-US" altLang="ko-KR"/>
+              <a:t>)</a:t>
+            </a:r>
+            <a:endParaRPr lang="ko-KR" altLang="en-US" dirty="0"/>
+          </a:p>
+        </p:txBody>
+      </p:sp>
+      <p:sp>
+        <p:nvSpPr>
+          <p:cNvPr id="5" name="내용 개체 틀 4">
+            <a:extLst>
+              <a:ext uri="{FF2B5EF4-FFF2-40B4-BE49-F238E27FC236}">
+                <a16:creationId xmlns:a16="http://schemas.microsoft.com/office/drawing/2014/main" id="{CF515C5D-2CDB-4E66-B2B8-1451BC44247F}"/>
+              </a:ext>
+            </a:extLst>
+          </p:cNvPr>
+          <p:cNvSpPr>
+            <a:spLocks noGrp="1"/>
+          </p:cNvSpPr>
+          <p:nvPr>
+            <p:ph type="body" idx="13"/>
+          </p:nvPr>
+        </p:nvSpPr>
+        <p:spPr>
+          <a:xfrm>
+            <a:off x="8066421" y="2776936"/>
+            <a:ext cx="2882475" cy="823912"/>
+          </a:xfrm>
+        </p:spPr>
+        <p:txBody>
+          <a:bodyPr vert="horz" lIns="91440" tIns="45720" rIns="91440" bIns="45720" rtlCol="0" anchor="b">
+            <a:normAutofit/>
+          </a:bodyPr>
+          <a:lstStyle/>
+          <a:p>
+            <a:pPr rtl="0"/>
+            <a:r>
+              <a:rPr lang="en-US" altLang="ko-KR" dirty="0"/>
+              <a:t>₩20</a:t>
+            </a:r>
+            <a:r>
+              <a:rPr lang="ko-KR" altLang="en-US" dirty="0"/>
               <a:t>억</a:t>
             </a:r>
           </a:p>
@@ -22305,24 +22430,24 @@
       </p:sp>
       <p:sp>
         <p:nvSpPr>
-          <p:cNvPr id="19" name="내용 개체 틀 18">
-            <a:extLst>
-              <a:ext uri="{FF2B5EF4-FFF2-40B4-BE49-F238E27FC236}">
-                <a16:creationId xmlns:a16="http://schemas.microsoft.com/office/drawing/2014/main" id="{791D6145-F7F7-43DE-A16B-BF4F9607D4E8}"/>
-              </a:ext>
-            </a:extLst>
-          </p:cNvPr>
-          <p:cNvSpPr>
-            <a:spLocks noGrp="1"/>
-          </p:cNvSpPr>
-          <p:nvPr>
-            <p:ph sz="half" idx="2"/>
-          </p:nvPr>
-        </p:nvSpPr>
-        <p:spPr>
-          <a:xfrm>
-            <a:off x="1129698" y="4824188"/>
-            <a:ext cx="3124093" cy="462927"/>
+          <p:cNvPr id="8" name="텍스트 개체 틀 7">
+            <a:extLst>
+              <a:ext uri="{FF2B5EF4-FFF2-40B4-BE49-F238E27FC236}">
+                <a16:creationId xmlns:a16="http://schemas.microsoft.com/office/drawing/2014/main" id="{E92B9716-8D44-4864-8986-720957B34362}"/>
+              </a:ext>
+            </a:extLst>
+          </p:cNvPr>
+          <p:cNvSpPr>
+            <a:spLocks noGrp="1"/>
+          </p:cNvSpPr>
+          <p:nvPr>
+            <p:ph sz="half" idx="14"/>
+          </p:nvPr>
+        </p:nvSpPr>
+        <p:spPr>
+          <a:xfrm>
+            <a:off x="8066421" y="3834606"/>
+            <a:ext cx="2882475" cy="1997867"/>
           </a:xfrm>
         </p:spPr>
         <p:txBody>
@@ -22331,188 +22456,45 @@
           <a:p>
             <a:pPr rtl="0"/>
             <a:r>
-              <a:rPr lang="ko-KR" altLang="en-US"/>
-              <a:t>구축 기회</a:t>
-            </a:r>
-          </a:p>
-        </p:txBody>
-      </p:sp>
-      <p:sp>
-        <p:nvSpPr>
-          <p:cNvPr id="20" name="내용 개체 틀 19">
-            <a:extLst>
-              <a:ext uri="{FF2B5EF4-FFF2-40B4-BE49-F238E27FC236}">
-                <a16:creationId xmlns:a16="http://schemas.microsoft.com/office/drawing/2014/main" id="{BC46925A-8382-42EB-891C-DBB4EAAA33F8}"/>
-              </a:ext>
-            </a:extLst>
-          </p:cNvPr>
-          <p:cNvSpPr>
-            <a:spLocks noGrp="1"/>
-          </p:cNvSpPr>
-          <p:nvPr>
-            <p:ph sz="quarter" idx="4"/>
-          </p:nvPr>
-        </p:nvSpPr>
-        <p:spPr>
-          <a:xfrm>
-            <a:off x="4526261" y="4824188"/>
-            <a:ext cx="3139479" cy="462927"/>
-          </a:xfrm>
-        </p:spPr>
-        <p:txBody>
-          <a:bodyPr rtlCol="0"/>
-          <a:lstStyle/>
+              <a:rPr lang="ko-KR" altLang="en-US" noProof="1"/>
+              <a:t>경쟁 업체가 거의 없음</a:t>
+            </a:r>
+          </a:p>
           <a:p>
             <a:pPr rtl="0"/>
             <a:r>
-              <a:rPr lang="ko-KR" altLang="en-US"/>
-              <a:t>창조의 자유</a:t>
-            </a:r>
-          </a:p>
-        </p:txBody>
-      </p:sp>
-      <p:sp>
-        <p:nvSpPr>
-          <p:cNvPr id="21" name="내용 개체 틀 20">
-            <a:extLst>
-              <a:ext uri="{FF2B5EF4-FFF2-40B4-BE49-F238E27FC236}">
-                <a16:creationId xmlns:a16="http://schemas.microsoft.com/office/drawing/2014/main" id="{318AFADE-B54F-4988-8000-B9336A395336}"/>
-              </a:ext>
-            </a:extLst>
-          </p:cNvPr>
-          <p:cNvSpPr>
-            <a:spLocks noGrp="1"/>
-          </p:cNvSpPr>
-          <p:nvPr>
-            <p:ph sz="half" idx="14"/>
-          </p:nvPr>
-        </p:nvSpPr>
-        <p:spPr>
-          <a:xfrm>
-            <a:off x="7938210" y="4824188"/>
-            <a:ext cx="3124093" cy="462927"/>
-          </a:xfrm>
-        </p:spPr>
-        <p:txBody>
-          <a:bodyPr rtlCol="0"/>
-          <a:lstStyle/>
+              <a:rPr lang="ko-KR" altLang="en-US" noProof="1"/>
+              <a:t>특정 대상 시장</a:t>
+            </a:r>
+          </a:p>
           <a:p>
             <a:pPr rtl="0"/>
             <a:r>
-              <a:rPr lang="ko-KR" altLang="en-US"/>
-              <a:t>경쟁 업체가 거의 없음</a:t>
-            </a:r>
-          </a:p>
-        </p:txBody>
-      </p:sp>
-      <p:sp>
-        <p:nvSpPr>
-          <p:cNvPr id="22" name="내용 개체 틀 21">
-            <a:extLst>
-              <a:ext uri="{FF2B5EF4-FFF2-40B4-BE49-F238E27FC236}">
-                <a16:creationId xmlns:a16="http://schemas.microsoft.com/office/drawing/2014/main" id="{F296843C-0ED0-4314-A6F0-DD60C828DDFB}"/>
-              </a:ext>
-            </a:extLst>
-          </p:cNvPr>
-          <p:cNvSpPr>
-            <a:spLocks noGrp="1"/>
-          </p:cNvSpPr>
-          <p:nvPr>
-            <p:ph sz="half" idx="17"/>
-          </p:nvPr>
-        </p:nvSpPr>
-        <p:spPr>
-          <a:xfrm>
-            <a:off x="1129698" y="5280763"/>
-            <a:ext cx="3124093" cy="462927"/>
-          </a:xfrm>
-        </p:spPr>
-        <p:txBody>
-          <a:bodyPr rtlCol="0"/>
-          <a:lstStyle/>
+              <a:rPr lang="en-US" altLang="ko-KR" noProof="1"/>
+              <a:t>SOM(</a:t>
+            </a:r>
+            <a:r>
+              <a:rPr lang="ko-KR" altLang="en-US" noProof="1"/>
+              <a:t>수익 시장</a:t>
+            </a:r>
+            <a:r>
+              <a:rPr lang="en-US" altLang="ko-KR" noProof="1"/>
+              <a:t>)</a:t>
+            </a:r>
+            <a:endParaRPr lang="ko-KR" altLang="en-ZA"/>
+          </a:p>
           <a:p>
             <a:pPr rtl="0"/>
-            <a:r>
-              <a:rPr lang="ko-KR" altLang="en-US"/>
-              <a:t>가용 시장</a:t>
-            </a:r>
-          </a:p>
-        </p:txBody>
-      </p:sp>
-      <p:sp>
-        <p:nvSpPr>
-          <p:cNvPr id="23" name="내용 개체 틀 22">
-            <a:extLst>
-              <a:ext uri="{FF2B5EF4-FFF2-40B4-BE49-F238E27FC236}">
-                <a16:creationId xmlns:a16="http://schemas.microsoft.com/office/drawing/2014/main" id="{649BF20C-562E-400E-BEA6-1D5F81F2FE44}"/>
-              </a:ext>
-            </a:extLst>
-          </p:cNvPr>
-          <p:cNvSpPr>
-            <a:spLocks noGrp="1"/>
-          </p:cNvSpPr>
-          <p:nvPr>
-            <p:ph sz="quarter" idx="18"/>
-          </p:nvPr>
-        </p:nvSpPr>
-        <p:spPr>
-          <a:xfrm>
-            <a:off x="4526261" y="5280763"/>
-            <a:ext cx="3139479" cy="462927"/>
-          </a:xfrm>
-        </p:spPr>
-        <p:txBody>
-          <a:bodyPr rtlCol="0"/>
-          <a:lstStyle/>
-          <a:p>
-            <a:pPr rtl="0"/>
-            <a:r>
-              <a:rPr lang="ko-KR" altLang="en-US"/>
-              <a:t>서비스 가능한 시장</a:t>
-            </a:r>
-          </a:p>
-        </p:txBody>
-      </p:sp>
-      <p:sp>
-        <p:nvSpPr>
-          <p:cNvPr id="24" name="내용 개체 틀 23">
-            <a:extLst>
-              <a:ext uri="{FF2B5EF4-FFF2-40B4-BE49-F238E27FC236}">
-                <a16:creationId xmlns:a16="http://schemas.microsoft.com/office/drawing/2014/main" id="{5AA25980-D334-4FC0-9091-936E53B8D321}"/>
-              </a:ext>
-            </a:extLst>
-          </p:cNvPr>
-          <p:cNvSpPr>
-            <a:spLocks noGrp="1"/>
-          </p:cNvSpPr>
-          <p:nvPr>
-            <p:ph sz="half" idx="19"/>
-          </p:nvPr>
-        </p:nvSpPr>
-        <p:spPr>
-          <a:xfrm>
-            <a:off x="7938210" y="5280763"/>
-            <a:ext cx="3124093" cy="462927"/>
-          </a:xfrm>
-        </p:spPr>
-        <p:txBody>
-          <a:bodyPr rtlCol="0"/>
-          <a:lstStyle/>
-          <a:p>
-            <a:pPr rtl="0"/>
-            <a:r>
-              <a:rPr lang="ko-KR" altLang="en-US"/>
-              <a:t>수익 시장</a:t>
-            </a:r>
-          </a:p>
-        </p:txBody>
-      </p:sp>
-      <p:sp>
-        <p:nvSpPr>
-          <p:cNvPr id="7" name="슬라이드 번호 개체 틀 6">
-            <a:extLst>
-              <a:ext uri="{FF2B5EF4-FFF2-40B4-BE49-F238E27FC236}">
-                <a16:creationId xmlns:a16="http://schemas.microsoft.com/office/drawing/2014/main" id="{EBC02F21-4E3C-469E-B11C-9214231082D3}"/>
+            <a:endParaRPr lang="ko-KR" altLang="en-US" dirty="0"/>
+          </a:p>
+        </p:txBody>
+      </p:sp>
+      <p:sp>
+        <p:nvSpPr>
+          <p:cNvPr id="11" name="슬라이드 번호 개체 틀 10">
+            <a:extLst>
+              <a:ext uri="{FF2B5EF4-FFF2-40B4-BE49-F238E27FC236}">
+                <a16:creationId xmlns:a16="http://schemas.microsoft.com/office/drawing/2014/main" id="{BAD5B6F4-0A90-447A-A1AE-D75C934B6B29}"/>
               </a:ext>
             </a:extLst>
           </p:cNvPr>
@@ -22536,17 +22518,17 @@
             <a:pPr rtl="0"/>
             <a:fld id="{B5CEABB6-07DC-46E8-9B57-56EC44A396E5}" type="slidenum">
               <a:rPr lang="en-US" altLang="ko-KR" smtClean="0"/>
-              <a:pPr/>
+              <a:pPr rtl="0"/>
               <a:t>10</a:t>
             </a:fld>
-            <a:endParaRPr lang="ko-KR" altLang="en-US"/>
+            <a:endParaRPr lang="ko-KR" altLang="en-US" dirty="0"/>
           </a:p>
         </p:txBody>
       </p:sp>
     </p:spTree>
     <p:extLst>
       <p:ext uri="{BB962C8B-B14F-4D97-AF65-F5344CB8AC3E}">
-        <p14:creationId xmlns:p14="http://schemas.microsoft.com/office/powerpoint/2010/main" val="404854312"/>
+        <p14:creationId xmlns:p14="http://schemas.microsoft.com/office/powerpoint/2010/main" val="2121178069"/>
       </p:ext>
     </p:extLst>
   </p:cSld>
@@ -22575,10 +22557,10 @@
       </p:grpSpPr>
       <p:sp>
         <p:nvSpPr>
-          <p:cNvPr id="4" name="제목 3">
-            <a:extLst>
-              <a:ext uri="{FF2B5EF4-FFF2-40B4-BE49-F238E27FC236}">
-                <a16:creationId xmlns:a16="http://schemas.microsoft.com/office/drawing/2014/main" id="{FAD2AE59-5630-4D5C-83A9-4CDEF4D7DCFB}"/>
+          <p:cNvPr id="2" name="제목 1">
+            <a:extLst>
+              <a:ext uri="{FF2B5EF4-FFF2-40B4-BE49-F238E27FC236}">
+                <a16:creationId xmlns:a16="http://schemas.microsoft.com/office/drawing/2014/main" id="{5864BC4F-3D59-464A-857E-6F155B368ED7}"/>
               </a:ext>
             </a:extLst>
           </p:cNvPr>
@@ -22591,7 +22573,7 @@
         </p:nvSpPr>
         <p:spPr>
           <a:xfrm>
-            <a:off x="2933700" y="892177"/>
+            <a:off x="1885156" y="892177"/>
             <a:ext cx="8421688" cy="1325563"/>
           </a:xfrm>
         </p:spPr>
@@ -22602,18 +22584,17 @@
             <a:pPr rtl="0"/>
             <a:r>
               <a:rPr lang="ko-KR" altLang="en-US"/>
-              <a:t>경쟁 업체</a:t>
-            </a:r>
-            <a:endParaRPr lang="ko-KR" altLang="en-US" dirty="0"/>
-          </a:p>
-        </p:txBody>
-      </p:sp>
-      <p:sp>
-        <p:nvSpPr>
-          <p:cNvPr id="5" name="텍스트 개체 틀 4">
-            <a:extLst>
-              <a:ext uri="{FF2B5EF4-FFF2-40B4-BE49-F238E27FC236}">
-                <a16:creationId xmlns:a16="http://schemas.microsoft.com/office/drawing/2014/main" id="{F8657664-A458-4DDD-ACC2-1D87FCD6FCA9}"/>
+              <a:t>시장 비교</a:t>
+            </a:r>
+          </a:p>
+        </p:txBody>
+      </p:sp>
+      <p:sp>
+        <p:nvSpPr>
+          <p:cNvPr id="9" name="텍스트 개체 틀 8">
+            <a:extLst>
+              <a:ext uri="{FF2B5EF4-FFF2-40B4-BE49-F238E27FC236}">
+                <a16:creationId xmlns:a16="http://schemas.microsoft.com/office/drawing/2014/main" id="{8C1455DF-5CEC-44A2-A92D-8E901D15B7CC}"/>
               </a:ext>
             </a:extLst>
           </p:cNvPr>
@@ -22626,8 +22607,8 @@
         </p:nvSpPr>
         <p:spPr>
           <a:xfrm>
-            <a:off x="2933700" y="2776936"/>
-            <a:ext cx="3924300" cy="823912"/>
+            <a:off x="2063855" y="3145298"/>
+            <a:ext cx="1450310" cy="823912"/>
           </a:xfrm>
         </p:spPr>
         <p:txBody>
@@ -22636,83 +22617,36 @@
           <a:p>
             <a:pPr rtl="0"/>
             <a:r>
-              <a:rPr lang="en-US" altLang="ko-KR"/>
-              <a:t>CONTOSO</a:t>
-            </a:r>
-            <a:endParaRPr lang="en-US" altLang="ko-KR" dirty="0"/>
-          </a:p>
-        </p:txBody>
-      </p:sp>
-      <p:sp>
-        <p:nvSpPr>
-          <p:cNvPr id="6" name="내용 개체 틀 5">
-            <a:extLst>
-              <a:ext uri="{FF2B5EF4-FFF2-40B4-BE49-F238E27FC236}">
-                <a16:creationId xmlns:a16="http://schemas.microsoft.com/office/drawing/2014/main" id="{5A6B31B0-7B84-475D-961F-09C0191F91A2}"/>
-              </a:ext>
-            </a:extLst>
-          </p:cNvPr>
-          <p:cNvSpPr>
-            <a:spLocks noGrp="1"/>
-          </p:cNvSpPr>
-          <p:nvPr>
-            <p:ph sz="half" idx="2"/>
-          </p:nvPr>
-        </p:nvSpPr>
-        <p:spPr>
-          <a:xfrm>
-            <a:off x="2933700" y="3834606"/>
-            <a:ext cx="3924300" cy="1997867"/>
-          </a:xfrm>
-        </p:spPr>
-        <p:txBody>
-          <a:bodyPr vert="horz" lIns="91440" tIns="45720" rIns="91440" bIns="45720" rtlCol="0" anchor="t">
-            <a:normAutofit/>
-          </a:bodyPr>
-          <a:lstStyle/>
-          <a:p>
-            <a:pPr rtl="0"/>
-            <a:r>
-              <a:rPr lang="ko-KR" altLang="en-US" noProof="1"/>
-              <a:t>당사 제품은 경쟁사 제품보다 가격이 저렴함</a:t>
-            </a:r>
-          </a:p>
-          <a:p>
-            <a:pPr rtl="0"/>
-            <a:r>
-              <a:rPr lang="ko-KR" altLang="en-US" noProof="1"/>
-              <a:t>경쟁사의 복잡한 디자인에 비해 디자인이 간단하고 사용하기 쉬움</a:t>
-            </a:r>
-          </a:p>
-          <a:p>
-            <a:pPr rtl="0"/>
-            <a:r>
-              <a:rPr lang="ko-KR" altLang="en-US" noProof="1"/>
-              <a:t>적당한 가격이 소비자가 당사 제품을 선택하는 주요 이유임</a:t>
-            </a:r>
-          </a:p>
-        </p:txBody>
-      </p:sp>
-      <p:sp>
-        <p:nvSpPr>
-          <p:cNvPr id="7" name="텍스트 개체 틀 6">
-            <a:extLst>
-              <a:ext uri="{FF2B5EF4-FFF2-40B4-BE49-F238E27FC236}">
-                <a16:creationId xmlns:a16="http://schemas.microsoft.com/office/drawing/2014/main" id="{578017FE-712E-4E95-B483-B700F1AA4B2A}"/>
-              </a:ext>
-            </a:extLst>
-          </p:cNvPr>
-          <p:cNvSpPr>
-            <a:spLocks noGrp="1"/>
-          </p:cNvSpPr>
-          <p:nvPr>
-            <p:ph type="body" sz="quarter" idx="3"/>
-          </p:nvPr>
-        </p:nvSpPr>
-        <p:spPr>
-          <a:xfrm>
-            <a:off x="7410173" y="2776936"/>
-            <a:ext cx="3943627" cy="823912"/>
+              <a:rPr lang="en-US" altLang="ko-KR" sz="3200" dirty="0"/>
+              <a:t>₩30</a:t>
+            </a:r>
+            <a:r>
+              <a:rPr lang="ko-KR" altLang="en-US" sz="3200" dirty="0"/>
+              <a:t>억</a:t>
+            </a:r>
+          </a:p>
+        </p:txBody>
+      </p:sp>
+      <p:sp>
+        <p:nvSpPr>
+          <p:cNvPr id="10" name="텍스트 개체 틀 9">
+            <a:extLst>
+              <a:ext uri="{FF2B5EF4-FFF2-40B4-BE49-F238E27FC236}">
+                <a16:creationId xmlns:a16="http://schemas.microsoft.com/office/drawing/2014/main" id="{7C7E7B18-D05F-4C44-8718-8C671160FC98}"/>
+              </a:ext>
+            </a:extLst>
+          </p:cNvPr>
+          <p:cNvSpPr>
+            <a:spLocks noGrp="1"/>
+          </p:cNvSpPr>
+          <p:nvPr>
+            <p:ph type="body" idx="15"/>
+          </p:nvPr>
+        </p:nvSpPr>
+        <p:spPr>
+          <a:xfrm>
+            <a:off x="5475514" y="3145298"/>
+            <a:ext cx="1450310" cy="823912"/>
           </a:xfrm>
         </p:spPr>
         <p:txBody>
@@ -22721,33 +22655,36 @@
           <a:p>
             <a:pPr rtl="0"/>
             <a:r>
-              <a:rPr lang="ko-KR" altLang="en-US"/>
-              <a:t>경쟁사</a:t>
-            </a:r>
-            <a:endParaRPr lang="ko-KR" altLang="en-US" dirty="0"/>
-          </a:p>
-        </p:txBody>
-      </p:sp>
-      <p:sp>
-        <p:nvSpPr>
-          <p:cNvPr id="11" name="내용 개체 틀 10">
-            <a:extLst>
-              <a:ext uri="{FF2B5EF4-FFF2-40B4-BE49-F238E27FC236}">
-                <a16:creationId xmlns:a16="http://schemas.microsoft.com/office/drawing/2014/main" id="{D0E0ACA0-9139-4C37-920D-BF3C1FF461C1}"/>
-              </a:ext>
-            </a:extLst>
-          </p:cNvPr>
-          <p:cNvSpPr>
-            <a:spLocks noGrp="1"/>
-          </p:cNvSpPr>
-          <p:nvPr>
-            <p:ph sz="quarter" idx="4"/>
-          </p:nvPr>
-        </p:nvSpPr>
-        <p:spPr>
-          <a:xfrm>
-            <a:off x="7410173" y="3834606"/>
-            <a:ext cx="3943627" cy="1997867"/>
+              <a:rPr lang="en-US" altLang="ko-KR" sz="3200" dirty="0"/>
+              <a:t>₩20</a:t>
+            </a:r>
+            <a:r>
+              <a:rPr lang="ko-KR" altLang="en-US" sz="3200" dirty="0"/>
+              <a:t>억</a:t>
+            </a:r>
+          </a:p>
+        </p:txBody>
+      </p:sp>
+      <p:sp>
+        <p:nvSpPr>
+          <p:cNvPr id="11" name="텍스트 개체 틀 10">
+            <a:extLst>
+              <a:ext uri="{FF2B5EF4-FFF2-40B4-BE49-F238E27FC236}">
+                <a16:creationId xmlns:a16="http://schemas.microsoft.com/office/drawing/2014/main" id="{C4EAD5C6-02F0-4D27-8D85-1BD5EA833D6F}"/>
+              </a:ext>
+            </a:extLst>
+          </p:cNvPr>
+          <p:cNvSpPr>
+            <a:spLocks noGrp="1"/>
+          </p:cNvSpPr>
+          <p:nvPr>
+            <p:ph type="body" idx="16"/>
+          </p:nvPr>
+        </p:nvSpPr>
+        <p:spPr>
+          <a:xfrm>
+            <a:off x="8887174" y="3145298"/>
+            <a:ext cx="1450310" cy="823912"/>
           </a:xfrm>
         </p:spPr>
         <p:txBody>
@@ -22756,81 +22693,226 @@
           <a:p>
             <a:pPr rtl="0"/>
             <a:r>
-              <a:rPr lang="ko-KR" altLang="en-US" noProof="1"/>
-              <a:t>회사 </a:t>
-            </a:r>
-            <a:r>
-              <a:rPr lang="en-US" altLang="ko-KR" noProof="1"/>
-              <a:t>A</a:t>
-            </a:r>
-            <a:br>
-              <a:rPr lang="ko-KR" altLang="en-ZA" noProof="1"/>
-            </a:br>
-            <a:r>
-              <a:rPr lang="ko-KR" altLang="en-US" noProof="1"/>
-              <a:t>제품이 더 비쌈</a:t>
-            </a:r>
-          </a:p>
+              <a:rPr lang="en-US" altLang="ko-KR" sz="3200" dirty="0"/>
+              <a:t>₩10</a:t>
+            </a:r>
+            <a:r>
+              <a:rPr lang="ko-KR" altLang="en-US" sz="3200" dirty="0"/>
+              <a:t>억</a:t>
+            </a:r>
+          </a:p>
+        </p:txBody>
+      </p:sp>
+      <p:sp>
+        <p:nvSpPr>
+          <p:cNvPr id="19" name="내용 개체 틀 18">
+            <a:extLst>
+              <a:ext uri="{FF2B5EF4-FFF2-40B4-BE49-F238E27FC236}">
+                <a16:creationId xmlns:a16="http://schemas.microsoft.com/office/drawing/2014/main" id="{791D6145-F7F7-43DE-A16B-BF4F9607D4E8}"/>
+              </a:ext>
+            </a:extLst>
+          </p:cNvPr>
+          <p:cNvSpPr>
+            <a:spLocks noGrp="1"/>
+          </p:cNvSpPr>
+          <p:nvPr>
+            <p:ph sz="half" idx="2"/>
+          </p:nvPr>
+        </p:nvSpPr>
+        <p:spPr>
+          <a:xfrm>
+            <a:off x="1129698" y="4824188"/>
+            <a:ext cx="3124093" cy="462927"/>
+          </a:xfrm>
+        </p:spPr>
+        <p:txBody>
+          <a:bodyPr rtlCol="0"/>
+          <a:lstStyle/>
           <a:p>
             <a:pPr rtl="0"/>
             <a:r>
-              <a:rPr lang="ko-KR" altLang="en-US" noProof="1"/>
-              <a:t>회사 </a:t>
-            </a:r>
-            <a:r>
-              <a:rPr lang="en-US" altLang="ko-KR" noProof="1"/>
-              <a:t>B </a:t>
-            </a:r>
-            <a:r>
-              <a:rPr lang="ko-KR" altLang="en-US" noProof="1"/>
-              <a:t>및 </a:t>
-            </a:r>
-            <a:r>
-              <a:rPr lang="en-US" altLang="ko-KR" noProof="1"/>
-              <a:t>C </a:t>
-            </a:r>
-            <a:br>
-              <a:rPr lang="ko-KR" altLang="en-ZA" noProof="1"/>
-            </a:br>
-            <a:r>
-              <a:rPr lang="ko-KR" altLang="en-US" noProof="1"/>
-              <a:t>제품이 비싸고 사용하기 불편함</a:t>
-            </a:r>
-          </a:p>
+              <a:rPr lang="ko-KR" altLang="en-US"/>
+              <a:t>구축 기회</a:t>
+            </a:r>
+          </a:p>
+        </p:txBody>
+      </p:sp>
+      <p:sp>
+        <p:nvSpPr>
+          <p:cNvPr id="20" name="내용 개체 틀 19">
+            <a:extLst>
+              <a:ext uri="{FF2B5EF4-FFF2-40B4-BE49-F238E27FC236}">
+                <a16:creationId xmlns:a16="http://schemas.microsoft.com/office/drawing/2014/main" id="{BC46925A-8382-42EB-891C-DBB4EAAA33F8}"/>
+              </a:ext>
+            </a:extLst>
+          </p:cNvPr>
+          <p:cNvSpPr>
+            <a:spLocks noGrp="1"/>
+          </p:cNvSpPr>
+          <p:nvPr>
+            <p:ph sz="quarter" idx="4"/>
+          </p:nvPr>
+        </p:nvSpPr>
+        <p:spPr>
+          <a:xfrm>
+            <a:off x="4526261" y="4824188"/>
+            <a:ext cx="3139479" cy="462927"/>
+          </a:xfrm>
+        </p:spPr>
+        <p:txBody>
+          <a:bodyPr rtlCol="0"/>
+          <a:lstStyle/>
           <a:p>
             <a:pPr rtl="0"/>
             <a:r>
-              <a:rPr lang="ko-KR" altLang="en-US" noProof="1"/>
-              <a:t>회사 </a:t>
-            </a:r>
-            <a:r>
-              <a:rPr lang="en-US" altLang="ko-KR" noProof="1"/>
-              <a:t>D </a:t>
-            </a:r>
-            <a:r>
-              <a:rPr lang="ko-KR" altLang="en-US" noProof="1"/>
-              <a:t>및 </a:t>
-            </a:r>
-            <a:r>
-              <a:rPr lang="en-US" altLang="ko-KR" noProof="1"/>
-              <a:t>E</a:t>
-            </a:r>
-            <a:br>
-              <a:rPr lang="ko-KR" altLang="en-ZA" noProof="1"/>
-            </a:br>
-            <a:r>
-              <a:rPr lang="ko-KR" altLang="en-US" noProof="1"/>
-              <a:t>제품은 저렴하지만 사용하기 불편함</a:t>
-            </a:r>
-          </a:p>
-        </p:txBody>
-      </p:sp>
-      <p:sp>
-        <p:nvSpPr>
-          <p:cNvPr id="14" name="슬라이드 번호 개체 틀 13">
-            <a:extLst>
-              <a:ext uri="{FF2B5EF4-FFF2-40B4-BE49-F238E27FC236}">
-                <a16:creationId xmlns:a16="http://schemas.microsoft.com/office/drawing/2014/main" id="{42152A75-1CD2-44EC-9374-C83D4604A5DD}"/>
+              <a:rPr lang="ko-KR" altLang="en-US"/>
+              <a:t>창조의 자유</a:t>
+            </a:r>
+          </a:p>
+        </p:txBody>
+      </p:sp>
+      <p:sp>
+        <p:nvSpPr>
+          <p:cNvPr id="21" name="내용 개체 틀 20">
+            <a:extLst>
+              <a:ext uri="{FF2B5EF4-FFF2-40B4-BE49-F238E27FC236}">
+                <a16:creationId xmlns:a16="http://schemas.microsoft.com/office/drawing/2014/main" id="{318AFADE-B54F-4988-8000-B9336A395336}"/>
+              </a:ext>
+            </a:extLst>
+          </p:cNvPr>
+          <p:cNvSpPr>
+            <a:spLocks noGrp="1"/>
+          </p:cNvSpPr>
+          <p:nvPr>
+            <p:ph sz="half" idx="14"/>
+          </p:nvPr>
+        </p:nvSpPr>
+        <p:spPr>
+          <a:xfrm>
+            <a:off x="7938210" y="4824188"/>
+            <a:ext cx="3124093" cy="462927"/>
+          </a:xfrm>
+        </p:spPr>
+        <p:txBody>
+          <a:bodyPr rtlCol="0"/>
+          <a:lstStyle/>
+          <a:p>
+            <a:pPr rtl="0"/>
+            <a:r>
+              <a:rPr lang="ko-KR" altLang="en-US"/>
+              <a:t>경쟁 업체가 거의 없음</a:t>
+            </a:r>
+          </a:p>
+        </p:txBody>
+      </p:sp>
+      <p:sp>
+        <p:nvSpPr>
+          <p:cNvPr id="22" name="내용 개체 틀 21">
+            <a:extLst>
+              <a:ext uri="{FF2B5EF4-FFF2-40B4-BE49-F238E27FC236}">
+                <a16:creationId xmlns:a16="http://schemas.microsoft.com/office/drawing/2014/main" id="{F296843C-0ED0-4314-A6F0-DD60C828DDFB}"/>
+              </a:ext>
+            </a:extLst>
+          </p:cNvPr>
+          <p:cNvSpPr>
+            <a:spLocks noGrp="1"/>
+          </p:cNvSpPr>
+          <p:nvPr>
+            <p:ph sz="half" idx="17"/>
+          </p:nvPr>
+        </p:nvSpPr>
+        <p:spPr>
+          <a:xfrm>
+            <a:off x="1129698" y="5280763"/>
+            <a:ext cx="3124093" cy="462927"/>
+          </a:xfrm>
+        </p:spPr>
+        <p:txBody>
+          <a:bodyPr rtlCol="0"/>
+          <a:lstStyle/>
+          <a:p>
+            <a:pPr rtl="0"/>
+            <a:r>
+              <a:rPr lang="ko-KR" altLang="en-US"/>
+              <a:t>가용 시장</a:t>
+            </a:r>
+          </a:p>
+        </p:txBody>
+      </p:sp>
+      <p:sp>
+        <p:nvSpPr>
+          <p:cNvPr id="23" name="내용 개체 틀 22">
+            <a:extLst>
+              <a:ext uri="{FF2B5EF4-FFF2-40B4-BE49-F238E27FC236}">
+                <a16:creationId xmlns:a16="http://schemas.microsoft.com/office/drawing/2014/main" id="{649BF20C-562E-400E-BEA6-1D5F81F2FE44}"/>
+              </a:ext>
+            </a:extLst>
+          </p:cNvPr>
+          <p:cNvSpPr>
+            <a:spLocks noGrp="1"/>
+          </p:cNvSpPr>
+          <p:nvPr>
+            <p:ph sz="quarter" idx="18"/>
+          </p:nvPr>
+        </p:nvSpPr>
+        <p:spPr>
+          <a:xfrm>
+            <a:off x="4526261" y="5280763"/>
+            <a:ext cx="3139479" cy="462927"/>
+          </a:xfrm>
+        </p:spPr>
+        <p:txBody>
+          <a:bodyPr rtlCol="0"/>
+          <a:lstStyle/>
+          <a:p>
+            <a:pPr rtl="0"/>
+            <a:r>
+              <a:rPr lang="ko-KR" altLang="en-US"/>
+              <a:t>서비스 가능한 시장</a:t>
+            </a:r>
+          </a:p>
+        </p:txBody>
+      </p:sp>
+      <p:sp>
+        <p:nvSpPr>
+          <p:cNvPr id="24" name="내용 개체 틀 23">
+            <a:extLst>
+              <a:ext uri="{FF2B5EF4-FFF2-40B4-BE49-F238E27FC236}">
+                <a16:creationId xmlns:a16="http://schemas.microsoft.com/office/drawing/2014/main" id="{5AA25980-D334-4FC0-9091-936E53B8D321}"/>
+              </a:ext>
+            </a:extLst>
+          </p:cNvPr>
+          <p:cNvSpPr>
+            <a:spLocks noGrp="1"/>
+          </p:cNvSpPr>
+          <p:nvPr>
+            <p:ph sz="half" idx="19"/>
+          </p:nvPr>
+        </p:nvSpPr>
+        <p:spPr>
+          <a:xfrm>
+            <a:off x="7938210" y="5280763"/>
+            <a:ext cx="3124093" cy="462927"/>
+          </a:xfrm>
+        </p:spPr>
+        <p:txBody>
+          <a:bodyPr rtlCol="0"/>
+          <a:lstStyle/>
+          <a:p>
+            <a:pPr rtl="0"/>
+            <a:r>
+              <a:rPr lang="ko-KR" altLang="en-US"/>
+              <a:t>수익 시장</a:t>
+            </a:r>
+          </a:p>
+        </p:txBody>
+      </p:sp>
+      <p:sp>
+        <p:nvSpPr>
+          <p:cNvPr id="7" name="슬라이드 번호 개체 틀 6">
+            <a:extLst>
+              <a:ext uri="{FF2B5EF4-FFF2-40B4-BE49-F238E27FC236}">
+                <a16:creationId xmlns:a16="http://schemas.microsoft.com/office/drawing/2014/main" id="{EBC02F21-4E3C-469E-B11C-9214231082D3}"/>
               </a:ext>
             </a:extLst>
           </p:cNvPr>
@@ -22854,17 +22936,17 @@
             <a:pPr rtl="0"/>
             <a:fld id="{B5CEABB6-07DC-46E8-9B57-56EC44A396E5}" type="slidenum">
               <a:rPr lang="en-US" altLang="ko-KR" smtClean="0"/>
-              <a:pPr/>
+              <a:pPr rtl="0"/>
               <a:t>11</a:t>
             </a:fld>
-            <a:endParaRPr lang="ko-KR" altLang="en-US" dirty="0"/>
+            <a:endParaRPr lang="ko-KR" altLang="en-US"/>
           </a:p>
         </p:txBody>
       </p:sp>
     </p:spTree>
     <p:extLst>
       <p:ext uri="{BB962C8B-B14F-4D97-AF65-F5344CB8AC3E}">
-        <p14:creationId xmlns:p14="http://schemas.microsoft.com/office/powerpoint/2010/main" val="4151694508"/>
+        <p14:creationId xmlns:p14="http://schemas.microsoft.com/office/powerpoint/2010/main" val="404854312"/>
       </p:ext>
     </p:extLst>
   </p:cSld>
@@ -22893,6 +22975,324 @@
       </p:grpSpPr>
       <p:sp>
         <p:nvSpPr>
+          <p:cNvPr id="4" name="제목 3">
+            <a:extLst>
+              <a:ext uri="{FF2B5EF4-FFF2-40B4-BE49-F238E27FC236}">
+                <a16:creationId xmlns:a16="http://schemas.microsoft.com/office/drawing/2014/main" id="{FAD2AE59-5630-4D5C-83A9-4CDEF4D7DCFB}"/>
+              </a:ext>
+            </a:extLst>
+          </p:cNvPr>
+          <p:cNvSpPr>
+            <a:spLocks noGrp="1"/>
+          </p:cNvSpPr>
+          <p:nvPr>
+            <p:ph type="title"/>
+          </p:nvPr>
+        </p:nvSpPr>
+        <p:spPr>
+          <a:xfrm>
+            <a:off x="2933700" y="892177"/>
+            <a:ext cx="8421688" cy="1325563"/>
+          </a:xfrm>
+        </p:spPr>
+        <p:txBody>
+          <a:bodyPr rtlCol="0"/>
+          <a:lstStyle/>
+          <a:p>
+            <a:pPr rtl="0"/>
+            <a:r>
+              <a:rPr lang="ko-KR" altLang="en-US"/>
+              <a:t>경쟁 업체</a:t>
+            </a:r>
+            <a:endParaRPr lang="ko-KR" altLang="en-US" dirty="0"/>
+          </a:p>
+        </p:txBody>
+      </p:sp>
+      <p:sp>
+        <p:nvSpPr>
+          <p:cNvPr id="5" name="텍스트 개체 틀 4">
+            <a:extLst>
+              <a:ext uri="{FF2B5EF4-FFF2-40B4-BE49-F238E27FC236}">
+                <a16:creationId xmlns:a16="http://schemas.microsoft.com/office/drawing/2014/main" id="{F8657664-A458-4DDD-ACC2-1D87FCD6FCA9}"/>
+              </a:ext>
+            </a:extLst>
+          </p:cNvPr>
+          <p:cNvSpPr>
+            <a:spLocks noGrp="1"/>
+          </p:cNvSpPr>
+          <p:nvPr>
+            <p:ph type="body" idx="1"/>
+          </p:nvPr>
+        </p:nvSpPr>
+        <p:spPr>
+          <a:xfrm>
+            <a:off x="2933700" y="2776936"/>
+            <a:ext cx="3924300" cy="823912"/>
+          </a:xfrm>
+        </p:spPr>
+        <p:txBody>
+          <a:bodyPr rtlCol="0"/>
+          <a:lstStyle/>
+          <a:p>
+            <a:pPr rtl="0"/>
+            <a:r>
+              <a:rPr lang="en-US" altLang="ko-KR"/>
+              <a:t>CONTOSO</a:t>
+            </a:r>
+            <a:endParaRPr lang="en-US" altLang="ko-KR" dirty="0"/>
+          </a:p>
+        </p:txBody>
+      </p:sp>
+      <p:sp>
+        <p:nvSpPr>
+          <p:cNvPr id="6" name="내용 개체 틀 5">
+            <a:extLst>
+              <a:ext uri="{FF2B5EF4-FFF2-40B4-BE49-F238E27FC236}">
+                <a16:creationId xmlns:a16="http://schemas.microsoft.com/office/drawing/2014/main" id="{5A6B31B0-7B84-475D-961F-09C0191F91A2}"/>
+              </a:ext>
+            </a:extLst>
+          </p:cNvPr>
+          <p:cNvSpPr>
+            <a:spLocks noGrp="1"/>
+          </p:cNvSpPr>
+          <p:nvPr>
+            <p:ph sz="half" idx="2"/>
+          </p:nvPr>
+        </p:nvSpPr>
+        <p:spPr>
+          <a:xfrm>
+            <a:off x="2933700" y="3834606"/>
+            <a:ext cx="3924300" cy="1997867"/>
+          </a:xfrm>
+        </p:spPr>
+        <p:txBody>
+          <a:bodyPr vert="horz" lIns="91440" tIns="45720" rIns="91440" bIns="45720" rtlCol="0" anchor="t">
+            <a:normAutofit/>
+          </a:bodyPr>
+          <a:lstStyle/>
+          <a:p>
+            <a:pPr rtl="0"/>
+            <a:r>
+              <a:rPr lang="ko-KR" altLang="en-US" noProof="1"/>
+              <a:t>당사 제품은 경쟁사 제품보다 가격이 저렴함</a:t>
+            </a:r>
+          </a:p>
+          <a:p>
+            <a:pPr rtl="0"/>
+            <a:r>
+              <a:rPr lang="ko-KR" altLang="en-US" noProof="1"/>
+              <a:t>경쟁사의 복잡한 디자인에 비해 디자인이 간단하고 사용하기 쉬움</a:t>
+            </a:r>
+          </a:p>
+          <a:p>
+            <a:pPr rtl="0"/>
+            <a:r>
+              <a:rPr lang="ko-KR" altLang="en-US" noProof="1"/>
+              <a:t>적당한 가격이 소비자가 당사 제품을 선택하는 주요 이유임</a:t>
+            </a:r>
+          </a:p>
+        </p:txBody>
+      </p:sp>
+      <p:sp>
+        <p:nvSpPr>
+          <p:cNvPr id="7" name="텍스트 개체 틀 6">
+            <a:extLst>
+              <a:ext uri="{FF2B5EF4-FFF2-40B4-BE49-F238E27FC236}">
+                <a16:creationId xmlns:a16="http://schemas.microsoft.com/office/drawing/2014/main" id="{578017FE-712E-4E95-B483-B700F1AA4B2A}"/>
+              </a:ext>
+            </a:extLst>
+          </p:cNvPr>
+          <p:cNvSpPr>
+            <a:spLocks noGrp="1"/>
+          </p:cNvSpPr>
+          <p:nvPr>
+            <p:ph type="body" sz="quarter" idx="3"/>
+          </p:nvPr>
+        </p:nvSpPr>
+        <p:spPr>
+          <a:xfrm>
+            <a:off x="7410173" y="2776936"/>
+            <a:ext cx="3943627" cy="823912"/>
+          </a:xfrm>
+        </p:spPr>
+        <p:txBody>
+          <a:bodyPr rtlCol="0"/>
+          <a:lstStyle/>
+          <a:p>
+            <a:pPr rtl="0"/>
+            <a:r>
+              <a:rPr lang="ko-KR" altLang="en-US"/>
+              <a:t>경쟁사</a:t>
+            </a:r>
+            <a:endParaRPr lang="ko-KR" altLang="en-US" dirty="0"/>
+          </a:p>
+        </p:txBody>
+      </p:sp>
+      <p:sp>
+        <p:nvSpPr>
+          <p:cNvPr id="11" name="내용 개체 틀 10">
+            <a:extLst>
+              <a:ext uri="{FF2B5EF4-FFF2-40B4-BE49-F238E27FC236}">
+                <a16:creationId xmlns:a16="http://schemas.microsoft.com/office/drawing/2014/main" id="{D0E0ACA0-9139-4C37-920D-BF3C1FF461C1}"/>
+              </a:ext>
+            </a:extLst>
+          </p:cNvPr>
+          <p:cNvSpPr>
+            <a:spLocks noGrp="1"/>
+          </p:cNvSpPr>
+          <p:nvPr>
+            <p:ph sz="quarter" idx="4"/>
+          </p:nvPr>
+        </p:nvSpPr>
+        <p:spPr>
+          <a:xfrm>
+            <a:off x="7410173" y="3834606"/>
+            <a:ext cx="3943627" cy="1997867"/>
+          </a:xfrm>
+        </p:spPr>
+        <p:txBody>
+          <a:bodyPr rtlCol="0"/>
+          <a:lstStyle/>
+          <a:p>
+            <a:pPr rtl="0"/>
+            <a:r>
+              <a:rPr lang="ko-KR" altLang="en-US" noProof="1"/>
+              <a:t>회사 </a:t>
+            </a:r>
+            <a:r>
+              <a:rPr lang="en-US" altLang="ko-KR" noProof="1"/>
+              <a:t>A</a:t>
+            </a:r>
+            <a:br>
+              <a:rPr lang="ko-KR" altLang="en-ZA" noProof="1"/>
+            </a:br>
+            <a:r>
+              <a:rPr lang="ko-KR" altLang="en-US" noProof="1"/>
+              <a:t>제품이 더 비쌈</a:t>
+            </a:r>
+          </a:p>
+          <a:p>
+            <a:pPr rtl="0"/>
+            <a:r>
+              <a:rPr lang="ko-KR" altLang="en-US" noProof="1"/>
+              <a:t>회사 </a:t>
+            </a:r>
+            <a:r>
+              <a:rPr lang="en-US" altLang="ko-KR" noProof="1"/>
+              <a:t>B </a:t>
+            </a:r>
+            <a:r>
+              <a:rPr lang="ko-KR" altLang="en-US" noProof="1"/>
+              <a:t>및 </a:t>
+            </a:r>
+            <a:r>
+              <a:rPr lang="en-US" altLang="ko-KR" noProof="1"/>
+              <a:t>C </a:t>
+            </a:r>
+            <a:br>
+              <a:rPr lang="ko-KR" altLang="en-ZA" noProof="1"/>
+            </a:br>
+            <a:r>
+              <a:rPr lang="ko-KR" altLang="en-US" noProof="1"/>
+              <a:t>제품이 비싸고 사용하기 불편함</a:t>
+            </a:r>
+          </a:p>
+          <a:p>
+            <a:pPr rtl="0"/>
+            <a:r>
+              <a:rPr lang="ko-KR" altLang="en-US" noProof="1"/>
+              <a:t>회사 </a:t>
+            </a:r>
+            <a:r>
+              <a:rPr lang="en-US" altLang="ko-KR" noProof="1"/>
+              <a:t>D </a:t>
+            </a:r>
+            <a:r>
+              <a:rPr lang="ko-KR" altLang="en-US" noProof="1"/>
+              <a:t>및 </a:t>
+            </a:r>
+            <a:r>
+              <a:rPr lang="en-US" altLang="ko-KR" noProof="1"/>
+              <a:t>E</a:t>
+            </a:r>
+            <a:br>
+              <a:rPr lang="ko-KR" altLang="en-ZA" noProof="1"/>
+            </a:br>
+            <a:r>
+              <a:rPr lang="ko-KR" altLang="en-US" noProof="1"/>
+              <a:t>제품은 저렴하지만 사용하기 불편함</a:t>
+            </a:r>
+          </a:p>
+        </p:txBody>
+      </p:sp>
+      <p:sp>
+        <p:nvSpPr>
+          <p:cNvPr id="14" name="슬라이드 번호 개체 틀 13">
+            <a:extLst>
+              <a:ext uri="{FF2B5EF4-FFF2-40B4-BE49-F238E27FC236}">
+                <a16:creationId xmlns:a16="http://schemas.microsoft.com/office/drawing/2014/main" id="{42152A75-1CD2-44EC-9374-C83D4604A5DD}"/>
+              </a:ext>
+            </a:extLst>
+          </p:cNvPr>
+          <p:cNvSpPr>
+            <a:spLocks noGrp="1"/>
+          </p:cNvSpPr>
+          <p:nvPr>
+            <p:ph type="sldNum" sz="quarter" idx="12"/>
+          </p:nvPr>
+        </p:nvSpPr>
+        <p:spPr>
+          <a:xfrm>
+            <a:off x="8610600" y="6356350"/>
+            <a:ext cx="2743200" cy="365125"/>
+          </a:xfrm>
+        </p:spPr>
+        <p:txBody>
+          <a:bodyPr rtlCol="0"/>
+          <a:lstStyle/>
+          <a:p>
+            <a:pPr rtl="0"/>
+            <a:fld id="{B5CEABB6-07DC-46E8-9B57-56EC44A396E5}" type="slidenum">
+              <a:rPr lang="en-US" altLang="ko-KR" smtClean="0"/>
+              <a:pPr rtl="0"/>
+              <a:t>12</a:t>
+            </a:fld>
+            <a:endParaRPr lang="ko-KR" altLang="en-US" dirty="0"/>
+          </a:p>
+        </p:txBody>
+      </p:sp>
+    </p:spTree>
+    <p:extLst>
+      <p:ext uri="{BB962C8B-B14F-4D97-AF65-F5344CB8AC3E}">
+        <p14:creationId xmlns:p14="http://schemas.microsoft.com/office/powerpoint/2010/main" val="4151694508"/>
+      </p:ext>
+    </p:extLst>
+  </p:cSld>
+  <p:clrMapOvr>
+    <a:masterClrMapping/>
+  </p:clrMapOvr>
+</p:sld>
+</file>
+
+<file path=ppt/slides/slide13.xml><?xml version="1.0" encoding="utf-8"?>
+<p:sld xmlns:a="http://schemas.openxmlformats.org/drawingml/2006/main" xmlns:r="http://schemas.openxmlformats.org/officeDocument/2006/relationships" xmlns:p="http://schemas.openxmlformats.org/presentationml/2006/main">
+  <p:cSld>
+    <p:spTree>
+      <p:nvGrpSpPr>
+        <p:cNvPr id="1" name=""/>
+        <p:cNvGrpSpPr/>
+        <p:nvPr/>
+      </p:nvGrpSpPr>
+      <p:grpSpPr>
+        <a:xfrm>
+          <a:off x="0" y="0"/>
+          <a:ext cx="0" cy="0"/>
+          <a:chOff x="0" y="0"/>
+          <a:chExt cx="0" cy="0"/>
+        </a:xfrm>
+      </p:grpSpPr>
+      <p:sp>
+        <p:nvSpPr>
           <p:cNvPr id="2" name="제목 1">
             <a:extLst>
               <a:ext uri="{FF2B5EF4-FFF2-40B4-BE49-F238E27FC236}">
@@ -23322,8 +23722,8 @@
             <a:pPr rtl="0"/>
             <a:fld id="{19B51A1E-902D-48AF-9020-955120F399B6}" type="slidenum">
               <a:rPr lang="en-ZA" altLang="ko-KR" smtClean="0"/>
-              <a:pPr/>
-              <a:t>12</a:t>
+              <a:pPr rtl="0"/>
+              <a:t>13</a:t>
             </a:fld>
             <a:endParaRPr lang="ko-KR" altLang="en-ZA"/>
           </a:p>
@@ -24411,7 +24811,7 @@
 </p:sld>
 </file>
 
-<file path=ppt/slides/slide13.xml><?xml version="1.0" encoding="utf-8"?>
+<file path=ppt/slides/slide14.xml><?xml version="1.0" encoding="utf-8"?>
 <p:sld xmlns:a="http://schemas.openxmlformats.org/drawingml/2006/main" xmlns:r="http://schemas.openxmlformats.org/officeDocument/2006/relationships" xmlns:p="http://schemas.openxmlformats.org/presentationml/2006/main">
   <p:cSld>
     <p:spTree>
@@ -24741,8 +25141,8 @@
             <a:pPr rtl="0"/>
             <a:fld id="{B5CEABB6-07DC-46E8-9B57-56EC44A396E5}" type="slidenum">
               <a:rPr lang="en-US" altLang="ko-KR" smtClean="0"/>
-              <a:pPr/>
-              <a:t>13</a:t>
+              <a:pPr rtl="0"/>
+              <a:t>14</a:t>
             </a:fld>
             <a:endParaRPr lang="ko-KR" altLang="en-US"/>
           </a:p>
@@ -24761,7 +25161,7 @@
 </p:sld>
 </file>
 
-<file path=ppt/slides/slide14.xml><?xml version="1.0" encoding="utf-8"?>
+<file path=ppt/slides/slide15.xml><?xml version="1.0" encoding="utf-8"?>
 <p:sld xmlns:a="http://schemas.openxmlformats.org/drawingml/2006/main" xmlns:r="http://schemas.openxmlformats.org/officeDocument/2006/relationships" xmlns:p="http://schemas.openxmlformats.org/presentationml/2006/main">
   <p:cSld>
     <p:spTree>
@@ -27127,8 +27527,8 @@
             <a:pPr rtl="0"/>
             <a:fld id="{B5CEABB6-07DC-46E8-9B57-56EC44A396E5}" type="slidenum">
               <a:rPr lang="en-US" smtClean="0"/>
-              <a:pPr/>
-              <a:t>14</a:t>
+              <a:pPr rtl="0"/>
+              <a:t>15</a:t>
             </a:fld>
             <a:endParaRPr lang="en-US" dirty="0"/>
           </a:p>
@@ -27239,7 +27639,7 @@
 </p:sld>
 </file>
 
-<file path=ppt/slides/slide15.xml><?xml version="1.0" encoding="utf-8"?>
+<file path=ppt/slides/slide16.xml><?xml version="1.0" encoding="utf-8"?>
 <p:sld xmlns:a="http://schemas.openxmlformats.org/drawingml/2006/main" xmlns:r="http://schemas.openxmlformats.org/officeDocument/2006/relationships" xmlns:p="http://schemas.openxmlformats.org/presentationml/2006/main">
   <p:cSld>
     <p:spTree>
@@ -30289,8 +30689,8 @@
             <a:pPr rtl="0"/>
             <a:fld id="{19B51A1E-902D-48AF-9020-955120F399B6}" type="slidenum">
               <a:rPr lang="en-ZA" altLang="ko-KR" smtClean="0"/>
-              <a:pPr/>
-              <a:t>15</a:t>
+              <a:pPr rtl="0"/>
+              <a:t>16</a:t>
             </a:fld>
             <a:endParaRPr lang="ko-KR" altLang="en-ZA"/>
           </a:p>
@@ -30309,7 +30709,7 @@
 </p:sld>
 </file>
 
-<file path=ppt/slides/slide16.xml><?xml version="1.0" encoding="utf-8"?>
+<file path=ppt/slides/slide17.xml><?xml version="1.0" encoding="utf-8"?>
 <p:sld xmlns:a="http://schemas.openxmlformats.org/drawingml/2006/main" xmlns:r="http://schemas.openxmlformats.org/officeDocument/2006/relationships" xmlns:p="http://schemas.openxmlformats.org/presentationml/2006/main">
   <p:cSld>
     <p:spTree>
@@ -30391,8 +30791,8 @@
             <a:pPr rtl="0"/>
             <a:fld id="{B5CEABB6-07DC-46E8-9B57-56EC44A396E5}" type="slidenum">
               <a:rPr lang="en-US" altLang="ko-KR" smtClean="0"/>
-              <a:pPr/>
-              <a:t>16</a:t>
+              <a:pPr rtl="0"/>
+              <a:t>17</a:t>
             </a:fld>
             <a:endParaRPr lang="ko-KR" altLang="en-US"/>
           </a:p>
@@ -33831,522 +34231,6 @@
 </p:sld>
 </file>
 
-<file path=ppt/slides/slide17.xml><?xml version="1.0" encoding="utf-8"?>
-<p:sld xmlns:a="http://schemas.openxmlformats.org/drawingml/2006/main" xmlns:r="http://schemas.openxmlformats.org/officeDocument/2006/relationships" xmlns:p="http://schemas.openxmlformats.org/presentationml/2006/main">
-  <p:cSld>
-    <p:spTree>
-      <p:nvGrpSpPr>
-        <p:cNvPr id="1" name=""/>
-        <p:cNvGrpSpPr/>
-        <p:nvPr/>
-      </p:nvGrpSpPr>
-      <p:grpSpPr>
-        <a:xfrm>
-          <a:off x="0" y="0"/>
-          <a:ext cx="0" cy="0"/>
-          <a:chOff x="0" y="0"/>
-          <a:chExt cx="0" cy="0"/>
-        </a:xfrm>
-      </p:grpSpPr>
-      <p:sp>
-        <p:nvSpPr>
-          <p:cNvPr id="2" name="제목 1">
-            <a:extLst>
-              <a:ext uri="{FF2B5EF4-FFF2-40B4-BE49-F238E27FC236}">
-                <a16:creationId xmlns:a16="http://schemas.microsoft.com/office/drawing/2014/main" id="{27A6F7BB-30A8-4980-AD4A-2FB0B53FA6C9}"/>
-              </a:ext>
-            </a:extLst>
-          </p:cNvPr>
-          <p:cNvSpPr>
-            <a:spLocks noGrp="1"/>
-          </p:cNvSpPr>
-          <p:nvPr>
-            <p:ph type="title"/>
-          </p:nvPr>
-        </p:nvSpPr>
-        <p:spPr>
-          <a:xfrm>
-            <a:off x="1885156" y="892177"/>
-            <a:ext cx="8421688" cy="1325563"/>
-          </a:xfrm>
-        </p:spPr>
-        <p:txBody>
-          <a:bodyPr rtlCol="0"/>
-          <a:lstStyle/>
-          <a:p>
-            <a:pPr rtl="0"/>
-            <a:r>
-              <a:rPr lang="ko-KR" altLang="en-US"/>
-              <a:t>팀 소개</a:t>
-            </a:r>
-          </a:p>
-        </p:txBody>
-      </p:sp>
-      <p:pic>
-        <p:nvPicPr>
-          <p:cNvPr id="26" name="그림 개체 틀 25" descr="팀 구성원 얼굴 사진">
-            <a:extLst>
-              <a:ext uri="{FF2B5EF4-FFF2-40B4-BE49-F238E27FC236}">
-                <a16:creationId xmlns:a16="http://schemas.microsoft.com/office/drawing/2014/main" id="{E287A61C-B7FB-4B69-97E7-7B7AFC8A5D33}"/>
-              </a:ext>
-            </a:extLst>
-          </p:cNvPr>
-          <p:cNvPicPr>
-            <a:picLocks noGrp="1" noChangeAspect="1"/>
-          </p:cNvPicPr>
-          <p:nvPr>
-            <p:ph type="pic" sz="quarter" idx="14"/>
-          </p:nvPr>
-        </p:nvPicPr>
-        <p:blipFill rotWithShape="1">
-          <a:blip r:embed="rId3">
-            <a:extLst>
-              <a:ext uri="{28A0092B-C50C-407E-A947-70E740481C1C}">
-                <a14:useLocalDpi xmlns:a14="http://schemas.microsoft.com/office/drawing/2010/main" val="0"/>
-              </a:ext>
-            </a:extLst>
-          </a:blip>
-          <a:srcRect/>
-          <a:stretch/>
-        </p:blipFill>
-        <p:spPr>
-          <a:xfrm>
-            <a:off x="1487181" y="2886074"/>
-            <a:ext cx="1845511" cy="1845511"/>
-          </a:xfrm>
-        </p:spPr>
-      </p:pic>
-      <p:pic>
-        <p:nvPicPr>
-          <p:cNvPr id="47" name="그림 개체 틀 46" descr="팀 구성원 얼굴 사진">
-            <a:extLst>
-              <a:ext uri="{FF2B5EF4-FFF2-40B4-BE49-F238E27FC236}">
-                <a16:creationId xmlns:a16="http://schemas.microsoft.com/office/drawing/2014/main" id="{8AF5260A-2860-4F88-BA4D-70530D3E14AA}"/>
-              </a:ext>
-            </a:extLst>
-          </p:cNvPr>
-          <p:cNvPicPr>
-            <a:picLocks noGrp="1" noChangeAspect="1"/>
-          </p:cNvPicPr>
-          <p:nvPr>
-            <p:ph type="pic" sz="quarter" idx="15"/>
-          </p:nvPr>
-        </p:nvPicPr>
-        <p:blipFill rotWithShape="1">
-          <a:blip r:embed="rId4">
-            <a:extLst>
-              <a:ext uri="{28A0092B-C50C-407E-A947-70E740481C1C}">
-                <a14:useLocalDpi xmlns:a14="http://schemas.microsoft.com/office/drawing/2010/main" val="0"/>
-              </a:ext>
-            </a:extLst>
-          </a:blip>
-          <a:srcRect/>
-          <a:stretch/>
-        </p:blipFill>
-        <p:spPr>
-          <a:xfrm>
-            <a:off x="3836914" y="2886074"/>
-            <a:ext cx="1845511" cy="1845511"/>
-          </a:xfrm>
-        </p:spPr>
-      </p:pic>
-      <p:pic>
-        <p:nvPicPr>
-          <p:cNvPr id="45" name="그림 개체 틀 44" descr="팀 구성원 얼굴 사진">
-            <a:extLst>
-              <a:ext uri="{FF2B5EF4-FFF2-40B4-BE49-F238E27FC236}">
-                <a16:creationId xmlns:a16="http://schemas.microsoft.com/office/drawing/2014/main" id="{4442FA67-BF04-4E45-BFD9-78BF43789E09}"/>
-              </a:ext>
-            </a:extLst>
-          </p:cNvPr>
-          <p:cNvPicPr>
-            <a:picLocks noGrp="1" noChangeAspect="1"/>
-          </p:cNvPicPr>
-          <p:nvPr>
-            <p:ph type="pic" sz="quarter" idx="16"/>
-          </p:nvPr>
-        </p:nvPicPr>
-        <p:blipFill rotWithShape="1">
-          <a:blip r:embed="rId5">
-            <a:extLst>
-              <a:ext uri="{28A0092B-C50C-407E-A947-70E740481C1C}">
-                <a14:useLocalDpi xmlns:a14="http://schemas.microsoft.com/office/drawing/2010/main" val="0"/>
-              </a:ext>
-            </a:extLst>
-          </a:blip>
-          <a:srcRect/>
-          <a:stretch/>
-        </p:blipFill>
-        <p:spPr>
-          <a:xfrm>
-            <a:off x="6327578" y="2886074"/>
-            <a:ext cx="1845511" cy="1845511"/>
-          </a:xfrm>
-        </p:spPr>
-      </p:pic>
-      <p:pic>
-        <p:nvPicPr>
-          <p:cNvPr id="43" name="그림 개체 틀 42" descr="팀 구성원 얼굴 사진">
-            <a:extLst>
-              <a:ext uri="{FF2B5EF4-FFF2-40B4-BE49-F238E27FC236}">
-                <a16:creationId xmlns:a16="http://schemas.microsoft.com/office/drawing/2014/main" id="{F328CD15-EA0E-49AD-A3C6-5798A372AA53}"/>
-              </a:ext>
-            </a:extLst>
-          </p:cNvPr>
-          <p:cNvPicPr>
-            <a:picLocks noGrp="1" noChangeAspect="1"/>
-          </p:cNvPicPr>
-          <p:nvPr>
-            <p:ph type="pic" sz="quarter" idx="17"/>
-          </p:nvPr>
-        </p:nvPicPr>
-        <p:blipFill rotWithShape="1">
-          <a:blip r:embed="rId6">
-            <a:extLst>
-              <a:ext uri="{28A0092B-C50C-407E-A947-70E740481C1C}">
-                <a14:useLocalDpi xmlns:a14="http://schemas.microsoft.com/office/drawing/2010/main" val="0"/>
-              </a:ext>
-            </a:extLst>
-          </a:blip>
-          <a:srcRect/>
-          <a:stretch/>
-        </p:blipFill>
-        <p:spPr>
-          <a:xfrm>
-            <a:off x="8747458" y="2886074"/>
-            <a:ext cx="1845511" cy="1845511"/>
-          </a:xfrm>
-        </p:spPr>
-      </p:pic>
-      <p:sp>
-        <p:nvSpPr>
-          <p:cNvPr id="24" name="텍스트 개체 틀 23">
-            <a:extLst>
-              <a:ext uri="{FF2B5EF4-FFF2-40B4-BE49-F238E27FC236}">
-                <a16:creationId xmlns:a16="http://schemas.microsoft.com/office/drawing/2014/main" id="{7BAD1FFF-8B97-4CD1-85E7-B7738EAD28CD}"/>
-              </a:ext>
-            </a:extLst>
-          </p:cNvPr>
-          <p:cNvSpPr>
-            <a:spLocks noGrp="1"/>
-          </p:cNvSpPr>
-          <p:nvPr>
-            <p:ph type="body" idx="1"/>
-          </p:nvPr>
-        </p:nvSpPr>
-        <p:spPr>
-          <a:xfrm>
-            <a:off x="1343248" y="5084524"/>
-            <a:ext cx="2123743" cy="343061"/>
-          </a:xfrm>
-        </p:spPr>
-        <p:txBody>
-          <a:bodyPr rtlCol="0"/>
-          <a:lstStyle/>
-          <a:p>
-            <a:pPr rtl="0"/>
-            <a:r>
-              <a:rPr lang="ko-KR" altLang="en-US"/>
-              <a:t>이봉진</a:t>
-            </a:r>
-          </a:p>
-        </p:txBody>
-      </p:sp>
-      <p:sp>
-        <p:nvSpPr>
-          <p:cNvPr id="33" name="텍스트 개체 틀 32">
-            <a:extLst>
-              <a:ext uri="{FF2B5EF4-FFF2-40B4-BE49-F238E27FC236}">
-                <a16:creationId xmlns:a16="http://schemas.microsoft.com/office/drawing/2014/main" id="{10C8C8C1-99D8-4034-A628-DECEB703BA1D}"/>
-              </a:ext>
-            </a:extLst>
-          </p:cNvPr>
-          <p:cNvSpPr>
-            <a:spLocks noGrp="1"/>
-          </p:cNvSpPr>
-          <p:nvPr>
-            <p:ph type="body" idx="18"/>
-          </p:nvPr>
-        </p:nvSpPr>
-        <p:spPr>
-          <a:xfrm>
-            <a:off x="3692980" y="5099206"/>
-            <a:ext cx="2135755" cy="343061"/>
-          </a:xfrm>
-        </p:spPr>
-        <p:txBody>
-          <a:bodyPr rtlCol="0"/>
-          <a:lstStyle/>
-          <a:p>
-            <a:pPr rtl="0"/>
-            <a:r>
-              <a:rPr lang="ko-KR" altLang="en-US"/>
-              <a:t>심현기</a:t>
-            </a:r>
-          </a:p>
-        </p:txBody>
-      </p:sp>
-      <p:sp>
-        <p:nvSpPr>
-          <p:cNvPr id="34" name="텍스트 개체 틀 33">
-            <a:extLst>
-              <a:ext uri="{FF2B5EF4-FFF2-40B4-BE49-F238E27FC236}">
-                <a16:creationId xmlns:a16="http://schemas.microsoft.com/office/drawing/2014/main" id="{08CA58D6-00FD-4D81-A0F6-215C4D558912}"/>
-              </a:ext>
-            </a:extLst>
-          </p:cNvPr>
-          <p:cNvSpPr>
-            <a:spLocks noGrp="1"/>
-          </p:cNvSpPr>
-          <p:nvPr>
-            <p:ph type="body" idx="19"/>
-          </p:nvPr>
-        </p:nvSpPr>
-        <p:spPr>
-          <a:xfrm>
-            <a:off x="6183644" y="5099206"/>
-            <a:ext cx="2123743" cy="343061"/>
-          </a:xfrm>
-        </p:spPr>
-        <p:txBody>
-          <a:bodyPr rtlCol="0"/>
-          <a:lstStyle/>
-          <a:p>
-            <a:pPr rtl="0"/>
-            <a:r>
-              <a:rPr lang="ko-KR" altLang="en-US"/>
-              <a:t>심희영</a:t>
-            </a:r>
-          </a:p>
-        </p:txBody>
-      </p:sp>
-      <p:sp>
-        <p:nvSpPr>
-          <p:cNvPr id="35" name="텍스트 개체 틀 34">
-            <a:extLst>
-              <a:ext uri="{FF2B5EF4-FFF2-40B4-BE49-F238E27FC236}">
-                <a16:creationId xmlns:a16="http://schemas.microsoft.com/office/drawing/2014/main" id="{60D37431-6A3A-47F6-A367-B5ADCF66AE37}"/>
-              </a:ext>
-            </a:extLst>
-          </p:cNvPr>
-          <p:cNvSpPr>
-            <a:spLocks noGrp="1"/>
-          </p:cNvSpPr>
-          <p:nvPr>
-            <p:ph type="body" idx="20"/>
-          </p:nvPr>
-        </p:nvSpPr>
-        <p:spPr>
-          <a:xfrm>
-            <a:off x="8603525" y="5084524"/>
-            <a:ext cx="2123742" cy="343061"/>
-          </a:xfrm>
-        </p:spPr>
-        <p:txBody>
-          <a:bodyPr rtlCol="0"/>
-          <a:lstStyle/>
-          <a:p>
-            <a:pPr rtl="0"/>
-            <a:r>
-              <a:rPr lang="ko-KR" altLang="en-US"/>
-              <a:t>진현준</a:t>
-            </a:r>
-          </a:p>
-        </p:txBody>
-      </p:sp>
-      <p:sp>
-        <p:nvSpPr>
-          <p:cNvPr id="36" name="텍스트 개체 틀 35">
-            <a:extLst>
-              <a:ext uri="{FF2B5EF4-FFF2-40B4-BE49-F238E27FC236}">
-                <a16:creationId xmlns:a16="http://schemas.microsoft.com/office/drawing/2014/main" id="{B76FA389-A54D-4E4B-81DA-DBA175D78FEC}"/>
-              </a:ext>
-            </a:extLst>
-          </p:cNvPr>
-          <p:cNvSpPr>
-            <a:spLocks noGrp="1"/>
-          </p:cNvSpPr>
-          <p:nvPr>
-            <p:ph type="body" idx="21"/>
-          </p:nvPr>
-        </p:nvSpPr>
-        <p:spPr>
-          <a:xfrm>
-            <a:off x="1487181" y="5464114"/>
-            <a:ext cx="1845511" cy="343061"/>
-          </a:xfrm>
-        </p:spPr>
-        <p:txBody>
-          <a:bodyPr rtlCol="0"/>
-          <a:lstStyle/>
-          <a:p>
-            <a:pPr rtl="0"/>
-            <a:r>
-              <a:rPr lang="ko-KR" altLang="en-US"/>
-              <a:t>대표</a:t>
-            </a:r>
-          </a:p>
-        </p:txBody>
-      </p:sp>
-      <p:sp>
-        <p:nvSpPr>
-          <p:cNvPr id="37" name="텍스트 개체 틀 36">
-            <a:extLst>
-              <a:ext uri="{FF2B5EF4-FFF2-40B4-BE49-F238E27FC236}">
-                <a16:creationId xmlns:a16="http://schemas.microsoft.com/office/drawing/2014/main" id="{65786675-BFC6-4743-BFD3-D64691F771D8}"/>
-              </a:ext>
-            </a:extLst>
-          </p:cNvPr>
-          <p:cNvSpPr>
-            <a:spLocks noGrp="1"/>
-          </p:cNvSpPr>
-          <p:nvPr>
-            <p:ph type="body" idx="22"/>
-          </p:nvPr>
-        </p:nvSpPr>
-        <p:spPr>
-          <a:xfrm>
-            <a:off x="3836913" y="5478796"/>
-            <a:ext cx="1855949" cy="343061"/>
-          </a:xfrm>
-        </p:spPr>
-        <p:txBody>
-          <a:bodyPr rtlCol="0"/>
-          <a:lstStyle/>
-          <a:p>
-            <a:pPr rtl="0"/>
-            <a:r>
-              <a:rPr lang="ko-KR" altLang="en-US"/>
-              <a:t>최고 경영자</a:t>
-            </a:r>
-          </a:p>
-        </p:txBody>
-      </p:sp>
-      <p:sp>
-        <p:nvSpPr>
-          <p:cNvPr id="38" name="텍스트 개체 틀 37">
-            <a:extLst>
-              <a:ext uri="{FF2B5EF4-FFF2-40B4-BE49-F238E27FC236}">
-                <a16:creationId xmlns:a16="http://schemas.microsoft.com/office/drawing/2014/main" id="{97062F49-F468-4EA6-B6BF-94BFF89FDCB7}"/>
-              </a:ext>
-            </a:extLst>
-          </p:cNvPr>
-          <p:cNvSpPr>
-            <a:spLocks noGrp="1"/>
-          </p:cNvSpPr>
-          <p:nvPr>
-            <p:ph type="body" idx="23"/>
-          </p:nvPr>
-        </p:nvSpPr>
-        <p:spPr>
-          <a:xfrm>
-            <a:off x="6327577" y="5478796"/>
-            <a:ext cx="1845511" cy="343061"/>
-          </a:xfrm>
-        </p:spPr>
-        <p:txBody>
-          <a:bodyPr rtlCol="0"/>
-          <a:lstStyle/>
-          <a:p>
-            <a:pPr rtl="0"/>
-            <a:r>
-              <a:rPr lang="ko-KR" altLang="en-US"/>
-              <a:t>최고 운영 책임자</a:t>
-            </a:r>
-          </a:p>
-          <a:p>
-            <a:pPr rtl="0"/>
-            <a:endParaRPr lang="ko-KR" altLang="en-US"/>
-          </a:p>
-        </p:txBody>
-      </p:sp>
-      <p:sp>
-        <p:nvSpPr>
-          <p:cNvPr id="39" name="텍스트 개체 틀 38">
-            <a:extLst>
-              <a:ext uri="{FF2B5EF4-FFF2-40B4-BE49-F238E27FC236}">
-                <a16:creationId xmlns:a16="http://schemas.microsoft.com/office/drawing/2014/main" id="{59D9F00A-8CF0-41E8-9BB6-3B8ECDA55D49}"/>
-              </a:ext>
-            </a:extLst>
-          </p:cNvPr>
-          <p:cNvSpPr>
-            <a:spLocks noGrp="1"/>
-          </p:cNvSpPr>
-          <p:nvPr>
-            <p:ph type="body" idx="24"/>
-          </p:nvPr>
-        </p:nvSpPr>
-        <p:spPr>
-          <a:xfrm>
-            <a:off x="8747458" y="5464114"/>
-            <a:ext cx="1845510" cy="343061"/>
-          </a:xfrm>
-        </p:spPr>
-        <p:txBody>
-          <a:bodyPr rtlCol="0"/>
-          <a:lstStyle/>
-          <a:p>
-            <a:pPr rtl="0"/>
-            <a:r>
-              <a:rPr lang="ko-KR" altLang="en-US"/>
-              <a:t>마케팅 부사장</a:t>
-            </a:r>
-          </a:p>
-          <a:p>
-            <a:pPr rtl="0"/>
-            <a:endParaRPr lang="ko-KR" altLang="en-US"/>
-          </a:p>
-        </p:txBody>
-      </p:sp>
-      <p:sp>
-        <p:nvSpPr>
-          <p:cNvPr id="5" name="슬라이드 번호 개체 틀 4">
-            <a:extLst>
-              <a:ext uri="{FF2B5EF4-FFF2-40B4-BE49-F238E27FC236}">
-                <a16:creationId xmlns:a16="http://schemas.microsoft.com/office/drawing/2014/main" id="{46868410-BE8A-4C98-9C72-20D0A2A6A8B9}"/>
-              </a:ext>
-            </a:extLst>
-          </p:cNvPr>
-          <p:cNvSpPr>
-            <a:spLocks noGrp="1"/>
-          </p:cNvSpPr>
-          <p:nvPr>
-            <p:ph type="sldNum" sz="quarter" idx="12"/>
-          </p:nvPr>
-        </p:nvSpPr>
-        <p:spPr>
-          <a:xfrm>
-            <a:off x="8610600" y="6356350"/>
-            <a:ext cx="2743200" cy="365125"/>
-          </a:xfrm>
-        </p:spPr>
-        <p:txBody>
-          <a:bodyPr rtlCol="0"/>
-          <a:lstStyle/>
-          <a:p>
-            <a:pPr rtl="0"/>
-            <a:fld id="{B5CEABB6-07DC-46E8-9B57-56EC44A396E5}" type="slidenum">
-              <a:rPr lang="en-US" altLang="ko-KR" smtClean="0"/>
-              <a:pPr/>
-              <a:t>17</a:t>
-            </a:fld>
-            <a:endParaRPr lang="ko-KR" altLang="en-US"/>
-          </a:p>
-        </p:txBody>
-      </p:sp>
-    </p:spTree>
-    <p:extLst>
-      <p:ext uri="{BB962C8B-B14F-4D97-AF65-F5344CB8AC3E}">
-        <p14:creationId xmlns:p14="http://schemas.microsoft.com/office/powerpoint/2010/main" val="3477453048"/>
-      </p:ext>
-    </p:extLst>
-  </p:cSld>
-  <p:clrMapOvr>
-    <a:masterClrMapping/>
-  </p:clrMapOvr>
-</p:sld>
-</file>
-
 <file path=ppt/slides/slide18.xml><?xml version="1.0" encoding="utf-8"?>
 <p:sld xmlns:a="http://schemas.openxmlformats.org/drawingml/2006/main" xmlns:r="http://schemas.openxmlformats.org/officeDocument/2006/relationships" xmlns:p="http://schemas.openxmlformats.org/presentationml/2006/main">
   <p:cSld>
@@ -34393,17 +34277,17 @@
             <a:pPr rtl="0"/>
             <a:r>
               <a:rPr lang="ko-KR" altLang="en-US"/>
-              <a:t>팀 소개  </a:t>
+              <a:t>팀 소개</a:t>
             </a:r>
           </a:p>
         </p:txBody>
       </p:sp>
       <p:pic>
         <p:nvPicPr>
-          <p:cNvPr id="38" name="그림 개체 틀 37" descr="팀 구성원 얼굴 사진">
-            <a:extLst>
-              <a:ext uri="{FF2B5EF4-FFF2-40B4-BE49-F238E27FC236}">
-                <a16:creationId xmlns:a16="http://schemas.microsoft.com/office/drawing/2014/main" id="{6E64DC71-C9CE-47FF-A3B6-597A9B09EC98}"/>
+          <p:cNvPr id="26" name="그림 개체 틀 25" descr="팀 구성원 얼굴 사진">
+            <a:extLst>
+              <a:ext uri="{FF2B5EF4-FFF2-40B4-BE49-F238E27FC236}">
+                <a16:creationId xmlns:a16="http://schemas.microsoft.com/office/drawing/2014/main" id="{E287A61C-B7FB-4B69-97E7-7B7AFC8A5D33}"/>
               </a:ext>
             </a:extLst>
           </p:cNvPr>
@@ -34427,17 +34311,17 @@
         </p:blipFill>
         <p:spPr>
           <a:xfrm>
-            <a:off x="1877176" y="2428875"/>
-            <a:ext cx="1066800" cy="1066800"/>
+            <a:off x="1487181" y="2886074"/>
+            <a:ext cx="1845511" cy="1845511"/>
           </a:xfrm>
         </p:spPr>
       </p:pic>
       <p:pic>
         <p:nvPicPr>
-          <p:cNvPr id="42" name="그림 개체 틀 41" descr="팀 구성원 얼굴 사진">
-            <a:extLst>
-              <a:ext uri="{FF2B5EF4-FFF2-40B4-BE49-F238E27FC236}">
-                <a16:creationId xmlns:a16="http://schemas.microsoft.com/office/drawing/2014/main" id="{03BE9C30-CAE7-4AE5-8722-B20E200AC048}"/>
+          <p:cNvPr id="47" name="그림 개체 틀 46" descr="팀 구성원 얼굴 사진">
+            <a:extLst>
+              <a:ext uri="{FF2B5EF4-FFF2-40B4-BE49-F238E27FC236}">
+                <a16:creationId xmlns:a16="http://schemas.microsoft.com/office/drawing/2014/main" id="{8AF5260A-2860-4F88-BA4D-70530D3E14AA}"/>
               </a:ext>
             </a:extLst>
           </p:cNvPr>
@@ -34461,17 +34345,17 @@
         </p:blipFill>
         <p:spPr>
           <a:xfrm>
-            <a:off x="4226270" y="2428875"/>
-            <a:ext cx="1066800" cy="1066800"/>
+            <a:off x="3836914" y="2886074"/>
+            <a:ext cx="1845511" cy="1845511"/>
           </a:xfrm>
         </p:spPr>
       </p:pic>
       <p:pic>
         <p:nvPicPr>
-          <p:cNvPr id="46" name="그림 개체 틀 45" descr="팀 구성원 얼굴 사진">
-            <a:extLst>
-              <a:ext uri="{FF2B5EF4-FFF2-40B4-BE49-F238E27FC236}">
-                <a16:creationId xmlns:a16="http://schemas.microsoft.com/office/drawing/2014/main" id="{F8B9EE09-9F4E-47F5-82E5-A135C37A6E26}"/>
+          <p:cNvPr id="45" name="그림 개체 틀 44" descr="팀 구성원 얼굴 사진">
+            <a:extLst>
+              <a:ext uri="{FF2B5EF4-FFF2-40B4-BE49-F238E27FC236}">
+                <a16:creationId xmlns:a16="http://schemas.microsoft.com/office/drawing/2014/main" id="{4442FA67-BF04-4E45-BFD9-78BF43789E09}"/>
               </a:ext>
             </a:extLst>
           </p:cNvPr>
@@ -34495,17 +34379,17 @@
         </p:blipFill>
         <p:spPr>
           <a:xfrm>
-            <a:off x="6716934" y="2428875"/>
-            <a:ext cx="1066800" cy="1066800"/>
+            <a:off x="6327578" y="2886074"/>
+            <a:ext cx="1845511" cy="1845511"/>
           </a:xfrm>
         </p:spPr>
       </p:pic>
       <p:pic>
         <p:nvPicPr>
-          <p:cNvPr id="54" name="그림 개체 틀 53" descr="팀 구성원 얼굴 사진">
-            <a:extLst>
-              <a:ext uri="{FF2B5EF4-FFF2-40B4-BE49-F238E27FC236}">
-                <a16:creationId xmlns:a16="http://schemas.microsoft.com/office/drawing/2014/main" id="{B789A13E-52C8-4E94-89B2-D51A0739F00A}"/>
+          <p:cNvPr id="43" name="그림 개체 틀 42" descr="팀 구성원 얼굴 사진">
+            <a:extLst>
+              <a:ext uri="{FF2B5EF4-FFF2-40B4-BE49-F238E27FC236}">
+                <a16:creationId xmlns:a16="http://schemas.microsoft.com/office/drawing/2014/main" id="{F328CD15-EA0E-49AD-A3C6-5798A372AA53}"/>
               </a:ext>
             </a:extLst>
           </p:cNvPr>
@@ -34529,17 +34413,17 @@
         </p:blipFill>
         <p:spPr>
           <a:xfrm>
-            <a:off x="9136814" y="2428875"/>
-            <a:ext cx="1066800" cy="1066800"/>
+            <a:off x="8747458" y="2886074"/>
+            <a:ext cx="1845511" cy="1845511"/>
           </a:xfrm>
         </p:spPr>
       </p:pic>
       <p:sp>
         <p:nvSpPr>
-          <p:cNvPr id="36" name="텍스트 개체 틀 35">
-            <a:extLst>
-              <a:ext uri="{FF2B5EF4-FFF2-40B4-BE49-F238E27FC236}">
-                <a16:creationId xmlns:a16="http://schemas.microsoft.com/office/drawing/2014/main" id="{23BA8AAF-B08B-441B-AAF3-590A568329BF}"/>
+          <p:cNvPr id="24" name="텍스트 개체 틀 23">
+            <a:extLst>
+              <a:ext uri="{FF2B5EF4-FFF2-40B4-BE49-F238E27FC236}">
+                <a16:creationId xmlns:a16="http://schemas.microsoft.com/office/drawing/2014/main" id="{7BAD1FFF-8B97-4CD1-85E7-B7738EAD28CD}"/>
               </a:ext>
             </a:extLst>
           </p:cNvPr>
@@ -34552,8 +34436,8 @@
         </p:nvSpPr>
         <p:spPr>
           <a:xfrm>
-            <a:off x="1500168" y="3654378"/>
-            <a:ext cx="1828800" cy="343061"/>
+            <a:off x="1343248" y="5084524"/>
+            <a:ext cx="2123743" cy="343061"/>
           </a:xfrm>
         </p:spPr>
         <p:txBody>
@@ -34566,6 +34450,210 @@
               <a:t>이봉진</a:t>
             </a:r>
           </a:p>
+        </p:txBody>
+      </p:sp>
+      <p:sp>
+        <p:nvSpPr>
+          <p:cNvPr id="33" name="텍스트 개체 틀 32">
+            <a:extLst>
+              <a:ext uri="{FF2B5EF4-FFF2-40B4-BE49-F238E27FC236}">
+                <a16:creationId xmlns:a16="http://schemas.microsoft.com/office/drawing/2014/main" id="{10C8C8C1-99D8-4034-A628-DECEB703BA1D}"/>
+              </a:ext>
+            </a:extLst>
+          </p:cNvPr>
+          <p:cNvSpPr>
+            <a:spLocks noGrp="1"/>
+          </p:cNvSpPr>
+          <p:nvPr>
+            <p:ph type="body" idx="18"/>
+          </p:nvPr>
+        </p:nvSpPr>
+        <p:spPr>
+          <a:xfrm>
+            <a:off x="3692980" y="5099206"/>
+            <a:ext cx="2135755" cy="343061"/>
+          </a:xfrm>
+        </p:spPr>
+        <p:txBody>
+          <a:bodyPr rtlCol="0"/>
+          <a:lstStyle/>
+          <a:p>
+            <a:pPr rtl="0"/>
+            <a:r>
+              <a:rPr lang="ko-KR" altLang="en-US"/>
+              <a:t>심현기</a:t>
+            </a:r>
+          </a:p>
+        </p:txBody>
+      </p:sp>
+      <p:sp>
+        <p:nvSpPr>
+          <p:cNvPr id="34" name="텍스트 개체 틀 33">
+            <a:extLst>
+              <a:ext uri="{FF2B5EF4-FFF2-40B4-BE49-F238E27FC236}">
+                <a16:creationId xmlns:a16="http://schemas.microsoft.com/office/drawing/2014/main" id="{08CA58D6-00FD-4D81-A0F6-215C4D558912}"/>
+              </a:ext>
+            </a:extLst>
+          </p:cNvPr>
+          <p:cNvSpPr>
+            <a:spLocks noGrp="1"/>
+          </p:cNvSpPr>
+          <p:nvPr>
+            <p:ph type="body" idx="19"/>
+          </p:nvPr>
+        </p:nvSpPr>
+        <p:spPr>
+          <a:xfrm>
+            <a:off x="6183644" y="5099206"/>
+            <a:ext cx="2123743" cy="343061"/>
+          </a:xfrm>
+        </p:spPr>
+        <p:txBody>
+          <a:bodyPr rtlCol="0"/>
+          <a:lstStyle/>
+          <a:p>
+            <a:pPr rtl="0"/>
+            <a:r>
+              <a:rPr lang="ko-KR" altLang="en-US"/>
+              <a:t>심희영</a:t>
+            </a:r>
+          </a:p>
+        </p:txBody>
+      </p:sp>
+      <p:sp>
+        <p:nvSpPr>
+          <p:cNvPr id="35" name="텍스트 개체 틀 34">
+            <a:extLst>
+              <a:ext uri="{FF2B5EF4-FFF2-40B4-BE49-F238E27FC236}">
+                <a16:creationId xmlns:a16="http://schemas.microsoft.com/office/drawing/2014/main" id="{60D37431-6A3A-47F6-A367-B5ADCF66AE37}"/>
+              </a:ext>
+            </a:extLst>
+          </p:cNvPr>
+          <p:cNvSpPr>
+            <a:spLocks noGrp="1"/>
+          </p:cNvSpPr>
+          <p:nvPr>
+            <p:ph type="body" idx="20"/>
+          </p:nvPr>
+        </p:nvSpPr>
+        <p:spPr>
+          <a:xfrm>
+            <a:off x="8603525" y="5084524"/>
+            <a:ext cx="2123742" cy="343061"/>
+          </a:xfrm>
+        </p:spPr>
+        <p:txBody>
+          <a:bodyPr rtlCol="0"/>
+          <a:lstStyle/>
+          <a:p>
+            <a:pPr rtl="0"/>
+            <a:r>
+              <a:rPr lang="ko-KR" altLang="en-US"/>
+              <a:t>진현준</a:t>
+            </a:r>
+          </a:p>
+        </p:txBody>
+      </p:sp>
+      <p:sp>
+        <p:nvSpPr>
+          <p:cNvPr id="36" name="텍스트 개체 틀 35">
+            <a:extLst>
+              <a:ext uri="{FF2B5EF4-FFF2-40B4-BE49-F238E27FC236}">
+                <a16:creationId xmlns:a16="http://schemas.microsoft.com/office/drawing/2014/main" id="{B76FA389-A54D-4E4B-81DA-DBA175D78FEC}"/>
+              </a:ext>
+            </a:extLst>
+          </p:cNvPr>
+          <p:cNvSpPr>
+            <a:spLocks noGrp="1"/>
+          </p:cNvSpPr>
+          <p:nvPr>
+            <p:ph type="body" idx="21"/>
+          </p:nvPr>
+        </p:nvSpPr>
+        <p:spPr>
+          <a:xfrm>
+            <a:off x="1487181" y="5464114"/>
+            <a:ext cx="1845511" cy="343061"/>
+          </a:xfrm>
+        </p:spPr>
+        <p:txBody>
+          <a:bodyPr rtlCol="0"/>
+          <a:lstStyle/>
+          <a:p>
+            <a:pPr rtl="0"/>
+            <a:r>
+              <a:rPr lang="ko-KR" altLang="en-US"/>
+              <a:t>대표</a:t>
+            </a:r>
+          </a:p>
+        </p:txBody>
+      </p:sp>
+      <p:sp>
+        <p:nvSpPr>
+          <p:cNvPr id="37" name="텍스트 개체 틀 36">
+            <a:extLst>
+              <a:ext uri="{FF2B5EF4-FFF2-40B4-BE49-F238E27FC236}">
+                <a16:creationId xmlns:a16="http://schemas.microsoft.com/office/drawing/2014/main" id="{65786675-BFC6-4743-BFD3-D64691F771D8}"/>
+              </a:ext>
+            </a:extLst>
+          </p:cNvPr>
+          <p:cNvSpPr>
+            <a:spLocks noGrp="1"/>
+          </p:cNvSpPr>
+          <p:nvPr>
+            <p:ph type="body" idx="22"/>
+          </p:nvPr>
+        </p:nvSpPr>
+        <p:spPr>
+          <a:xfrm>
+            <a:off x="3836913" y="5478796"/>
+            <a:ext cx="1855949" cy="343061"/>
+          </a:xfrm>
+        </p:spPr>
+        <p:txBody>
+          <a:bodyPr rtlCol="0"/>
+          <a:lstStyle/>
+          <a:p>
+            <a:pPr rtl="0"/>
+            <a:r>
+              <a:rPr lang="ko-KR" altLang="en-US"/>
+              <a:t>최고 경영자</a:t>
+            </a:r>
+          </a:p>
+        </p:txBody>
+      </p:sp>
+      <p:sp>
+        <p:nvSpPr>
+          <p:cNvPr id="38" name="텍스트 개체 틀 37">
+            <a:extLst>
+              <a:ext uri="{FF2B5EF4-FFF2-40B4-BE49-F238E27FC236}">
+                <a16:creationId xmlns:a16="http://schemas.microsoft.com/office/drawing/2014/main" id="{97062F49-F468-4EA6-B6BF-94BFF89FDCB7}"/>
+              </a:ext>
+            </a:extLst>
+          </p:cNvPr>
+          <p:cNvSpPr>
+            <a:spLocks noGrp="1"/>
+          </p:cNvSpPr>
+          <p:nvPr>
+            <p:ph type="body" idx="23"/>
+          </p:nvPr>
+        </p:nvSpPr>
+        <p:spPr>
+          <a:xfrm>
+            <a:off x="6327577" y="5478796"/>
+            <a:ext cx="1845511" cy="343061"/>
+          </a:xfrm>
+        </p:spPr>
+        <p:txBody>
+          <a:bodyPr rtlCol="0"/>
+          <a:lstStyle/>
+          <a:p>
+            <a:pPr rtl="0"/>
+            <a:r>
+              <a:rPr lang="ko-KR" altLang="en-US"/>
+              <a:t>최고 운영 책임자</a:t>
+            </a:r>
+          </a:p>
           <a:p>
             <a:pPr rtl="0"/>
             <a:endParaRPr lang="ko-KR" altLang="en-US"/>
@@ -34574,24 +34662,24 @@
       </p:sp>
       <p:sp>
         <p:nvSpPr>
-          <p:cNvPr id="52" name="텍스트 개체 틀 51">
-            <a:extLst>
-              <a:ext uri="{FF2B5EF4-FFF2-40B4-BE49-F238E27FC236}">
-                <a16:creationId xmlns:a16="http://schemas.microsoft.com/office/drawing/2014/main" id="{E07741A2-243F-4086-945C-BCA1F24E6DB5}"/>
-              </a:ext>
-            </a:extLst>
-          </p:cNvPr>
-          <p:cNvSpPr>
-            <a:spLocks noGrp="1"/>
-          </p:cNvSpPr>
-          <p:nvPr>
-            <p:ph type="body" idx="21"/>
-          </p:nvPr>
-        </p:nvSpPr>
-        <p:spPr>
-          <a:xfrm>
-            <a:off x="1390120" y="3782039"/>
-            <a:ext cx="2057400" cy="343061"/>
+          <p:cNvPr id="39" name="텍스트 개체 틀 38">
+            <a:extLst>
+              <a:ext uri="{FF2B5EF4-FFF2-40B4-BE49-F238E27FC236}">
+                <a16:creationId xmlns:a16="http://schemas.microsoft.com/office/drawing/2014/main" id="{59D9F00A-8CF0-41E8-9BB6-3B8ECDA55D49}"/>
+              </a:ext>
+            </a:extLst>
+          </p:cNvPr>
+          <p:cNvSpPr>
+            <a:spLocks noGrp="1"/>
+          </p:cNvSpPr>
+          <p:nvPr>
+            <p:ph type="body" idx="24"/>
+          </p:nvPr>
+        </p:nvSpPr>
+        <p:spPr>
+          <a:xfrm>
+            <a:off x="8747458" y="5464114"/>
+            <a:ext cx="1845510" cy="343061"/>
           </a:xfrm>
         </p:spPr>
         <p:txBody>
@@ -34601,109 +34689,7 @@
             <a:pPr rtl="0"/>
             <a:r>
               <a:rPr lang="ko-KR" altLang="en-US"/>
-              <a:t>대표</a:t>
-            </a:r>
-          </a:p>
-        </p:txBody>
-      </p:sp>
-      <p:sp>
-        <p:nvSpPr>
-          <p:cNvPr id="49" name="텍스트 개체 틀 48">
-            <a:extLst>
-              <a:ext uri="{FF2B5EF4-FFF2-40B4-BE49-F238E27FC236}">
-                <a16:creationId xmlns:a16="http://schemas.microsoft.com/office/drawing/2014/main" id="{27CB5CB7-B854-4F48-954C-5CF86CC9146D}"/>
-              </a:ext>
-            </a:extLst>
-          </p:cNvPr>
-          <p:cNvSpPr>
-            <a:spLocks noGrp="1"/>
-          </p:cNvSpPr>
-          <p:nvPr>
-            <p:ph type="body" idx="18"/>
-          </p:nvPr>
-        </p:nvSpPr>
-        <p:spPr>
-          <a:xfrm>
-            <a:off x="3849262" y="3669060"/>
-            <a:ext cx="1828800" cy="343061"/>
-          </a:xfrm>
-        </p:spPr>
-        <p:txBody>
-          <a:bodyPr rtlCol="0"/>
-          <a:lstStyle/>
-          <a:p>
-            <a:pPr rtl="0"/>
-            <a:r>
-              <a:rPr lang="ko-KR" altLang="en-US"/>
-              <a:t>심현기</a:t>
-            </a:r>
-          </a:p>
-        </p:txBody>
-      </p:sp>
-      <p:sp>
-        <p:nvSpPr>
-          <p:cNvPr id="61" name="텍스트 개체 틀 60">
-            <a:extLst>
-              <a:ext uri="{FF2B5EF4-FFF2-40B4-BE49-F238E27FC236}">
-                <a16:creationId xmlns:a16="http://schemas.microsoft.com/office/drawing/2014/main" id="{F1C860E6-FF87-419F-8B26-B8EA4D5F3D3D}"/>
-              </a:ext>
-            </a:extLst>
-          </p:cNvPr>
-          <p:cNvSpPr>
-            <a:spLocks noGrp="1"/>
-          </p:cNvSpPr>
-          <p:nvPr>
-            <p:ph type="body" idx="22"/>
-          </p:nvPr>
-        </p:nvSpPr>
-        <p:spPr>
-          <a:xfrm>
-            <a:off x="3739214" y="3796721"/>
-            <a:ext cx="2057400" cy="343061"/>
-          </a:xfrm>
-        </p:spPr>
-        <p:txBody>
-          <a:bodyPr rtlCol="0"/>
-          <a:lstStyle/>
-          <a:p>
-            <a:pPr rtl="0"/>
-            <a:r>
-              <a:rPr lang="ko-KR" altLang="en-US"/>
-              <a:t>최고 경영자</a:t>
-            </a:r>
-          </a:p>
-        </p:txBody>
-      </p:sp>
-      <p:sp>
-        <p:nvSpPr>
-          <p:cNvPr id="50" name="텍스트 개체 틀 49">
-            <a:extLst>
-              <a:ext uri="{FF2B5EF4-FFF2-40B4-BE49-F238E27FC236}">
-                <a16:creationId xmlns:a16="http://schemas.microsoft.com/office/drawing/2014/main" id="{540F887C-E8EB-4467-90FE-023D47FFB454}"/>
-              </a:ext>
-            </a:extLst>
-          </p:cNvPr>
-          <p:cNvSpPr>
-            <a:spLocks noGrp="1"/>
-          </p:cNvSpPr>
-          <p:nvPr>
-            <p:ph type="body" idx="19"/>
-          </p:nvPr>
-        </p:nvSpPr>
-        <p:spPr>
-          <a:xfrm>
-            <a:off x="6339926" y="3669060"/>
-            <a:ext cx="1828800" cy="343061"/>
-          </a:xfrm>
-        </p:spPr>
-        <p:txBody>
-          <a:bodyPr rtlCol="0"/>
-          <a:lstStyle/>
-          <a:p>
-            <a:pPr rtl="0"/>
-            <a:r>
-              <a:rPr lang="ko-KR" altLang="en-US"/>
-              <a:t>심희영</a:t>
+              <a:t>마케팅 부사장</a:t>
             </a:r>
           </a:p>
           <a:p>
@@ -34714,532 +34700,10 @@
       </p:sp>
       <p:sp>
         <p:nvSpPr>
-          <p:cNvPr id="62" name="텍스트 개체 틀 61">
-            <a:extLst>
-              <a:ext uri="{FF2B5EF4-FFF2-40B4-BE49-F238E27FC236}">
-                <a16:creationId xmlns:a16="http://schemas.microsoft.com/office/drawing/2014/main" id="{F1AF6C54-9939-432B-BBC2-5E0C0F8B2D8C}"/>
-              </a:ext>
-            </a:extLst>
-          </p:cNvPr>
-          <p:cNvSpPr>
-            <a:spLocks noGrp="1"/>
-          </p:cNvSpPr>
-          <p:nvPr>
-            <p:ph type="body" idx="23"/>
-          </p:nvPr>
-        </p:nvSpPr>
-        <p:spPr>
-          <a:xfrm>
-            <a:off x="6217963" y="3796721"/>
-            <a:ext cx="2057400" cy="343061"/>
-          </a:xfrm>
-        </p:spPr>
-        <p:txBody>
-          <a:bodyPr rtlCol="0"/>
-          <a:lstStyle/>
-          <a:p>
-            <a:pPr rtl="0"/>
-            <a:r>
-              <a:rPr lang="ko-KR" altLang="en-US"/>
-              <a:t>최고 운영 책임자</a:t>
-            </a:r>
-          </a:p>
-        </p:txBody>
-      </p:sp>
-      <p:sp>
-        <p:nvSpPr>
-          <p:cNvPr id="51" name="텍스트 개체 틀 50">
-            <a:extLst>
-              <a:ext uri="{FF2B5EF4-FFF2-40B4-BE49-F238E27FC236}">
-                <a16:creationId xmlns:a16="http://schemas.microsoft.com/office/drawing/2014/main" id="{C1C77C5B-2A5F-4999-A5BF-F60EA88DE493}"/>
-              </a:ext>
-            </a:extLst>
-          </p:cNvPr>
-          <p:cNvSpPr>
-            <a:spLocks noGrp="1"/>
-          </p:cNvSpPr>
-          <p:nvPr>
-            <p:ph type="body" idx="20"/>
-          </p:nvPr>
-        </p:nvSpPr>
-        <p:spPr>
-          <a:xfrm>
-            <a:off x="8759806" y="3654378"/>
-            <a:ext cx="1828800" cy="343061"/>
-          </a:xfrm>
-        </p:spPr>
-        <p:txBody>
-          <a:bodyPr rtlCol="0"/>
-          <a:lstStyle/>
-          <a:p>
-            <a:pPr rtl="0"/>
-            <a:r>
-              <a:rPr lang="ko-KR" altLang="en-US"/>
-              <a:t>진현준</a:t>
-            </a:r>
-          </a:p>
-        </p:txBody>
-      </p:sp>
-      <p:sp>
-        <p:nvSpPr>
-          <p:cNvPr id="63" name="텍스트 개체 틀 62">
-            <a:extLst>
-              <a:ext uri="{FF2B5EF4-FFF2-40B4-BE49-F238E27FC236}">
-                <a16:creationId xmlns:a16="http://schemas.microsoft.com/office/drawing/2014/main" id="{41797063-0A46-4FCE-86CB-FC66F997C5F4}"/>
-              </a:ext>
-            </a:extLst>
-          </p:cNvPr>
-          <p:cNvSpPr>
-            <a:spLocks noGrp="1"/>
-          </p:cNvSpPr>
-          <p:nvPr>
-            <p:ph type="body" idx="24"/>
-          </p:nvPr>
-        </p:nvSpPr>
-        <p:spPr>
-          <a:xfrm>
-            <a:off x="8634432" y="3782039"/>
-            <a:ext cx="2057400" cy="343061"/>
-          </a:xfrm>
-        </p:spPr>
-        <p:txBody>
-          <a:bodyPr rtlCol="0"/>
-          <a:lstStyle/>
-          <a:p>
-            <a:pPr rtl="0"/>
-            <a:r>
-              <a:rPr lang="ko-KR" altLang="en-US"/>
-              <a:t>마케팅 부사장</a:t>
-            </a:r>
-          </a:p>
-        </p:txBody>
-      </p:sp>
-      <p:pic>
-        <p:nvPicPr>
-          <p:cNvPr id="58" name="그림 개체 틀 57" descr="팀 구성원 얼굴 사진">
-            <a:extLst>
-              <a:ext uri="{FF2B5EF4-FFF2-40B4-BE49-F238E27FC236}">
-                <a16:creationId xmlns:a16="http://schemas.microsoft.com/office/drawing/2014/main" id="{67F12A1B-1645-4C97-AE80-CC96C4998E2E}"/>
-              </a:ext>
-            </a:extLst>
-          </p:cNvPr>
-          <p:cNvPicPr>
-            <a:picLocks noGrp="1" noChangeAspect="1"/>
-          </p:cNvPicPr>
-          <p:nvPr>
-            <p:ph type="pic" sz="quarter" idx="26"/>
-          </p:nvPr>
-        </p:nvPicPr>
-        <p:blipFill rotWithShape="1">
-          <a:blip r:embed="rId7">
-            <a:extLst>
-              <a:ext uri="{28A0092B-C50C-407E-A947-70E740481C1C}">
-                <a14:useLocalDpi xmlns:a14="http://schemas.microsoft.com/office/drawing/2010/main" val="0"/>
-              </a:ext>
-            </a:extLst>
-          </a:blip>
-          <a:srcRect/>
-          <a:stretch/>
-        </p:blipFill>
-        <p:spPr>
-          <a:xfrm>
-            <a:off x="1877176" y="4287711"/>
-            <a:ext cx="1066800" cy="1066800"/>
-          </a:xfrm>
-        </p:spPr>
-      </p:pic>
-      <p:pic>
-        <p:nvPicPr>
-          <p:cNvPr id="66" name="그림 개체 틀 65" descr="팀 구성원 얼굴 사진">
-            <a:extLst>
-              <a:ext uri="{FF2B5EF4-FFF2-40B4-BE49-F238E27FC236}">
-                <a16:creationId xmlns:a16="http://schemas.microsoft.com/office/drawing/2014/main" id="{448282B4-E477-4ECE-BC09-7EA9451D9AEE}"/>
-              </a:ext>
-            </a:extLst>
-          </p:cNvPr>
-          <p:cNvPicPr>
-            <a:picLocks noGrp="1" noChangeAspect="1"/>
-          </p:cNvPicPr>
-          <p:nvPr>
-            <p:ph type="pic" sz="quarter" idx="27"/>
-          </p:nvPr>
-        </p:nvPicPr>
-        <p:blipFill rotWithShape="1">
-          <a:blip r:embed="rId8">
-            <a:extLst>
-              <a:ext uri="{28A0092B-C50C-407E-A947-70E740481C1C}">
-                <a14:useLocalDpi xmlns:a14="http://schemas.microsoft.com/office/drawing/2010/main" val="0"/>
-              </a:ext>
-            </a:extLst>
-          </a:blip>
-          <a:srcRect/>
-          <a:stretch/>
-        </p:blipFill>
-        <p:spPr>
-          <a:xfrm>
-            <a:off x="4226270" y="4287711"/>
-            <a:ext cx="1066800" cy="1066800"/>
-          </a:xfrm>
-        </p:spPr>
-      </p:pic>
-      <p:pic>
-        <p:nvPicPr>
-          <p:cNvPr id="78" name="그림 개체 틀 77" descr="팀 구성원 얼굴 사진">
-            <a:extLst>
-              <a:ext uri="{FF2B5EF4-FFF2-40B4-BE49-F238E27FC236}">
-                <a16:creationId xmlns:a16="http://schemas.microsoft.com/office/drawing/2014/main" id="{15824874-C00E-4835-97F0-43C416DDCACC}"/>
-              </a:ext>
-            </a:extLst>
-          </p:cNvPr>
-          <p:cNvPicPr>
-            <a:picLocks noGrp="1" noChangeAspect="1"/>
-          </p:cNvPicPr>
-          <p:nvPr>
-            <p:ph type="pic" sz="quarter" idx="28"/>
-          </p:nvPr>
-        </p:nvPicPr>
-        <p:blipFill rotWithShape="1">
-          <a:blip r:embed="rId9">
-            <a:extLst>
-              <a:ext uri="{28A0092B-C50C-407E-A947-70E740481C1C}">
-                <a14:useLocalDpi xmlns:a14="http://schemas.microsoft.com/office/drawing/2010/main" val="0"/>
-              </a:ext>
-            </a:extLst>
-          </a:blip>
-          <a:srcRect/>
-          <a:stretch/>
-        </p:blipFill>
-        <p:spPr>
-          <a:xfrm>
-            <a:off x="6716934" y="4287711"/>
-            <a:ext cx="1066800" cy="1066800"/>
-          </a:xfrm>
-        </p:spPr>
-      </p:pic>
-      <p:pic>
-        <p:nvPicPr>
-          <p:cNvPr id="83" name="그림 개체 틀 82" descr="팀 구성원 얼굴 사진">
-            <a:extLst>
-              <a:ext uri="{FF2B5EF4-FFF2-40B4-BE49-F238E27FC236}">
-                <a16:creationId xmlns:a16="http://schemas.microsoft.com/office/drawing/2014/main" id="{96405252-7726-442E-9D15-755840A5AF27}"/>
-              </a:ext>
-            </a:extLst>
-          </p:cNvPr>
-          <p:cNvPicPr>
-            <a:picLocks noGrp="1" noChangeAspect="1"/>
-          </p:cNvPicPr>
-          <p:nvPr>
-            <p:ph type="pic" sz="quarter" idx="29"/>
-          </p:nvPr>
-        </p:nvPicPr>
-        <p:blipFill rotWithShape="1">
-          <a:blip r:embed="rId10">
-            <a:extLst>
-              <a:ext uri="{28A0092B-C50C-407E-A947-70E740481C1C}">
-                <a14:useLocalDpi xmlns:a14="http://schemas.microsoft.com/office/drawing/2010/main" val="0"/>
-              </a:ext>
-            </a:extLst>
-          </a:blip>
-          <a:srcRect/>
-          <a:stretch/>
-        </p:blipFill>
-        <p:spPr>
-          <a:xfrm>
-            <a:off x="9136814" y="4287711"/>
-            <a:ext cx="1066800" cy="1066800"/>
-          </a:xfrm>
-        </p:spPr>
-      </p:pic>
-      <p:sp>
-        <p:nvSpPr>
-          <p:cNvPr id="64" name="텍스트 개체 틀 63">
-            <a:extLst>
-              <a:ext uri="{FF2B5EF4-FFF2-40B4-BE49-F238E27FC236}">
-                <a16:creationId xmlns:a16="http://schemas.microsoft.com/office/drawing/2014/main" id="{3ECD1D6F-7DAE-4DCC-BBB4-CD519379CDF6}"/>
-              </a:ext>
-            </a:extLst>
-          </p:cNvPr>
-          <p:cNvSpPr>
-            <a:spLocks noGrp="1"/>
-          </p:cNvSpPr>
-          <p:nvPr>
-            <p:ph type="body" idx="25"/>
-          </p:nvPr>
-        </p:nvSpPr>
-        <p:spPr>
-          <a:xfrm>
-            <a:off x="1500168" y="5513214"/>
-            <a:ext cx="1828800" cy="343061"/>
-          </a:xfrm>
-        </p:spPr>
-        <p:txBody>
-          <a:bodyPr rtlCol="0"/>
-          <a:lstStyle/>
-          <a:p>
-            <a:pPr rtl="0"/>
-            <a:r>
-              <a:rPr lang="ko-KR" altLang="en-US"/>
-              <a:t>임진식</a:t>
-            </a:r>
-          </a:p>
-          <a:p>
-            <a:pPr rtl="0"/>
-            <a:endParaRPr lang="ko-KR" altLang="en-US"/>
-          </a:p>
-        </p:txBody>
-      </p:sp>
-      <p:sp>
-        <p:nvSpPr>
-          <p:cNvPr id="72" name="텍스트 개체 틀 71">
-            <a:extLst>
-              <a:ext uri="{FF2B5EF4-FFF2-40B4-BE49-F238E27FC236}">
-                <a16:creationId xmlns:a16="http://schemas.microsoft.com/office/drawing/2014/main" id="{0420E7B5-7D79-437C-BC6E-11C9C9C73D12}"/>
-              </a:ext>
-            </a:extLst>
-          </p:cNvPr>
-          <p:cNvSpPr>
-            <a:spLocks noGrp="1"/>
-          </p:cNvSpPr>
-          <p:nvPr>
-            <p:ph type="body" idx="33"/>
-          </p:nvPr>
-        </p:nvSpPr>
-        <p:spPr>
-          <a:xfrm>
-            <a:off x="1390120" y="5640875"/>
-            <a:ext cx="2057400" cy="343061"/>
-          </a:xfrm>
-        </p:spPr>
-        <p:txBody>
-          <a:bodyPr rtlCol="0"/>
-          <a:lstStyle/>
-          <a:p>
-            <a:pPr rtl="0"/>
-            <a:r>
-              <a:rPr lang="ko-KR" altLang="en-US"/>
-              <a:t>제품 부사장</a:t>
-            </a:r>
-          </a:p>
-        </p:txBody>
-      </p:sp>
-      <p:sp>
-        <p:nvSpPr>
-          <p:cNvPr id="69" name="텍스트 개체 틀 68">
-            <a:extLst>
-              <a:ext uri="{FF2B5EF4-FFF2-40B4-BE49-F238E27FC236}">
-                <a16:creationId xmlns:a16="http://schemas.microsoft.com/office/drawing/2014/main" id="{A5A9CD8D-31A9-4139-87B2-349EA8E14781}"/>
-              </a:ext>
-            </a:extLst>
-          </p:cNvPr>
-          <p:cNvSpPr>
-            <a:spLocks noGrp="1"/>
-          </p:cNvSpPr>
-          <p:nvPr>
-            <p:ph type="body" idx="30"/>
-          </p:nvPr>
-        </p:nvSpPr>
-        <p:spPr>
-          <a:xfrm>
-            <a:off x="3849262" y="5527896"/>
-            <a:ext cx="1828800" cy="343061"/>
-          </a:xfrm>
-        </p:spPr>
-        <p:txBody>
-          <a:bodyPr rtlCol="0"/>
-          <a:lstStyle/>
-          <a:p>
-            <a:pPr rtl="0"/>
-            <a:r>
-              <a:rPr lang="ko-KR" altLang="en-US"/>
-              <a:t>황철무</a:t>
-            </a:r>
-          </a:p>
-          <a:p>
-            <a:pPr rtl="0"/>
-            <a:endParaRPr lang="ko-KR" altLang="en-US"/>
-          </a:p>
-        </p:txBody>
-      </p:sp>
-      <p:sp>
-        <p:nvSpPr>
-          <p:cNvPr id="73" name="텍스트 개체 틀 72">
-            <a:extLst>
-              <a:ext uri="{FF2B5EF4-FFF2-40B4-BE49-F238E27FC236}">
-                <a16:creationId xmlns:a16="http://schemas.microsoft.com/office/drawing/2014/main" id="{E1FCDD58-01CD-47CF-AB15-A511E9D3612F}"/>
-              </a:ext>
-            </a:extLst>
-          </p:cNvPr>
-          <p:cNvSpPr>
-            <a:spLocks noGrp="1"/>
-          </p:cNvSpPr>
-          <p:nvPr>
-            <p:ph type="body" idx="34"/>
-          </p:nvPr>
-        </p:nvSpPr>
-        <p:spPr>
-          <a:xfrm>
-            <a:off x="3739214" y="5655557"/>
-            <a:ext cx="2057400" cy="343061"/>
-          </a:xfrm>
-        </p:spPr>
-        <p:txBody>
-          <a:bodyPr rtlCol="0"/>
-          <a:lstStyle/>
-          <a:p>
-            <a:pPr rtl="0"/>
-            <a:r>
-              <a:rPr lang="en-US" altLang="ko-KR"/>
-              <a:t>SEO </a:t>
-            </a:r>
-            <a:r>
-              <a:rPr lang="ko-KR" altLang="en-US"/>
-              <a:t>전략</a:t>
-            </a:r>
-          </a:p>
-        </p:txBody>
-      </p:sp>
-      <p:sp>
-        <p:nvSpPr>
-          <p:cNvPr id="70" name="텍스트 개체 틀 69">
-            <a:extLst>
-              <a:ext uri="{FF2B5EF4-FFF2-40B4-BE49-F238E27FC236}">
-                <a16:creationId xmlns:a16="http://schemas.microsoft.com/office/drawing/2014/main" id="{58753412-8033-48AD-80DF-945C72BC7335}"/>
-              </a:ext>
-            </a:extLst>
-          </p:cNvPr>
-          <p:cNvSpPr>
-            <a:spLocks noGrp="1"/>
-          </p:cNvSpPr>
-          <p:nvPr>
-            <p:ph type="body" idx="31"/>
-          </p:nvPr>
-        </p:nvSpPr>
-        <p:spPr>
-          <a:xfrm>
-            <a:off x="6339926" y="5527896"/>
-            <a:ext cx="1828800" cy="343061"/>
-          </a:xfrm>
-        </p:spPr>
-        <p:txBody>
-          <a:bodyPr rtlCol="0"/>
-          <a:lstStyle/>
-          <a:p>
-            <a:pPr rtl="0"/>
-            <a:r>
-              <a:rPr lang="ko-KR" altLang="en-US"/>
-              <a:t>조지민</a:t>
-            </a:r>
-          </a:p>
-        </p:txBody>
-      </p:sp>
-      <p:sp>
-        <p:nvSpPr>
-          <p:cNvPr id="74" name="텍스트 개체 틀 73">
-            <a:extLst>
-              <a:ext uri="{FF2B5EF4-FFF2-40B4-BE49-F238E27FC236}">
-                <a16:creationId xmlns:a16="http://schemas.microsoft.com/office/drawing/2014/main" id="{2E2604A9-4BB8-4144-914B-DCF4F13DF3DB}"/>
-              </a:ext>
-            </a:extLst>
-          </p:cNvPr>
-          <p:cNvSpPr>
-            <a:spLocks noGrp="1"/>
-          </p:cNvSpPr>
-          <p:nvPr>
-            <p:ph type="body" idx="35"/>
-          </p:nvPr>
-        </p:nvSpPr>
-        <p:spPr>
-          <a:xfrm>
-            <a:off x="6229878" y="5655557"/>
-            <a:ext cx="2057400" cy="343061"/>
-          </a:xfrm>
-        </p:spPr>
-        <p:txBody>
-          <a:bodyPr rtlCol="0"/>
-          <a:lstStyle/>
-          <a:p>
-            <a:pPr rtl="0"/>
-            <a:r>
-              <a:rPr lang="ko-KR" altLang="en-US"/>
-              <a:t>제품 디자이너</a:t>
-            </a:r>
-          </a:p>
-        </p:txBody>
-      </p:sp>
-      <p:sp>
-        <p:nvSpPr>
-          <p:cNvPr id="71" name="텍스트 개체 틀 70">
-            <a:extLst>
-              <a:ext uri="{FF2B5EF4-FFF2-40B4-BE49-F238E27FC236}">
-                <a16:creationId xmlns:a16="http://schemas.microsoft.com/office/drawing/2014/main" id="{A45FE9A3-15E0-49FA-B6E5-DB16CD0C2C8F}"/>
-              </a:ext>
-            </a:extLst>
-          </p:cNvPr>
-          <p:cNvSpPr>
-            <a:spLocks noGrp="1"/>
-          </p:cNvSpPr>
-          <p:nvPr>
-            <p:ph type="body" idx="32"/>
-          </p:nvPr>
-        </p:nvSpPr>
-        <p:spPr>
-          <a:xfrm>
-            <a:off x="8759806" y="5513214"/>
-            <a:ext cx="1828800" cy="343061"/>
-          </a:xfrm>
-        </p:spPr>
-        <p:txBody>
-          <a:bodyPr rtlCol="0"/>
-          <a:lstStyle/>
-          <a:p>
-            <a:pPr rtl="0"/>
-            <a:r>
-              <a:rPr lang="ko-KR" altLang="en-US"/>
-              <a:t>김배식</a:t>
-            </a:r>
-          </a:p>
-        </p:txBody>
-      </p:sp>
-      <p:sp>
-        <p:nvSpPr>
-          <p:cNvPr id="75" name="텍스트 개체 틀 74">
-            <a:extLst>
-              <a:ext uri="{FF2B5EF4-FFF2-40B4-BE49-F238E27FC236}">
-                <a16:creationId xmlns:a16="http://schemas.microsoft.com/office/drawing/2014/main" id="{72076C4D-9688-4C1A-AB51-8F1051A803A9}"/>
-              </a:ext>
-            </a:extLst>
-          </p:cNvPr>
-          <p:cNvSpPr>
-            <a:spLocks noGrp="1"/>
-          </p:cNvSpPr>
-          <p:nvPr>
-            <p:ph type="body" idx="36"/>
-          </p:nvPr>
-        </p:nvSpPr>
-        <p:spPr>
-          <a:xfrm>
-            <a:off x="8634432" y="5640875"/>
-            <a:ext cx="2057400" cy="343061"/>
-          </a:xfrm>
-        </p:spPr>
-        <p:txBody>
-          <a:bodyPr rtlCol="0"/>
-          <a:lstStyle/>
-          <a:p>
-            <a:pPr rtl="0"/>
-            <a:r>
-              <a:rPr lang="ko-KR" altLang="en-US"/>
-              <a:t>콘텐츠 개발자</a:t>
-            </a:r>
-          </a:p>
-        </p:txBody>
-      </p:sp>
-      <p:sp>
-        <p:nvSpPr>
           <p:cNvPr id="5" name="슬라이드 번호 개체 틀 4">
             <a:extLst>
               <a:ext uri="{FF2B5EF4-FFF2-40B4-BE49-F238E27FC236}">
-                <a16:creationId xmlns:a16="http://schemas.microsoft.com/office/drawing/2014/main" id="{2E1923C7-5010-4C4F-A932-4BDA0B62A7C0}"/>
+                <a16:creationId xmlns:a16="http://schemas.microsoft.com/office/drawing/2014/main" id="{46868410-BE8A-4C98-9C72-20D0A2A6A8B9}"/>
               </a:ext>
             </a:extLst>
           </p:cNvPr>
@@ -35263,7 +34727,7 @@
             <a:pPr rtl="0"/>
             <a:fld id="{B5CEABB6-07DC-46E8-9B57-56EC44A396E5}" type="slidenum">
               <a:rPr lang="en-US" altLang="ko-KR" smtClean="0"/>
-              <a:pPr/>
+              <a:pPr rtl="0"/>
               <a:t>18</a:t>
             </a:fld>
             <a:endParaRPr lang="ko-KR" altLang="en-US"/>
@@ -35273,7 +34737,7 @@
     </p:spTree>
     <p:extLst>
       <p:ext uri="{BB962C8B-B14F-4D97-AF65-F5344CB8AC3E}">
-        <p14:creationId xmlns:p14="http://schemas.microsoft.com/office/powerpoint/2010/main" val="3396266754"/>
+        <p14:creationId xmlns:p14="http://schemas.microsoft.com/office/powerpoint/2010/main" val="3477453048"/>
       </p:ext>
     </p:extLst>
   </p:cSld>
@@ -35305,7 +34769,7 @@
           <p:cNvPr id="2" name="제목 1">
             <a:extLst>
               <a:ext uri="{FF2B5EF4-FFF2-40B4-BE49-F238E27FC236}">
-                <a16:creationId xmlns:a16="http://schemas.microsoft.com/office/drawing/2014/main" id="{9C1BF33B-5572-4A00-A55C-1E13A6B3A8F1}"/>
+                <a16:creationId xmlns:a16="http://schemas.microsoft.com/office/drawing/2014/main" id="{27A6F7BB-30A8-4980-AD4A-2FB0B53FA6C9}"/>
               </a:ext>
             </a:extLst>
           </p:cNvPr>
@@ -35328,49 +34792,154 @@
           <a:p>
             <a:pPr rtl="0"/>
             <a:r>
-              <a:rPr lang="ko-KR" altLang="en-US" dirty="0"/>
-              <a:t>자금 조달</a:t>
-            </a:r>
-          </a:p>
-        </p:txBody>
-      </p:sp>
-      <p:graphicFrame>
-        <p:nvGraphicFramePr>
-          <p:cNvPr id="58" name="내용 개체 틀 57" title="자금 조달 차트">
-            <a:extLst>
-              <a:ext uri="{FF2B5EF4-FFF2-40B4-BE49-F238E27FC236}">
-                <a16:creationId xmlns:a16="http://schemas.microsoft.com/office/drawing/2014/main" id="{0231F8BC-AEBA-4843-9F73-E06265724EAB}"/>
-              </a:ext>
-            </a:extLst>
-          </p:cNvPr>
-          <p:cNvGraphicFramePr>
-            <a:graphicFrameLocks noGrp="1"/>
-          </p:cNvGraphicFramePr>
-          <p:nvPr>
-            <p:ph sz="quarter" idx="21"/>
-            <p:extLst>
-              <p:ext uri="{D42A27DB-BD31-4B8C-83A1-F6EECF244321}">
-                <p14:modId xmlns:p14="http://schemas.microsoft.com/office/powerpoint/2010/main" val="3501580936"/>
-              </p:ext>
-            </p:extLst>
-          </p:nvPr>
-        </p:nvGraphicFramePr>
-        <p:xfrm>
-          <a:off x="1074738" y="2370138"/>
-          <a:ext cx="1857375" cy="1665287"/>
-        </p:xfrm>
-        <a:graphic>
-          <a:graphicData uri="http://schemas.openxmlformats.org/drawingml/2006/chart">
-            <c:chart xmlns:c="http://schemas.openxmlformats.org/drawingml/2006/chart" xmlns:r="http://schemas.openxmlformats.org/officeDocument/2006/relationships" r:id="rId3"/>
-          </a:graphicData>
-        </a:graphic>
-      </p:graphicFrame>
-      <p:sp>
-        <p:nvSpPr>
-          <p:cNvPr id="3" name="텍스트 개체 틀 2">
-            <a:extLst>
-              <a:ext uri="{FF2B5EF4-FFF2-40B4-BE49-F238E27FC236}">
-                <a16:creationId xmlns:a16="http://schemas.microsoft.com/office/drawing/2014/main" id="{82A4739B-8DE9-4523-8034-4E83861CCF73}"/>
+              <a:rPr lang="ko-KR" altLang="en-US"/>
+              <a:t>팀 소개  </a:t>
+            </a:r>
+          </a:p>
+        </p:txBody>
+      </p:sp>
+      <p:pic>
+        <p:nvPicPr>
+          <p:cNvPr id="38" name="그림 개체 틀 37" descr="팀 구성원 얼굴 사진">
+            <a:extLst>
+              <a:ext uri="{FF2B5EF4-FFF2-40B4-BE49-F238E27FC236}">
+                <a16:creationId xmlns:a16="http://schemas.microsoft.com/office/drawing/2014/main" id="{6E64DC71-C9CE-47FF-A3B6-597A9B09EC98}"/>
+              </a:ext>
+            </a:extLst>
+          </p:cNvPr>
+          <p:cNvPicPr>
+            <a:picLocks noGrp="1" noChangeAspect="1"/>
+          </p:cNvPicPr>
+          <p:nvPr>
+            <p:ph type="pic" sz="quarter" idx="14"/>
+          </p:nvPr>
+        </p:nvPicPr>
+        <p:blipFill rotWithShape="1">
+          <a:blip r:embed="rId3">
+            <a:extLst>
+              <a:ext uri="{28A0092B-C50C-407E-A947-70E740481C1C}">
+                <a14:useLocalDpi xmlns:a14="http://schemas.microsoft.com/office/drawing/2010/main" val="0"/>
+              </a:ext>
+            </a:extLst>
+          </a:blip>
+          <a:srcRect/>
+          <a:stretch/>
+        </p:blipFill>
+        <p:spPr>
+          <a:xfrm>
+            <a:off x="1877176" y="2428875"/>
+            <a:ext cx="1066800" cy="1066800"/>
+          </a:xfrm>
+        </p:spPr>
+      </p:pic>
+      <p:pic>
+        <p:nvPicPr>
+          <p:cNvPr id="42" name="그림 개체 틀 41" descr="팀 구성원 얼굴 사진">
+            <a:extLst>
+              <a:ext uri="{FF2B5EF4-FFF2-40B4-BE49-F238E27FC236}">
+                <a16:creationId xmlns:a16="http://schemas.microsoft.com/office/drawing/2014/main" id="{03BE9C30-CAE7-4AE5-8722-B20E200AC048}"/>
+              </a:ext>
+            </a:extLst>
+          </p:cNvPr>
+          <p:cNvPicPr>
+            <a:picLocks noGrp="1" noChangeAspect="1"/>
+          </p:cNvPicPr>
+          <p:nvPr>
+            <p:ph type="pic" sz="quarter" idx="15"/>
+          </p:nvPr>
+        </p:nvPicPr>
+        <p:blipFill rotWithShape="1">
+          <a:blip r:embed="rId4">
+            <a:extLst>
+              <a:ext uri="{28A0092B-C50C-407E-A947-70E740481C1C}">
+                <a14:useLocalDpi xmlns:a14="http://schemas.microsoft.com/office/drawing/2010/main" val="0"/>
+              </a:ext>
+            </a:extLst>
+          </a:blip>
+          <a:srcRect/>
+          <a:stretch/>
+        </p:blipFill>
+        <p:spPr>
+          <a:xfrm>
+            <a:off x="4226270" y="2428875"/>
+            <a:ext cx="1066800" cy="1066800"/>
+          </a:xfrm>
+        </p:spPr>
+      </p:pic>
+      <p:pic>
+        <p:nvPicPr>
+          <p:cNvPr id="46" name="그림 개체 틀 45" descr="팀 구성원 얼굴 사진">
+            <a:extLst>
+              <a:ext uri="{FF2B5EF4-FFF2-40B4-BE49-F238E27FC236}">
+                <a16:creationId xmlns:a16="http://schemas.microsoft.com/office/drawing/2014/main" id="{F8B9EE09-9F4E-47F5-82E5-A135C37A6E26}"/>
+              </a:ext>
+            </a:extLst>
+          </p:cNvPr>
+          <p:cNvPicPr>
+            <a:picLocks noGrp="1" noChangeAspect="1"/>
+          </p:cNvPicPr>
+          <p:nvPr>
+            <p:ph type="pic" sz="quarter" idx="16"/>
+          </p:nvPr>
+        </p:nvPicPr>
+        <p:blipFill rotWithShape="1">
+          <a:blip r:embed="rId5">
+            <a:extLst>
+              <a:ext uri="{28A0092B-C50C-407E-A947-70E740481C1C}">
+                <a14:useLocalDpi xmlns:a14="http://schemas.microsoft.com/office/drawing/2010/main" val="0"/>
+              </a:ext>
+            </a:extLst>
+          </a:blip>
+          <a:srcRect/>
+          <a:stretch/>
+        </p:blipFill>
+        <p:spPr>
+          <a:xfrm>
+            <a:off x="6716934" y="2428875"/>
+            <a:ext cx="1066800" cy="1066800"/>
+          </a:xfrm>
+        </p:spPr>
+      </p:pic>
+      <p:pic>
+        <p:nvPicPr>
+          <p:cNvPr id="54" name="그림 개체 틀 53" descr="팀 구성원 얼굴 사진">
+            <a:extLst>
+              <a:ext uri="{FF2B5EF4-FFF2-40B4-BE49-F238E27FC236}">
+                <a16:creationId xmlns:a16="http://schemas.microsoft.com/office/drawing/2014/main" id="{B789A13E-52C8-4E94-89B2-D51A0739F00A}"/>
+              </a:ext>
+            </a:extLst>
+          </p:cNvPr>
+          <p:cNvPicPr>
+            <a:picLocks noGrp="1" noChangeAspect="1"/>
+          </p:cNvPicPr>
+          <p:nvPr>
+            <p:ph type="pic" sz="quarter" idx="17"/>
+          </p:nvPr>
+        </p:nvPicPr>
+        <p:blipFill rotWithShape="1">
+          <a:blip r:embed="rId6">
+            <a:extLst>
+              <a:ext uri="{28A0092B-C50C-407E-A947-70E740481C1C}">
+                <a14:useLocalDpi xmlns:a14="http://schemas.microsoft.com/office/drawing/2010/main" val="0"/>
+              </a:ext>
+            </a:extLst>
+          </a:blip>
+          <a:srcRect/>
+          <a:stretch/>
+        </p:blipFill>
+        <p:spPr>
+          <a:xfrm>
+            <a:off x="9136814" y="2428875"/>
+            <a:ext cx="1066800" cy="1066800"/>
+          </a:xfrm>
+        </p:spPr>
+      </p:pic>
+      <p:sp>
+        <p:nvSpPr>
+          <p:cNvPr id="36" name="텍스트 개체 틀 35">
+            <a:extLst>
+              <a:ext uri="{FF2B5EF4-FFF2-40B4-BE49-F238E27FC236}">
+                <a16:creationId xmlns:a16="http://schemas.microsoft.com/office/drawing/2014/main" id="{23BA8AAF-B08B-441B-AAF3-590A568329BF}"/>
               </a:ext>
             </a:extLst>
           </p:cNvPr>
@@ -35383,8 +34952,8 @@
         </p:nvSpPr>
         <p:spPr>
           <a:xfrm>
-            <a:off x="838200" y="3788813"/>
-            <a:ext cx="2330726" cy="804859"/>
+            <a:off x="1500168" y="3654378"/>
+            <a:ext cx="1828800" cy="343061"/>
           </a:xfrm>
         </p:spPr>
         <p:txBody>
@@ -35393,37 +34962,36 @@
           <a:p>
             <a:pPr rtl="0"/>
             <a:r>
-              <a:rPr lang="ko-KR" altLang="en-US" dirty="0"/>
-              <a:t>₩</a:t>
-            </a:r>
-            <a:r>
-              <a:rPr lang="en-US" altLang="ko-KR" dirty="0"/>
-              <a:t>14,000</a:t>
-            </a:r>
-            <a:endParaRPr lang="ko-KR" altLang="en-US" dirty="0"/>
-          </a:p>
-        </p:txBody>
-      </p:sp>
-      <p:sp>
-        <p:nvSpPr>
-          <p:cNvPr id="14" name="텍스트 개체 틀 13">
-            <a:extLst>
-              <a:ext uri="{FF2B5EF4-FFF2-40B4-BE49-F238E27FC236}">
-                <a16:creationId xmlns:a16="http://schemas.microsoft.com/office/drawing/2014/main" id="{C487CCC0-D329-4C1F-A1CD-04930A23C5C3}"/>
-              </a:ext>
-            </a:extLst>
-          </p:cNvPr>
-          <p:cNvSpPr>
-            <a:spLocks noGrp="1"/>
-          </p:cNvSpPr>
-          <p:nvPr>
-            <p:ph type="body" idx="17"/>
-          </p:nvPr>
-        </p:nvSpPr>
-        <p:spPr>
-          <a:xfrm>
-            <a:off x="838200" y="4464810"/>
-            <a:ext cx="2330726" cy="438505"/>
+              <a:rPr lang="ko-KR" altLang="en-US"/>
+              <a:t>이봉진</a:t>
+            </a:r>
+          </a:p>
+          <a:p>
+            <a:pPr rtl="0"/>
+            <a:endParaRPr lang="ko-KR" altLang="en-US"/>
+          </a:p>
+        </p:txBody>
+      </p:sp>
+      <p:sp>
+        <p:nvSpPr>
+          <p:cNvPr id="52" name="텍스트 개체 틀 51">
+            <a:extLst>
+              <a:ext uri="{FF2B5EF4-FFF2-40B4-BE49-F238E27FC236}">
+                <a16:creationId xmlns:a16="http://schemas.microsoft.com/office/drawing/2014/main" id="{E07741A2-243F-4086-945C-BCA1F24E6DB5}"/>
+              </a:ext>
+            </a:extLst>
+          </p:cNvPr>
+          <p:cNvSpPr>
+            <a:spLocks noGrp="1"/>
+          </p:cNvSpPr>
+          <p:nvPr>
+            <p:ph type="body" idx="21"/>
+          </p:nvPr>
+        </p:nvSpPr>
+        <p:spPr>
+          <a:xfrm>
+            <a:off x="1390120" y="3782039"/>
+            <a:ext cx="2057400" cy="343061"/>
           </a:xfrm>
         </p:spPr>
         <p:txBody>
@@ -35432,32 +35000,32 @@
           <a:p>
             <a:pPr rtl="0"/>
             <a:r>
-              <a:rPr lang="ko-KR" altLang="en-US" dirty="0"/>
-              <a:t>엔젤 투자</a:t>
-            </a:r>
-          </a:p>
-        </p:txBody>
-      </p:sp>
-      <p:sp>
-        <p:nvSpPr>
-          <p:cNvPr id="4" name="내용 개체 틀 3">
-            <a:extLst>
-              <a:ext uri="{FF2B5EF4-FFF2-40B4-BE49-F238E27FC236}">
-                <a16:creationId xmlns:a16="http://schemas.microsoft.com/office/drawing/2014/main" id="{21CF2BB3-1E12-4189-9F5F-EF136C62E39B}"/>
-              </a:ext>
-            </a:extLst>
-          </p:cNvPr>
-          <p:cNvSpPr>
-            <a:spLocks noGrp="1"/>
-          </p:cNvSpPr>
-          <p:nvPr>
-            <p:ph sz="half" idx="2"/>
-          </p:nvPr>
-        </p:nvSpPr>
-        <p:spPr>
-          <a:xfrm>
-            <a:off x="838200" y="5120722"/>
-            <a:ext cx="2330726" cy="853167"/>
+              <a:rPr lang="ko-KR" altLang="en-US"/>
+              <a:t>대표</a:t>
+            </a:r>
+          </a:p>
+        </p:txBody>
+      </p:sp>
+      <p:sp>
+        <p:nvSpPr>
+          <p:cNvPr id="49" name="텍스트 개체 틀 48">
+            <a:extLst>
+              <a:ext uri="{FF2B5EF4-FFF2-40B4-BE49-F238E27FC236}">
+                <a16:creationId xmlns:a16="http://schemas.microsoft.com/office/drawing/2014/main" id="{27CB5CB7-B854-4F48-954C-5CF86CC9146D}"/>
+              </a:ext>
+            </a:extLst>
+          </p:cNvPr>
+          <p:cNvSpPr>
+            <a:spLocks noGrp="1"/>
+          </p:cNvSpPr>
+          <p:nvPr>
+            <p:ph type="body" idx="18"/>
+          </p:nvPr>
+        </p:nvSpPr>
+        <p:spPr>
+          <a:xfrm>
+            <a:off x="3849262" y="3669060"/>
+            <a:ext cx="1828800" cy="343061"/>
           </a:xfrm>
         </p:spPr>
         <p:txBody>
@@ -35466,63 +35034,32 @@
           <a:p>
             <a:pPr rtl="0"/>
             <a:r>
-              <a:rPr lang="ko-KR" altLang="en-US" dirty="0"/>
-              <a:t>다른 투자자를 통해 얻은 금액</a:t>
-            </a:r>
-          </a:p>
-        </p:txBody>
-      </p:sp>
-      <p:graphicFrame>
-        <p:nvGraphicFramePr>
-          <p:cNvPr id="59" name="내용 개체 틀 58" title="자금 조달 차트">
-            <a:extLst>
-              <a:ext uri="{FF2B5EF4-FFF2-40B4-BE49-F238E27FC236}">
-                <a16:creationId xmlns:a16="http://schemas.microsoft.com/office/drawing/2014/main" id="{AD7D64AB-F97A-41F1-B2E8-66B1E245043A}"/>
-              </a:ext>
-            </a:extLst>
-          </p:cNvPr>
-          <p:cNvGraphicFramePr>
-            <a:graphicFrameLocks noGrp="1"/>
-          </p:cNvGraphicFramePr>
-          <p:nvPr>
-            <p:ph sz="quarter" idx="22"/>
-            <p:extLst>
-              <p:ext uri="{D42A27DB-BD31-4B8C-83A1-F6EECF244321}">
-                <p14:modId xmlns:p14="http://schemas.microsoft.com/office/powerpoint/2010/main" val="1754841580"/>
-              </p:ext>
-            </p:extLst>
-          </p:nvPr>
-        </p:nvGraphicFramePr>
-        <p:xfrm>
-          <a:off x="3805238" y="2370138"/>
-          <a:ext cx="1857375" cy="1665287"/>
-        </p:xfrm>
-        <a:graphic>
-          <a:graphicData uri="http://schemas.openxmlformats.org/drawingml/2006/chart">
-            <c:chart xmlns:c="http://schemas.openxmlformats.org/drawingml/2006/chart" xmlns:r="http://schemas.openxmlformats.org/officeDocument/2006/relationships" r:id="rId4"/>
-          </a:graphicData>
-        </a:graphic>
-      </p:graphicFrame>
-      <p:sp>
-        <p:nvSpPr>
-          <p:cNvPr id="5" name="텍스트 개체 틀 4">
-            <a:extLst>
-              <a:ext uri="{FF2B5EF4-FFF2-40B4-BE49-F238E27FC236}">
-                <a16:creationId xmlns:a16="http://schemas.microsoft.com/office/drawing/2014/main" id="{68145D0E-892D-492B-8AD6-551CF27DD5F7}"/>
-              </a:ext>
-            </a:extLst>
-          </p:cNvPr>
-          <p:cNvSpPr>
-            <a:spLocks noGrp="1"/>
-          </p:cNvSpPr>
-          <p:nvPr>
-            <p:ph type="body" sz="quarter" idx="3"/>
-          </p:nvPr>
-        </p:nvSpPr>
-        <p:spPr>
-          <a:xfrm>
-            <a:off x="3562665" y="3788813"/>
-            <a:ext cx="2342205" cy="804859"/>
+              <a:rPr lang="ko-KR" altLang="en-US"/>
+              <a:t>심현기</a:t>
+            </a:r>
+          </a:p>
+        </p:txBody>
+      </p:sp>
+      <p:sp>
+        <p:nvSpPr>
+          <p:cNvPr id="61" name="텍스트 개체 틀 60">
+            <a:extLst>
+              <a:ext uri="{FF2B5EF4-FFF2-40B4-BE49-F238E27FC236}">
+                <a16:creationId xmlns:a16="http://schemas.microsoft.com/office/drawing/2014/main" id="{F1C860E6-FF87-419F-8B26-B8EA4D5F3D3D}"/>
+              </a:ext>
+            </a:extLst>
+          </p:cNvPr>
+          <p:cNvSpPr>
+            <a:spLocks noGrp="1"/>
+          </p:cNvSpPr>
+          <p:nvPr>
+            <p:ph type="body" idx="22"/>
+          </p:nvPr>
+        </p:nvSpPr>
+        <p:spPr>
+          <a:xfrm>
+            <a:off x="3739214" y="3796721"/>
+            <a:ext cx="2057400" cy="343061"/>
           </a:xfrm>
         </p:spPr>
         <p:txBody>
@@ -35531,37 +35068,32 @@
           <a:p>
             <a:pPr rtl="0"/>
             <a:r>
-              <a:rPr lang="ko-KR" altLang="en-US" dirty="0"/>
-              <a:t>₩</a:t>
-            </a:r>
-            <a:r>
-              <a:rPr lang="en-US" altLang="ko-KR" dirty="0"/>
-              <a:t>12,000</a:t>
-            </a:r>
-            <a:endParaRPr lang="ko-KR" altLang="en-US" dirty="0"/>
-          </a:p>
-        </p:txBody>
-      </p:sp>
-      <p:sp>
-        <p:nvSpPr>
-          <p:cNvPr id="15" name="텍스트 개체 틀 14">
-            <a:extLst>
-              <a:ext uri="{FF2B5EF4-FFF2-40B4-BE49-F238E27FC236}">
-                <a16:creationId xmlns:a16="http://schemas.microsoft.com/office/drawing/2014/main" id="{34E62770-EE0A-4D83-B50E-CD868056030E}"/>
-              </a:ext>
-            </a:extLst>
-          </p:cNvPr>
-          <p:cNvSpPr>
-            <a:spLocks noGrp="1"/>
-          </p:cNvSpPr>
-          <p:nvPr>
-            <p:ph type="body" sz="quarter" idx="18"/>
-          </p:nvPr>
-        </p:nvSpPr>
-        <p:spPr>
-          <a:xfrm>
-            <a:off x="3562665" y="4464810"/>
-            <a:ext cx="2342205" cy="438505"/>
+              <a:rPr lang="ko-KR" altLang="en-US"/>
+              <a:t>최고 경영자</a:t>
+            </a:r>
+          </a:p>
+        </p:txBody>
+      </p:sp>
+      <p:sp>
+        <p:nvSpPr>
+          <p:cNvPr id="50" name="텍스트 개체 틀 49">
+            <a:extLst>
+              <a:ext uri="{FF2B5EF4-FFF2-40B4-BE49-F238E27FC236}">
+                <a16:creationId xmlns:a16="http://schemas.microsoft.com/office/drawing/2014/main" id="{540F887C-E8EB-4467-90FE-023D47FFB454}"/>
+              </a:ext>
+            </a:extLst>
+          </p:cNvPr>
+          <p:cNvSpPr>
+            <a:spLocks noGrp="1"/>
+          </p:cNvSpPr>
+          <p:nvPr>
+            <p:ph type="body" idx="19"/>
+          </p:nvPr>
+        </p:nvSpPr>
+        <p:spPr>
+          <a:xfrm>
+            <a:off x="6339926" y="3669060"/>
+            <a:ext cx="1828800" cy="343061"/>
           </a:xfrm>
         </p:spPr>
         <p:txBody>
@@ -35570,32 +35102,36 @@
           <a:p>
             <a:pPr rtl="0"/>
             <a:r>
-              <a:rPr lang="ko-KR" altLang="en-US" dirty="0"/>
-              <a:t>재산</a:t>
-            </a:r>
-          </a:p>
-        </p:txBody>
-      </p:sp>
-      <p:sp>
-        <p:nvSpPr>
-          <p:cNvPr id="6" name="내용 개체 틀 5">
-            <a:extLst>
-              <a:ext uri="{FF2B5EF4-FFF2-40B4-BE49-F238E27FC236}">
-                <a16:creationId xmlns:a16="http://schemas.microsoft.com/office/drawing/2014/main" id="{3ED3951E-8DE6-4BA9-B9BA-CFCDF432226C}"/>
-              </a:ext>
-            </a:extLst>
-          </p:cNvPr>
-          <p:cNvSpPr>
-            <a:spLocks noGrp="1"/>
-          </p:cNvSpPr>
-          <p:nvPr>
-            <p:ph sz="quarter" idx="4"/>
-          </p:nvPr>
-        </p:nvSpPr>
-        <p:spPr>
-          <a:xfrm>
-            <a:off x="3562665" y="5120722"/>
-            <a:ext cx="2342205" cy="853167"/>
+              <a:rPr lang="ko-KR" altLang="en-US"/>
+              <a:t>심희영</a:t>
+            </a:r>
+          </a:p>
+          <a:p>
+            <a:pPr rtl="0"/>
+            <a:endParaRPr lang="ko-KR" altLang="en-US"/>
+          </a:p>
+        </p:txBody>
+      </p:sp>
+      <p:sp>
+        <p:nvSpPr>
+          <p:cNvPr id="62" name="텍스트 개체 틀 61">
+            <a:extLst>
+              <a:ext uri="{FF2B5EF4-FFF2-40B4-BE49-F238E27FC236}">
+                <a16:creationId xmlns:a16="http://schemas.microsoft.com/office/drawing/2014/main" id="{F1AF6C54-9939-432B-BBC2-5E0C0F8B2D8C}"/>
+              </a:ext>
+            </a:extLst>
+          </p:cNvPr>
+          <p:cNvSpPr>
+            <a:spLocks noGrp="1"/>
+          </p:cNvSpPr>
+          <p:nvPr>
+            <p:ph type="body" idx="23"/>
+          </p:nvPr>
+        </p:nvSpPr>
+        <p:spPr>
+          <a:xfrm>
+            <a:off x="6217963" y="3796721"/>
+            <a:ext cx="2057400" cy="343061"/>
           </a:xfrm>
         </p:spPr>
         <p:txBody>
@@ -35604,63 +35140,32 @@
           <a:p>
             <a:pPr rtl="0"/>
             <a:r>
-              <a:rPr lang="ko-KR" altLang="en-US" dirty="0"/>
-              <a:t>재산 임대로 얻은 수익</a:t>
-            </a:r>
-          </a:p>
-        </p:txBody>
-      </p:sp>
-      <p:graphicFrame>
-        <p:nvGraphicFramePr>
-          <p:cNvPr id="60" name="내용 개체 틀 59" title="자금 조달 차트">
-            <a:extLst>
-              <a:ext uri="{FF2B5EF4-FFF2-40B4-BE49-F238E27FC236}">
-                <a16:creationId xmlns:a16="http://schemas.microsoft.com/office/drawing/2014/main" id="{81BCDC44-04F0-4390-B965-A86C88176708}"/>
-              </a:ext>
-            </a:extLst>
-          </p:cNvPr>
-          <p:cNvGraphicFramePr>
-            <a:graphicFrameLocks noGrp="1"/>
-          </p:cNvGraphicFramePr>
-          <p:nvPr>
-            <p:ph sz="quarter" idx="23"/>
-            <p:extLst>
-              <p:ext uri="{D42A27DB-BD31-4B8C-83A1-F6EECF244321}">
-                <p14:modId xmlns:p14="http://schemas.microsoft.com/office/powerpoint/2010/main" val="2390105696"/>
-              </p:ext>
-            </p:extLst>
-          </p:nvPr>
-        </p:nvGraphicFramePr>
-        <p:xfrm>
-          <a:off x="6529388" y="2370138"/>
-          <a:ext cx="1857375" cy="1665287"/>
-        </p:xfrm>
-        <a:graphic>
-          <a:graphicData uri="http://schemas.openxmlformats.org/drawingml/2006/chart">
-            <c:chart xmlns:c="http://schemas.openxmlformats.org/drawingml/2006/chart" xmlns:r="http://schemas.openxmlformats.org/officeDocument/2006/relationships" r:id="rId5"/>
-          </a:graphicData>
-        </a:graphic>
-      </p:graphicFrame>
-      <p:sp>
-        <p:nvSpPr>
-          <p:cNvPr id="10" name="텍스트 개체 틀 9">
-            <a:extLst>
-              <a:ext uri="{FF2B5EF4-FFF2-40B4-BE49-F238E27FC236}">
-                <a16:creationId xmlns:a16="http://schemas.microsoft.com/office/drawing/2014/main" id="{C66E4F1A-AD73-4086-B578-235F0B9F1FC4}"/>
-              </a:ext>
-            </a:extLst>
-          </p:cNvPr>
-          <p:cNvSpPr>
-            <a:spLocks noGrp="1"/>
-          </p:cNvSpPr>
-          <p:nvPr>
-            <p:ph type="body" idx="13"/>
-          </p:nvPr>
-        </p:nvSpPr>
-        <p:spPr>
-          <a:xfrm>
-            <a:off x="6298609" y="3788813"/>
-            <a:ext cx="2330726" cy="804859"/>
+              <a:rPr lang="ko-KR" altLang="en-US"/>
+              <a:t>최고 운영 책임자</a:t>
+            </a:r>
+          </a:p>
+        </p:txBody>
+      </p:sp>
+      <p:sp>
+        <p:nvSpPr>
+          <p:cNvPr id="51" name="텍스트 개체 틀 50">
+            <a:extLst>
+              <a:ext uri="{FF2B5EF4-FFF2-40B4-BE49-F238E27FC236}">
+                <a16:creationId xmlns:a16="http://schemas.microsoft.com/office/drawing/2014/main" id="{C1C77C5B-2A5F-4999-A5BF-F60EA88DE493}"/>
+              </a:ext>
+            </a:extLst>
+          </p:cNvPr>
+          <p:cNvSpPr>
+            <a:spLocks noGrp="1"/>
+          </p:cNvSpPr>
+          <p:nvPr>
+            <p:ph type="body" idx="20"/>
+          </p:nvPr>
+        </p:nvSpPr>
+        <p:spPr>
+          <a:xfrm>
+            <a:off x="8759806" y="3654378"/>
+            <a:ext cx="1828800" cy="343061"/>
           </a:xfrm>
         </p:spPr>
         <p:txBody>
@@ -35669,37 +35174,32 @@
           <a:p>
             <a:pPr rtl="0"/>
             <a:r>
-              <a:rPr lang="ko-KR" altLang="en-US" dirty="0"/>
-              <a:t>₩</a:t>
-            </a:r>
-            <a:r>
-              <a:rPr lang="en-US" altLang="ko-KR" dirty="0"/>
-              <a:t>82,000</a:t>
-            </a:r>
-            <a:endParaRPr lang="ko-KR" altLang="en-US" dirty="0"/>
-          </a:p>
-        </p:txBody>
-      </p:sp>
-      <p:sp>
-        <p:nvSpPr>
-          <p:cNvPr id="16" name="텍스트 개체 틀 15">
-            <a:extLst>
-              <a:ext uri="{FF2B5EF4-FFF2-40B4-BE49-F238E27FC236}">
-                <a16:creationId xmlns:a16="http://schemas.microsoft.com/office/drawing/2014/main" id="{AAB421C5-B6AC-48B8-8AEB-AB16AAE5010E}"/>
-              </a:ext>
-            </a:extLst>
-          </p:cNvPr>
-          <p:cNvSpPr>
-            <a:spLocks noGrp="1"/>
-          </p:cNvSpPr>
-          <p:nvPr>
-            <p:ph type="body" idx="19"/>
-          </p:nvPr>
-        </p:nvSpPr>
-        <p:spPr>
-          <a:xfrm>
-            <a:off x="6298609" y="4464810"/>
-            <a:ext cx="2330726" cy="438505"/>
+              <a:rPr lang="ko-KR" altLang="en-US"/>
+              <a:t>진현준</a:t>
+            </a:r>
+          </a:p>
+        </p:txBody>
+      </p:sp>
+      <p:sp>
+        <p:nvSpPr>
+          <p:cNvPr id="63" name="텍스트 개체 틀 62">
+            <a:extLst>
+              <a:ext uri="{FF2B5EF4-FFF2-40B4-BE49-F238E27FC236}">
+                <a16:creationId xmlns:a16="http://schemas.microsoft.com/office/drawing/2014/main" id="{41797063-0A46-4FCE-86CB-FC66F997C5F4}"/>
+              </a:ext>
+            </a:extLst>
+          </p:cNvPr>
+          <p:cNvSpPr>
+            <a:spLocks noGrp="1"/>
+          </p:cNvSpPr>
+          <p:nvPr>
+            <p:ph type="body" idx="24"/>
+          </p:nvPr>
+        </p:nvSpPr>
+        <p:spPr>
+          <a:xfrm>
+            <a:off x="8634432" y="3782039"/>
+            <a:ext cx="2057400" cy="343061"/>
           </a:xfrm>
         </p:spPr>
         <p:txBody>
@@ -35708,32 +35208,168 @@
           <a:p>
             <a:pPr rtl="0"/>
             <a:r>
-              <a:rPr lang="ko-KR" altLang="en-US" dirty="0"/>
-              <a:t>지분</a:t>
-            </a:r>
-          </a:p>
-        </p:txBody>
-      </p:sp>
-      <p:sp>
-        <p:nvSpPr>
-          <p:cNvPr id="11" name="내용 개체 틀 10">
-            <a:extLst>
-              <a:ext uri="{FF2B5EF4-FFF2-40B4-BE49-F238E27FC236}">
-                <a16:creationId xmlns:a16="http://schemas.microsoft.com/office/drawing/2014/main" id="{345C82A0-3F56-47BD-9FB2-6B56DA715F93}"/>
-              </a:ext>
-            </a:extLst>
-          </p:cNvPr>
-          <p:cNvSpPr>
-            <a:spLocks noGrp="1"/>
-          </p:cNvSpPr>
-          <p:nvPr>
-            <p:ph sz="half" idx="14"/>
-          </p:nvPr>
-        </p:nvSpPr>
-        <p:spPr>
-          <a:xfrm>
-            <a:off x="6298609" y="5120722"/>
-            <a:ext cx="2330726" cy="853167"/>
+              <a:rPr lang="ko-KR" altLang="en-US"/>
+              <a:t>마케팅 부사장</a:t>
+            </a:r>
+          </a:p>
+        </p:txBody>
+      </p:sp>
+      <p:pic>
+        <p:nvPicPr>
+          <p:cNvPr id="58" name="그림 개체 틀 57" descr="팀 구성원 얼굴 사진">
+            <a:extLst>
+              <a:ext uri="{FF2B5EF4-FFF2-40B4-BE49-F238E27FC236}">
+                <a16:creationId xmlns:a16="http://schemas.microsoft.com/office/drawing/2014/main" id="{67F12A1B-1645-4C97-AE80-CC96C4998E2E}"/>
+              </a:ext>
+            </a:extLst>
+          </p:cNvPr>
+          <p:cNvPicPr>
+            <a:picLocks noGrp="1" noChangeAspect="1"/>
+          </p:cNvPicPr>
+          <p:nvPr>
+            <p:ph type="pic" sz="quarter" idx="26"/>
+          </p:nvPr>
+        </p:nvPicPr>
+        <p:blipFill rotWithShape="1">
+          <a:blip r:embed="rId7">
+            <a:extLst>
+              <a:ext uri="{28A0092B-C50C-407E-A947-70E740481C1C}">
+                <a14:useLocalDpi xmlns:a14="http://schemas.microsoft.com/office/drawing/2010/main" val="0"/>
+              </a:ext>
+            </a:extLst>
+          </a:blip>
+          <a:srcRect/>
+          <a:stretch/>
+        </p:blipFill>
+        <p:spPr>
+          <a:xfrm>
+            <a:off x="1877176" y="4287711"/>
+            <a:ext cx="1066800" cy="1066800"/>
+          </a:xfrm>
+        </p:spPr>
+      </p:pic>
+      <p:pic>
+        <p:nvPicPr>
+          <p:cNvPr id="66" name="그림 개체 틀 65" descr="팀 구성원 얼굴 사진">
+            <a:extLst>
+              <a:ext uri="{FF2B5EF4-FFF2-40B4-BE49-F238E27FC236}">
+                <a16:creationId xmlns:a16="http://schemas.microsoft.com/office/drawing/2014/main" id="{448282B4-E477-4ECE-BC09-7EA9451D9AEE}"/>
+              </a:ext>
+            </a:extLst>
+          </p:cNvPr>
+          <p:cNvPicPr>
+            <a:picLocks noGrp="1" noChangeAspect="1"/>
+          </p:cNvPicPr>
+          <p:nvPr>
+            <p:ph type="pic" sz="quarter" idx="27"/>
+          </p:nvPr>
+        </p:nvPicPr>
+        <p:blipFill rotWithShape="1">
+          <a:blip r:embed="rId8">
+            <a:extLst>
+              <a:ext uri="{28A0092B-C50C-407E-A947-70E740481C1C}">
+                <a14:useLocalDpi xmlns:a14="http://schemas.microsoft.com/office/drawing/2010/main" val="0"/>
+              </a:ext>
+            </a:extLst>
+          </a:blip>
+          <a:srcRect/>
+          <a:stretch/>
+        </p:blipFill>
+        <p:spPr>
+          <a:xfrm>
+            <a:off x="4226270" y="4287711"/>
+            <a:ext cx="1066800" cy="1066800"/>
+          </a:xfrm>
+        </p:spPr>
+      </p:pic>
+      <p:pic>
+        <p:nvPicPr>
+          <p:cNvPr id="78" name="그림 개체 틀 77" descr="팀 구성원 얼굴 사진">
+            <a:extLst>
+              <a:ext uri="{FF2B5EF4-FFF2-40B4-BE49-F238E27FC236}">
+                <a16:creationId xmlns:a16="http://schemas.microsoft.com/office/drawing/2014/main" id="{15824874-C00E-4835-97F0-43C416DDCACC}"/>
+              </a:ext>
+            </a:extLst>
+          </p:cNvPr>
+          <p:cNvPicPr>
+            <a:picLocks noGrp="1" noChangeAspect="1"/>
+          </p:cNvPicPr>
+          <p:nvPr>
+            <p:ph type="pic" sz="quarter" idx="28"/>
+          </p:nvPr>
+        </p:nvPicPr>
+        <p:blipFill rotWithShape="1">
+          <a:blip r:embed="rId9">
+            <a:extLst>
+              <a:ext uri="{28A0092B-C50C-407E-A947-70E740481C1C}">
+                <a14:useLocalDpi xmlns:a14="http://schemas.microsoft.com/office/drawing/2010/main" val="0"/>
+              </a:ext>
+            </a:extLst>
+          </a:blip>
+          <a:srcRect/>
+          <a:stretch/>
+        </p:blipFill>
+        <p:spPr>
+          <a:xfrm>
+            <a:off x="6716934" y="4287711"/>
+            <a:ext cx="1066800" cy="1066800"/>
+          </a:xfrm>
+        </p:spPr>
+      </p:pic>
+      <p:pic>
+        <p:nvPicPr>
+          <p:cNvPr id="83" name="그림 개체 틀 82" descr="팀 구성원 얼굴 사진">
+            <a:extLst>
+              <a:ext uri="{FF2B5EF4-FFF2-40B4-BE49-F238E27FC236}">
+                <a16:creationId xmlns:a16="http://schemas.microsoft.com/office/drawing/2014/main" id="{96405252-7726-442E-9D15-755840A5AF27}"/>
+              </a:ext>
+            </a:extLst>
+          </p:cNvPr>
+          <p:cNvPicPr>
+            <a:picLocks noGrp="1" noChangeAspect="1"/>
+          </p:cNvPicPr>
+          <p:nvPr>
+            <p:ph type="pic" sz="quarter" idx="29"/>
+          </p:nvPr>
+        </p:nvPicPr>
+        <p:blipFill rotWithShape="1">
+          <a:blip r:embed="rId10">
+            <a:extLst>
+              <a:ext uri="{28A0092B-C50C-407E-A947-70E740481C1C}">
+                <a14:useLocalDpi xmlns:a14="http://schemas.microsoft.com/office/drawing/2010/main" val="0"/>
+              </a:ext>
+            </a:extLst>
+          </a:blip>
+          <a:srcRect/>
+          <a:stretch/>
+        </p:blipFill>
+        <p:spPr>
+          <a:xfrm>
+            <a:off x="9136814" y="4287711"/>
+            <a:ext cx="1066800" cy="1066800"/>
+          </a:xfrm>
+        </p:spPr>
+      </p:pic>
+      <p:sp>
+        <p:nvSpPr>
+          <p:cNvPr id="64" name="텍스트 개체 틀 63">
+            <a:extLst>
+              <a:ext uri="{FF2B5EF4-FFF2-40B4-BE49-F238E27FC236}">
+                <a16:creationId xmlns:a16="http://schemas.microsoft.com/office/drawing/2014/main" id="{3ECD1D6F-7DAE-4DCC-BBB4-CD519379CDF6}"/>
+              </a:ext>
+            </a:extLst>
+          </p:cNvPr>
+          <p:cNvSpPr>
+            <a:spLocks noGrp="1"/>
+          </p:cNvSpPr>
+          <p:nvPr>
+            <p:ph type="body" idx="25"/>
+          </p:nvPr>
+        </p:nvSpPr>
+        <p:spPr>
+          <a:xfrm>
+            <a:off x="1500168" y="5513214"/>
+            <a:ext cx="1828800" cy="343061"/>
           </a:xfrm>
         </p:spPr>
         <p:txBody>
@@ -35742,71 +35378,36 @@
           <a:p>
             <a:pPr rtl="0"/>
             <a:r>
-              <a:rPr lang="en-US" altLang="ko-KR" dirty="0"/>
-              <a:t>USD</a:t>
-            </a:r>
-            <a:r>
-              <a:rPr lang="ko-KR" altLang="en-US" dirty="0"/>
-              <a:t>로 변환한 지분</a:t>
+              <a:rPr lang="ko-KR" altLang="en-US"/>
+              <a:t>임진식</a:t>
             </a:r>
           </a:p>
           <a:p>
             <a:pPr rtl="0"/>
-            <a:endParaRPr lang="ko-KR" altLang="en-US" noProof="1"/>
-          </a:p>
-        </p:txBody>
-      </p:sp>
-      <p:graphicFrame>
-        <p:nvGraphicFramePr>
-          <p:cNvPr id="61" name="내용 개체 틀 60" title="자금 조달 차트">
-            <a:extLst>
-              <a:ext uri="{FF2B5EF4-FFF2-40B4-BE49-F238E27FC236}">
-                <a16:creationId xmlns:a16="http://schemas.microsoft.com/office/drawing/2014/main" id="{D78C801B-5A42-4B88-AF2C-A3C45CD69E2E}"/>
-              </a:ext>
-            </a:extLst>
-          </p:cNvPr>
-          <p:cNvGraphicFramePr>
-            <a:graphicFrameLocks noGrp="1"/>
-          </p:cNvGraphicFramePr>
-          <p:nvPr>
-            <p:ph sz="quarter" idx="24"/>
-            <p:extLst>
-              <p:ext uri="{D42A27DB-BD31-4B8C-83A1-F6EECF244321}">
-                <p14:modId xmlns:p14="http://schemas.microsoft.com/office/powerpoint/2010/main" val="759792616"/>
-              </p:ext>
-            </p:extLst>
-          </p:nvPr>
-        </p:nvGraphicFramePr>
-        <p:xfrm>
-          <a:off x="9259888" y="2370138"/>
-          <a:ext cx="1857375" cy="1665287"/>
-        </p:xfrm>
-        <a:graphic>
-          <a:graphicData uri="http://schemas.openxmlformats.org/drawingml/2006/chart">
-            <c:chart xmlns:c="http://schemas.openxmlformats.org/drawingml/2006/chart" xmlns:r="http://schemas.openxmlformats.org/officeDocument/2006/relationships" r:id="rId6"/>
-          </a:graphicData>
-        </a:graphic>
-      </p:graphicFrame>
-      <p:sp>
-        <p:nvSpPr>
-          <p:cNvPr id="12" name="텍스트 개체 틀 11">
-            <a:extLst>
-              <a:ext uri="{FF2B5EF4-FFF2-40B4-BE49-F238E27FC236}">
-                <a16:creationId xmlns:a16="http://schemas.microsoft.com/office/drawing/2014/main" id="{F70E657A-85D8-48A8-B017-274F0C32C5C9}"/>
-              </a:ext>
-            </a:extLst>
-          </p:cNvPr>
-          <p:cNvSpPr>
-            <a:spLocks noGrp="1"/>
-          </p:cNvSpPr>
-          <p:nvPr>
-            <p:ph type="body" idx="15"/>
-          </p:nvPr>
-        </p:nvSpPr>
-        <p:spPr>
-          <a:xfrm>
-            <a:off x="9023074" y="3788457"/>
-            <a:ext cx="2330726" cy="804859"/>
+            <a:endParaRPr lang="ko-KR" altLang="en-US"/>
+          </a:p>
+        </p:txBody>
+      </p:sp>
+      <p:sp>
+        <p:nvSpPr>
+          <p:cNvPr id="72" name="텍스트 개체 틀 71">
+            <a:extLst>
+              <a:ext uri="{FF2B5EF4-FFF2-40B4-BE49-F238E27FC236}">
+                <a16:creationId xmlns:a16="http://schemas.microsoft.com/office/drawing/2014/main" id="{0420E7B5-7D79-437C-BC6E-11C9C9C73D12}"/>
+              </a:ext>
+            </a:extLst>
+          </p:cNvPr>
+          <p:cNvSpPr>
+            <a:spLocks noGrp="1"/>
+          </p:cNvSpPr>
+          <p:nvPr>
+            <p:ph type="body" idx="33"/>
+          </p:nvPr>
+        </p:nvSpPr>
+        <p:spPr>
+          <a:xfrm>
+            <a:off x="1390120" y="5640875"/>
+            <a:ext cx="2057400" cy="343061"/>
           </a:xfrm>
         </p:spPr>
         <p:txBody>
@@ -35815,37 +35416,32 @@
           <a:p>
             <a:pPr rtl="0"/>
             <a:r>
-              <a:rPr lang="ko-KR" altLang="en-US" dirty="0"/>
-              <a:t>₩</a:t>
-            </a:r>
-            <a:r>
-              <a:rPr lang="en-US" altLang="ko-KR" dirty="0"/>
-              <a:t>32,000</a:t>
-            </a:r>
-            <a:endParaRPr lang="ko-KR" altLang="en-US" dirty="0"/>
-          </a:p>
-        </p:txBody>
-      </p:sp>
-      <p:sp>
-        <p:nvSpPr>
-          <p:cNvPr id="17" name="텍스트 개체 틀 16">
-            <a:extLst>
-              <a:ext uri="{FF2B5EF4-FFF2-40B4-BE49-F238E27FC236}">
-                <a16:creationId xmlns:a16="http://schemas.microsoft.com/office/drawing/2014/main" id="{025753CB-8973-4FAE-BB5D-5CC96CE338D4}"/>
-              </a:ext>
-            </a:extLst>
-          </p:cNvPr>
-          <p:cNvSpPr>
-            <a:spLocks noGrp="1"/>
-          </p:cNvSpPr>
-          <p:nvPr>
-            <p:ph type="body" idx="20"/>
-          </p:nvPr>
-        </p:nvSpPr>
-        <p:spPr>
-          <a:xfrm>
-            <a:off x="9023074" y="4464454"/>
-            <a:ext cx="2330726" cy="438505"/>
+              <a:rPr lang="ko-KR" altLang="en-US"/>
+              <a:t>제품 부사장</a:t>
+            </a:r>
+          </a:p>
+        </p:txBody>
+      </p:sp>
+      <p:sp>
+        <p:nvSpPr>
+          <p:cNvPr id="69" name="텍스트 개체 틀 68">
+            <a:extLst>
+              <a:ext uri="{FF2B5EF4-FFF2-40B4-BE49-F238E27FC236}">
+                <a16:creationId xmlns:a16="http://schemas.microsoft.com/office/drawing/2014/main" id="{A5A9CD8D-31A9-4139-87B2-349EA8E14781}"/>
+              </a:ext>
+            </a:extLst>
+          </p:cNvPr>
+          <p:cNvSpPr>
+            <a:spLocks noGrp="1"/>
+          </p:cNvSpPr>
+          <p:nvPr>
+            <p:ph type="body" idx="30"/>
+          </p:nvPr>
+        </p:nvSpPr>
+        <p:spPr>
+          <a:xfrm>
+            <a:off x="3849262" y="5527896"/>
+            <a:ext cx="1828800" cy="343061"/>
           </a:xfrm>
         </p:spPr>
         <p:txBody>
@@ -35854,32 +35450,36 @@
           <a:p>
             <a:pPr rtl="0"/>
             <a:r>
-              <a:rPr lang="ko-KR" altLang="en-US" dirty="0"/>
-              <a:t>현금</a:t>
-            </a:r>
-          </a:p>
-        </p:txBody>
-      </p:sp>
-      <p:sp>
-        <p:nvSpPr>
-          <p:cNvPr id="13" name="내용 개체 틀 12">
-            <a:extLst>
-              <a:ext uri="{FF2B5EF4-FFF2-40B4-BE49-F238E27FC236}">
-                <a16:creationId xmlns:a16="http://schemas.microsoft.com/office/drawing/2014/main" id="{69F9DEC9-77BC-482D-ACFB-0F2B6DC65F9F}"/>
-              </a:ext>
-            </a:extLst>
-          </p:cNvPr>
-          <p:cNvSpPr>
-            <a:spLocks noGrp="1"/>
-          </p:cNvSpPr>
-          <p:nvPr>
-            <p:ph sz="half" idx="16"/>
-          </p:nvPr>
-        </p:nvSpPr>
-        <p:spPr>
-          <a:xfrm>
-            <a:off x="9023074" y="5120366"/>
-            <a:ext cx="2330726" cy="853167"/>
+              <a:rPr lang="ko-KR" altLang="en-US"/>
+              <a:t>황철무</a:t>
+            </a:r>
+          </a:p>
+          <a:p>
+            <a:pPr rtl="0"/>
+            <a:endParaRPr lang="ko-KR" altLang="en-US"/>
+          </a:p>
+        </p:txBody>
+      </p:sp>
+      <p:sp>
+        <p:nvSpPr>
+          <p:cNvPr id="73" name="텍스트 개체 틀 72">
+            <a:extLst>
+              <a:ext uri="{FF2B5EF4-FFF2-40B4-BE49-F238E27FC236}">
+                <a16:creationId xmlns:a16="http://schemas.microsoft.com/office/drawing/2014/main" id="{E1FCDD58-01CD-47CF-AB15-A511E9D3612F}"/>
+              </a:ext>
+            </a:extLst>
+          </p:cNvPr>
+          <p:cNvSpPr>
+            <a:spLocks noGrp="1"/>
+          </p:cNvSpPr>
+          <p:nvPr>
+            <p:ph type="body" idx="34"/>
+          </p:nvPr>
+        </p:nvSpPr>
+        <p:spPr>
+          <a:xfrm>
+            <a:off x="3739214" y="5655557"/>
+            <a:ext cx="2057400" cy="343061"/>
           </a:xfrm>
         </p:spPr>
         <p:txBody>
@@ -35888,22 +35488,158 @@
           <a:p>
             <a:pPr rtl="0"/>
             <a:r>
-              <a:rPr lang="ko-KR" altLang="en-US" noProof="1"/>
-              <a:t>보유 유동 현금</a:t>
-            </a:r>
-          </a:p>
+              <a:rPr lang="en-US" altLang="ko-KR"/>
+              <a:t>SEO </a:t>
+            </a:r>
+            <a:r>
+              <a:rPr lang="ko-KR" altLang="en-US"/>
+              <a:t>전략</a:t>
+            </a:r>
+          </a:p>
+        </p:txBody>
+      </p:sp>
+      <p:sp>
+        <p:nvSpPr>
+          <p:cNvPr id="70" name="텍스트 개체 틀 69">
+            <a:extLst>
+              <a:ext uri="{FF2B5EF4-FFF2-40B4-BE49-F238E27FC236}">
+                <a16:creationId xmlns:a16="http://schemas.microsoft.com/office/drawing/2014/main" id="{58753412-8033-48AD-80DF-945C72BC7335}"/>
+              </a:ext>
+            </a:extLst>
+          </p:cNvPr>
+          <p:cNvSpPr>
+            <a:spLocks noGrp="1"/>
+          </p:cNvSpPr>
+          <p:nvPr>
+            <p:ph type="body" idx="31"/>
+          </p:nvPr>
+        </p:nvSpPr>
+        <p:spPr>
+          <a:xfrm>
+            <a:off x="6339926" y="5527896"/>
+            <a:ext cx="1828800" cy="343061"/>
+          </a:xfrm>
+        </p:spPr>
+        <p:txBody>
+          <a:bodyPr rtlCol="0"/>
+          <a:lstStyle/>
           <a:p>
             <a:pPr rtl="0"/>
-            <a:endParaRPr lang="ko-KR" altLang="en-US" dirty="0"/>
-          </a:p>
-        </p:txBody>
-      </p:sp>
-      <p:sp>
-        <p:nvSpPr>
-          <p:cNvPr id="9" name="슬라이드 번호 개체 틀 8">
-            <a:extLst>
-              <a:ext uri="{FF2B5EF4-FFF2-40B4-BE49-F238E27FC236}">
-                <a16:creationId xmlns:a16="http://schemas.microsoft.com/office/drawing/2014/main" id="{9BFC0B64-8F13-426F-B6C5-9C9427ACAD7E}"/>
+            <a:r>
+              <a:rPr lang="ko-KR" altLang="en-US"/>
+              <a:t>조지민</a:t>
+            </a:r>
+          </a:p>
+        </p:txBody>
+      </p:sp>
+      <p:sp>
+        <p:nvSpPr>
+          <p:cNvPr id="74" name="텍스트 개체 틀 73">
+            <a:extLst>
+              <a:ext uri="{FF2B5EF4-FFF2-40B4-BE49-F238E27FC236}">
+                <a16:creationId xmlns:a16="http://schemas.microsoft.com/office/drawing/2014/main" id="{2E2604A9-4BB8-4144-914B-DCF4F13DF3DB}"/>
+              </a:ext>
+            </a:extLst>
+          </p:cNvPr>
+          <p:cNvSpPr>
+            <a:spLocks noGrp="1"/>
+          </p:cNvSpPr>
+          <p:nvPr>
+            <p:ph type="body" idx="35"/>
+          </p:nvPr>
+        </p:nvSpPr>
+        <p:spPr>
+          <a:xfrm>
+            <a:off x="6229878" y="5655557"/>
+            <a:ext cx="2057400" cy="343061"/>
+          </a:xfrm>
+        </p:spPr>
+        <p:txBody>
+          <a:bodyPr rtlCol="0"/>
+          <a:lstStyle/>
+          <a:p>
+            <a:pPr rtl="0"/>
+            <a:r>
+              <a:rPr lang="ko-KR" altLang="en-US"/>
+              <a:t>제품 디자이너</a:t>
+            </a:r>
+          </a:p>
+        </p:txBody>
+      </p:sp>
+      <p:sp>
+        <p:nvSpPr>
+          <p:cNvPr id="71" name="텍스트 개체 틀 70">
+            <a:extLst>
+              <a:ext uri="{FF2B5EF4-FFF2-40B4-BE49-F238E27FC236}">
+                <a16:creationId xmlns:a16="http://schemas.microsoft.com/office/drawing/2014/main" id="{A45FE9A3-15E0-49FA-B6E5-DB16CD0C2C8F}"/>
+              </a:ext>
+            </a:extLst>
+          </p:cNvPr>
+          <p:cNvSpPr>
+            <a:spLocks noGrp="1"/>
+          </p:cNvSpPr>
+          <p:nvPr>
+            <p:ph type="body" idx="32"/>
+          </p:nvPr>
+        </p:nvSpPr>
+        <p:spPr>
+          <a:xfrm>
+            <a:off x="8759806" y="5513214"/>
+            <a:ext cx="1828800" cy="343061"/>
+          </a:xfrm>
+        </p:spPr>
+        <p:txBody>
+          <a:bodyPr rtlCol="0"/>
+          <a:lstStyle/>
+          <a:p>
+            <a:pPr rtl="0"/>
+            <a:r>
+              <a:rPr lang="ko-KR" altLang="en-US"/>
+              <a:t>김배식</a:t>
+            </a:r>
+          </a:p>
+        </p:txBody>
+      </p:sp>
+      <p:sp>
+        <p:nvSpPr>
+          <p:cNvPr id="75" name="텍스트 개체 틀 74">
+            <a:extLst>
+              <a:ext uri="{FF2B5EF4-FFF2-40B4-BE49-F238E27FC236}">
+                <a16:creationId xmlns:a16="http://schemas.microsoft.com/office/drawing/2014/main" id="{72076C4D-9688-4C1A-AB51-8F1051A803A9}"/>
+              </a:ext>
+            </a:extLst>
+          </p:cNvPr>
+          <p:cNvSpPr>
+            <a:spLocks noGrp="1"/>
+          </p:cNvSpPr>
+          <p:nvPr>
+            <p:ph type="body" idx="36"/>
+          </p:nvPr>
+        </p:nvSpPr>
+        <p:spPr>
+          <a:xfrm>
+            <a:off x="8634432" y="5640875"/>
+            <a:ext cx="2057400" cy="343061"/>
+          </a:xfrm>
+        </p:spPr>
+        <p:txBody>
+          <a:bodyPr rtlCol="0"/>
+          <a:lstStyle/>
+          <a:p>
+            <a:pPr rtl="0"/>
+            <a:r>
+              <a:rPr lang="ko-KR" altLang="en-US"/>
+              <a:t>콘텐츠 개발자</a:t>
+            </a:r>
+          </a:p>
+        </p:txBody>
+      </p:sp>
+      <p:sp>
+        <p:nvSpPr>
+          <p:cNvPr id="5" name="슬라이드 번호 개체 틀 4">
+            <a:extLst>
+              <a:ext uri="{FF2B5EF4-FFF2-40B4-BE49-F238E27FC236}">
+                <a16:creationId xmlns:a16="http://schemas.microsoft.com/office/drawing/2014/main" id="{2E1923C7-5010-4C4F-A932-4BDA0B62A7C0}"/>
               </a:ext>
             </a:extLst>
           </p:cNvPr>
@@ -35930,14 +35666,14 @@
               <a:pPr rtl="0"/>
               <a:t>19</a:t>
             </a:fld>
-            <a:endParaRPr lang="ko-KR" altLang="en-US" dirty="0"/>
+            <a:endParaRPr lang="ko-KR" altLang="en-US"/>
           </a:p>
         </p:txBody>
       </p:sp>
     </p:spTree>
     <p:extLst>
       <p:ext uri="{BB962C8B-B14F-4D97-AF65-F5344CB8AC3E}">
-        <p14:creationId xmlns:p14="http://schemas.microsoft.com/office/powerpoint/2010/main" val="512234382"/>
+        <p14:creationId xmlns:p14="http://schemas.microsoft.com/office/powerpoint/2010/main" val="3396266754"/>
       </p:ext>
     </p:extLst>
   </p:cSld>
@@ -35969,10 +35705,7 @@
           <p:cNvPr id="2" name="제목 1">
             <a:extLst>
               <a:ext uri="{FF2B5EF4-FFF2-40B4-BE49-F238E27FC236}">
-                <a16:creationId xmlns:a16="http://schemas.microsoft.com/office/drawing/2014/main" id="{6719F29B-F233-48AF-8261-F33A4E079E3E}"/>
-              </a:ext>
-              <a:ext uri="{C183D7F6-B498-43B3-948B-1728B52AA6E4}">
-                <adec:decorative xmlns:adec="http://schemas.microsoft.com/office/drawing/2017/decorative" val="0"/>
+                <a16:creationId xmlns:a16="http://schemas.microsoft.com/office/drawing/2014/main" id="{73E30B14-88D8-AC63-53BD-1DB4B942660D}"/>
               </a:ext>
             </a:extLst>
           </p:cNvPr>
@@ -35985,91 +35718,83 @@
         </p:nvSpPr>
         <p:spPr>
           <a:xfrm>
-            <a:off x="1333499" y="1020445"/>
-            <a:ext cx="3171825" cy="1325563"/>
-          </a:xfrm>
-        </p:spPr>
-        <p:txBody>
-          <a:bodyPr rtlCol="0"/>
-          <a:lstStyle/>
-          <a:p>
-            <a:pPr rtl="0"/>
-            <a:r>
-              <a:rPr lang="ko-KR" altLang="en-US"/>
-              <a:t>회사 소개</a:t>
-            </a:r>
-          </a:p>
-        </p:txBody>
-      </p:sp>
-      <p:sp>
-        <p:nvSpPr>
-          <p:cNvPr id="3" name="부제목 2">
-            <a:extLst>
-              <a:ext uri="{FF2B5EF4-FFF2-40B4-BE49-F238E27FC236}">
-                <a16:creationId xmlns:a16="http://schemas.microsoft.com/office/drawing/2014/main" id="{35E3EA69-4E0E-41BD-8095-A124225A2647}"/>
-              </a:ext>
-              <a:ext uri="{C183D7F6-B498-43B3-948B-1728B52AA6E4}">
-                <adec:decorative xmlns:adec="http://schemas.microsoft.com/office/drawing/2017/decorative" val="0"/>
-              </a:ext>
-            </a:extLst>
-          </p:cNvPr>
-          <p:cNvSpPr>
-            <a:spLocks noGrp="1"/>
-          </p:cNvSpPr>
-          <p:nvPr>
-            <p:ph idx="1"/>
-          </p:nvPr>
-        </p:nvSpPr>
-        <p:spPr>
-          <a:xfrm>
-            <a:off x="1333499" y="2924175"/>
-            <a:ext cx="3171825" cy="2519363"/>
-          </a:xfrm>
-        </p:spPr>
-        <p:txBody>
-          <a:bodyPr rtlCol="0">
+            <a:off x="489857" y="446315"/>
+            <a:ext cx="10863942" cy="1030508"/>
+          </a:xfrm>
+        </p:spPr>
+        <p:txBody>
+          <a:bodyPr anchor="ctr">
             <a:normAutofit/>
           </a:bodyPr>
           <a:lstStyle/>
           <a:p>
-            <a:pPr rtl="0"/>
-            <a:r>
-              <a:rPr lang="en-US" altLang="ko-KR"/>
-              <a:t>Contoso</a:t>
-            </a:r>
-            <a:r>
-              <a:rPr lang="ko-KR" altLang="en-US"/>
-              <a:t>에서는 협업하는 사고를 장려하여 업무 공간의 혁신을 추진할 수 있도록 조직을 지원합니다</a:t>
-            </a:r>
-            <a:r>
-              <a:rPr lang="en-US" altLang="ko-KR"/>
-              <a:t>. </a:t>
-            </a:r>
-            <a:r>
-              <a:rPr lang="ko-KR" altLang="en-US"/>
-              <a:t>허점을 보완하고 </a:t>
-            </a:r>
-            <a:r>
-              <a:rPr lang="en-US" altLang="ko-KR"/>
-              <a:t>Agile </a:t>
-            </a:r>
-            <a:r>
-              <a:rPr lang="ko-KR" altLang="en-US"/>
-              <a:t>프레임워크를 활용함으로써 비즈니스가 유기적으로 성장하고 소비자를 우선으로 생각하는 사고방식을 장려합니다</a:t>
-            </a:r>
-            <a:r>
-              <a:rPr lang="en-US" altLang="ko-KR"/>
-              <a:t>.</a:t>
-            </a:r>
-          </a:p>
-        </p:txBody>
-      </p:sp>
-      <p:sp>
-        <p:nvSpPr>
-          <p:cNvPr id="6" name="날짜 개체 틀 5">
-            <a:extLst>
-              <a:ext uri="{FF2B5EF4-FFF2-40B4-BE49-F238E27FC236}">
-                <a16:creationId xmlns:a16="http://schemas.microsoft.com/office/drawing/2014/main" id="{B69DF042-37C5-4E09-AA4C-AA66649C9533}"/>
+            <a:r>
+              <a:rPr lang="ko-KR" altLang="en-US" sz="3200" b="1" dirty="0"/>
+              <a:t>독후감</a:t>
+            </a:r>
+            <a:r>
+              <a:rPr lang="ko-KR" altLang="en-US" dirty="0"/>
+              <a:t> </a:t>
+            </a:r>
+            <a:r>
+              <a:rPr lang="en-US" altLang="ko-KR" dirty="0"/>
+              <a:t>– </a:t>
+            </a:r>
+            <a:r>
+              <a:rPr lang="ko-KR" altLang="en-US" sz="2000" dirty="0" err="1"/>
+              <a:t>주린이가</a:t>
+            </a:r>
+            <a:r>
+              <a:rPr lang="ko-KR" altLang="en-US" sz="2000" dirty="0"/>
+              <a:t> 가장 알고 싶은 최다질문 </a:t>
+            </a:r>
+            <a:r>
+              <a:rPr lang="en-US" altLang="ko-KR" sz="2000" dirty="0"/>
+              <a:t>TOP 77 </a:t>
+            </a:r>
+            <a:r>
+              <a:rPr lang="ko-KR" altLang="en-US" sz="2000" dirty="0"/>
+              <a:t>②</a:t>
+            </a:r>
+          </a:p>
+        </p:txBody>
+      </p:sp>
+      <p:sp>
+        <p:nvSpPr>
+          <p:cNvPr id="4" name="텍스트 개체 틀 3">
+            <a:extLst>
+              <a:ext uri="{FF2B5EF4-FFF2-40B4-BE49-F238E27FC236}">
+                <a16:creationId xmlns:a16="http://schemas.microsoft.com/office/drawing/2014/main" id="{C603CCAA-5681-9AAE-1CD6-B6942B6A2BD6}"/>
+              </a:ext>
+            </a:extLst>
+          </p:cNvPr>
+          <p:cNvSpPr>
+            <a:spLocks noGrp="1"/>
+          </p:cNvSpPr>
+          <p:nvPr>
+            <p:ph type="body" sz="quarter" idx="15"/>
+          </p:nvPr>
+        </p:nvSpPr>
+        <p:spPr>
+          <a:xfrm>
+            <a:off x="4288971" y="1561750"/>
+            <a:ext cx="7313229" cy="4708421"/>
+          </a:xfrm>
+        </p:spPr>
+        <p:txBody>
+          <a:bodyPr/>
+          <a:lstStyle/>
+          <a:p>
+            <a:endParaRPr lang="ko-KR" altLang="en-US" dirty="0"/>
+          </a:p>
+        </p:txBody>
+      </p:sp>
+      <p:sp>
+        <p:nvSpPr>
+          <p:cNvPr id="9" name="날짜 개체 틀 8">
+            <a:extLst>
+              <a:ext uri="{FF2B5EF4-FFF2-40B4-BE49-F238E27FC236}">
+                <a16:creationId xmlns:a16="http://schemas.microsoft.com/office/drawing/2014/main" id="{60BA1404-63E0-68FD-2C5D-81B505D8D401}"/>
               </a:ext>
             </a:extLst>
           </p:cNvPr>
@@ -36080,34 +35805,27 @@
             <p:ph type="dt" sz="half" idx="10"/>
           </p:nvPr>
         </p:nvSpPr>
-        <p:spPr>
-          <a:xfrm>
-            <a:off x="1333500" y="6356350"/>
-            <a:ext cx="985157" cy="365125"/>
-          </a:xfrm>
-        </p:spPr>
-        <p:txBody>
-          <a:bodyPr rtlCol="0"/>
+        <p:spPr/>
+        <p:txBody>
+          <a:bodyPr/>
           <a:lstStyle/>
           <a:p>
-            <a:pPr rtl="0"/>
-            <a:r>
-              <a:rPr lang="en-US" altLang="ko-KR"/>
-              <a:t>20XX</a:t>
-            </a:r>
-            <a:r>
-              <a:rPr lang="ko-KR" altLang="en-US"/>
-              <a:t>년</a:t>
-            </a:r>
-          </a:p>
-        </p:txBody>
-      </p:sp>
-      <p:sp>
-        <p:nvSpPr>
-          <p:cNvPr id="5" name="바닥글 개체 틀 4">
-            <a:extLst>
-              <a:ext uri="{FF2B5EF4-FFF2-40B4-BE49-F238E27FC236}">
-                <a16:creationId xmlns:a16="http://schemas.microsoft.com/office/drawing/2014/main" id="{AF29EA23-F34E-486A-B8B2-0C3019266975}"/>
+            <a:r>
+              <a:rPr lang="ko-KR" altLang="en-US" noProof="0" dirty="0">
+                <a:latin typeface="맑은 고딕" panose="020B0503020000020004" pitchFamily="50" charset="-127"/>
+                <a:ea typeface="맑은 고딕" panose="020B0503020000020004" pitchFamily="50" charset="-127"/>
+              </a:rPr>
+              <a:t>독후감</a:t>
+            </a:r>
+          </a:p>
+        </p:txBody>
+      </p:sp>
+      <p:sp>
+        <p:nvSpPr>
+          <p:cNvPr id="10" name="바닥글 개체 틀 9">
+            <a:extLst>
+              <a:ext uri="{FF2B5EF4-FFF2-40B4-BE49-F238E27FC236}">
+                <a16:creationId xmlns:a16="http://schemas.microsoft.com/office/drawing/2014/main" id="{68183A83-26EC-9A11-ED86-0507090F466F}"/>
               </a:ext>
             </a:extLst>
           </p:cNvPr>
@@ -36118,30 +35836,46 @@
             <p:ph type="ftr" sz="quarter" idx="11"/>
           </p:nvPr>
         </p:nvSpPr>
-        <p:spPr>
-          <a:xfrm>
-            <a:off x="2669886" y="6356349"/>
-            <a:ext cx="2482842" cy="365125"/>
-          </a:xfrm>
-        </p:spPr>
-        <p:txBody>
-          <a:bodyPr rtlCol="0"/>
+        <p:spPr/>
+        <p:txBody>
+          <a:bodyPr/>
           <a:lstStyle/>
           <a:p>
-            <a:pPr rtl="0"/>
-            <a:r>
-              <a:rPr lang="ko-KR" altLang="en-US"/>
-              <a:t>설명 자료</a:t>
-            </a:r>
-          </a:p>
-        </p:txBody>
-      </p:sp>
-      <p:sp>
-        <p:nvSpPr>
-          <p:cNvPr id="4" name="슬라이드 번호 개체 틀 3">
-            <a:extLst>
-              <a:ext uri="{FF2B5EF4-FFF2-40B4-BE49-F238E27FC236}">
-                <a16:creationId xmlns:a16="http://schemas.microsoft.com/office/drawing/2014/main" id="{328F602C-7F98-4C02-99D4-ED65E00D66A4}"/>
+            <a:r>
+              <a:rPr lang="ko-KR" altLang="en-US" noProof="0" dirty="0" err="1">
+                <a:latin typeface="맑은 고딕" panose="020B0503020000020004" pitchFamily="50" charset="-127"/>
+                <a:ea typeface="맑은 고딕" panose="020B0503020000020004" pitchFamily="50" charset="-127"/>
+              </a:rPr>
+              <a:t>주린이가</a:t>
+            </a:r>
+            <a:r>
+              <a:rPr lang="ko-KR" altLang="en-US" noProof="0" dirty="0">
+                <a:latin typeface="맑은 고딕" panose="020B0503020000020004" pitchFamily="50" charset="-127"/>
+                <a:ea typeface="맑은 고딕" panose="020B0503020000020004" pitchFamily="50" charset="-127"/>
+              </a:rPr>
+              <a:t> 가장 알고 싶은 최다질문 </a:t>
+            </a:r>
+            <a:r>
+              <a:rPr lang="en-US" altLang="ko-KR" dirty="0"/>
+              <a:t>TOP 77 </a:t>
+            </a:r>
+            <a:r>
+              <a:rPr lang="ko-KR" altLang="en-US" sz="900" dirty="0"/>
+              <a:t>②</a:t>
+            </a:r>
+            <a:endParaRPr lang="en-US" altLang="ko-KR" noProof="0" dirty="0">
+              <a:latin typeface="맑은 고딕" panose="020B0503020000020004" pitchFamily="50" charset="-127"/>
+              <a:ea typeface="맑은 고딕" panose="020B0503020000020004" pitchFamily="50" charset="-127"/>
+            </a:endParaRPr>
+          </a:p>
+        </p:txBody>
+      </p:sp>
+      <p:sp>
+        <p:nvSpPr>
+          <p:cNvPr id="11" name="슬라이드 번호 개체 틀 10">
+            <a:extLst>
+              <a:ext uri="{FF2B5EF4-FFF2-40B4-BE49-F238E27FC236}">
+                <a16:creationId xmlns:a16="http://schemas.microsoft.com/office/drawing/2014/main" id="{5B816C27-9862-EE59-6CEE-89C5A1EADB82}"/>
               </a:ext>
             </a:extLst>
           </p:cNvPr>
@@ -36152,30 +35886,86 @@
             <p:ph type="sldNum" sz="quarter" idx="12"/>
           </p:nvPr>
         </p:nvSpPr>
-        <p:spPr>
-          <a:xfrm>
-            <a:off x="5536305" y="6356350"/>
-            <a:ext cx="987552" cy="365125"/>
-          </a:xfrm>
-        </p:spPr>
-        <p:txBody>
-          <a:bodyPr rtlCol="0"/>
+        <p:spPr/>
+        <p:txBody>
+          <a:bodyPr/>
           <a:lstStyle/>
           <a:p>
-            <a:pPr rtl="0"/>
-            <a:fld id="{19B51A1E-902D-48AF-9020-955120F399B6}" type="slidenum">
-              <a:rPr lang="en-ZA" altLang="ko-KR" smtClean="0"/>
+            <a:fld id="{B5CEABB6-07DC-46E8-9B57-56EC44A396E5}" type="slidenum">
+              <a:rPr lang="en-US" altLang="ko-KR" noProof="0" smtClean="0"/>
               <a:pPr/>
               <a:t>2</a:t>
             </a:fld>
-            <a:endParaRPr lang="ko-KR" altLang="en-ZA"/>
+            <a:endParaRPr lang="ko-KR" altLang="en-US" noProof="0">
+              <a:latin typeface="맑은 고딕" panose="020B0503020000020004" pitchFamily="50" charset="-127"/>
+              <a:ea typeface="맑은 고딕" panose="020B0503020000020004" pitchFamily="50" charset="-127"/>
+            </a:endParaRPr>
+          </a:p>
+        </p:txBody>
+      </p:sp>
+      <p:sp>
+        <p:nvSpPr>
+          <p:cNvPr id="12" name="직사각형 11">
+            <a:extLst>
+              <a:ext uri="{FF2B5EF4-FFF2-40B4-BE49-F238E27FC236}">
+                <a16:creationId xmlns:a16="http://schemas.microsoft.com/office/drawing/2014/main" id="{17064159-544D-364E-A444-236C1E49F5E5}"/>
+              </a:ext>
+            </a:extLst>
+          </p:cNvPr>
+          <p:cNvSpPr/>
+          <p:nvPr/>
+        </p:nvSpPr>
+        <p:spPr>
+          <a:xfrm>
+            <a:off x="589800" y="1561751"/>
+            <a:ext cx="3448800" cy="4708420"/>
+          </a:xfrm>
+          <a:prstGeom prst="rect">
+            <a:avLst/>
+          </a:prstGeom>
+          <a:blipFill dpi="0" rotWithShape="1">
+            <a:blip r:embed="rId2">
+              <a:extLst>
+                <a:ext uri="{28A0092B-C50C-407E-A947-70E740481C1C}">
+                  <a14:useLocalDpi xmlns:a14="http://schemas.microsoft.com/office/drawing/2010/main" val="0"/>
+                </a:ext>
+              </a:extLst>
+            </a:blip>
+            <a:srcRect/>
+            <a:stretch>
+              <a:fillRect/>
+            </a:stretch>
+          </a:blipFill>
+        </p:spPr>
+        <p:style>
+          <a:lnRef idx="2">
+            <a:schemeClr val="accent1">
+              <a:shade val="15000"/>
+            </a:schemeClr>
+          </a:lnRef>
+          <a:fillRef idx="1">
+            <a:schemeClr val="accent1"/>
+          </a:fillRef>
+          <a:effectRef idx="0">
+            <a:schemeClr val="accent1"/>
+          </a:effectRef>
+          <a:fontRef idx="minor">
+            <a:schemeClr val="lt1"/>
+          </a:fontRef>
+        </p:style>
+        <p:txBody>
+          <a:bodyPr rtlCol="0" anchor="ctr"/>
+          <a:lstStyle/>
+          <a:p>
+            <a:pPr algn="ctr"/>
+            <a:endParaRPr lang="ko-KR" altLang="en-US" dirty="0"/>
           </a:p>
         </p:txBody>
       </p:sp>
     </p:spTree>
     <p:extLst>
       <p:ext uri="{BB962C8B-B14F-4D97-AF65-F5344CB8AC3E}">
-        <p14:creationId xmlns:p14="http://schemas.microsoft.com/office/powerpoint/2010/main" val="2243494996"/>
+        <p14:creationId xmlns:p14="http://schemas.microsoft.com/office/powerpoint/2010/main" val="3213841464"/>
       </p:ext>
     </p:extLst>
   </p:cSld>
@@ -36207,7 +35997,7 @@
           <p:cNvPr id="2" name="제목 1">
             <a:extLst>
               <a:ext uri="{FF2B5EF4-FFF2-40B4-BE49-F238E27FC236}">
-                <a16:creationId xmlns:a16="http://schemas.microsoft.com/office/drawing/2014/main" id="{38FFA191-5CCC-43CB-BD83-4F80ED362608}"/>
+                <a16:creationId xmlns:a16="http://schemas.microsoft.com/office/drawing/2014/main" id="{9C1BF33B-5572-4A00-A55C-1E13A6B3A8F1}"/>
               </a:ext>
             </a:extLst>
           </p:cNvPr>
@@ -36220,8 +36010,8 @@
         </p:nvSpPr>
         <p:spPr>
           <a:xfrm>
-            <a:off x="5476875" y="1671639"/>
-            <a:ext cx="5111750" cy="1204912"/>
+            <a:off x="1885156" y="892177"/>
+            <a:ext cx="8421688" cy="1325563"/>
           </a:xfrm>
         </p:spPr>
         <p:txBody>
@@ -36230,18 +36020,49 @@
           <a:p>
             <a:pPr rtl="0"/>
             <a:r>
-              <a:rPr lang="ko-KR" altLang="en-US"/>
-              <a:t>요약</a:t>
-            </a:r>
-          </a:p>
-        </p:txBody>
-      </p:sp>
-      <p:sp>
-        <p:nvSpPr>
-          <p:cNvPr id="3" name="내용 개체 틀 2">
-            <a:extLst>
-              <a:ext uri="{FF2B5EF4-FFF2-40B4-BE49-F238E27FC236}">
-                <a16:creationId xmlns:a16="http://schemas.microsoft.com/office/drawing/2014/main" id="{E14BBEAF-B516-45F4-9EF6-A9F65111580F}"/>
+              <a:rPr lang="ko-KR" altLang="en-US" dirty="0"/>
+              <a:t>자금 조달</a:t>
+            </a:r>
+          </a:p>
+        </p:txBody>
+      </p:sp>
+      <p:graphicFrame>
+        <p:nvGraphicFramePr>
+          <p:cNvPr id="58" name="내용 개체 틀 57" title="자금 조달 차트">
+            <a:extLst>
+              <a:ext uri="{FF2B5EF4-FFF2-40B4-BE49-F238E27FC236}">
+                <a16:creationId xmlns:a16="http://schemas.microsoft.com/office/drawing/2014/main" id="{0231F8BC-AEBA-4843-9F73-E06265724EAB}"/>
+              </a:ext>
+            </a:extLst>
+          </p:cNvPr>
+          <p:cNvGraphicFramePr>
+            <a:graphicFrameLocks noGrp="1"/>
+          </p:cNvGraphicFramePr>
+          <p:nvPr>
+            <p:ph sz="quarter" idx="21"/>
+            <p:extLst>
+              <p:ext uri="{D42A27DB-BD31-4B8C-83A1-F6EECF244321}">
+                <p14:modId xmlns:p14="http://schemas.microsoft.com/office/powerpoint/2010/main" val="3501580936"/>
+              </p:ext>
+            </p:extLst>
+          </p:nvPr>
+        </p:nvGraphicFramePr>
+        <p:xfrm>
+          <a:off x="1074738" y="2370138"/>
+          <a:ext cx="1857375" cy="1665287"/>
+        </p:xfrm>
+        <a:graphic>
+          <a:graphicData uri="http://schemas.openxmlformats.org/drawingml/2006/chart">
+            <c:chart xmlns:c="http://schemas.openxmlformats.org/drawingml/2006/chart" xmlns:r="http://schemas.openxmlformats.org/officeDocument/2006/relationships" r:id="rId3"/>
+          </a:graphicData>
+        </a:graphic>
+      </p:graphicFrame>
+      <p:sp>
+        <p:nvSpPr>
+          <p:cNvPr id="3" name="텍스트 개체 틀 2">
+            <a:extLst>
+              <a:ext uri="{FF2B5EF4-FFF2-40B4-BE49-F238E27FC236}">
+                <a16:creationId xmlns:a16="http://schemas.microsoft.com/office/drawing/2014/main" id="{82A4739B-8DE9-4523-8034-4E83861CCF73}"/>
               </a:ext>
             </a:extLst>
           </p:cNvPr>
@@ -36254,78 +36075,527 @@
         </p:nvSpPr>
         <p:spPr>
           <a:xfrm>
-            <a:off x="5476875" y="3682546"/>
-            <a:ext cx="5111750" cy="1525588"/>
-          </a:xfrm>
-        </p:spPr>
-        <p:txBody>
-          <a:bodyPr vert="horz" lIns="91440" tIns="45720" rIns="91440" bIns="45720" rtlCol="0" anchor="b">
-            <a:normAutofit/>
-          </a:bodyPr>
+            <a:off x="838200" y="3788813"/>
+            <a:ext cx="2330726" cy="804859"/>
+          </a:xfrm>
+        </p:spPr>
+        <p:txBody>
+          <a:bodyPr rtlCol="0"/>
           <a:lstStyle/>
           <a:p>
             <a:pPr rtl="0"/>
             <a:r>
-              <a:rPr lang="en-US" altLang="ko-KR"/>
-              <a:t>Contoso</a:t>
-            </a:r>
-            <a:r>
-              <a:rPr lang="ko-KR" altLang="en-US"/>
-              <a:t>에서는 </a:t>
-            </a:r>
-            <a:r>
-              <a:rPr lang="en-US" altLang="ko-KR"/>
-              <a:t>110%</a:t>
-            </a:r>
-            <a:r>
-              <a:rPr lang="ko-KR" altLang="en-US"/>
-              <a:t>를 제공합니다</a:t>
-            </a:r>
-            <a:r>
-              <a:rPr lang="en-US" altLang="ko-KR"/>
-              <a:t>. </a:t>
-            </a:r>
-            <a:r>
-              <a:rPr lang="ko-KR" altLang="en-US"/>
-              <a:t>차세대 데이터 아키텍처를 사용하여 조직에서 </a:t>
-            </a:r>
-            <a:r>
-              <a:rPr lang="en-US" altLang="ko-KR"/>
-              <a:t>Agile </a:t>
-            </a:r>
-            <a:r>
-              <a:rPr lang="ko-KR" altLang="en-US"/>
-              <a:t>워크플로를 가상으로 관리할 수 있도록 지원합니다</a:t>
-            </a:r>
-            <a:r>
-              <a:rPr lang="en-US" altLang="ko-KR"/>
-              <a:t>. Contoso</a:t>
-            </a:r>
-            <a:r>
-              <a:rPr lang="ko-KR" altLang="en-US"/>
-              <a:t>는 시장 지식과 제품 뒤의 훌륭한 팀 덕택에 성공하고 있습니다</a:t>
-            </a:r>
-            <a:r>
-              <a:rPr lang="en-US" altLang="ko-KR"/>
-              <a:t>. CEO</a:t>
-            </a:r>
-            <a:r>
-              <a:rPr lang="ko-KR" altLang="en-US"/>
-              <a:t>는 “적극적인 비스니스 혁신으로 효율성을 얻게 될 것입니다”라고 말합니다</a:t>
-            </a:r>
-            <a:r>
-              <a:rPr lang="en-US" altLang="ko-KR"/>
-              <a:t>.</a:t>
-            </a:r>
-          </a:p>
-        </p:txBody>
-      </p:sp>
-      <p:sp>
-        <p:nvSpPr>
-          <p:cNvPr id="6" name="슬라이드 번호 개체 틀 5">
-            <a:extLst>
-              <a:ext uri="{FF2B5EF4-FFF2-40B4-BE49-F238E27FC236}">
-                <a16:creationId xmlns:a16="http://schemas.microsoft.com/office/drawing/2014/main" id="{BAEFF51B-0E28-4171-AE7C-A31AAB42BC73}"/>
+              <a:rPr lang="ko-KR" altLang="en-US" dirty="0"/>
+              <a:t>₩</a:t>
+            </a:r>
+            <a:r>
+              <a:rPr lang="en-US" altLang="ko-KR" dirty="0"/>
+              <a:t>14,000</a:t>
+            </a:r>
+            <a:endParaRPr lang="ko-KR" altLang="en-US" dirty="0"/>
+          </a:p>
+        </p:txBody>
+      </p:sp>
+      <p:sp>
+        <p:nvSpPr>
+          <p:cNvPr id="14" name="텍스트 개체 틀 13">
+            <a:extLst>
+              <a:ext uri="{FF2B5EF4-FFF2-40B4-BE49-F238E27FC236}">
+                <a16:creationId xmlns:a16="http://schemas.microsoft.com/office/drawing/2014/main" id="{C487CCC0-D329-4C1F-A1CD-04930A23C5C3}"/>
+              </a:ext>
+            </a:extLst>
+          </p:cNvPr>
+          <p:cNvSpPr>
+            <a:spLocks noGrp="1"/>
+          </p:cNvSpPr>
+          <p:nvPr>
+            <p:ph type="body" idx="17"/>
+          </p:nvPr>
+        </p:nvSpPr>
+        <p:spPr>
+          <a:xfrm>
+            <a:off x="838200" y="4464810"/>
+            <a:ext cx="2330726" cy="438505"/>
+          </a:xfrm>
+        </p:spPr>
+        <p:txBody>
+          <a:bodyPr rtlCol="0"/>
+          <a:lstStyle/>
+          <a:p>
+            <a:pPr rtl="0"/>
+            <a:r>
+              <a:rPr lang="ko-KR" altLang="en-US" dirty="0"/>
+              <a:t>엔젤 투자</a:t>
+            </a:r>
+          </a:p>
+        </p:txBody>
+      </p:sp>
+      <p:sp>
+        <p:nvSpPr>
+          <p:cNvPr id="4" name="내용 개체 틀 3">
+            <a:extLst>
+              <a:ext uri="{FF2B5EF4-FFF2-40B4-BE49-F238E27FC236}">
+                <a16:creationId xmlns:a16="http://schemas.microsoft.com/office/drawing/2014/main" id="{21CF2BB3-1E12-4189-9F5F-EF136C62E39B}"/>
+              </a:ext>
+            </a:extLst>
+          </p:cNvPr>
+          <p:cNvSpPr>
+            <a:spLocks noGrp="1"/>
+          </p:cNvSpPr>
+          <p:nvPr>
+            <p:ph sz="half" idx="2"/>
+          </p:nvPr>
+        </p:nvSpPr>
+        <p:spPr>
+          <a:xfrm>
+            <a:off x="838200" y="5120722"/>
+            <a:ext cx="2330726" cy="853167"/>
+          </a:xfrm>
+        </p:spPr>
+        <p:txBody>
+          <a:bodyPr rtlCol="0"/>
+          <a:lstStyle/>
+          <a:p>
+            <a:pPr rtl="0"/>
+            <a:r>
+              <a:rPr lang="ko-KR" altLang="en-US" dirty="0"/>
+              <a:t>다른 투자자를 통해 얻은 금액</a:t>
+            </a:r>
+          </a:p>
+        </p:txBody>
+      </p:sp>
+      <p:graphicFrame>
+        <p:nvGraphicFramePr>
+          <p:cNvPr id="59" name="내용 개체 틀 58" title="자금 조달 차트">
+            <a:extLst>
+              <a:ext uri="{FF2B5EF4-FFF2-40B4-BE49-F238E27FC236}">
+                <a16:creationId xmlns:a16="http://schemas.microsoft.com/office/drawing/2014/main" id="{AD7D64AB-F97A-41F1-B2E8-66B1E245043A}"/>
+              </a:ext>
+            </a:extLst>
+          </p:cNvPr>
+          <p:cNvGraphicFramePr>
+            <a:graphicFrameLocks noGrp="1"/>
+          </p:cNvGraphicFramePr>
+          <p:nvPr>
+            <p:ph sz="quarter" idx="22"/>
+            <p:extLst>
+              <p:ext uri="{D42A27DB-BD31-4B8C-83A1-F6EECF244321}">
+                <p14:modId xmlns:p14="http://schemas.microsoft.com/office/powerpoint/2010/main" val="1754841580"/>
+              </p:ext>
+            </p:extLst>
+          </p:nvPr>
+        </p:nvGraphicFramePr>
+        <p:xfrm>
+          <a:off x="3805238" y="2370138"/>
+          <a:ext cx="1857375" cy="1665287"/>
+        </p:xfrm>
+        <a:graphic>
+          <a:graphicData uri="http://schemas.openxmlformats.org/drawingml/2006/chart">
+            <c:chart xmlns:c="http://schemas.openxmlformats.org/drawingml/2006/chart" xmlns:r="http://schemas.openxmlformats.org/officeDocument/2006/relationships" r:id="rId4"/>
+          </a:graphicData>
+        </a:graphic>
+      </p:graphicFrame>
+      <p:sp>
+        <p:nvSpPr>
+          <p:cNvPr id="5" name="텍스트 개체 틀 4">
+            <a:extLst>
+              <a:ext uri="{FF2B5EF4-FFF2-40B4-BE49-F238E27FC236}">
+                <a16:creationId xmlns:a16="http://schemas.microsoft.com/office/drawing/2014/main" id="{68145D0E-892D-492B-8AD6-551CF27DD5F7}"/>
+              </a:ext>
+            </a:extLst>
+          </p:cNvPr>
+          <p:cNvSpPr>
+            <a:spLocks noGrp="1"/>
+          </p:cNvSpPr>
+          <p:nvPr>
+            <p:ph type="body" sz="quarter" idx="3"/>
+          </p:nvPr>
+        </p:nvSpPr>
+        <p:spPr>
+          <a:xfrm>
+            <a:off x="3562665" y="3788813"/>
+            <a:ext cx="2342205" cy="804859"/>
+          </a:xfrm>
+        </p:spPr>
+        <p:txBody>
+          <a:bodyPr rtlCol="0"/>
+          <a:lstStyle/>
+          <a:p>
+            <a:pPr rtl="0"/>
+            <a:r>
+              <a:rPr lang="ko-KR" altLang="en-US" dirty="0"/>
+              <a:t>₩</a:t>
+            </a:r>
+            <a:r>
+              <a:rPr lang="en-US" altLang="ko-KR" dirty="0"/>
+              <a:t>12,000</a:t>
+            </a:r>
+            <a:endParaRPr lang="ko-KR" altLang="en-US" dirty="0"/>
+          </a:p>
+        </p:txBody>
+      </p:sp>
+      <p:sp>
+        <p:nvSpPr>
+          <p:cNvPr id="15" name="텍스트 개체 틀 14">
+            <a:extLst>
+              <a:ext uri="{FF2B5EF4-FFF2-40B4-BE49-F238E27FC236}">
+                <a16:creationId xmlns:a16="http://schemas.microsoft.com/office/drawing/2014/main" id="{34E62770-EE0A-4D83-B50E-CD868056030E}"/>
+              </a:ext>
+            </a:extLst>
+          </p:cNvPr>
+          <p:cNvSpPr>
+            <a:spLocks noGrp="1"/>
+          </p:cNvSpPr>
+          <p:nvPr>
+            <p:ph type="body" sz="quarter" idx="18"/>
+          </p:nvPr>
+        </p:nvSpPr>
+        <p:spPr>
+          <a:xfrm>
+            <a:off x="3562665" y="4464810"/>
+            <a:ext cx="2342205" cy="438505"/>
+          </a:xfrm>
+        </p:spPr>
+        <p:txBody>
+          <a:bodyPr rtlCol="0"/>
+          <a:lstStyle/>
+          <a:p>
+            <a:pPr rtl="0"/>
+            <a:r>
+              <a:rPr lang="ko-KR" altLang="en-US" dirty="0"/>
+              <a:t>재산</a:t>
+            </a:r>
+          </a:p>
+        </p:txBody>
+      </p:sp>
+      <p:sp>
+        <p:nvSpPr>
+          <p:cNvPr id="6" name="내용 개체 틀 5">
+            <a:extLst>
+              <a:ext uri="{FF2B5EF4-FFF2-40B4-BE49-F238E27FC236}">
+                <a16:creationId xmlns:a16="http://schemas.microsoft.com/office/drawing/2014/main" id="{3ED3951E-8DE6-4BA9-B9BA-CFCDF432226C}"/>
+              </a:ext>
+            </a:extLst>
+          </p:cNvPr>
+          <p:cNvSpPr>
+            <a:spLocks noGrp="1"/>
+          </p:cNvSpPr>
+          <p:nvPr>
+            <p:ph sz="quarter" idx="4"/>
+          </p:nvPr>
+        </p:nvSpPr>
+        <p:spPr>
+          <a:xfrm>
+            <a:off x="3562665" y="5120722"/>
+            <a:ext cx="2342205" cy="853167"/>
+          </a:xfrm>
+        </p:spPr>
+        <p:txBody>
+          <a:bodyPr rtlCol="0"/>
+          <a:lstStyle/>
+          <a:p>
+            <a:pPr rtl="0"/>
+            <a:r>
+              <a:rPr lang="ko-KR" altLang="en-US" dirty="0"/>
+              <a:t>재산 임대로 얻은 수익</a:t>
+            </a:r>
+          </a:p>
+        </p:txBody>
+      </p:sp>
+      <p:graphicFrame>
+        <p:nvGraphicFramePr>
+          <p:cNvPr id="60" name="내용 개체 틀 59" title="자금 조달 차트">
+            <a:extLst>
+              <a:ext uri="{FF2B5EF4-FFF2-40B4-BE49-F238E27FC236}">
+                <a16:creationId xmlns:a16="http://schemas.microsoft.com/office/drawing/2014/main" id="{81BCDC44-04F0-4390-B965-A86C88176708}"/>
+              </a:ext>
+            </a:extLst>
+          </p:cNvPr>
+          <p:cNvGraphicFramePr>
+            <a:graphicFrameLocks noGrp="1"/>
+          </p:cNvGraphicFramePr>
+          <p:nvPr>
+            <p:ph sz="quarter" idx="23"/>
+            <p:extLst>
+              <p:ext uri="{D42A27DB-BD31-4B8C-83A1-F6EECF244321}">
+                <p14:modId xmlns:p14="http://schemas.microsoft.com/office/powerpoint/2010/main" val="2390105696"/>
+              </p:ext>
+            </p:extLst>
+          </p:nvPr>
+        </p:nvGraphicFramePr>
+        <p:xfrm>
+          <a:off x="6529388" y="2370138"/>
+          <a:ext cx="1857375" cy="1665287"/>
+        </p:xfrm>
+        <a:graphic>
+          <a:graphicData uri="http://schemas.openxmlformats.org/drawingml/2006/chart">
+            <c:chart xmlns:c="http://schemas.openxmlformats.org/drawingml/2006/chart" xmlns:r="http://schemas.openxmlformats.org/officeDocument/2006/relationships" r:id="rId5"/>
+          </a:graphicData>
+        </a:graphic>
+      </p:graphicFrame>
+      <p:sp>
+        <p:nvSpPr>
+          <p:cNvPr id="10" name="텍스트 개체 틀 9">
+            <a:extLst>
+              <a:ext uri="{FF2B5EF4-FFF2-40B4-BE49-F238E27FC236}">
+                <a16:creationId xmlns:a16="http://schemas.microsoft.com/office/drawing/2014/main" id="{C66E4F1A-AD73-4086-B578-235F0B9F1FC4}"/>
+              </a:ext>
+            </a:extLst>
+          </p:cNvPr>
+          <p:cNvSpPr>
+            <a:spLocks noGrp="1"/>
+          </p:cNvSpPr>
+          <p:nvPr>
+            <p:ph type="body" idx="13"/>
+          </p:nvPr>
+        </p:nvSpPr>
+        <p:spPr>
+          <a:xfrm>
+            <a:off x="6298609" y="3788813"/>
+            <a:ext cx="2330726" cy="804859"/>
+          </a:xfrm>
+        </p:spPr>
+        <p:txBody>
+          <a:bodyPr rtlCol="0"/>
+          <a:lstStyle/>
+          <a:p>
+            <a:pPr rtl="0"/>
+            <a:r>
+              <a:rPr lang="ko-KR" altLang="en-US" dirty="0"/>
+              <a:t>₩</a:t>
+            </a:r>
+            <a:r>
+              <a:rPr lang="en-US" altLang="ko-KR" dirty="0"/>
+              <a:t>82,000</a:t>
+            </a:r>
+            <a:endParaRPr lang="ko-KR" altLang="en-US" dirty="0"/>
+          </a:p>
+        </p:txBody>
+      </p:sp>
+      <p:sp>
+        <p:nvSpPr>
+          <p:cNvPr id="16" name="텍스트 개체 틀 15">
+            <a:extLst>
+              <a:ext uri="{FF2B5EF4-FFF2-40B4-BE49-F238E27FC236}">
+                <a16:creationId xmlns:a16="http://schemas.microsoft.com/office/drawing/2014/main" id="{AAB421C5-B6AC-48B8-8AEB-AB16AAE5010E}"/>
+              </a:ext>
+            </a:extLst>
+          </p:cNvPr>
+          <p:cNvSpPr>
+            <a:spLocks noGrp="1"/>
+          </p:cNvSpPr>
+          <p:nvPr>
+            <p:ph type="body" idx="19"/>
+          </p:nvPr>
+        </p:nvSpPr>
+        <p:spPr>
+          <a:xfrm>
+            <a:off x="6298609" y="4464810"/>
+            <a:ext cx="2330726" cy="438505"/>
+          </a:xfrm>
+        </p:spPr>
+        <p:txBody>
+          <a:bodyPr rtlCol="0"/>
+          <a:lstStyle/>
+          <a:p>
+            <a:pPr rtl="0"/>
+            <a:r>
+              <a:rPr lang="ko-KR" altLang="en-US" dirty="0"/>
+              <a:t>지분</a:t>
+            </a:r>
+          </a:p>
+        </p:txBody>
+      </p:sp>
+      <p:sp>
+        <p:nvSpPr>
+          <p:cNvPr id="11" name="내용 개체 틀 10">
+            <a:extLst>
+              <a:ext uri="{FF2B5EF4-FFF2-40B4-BE49-F238E27FC236}">
+                <a16:creationId xmlns:a16="http://schemas.microsoft.com/office/drawing/2014/main" id="{345C82A0-3F56-47BD-9FB2-6B56DA715F93}"/>
+              </a:ext>
+            </a:extLst>
+          </p:cNvPr>
+          <p:cNvSpPr>
+            <a:spLocks noGrp="1"/>
+          </p:cNvSpPr>
+          <p:nvPr>
+            <p:ph sz="half" idx="14"/>
+          </p:nvPr>
+        </p:nvSpPr>
+        <p:spPr>
+          <a:xfrm>
+            <a:off x="6298609" y="5120722"/>
+            <a:ext cx="2330726" cy="853167"/>
+          </a:xfrm>
+        </p:spPr>
+        <p:txBody>
+          <a:bodyPr rtlCol="0"/>
+          <a:lstStyle/>
+          <a:p>
+            <a:pPr rtl="0"/>
+            <a:r>
+              <a:rPr lang="en-US" altLang="ko-KR" dirty="0"/>
+              <a:t>USD</a:t>
+            </a:r>
+            <a:r>
+              <a:rPr lang="ko-KR" altLang="en-US" dirty="0"/>
+              <a:t>로 변환한 지분</a:t>
+            </a:r>
+          </a:p>
+          <a:p>
+            <a:pPr rtl="0"/>
+            <a:endParaRPr lang="ko-KR" altLang="en-US" noProof="1"/>
+          </a:p>
+        </p:txBody>
+      </p:sp>
+      <p:graphicFrame>
+        <p:nvGraphicFramePr>
+          <p:cNvPr id="61" name="내용 개체 틀 60" title="자금 조달 차트">
+            <a:extLst>
+              <a:ext uri="{FF2B5EF4-FFF2-40B4-BE49-F238E27FC236}">
+                <a16:creationId xmlns:a16="http://schemas.microsoft.com/office/drawing/2014/main" id="{D78C801B-5A42-4B88-AF2C-A3C45CD69E2E}"/>
+              </a:ext>
+            </a:extLst>
+          </p:cNvPr>
+          <p:cNvGraphicFramePr>
+            <a:graphicFrameLocks noGrp="1"/>
+          </p:cNvGraphicFramePr>
+          <p:nvPr>
+            <p:ph sz="quarter" idx="24"/>
+            <p:extLst>
+              <p:ext uri="{D42A27DB-BD31-4B8C-83A1-F6EECF244321}">
+                <p14:modId xmlns:p14="http://schemas.microsoft.com/office/powerpoint/2010/main" val="759792616"/>
+              </p:ext>
+            </p:extLst>
+          </p:nvPr>
+        </p:nvGraphicFramePr>
+        <p:xfrm>
+          <a:off x="9259888" y="2370138"/>
+          <a:ext cx="1857375" cy="1665287"/>
+        </p:xfrm>
+        <a:graphic>
+          <a:graphicData uri="http://schemas.openxmlformats.org/drawingml/2006/chart">
+            <c:chart xmlns:c="http://schemas.openxmlformats.org/drawingml/2006/chart" xmlns:r="http://schemas.openxmlformats.org/officeDocument/2006/relationships" r:id="rId6"/>
+          </a:graphicData>
+        </a:graphic>
+      </p:graphicFrame>
+      <p:sp>
+        <p:nvSpPr>
+          <p:cNvPr id="12" name="텍스트 개체 틀 11">
+            <a:extLst>
+              <a:ext uri="{FF2B5EF4-FFF2-40B4-BE49-F238E27FC236}">
+                <a16:creationId xmlns:a16="http://schemas.microsoft.com/office/drawing/2014/main" id="{F70E657A-85D8-48A8-B017-274F0C32C5C9}"/>
+              </a:ext>
+            </a:extLst>
+          </p:cNvPr>
+          <p:cNvSpPr>
+            <a:spLocks noGrp="1"/>
+          </p:cNvSpPr>
+          <p:nvPr>
+            <p:ph type="body" idx="15"/>
+          </p:nvPr>
+        </p:nvSpPr>
+        <p:spPr>
+          <a:xfrm>
+            <a:off x="9023074" y="3788457"/>
+            <a:ext cx="2330726" cy="804859"/>
+          </a:xfrm>
+        </p:spPr>
+        <p:txBody>
+          <a:bodyPr rtlCol="0"/>
+          <a:lstStyle/>
+          <a:p>
+            <a:pPr rtl="0"/>
+            <a:r>
+              <a:rPr lang="ko-KR" altLang="en-US" dirty="0"/>
+              <a:t>₩</a:t>
+            </a:r>
+            <a:r>
+              <a:rPr lang="en-US" altLang="ko-KR" dirty="0"/>
+              <a:t>32,000</a:t>
+            </a:r>
+            <a:endParaRPr lang="ko-KR" altLang="en-US" dirty="0"/>
+          </a:p>
+        </p:txBody>
+      </p:sp>
+      <p:sp>
+        <p:nvSpPr>
+          <p:cNvPr id="17" name="텍스트 개체 틀 16">
+            <a:extLst>
+              <a:ext uri="{FF2B5EF4-FFF2-40B4-BE49-F238E27FC236}">
+                <a16:creationId xmlns:a16="http://schemas.microsoft.com/office/drawing/2014/main" id="{025753CB-8973-4FAE-BB5D-5CC96CE338D4}"/>
+              </a:ext>
+            </a:extLst>
+          </p:cNvPr>
+          <p:cNvSpPr>
+            <a:spLocks noGrp="1"/>
+          </p:cNvSpPr>
+          <p:nvPr>
+            <p:ph type="body" idx="20"/>
+          </p:nvPr>
+        </p:nvSpPr>
+        <p:spPr>
+          <a:xfrm>
+            <a:off x="9023074" y="4464454"/>
+            <a:ext cx="2330726" cy="438505"/>
+          </a:xfrm>
+        </p:spPr>
+        <p:txBody>
+          <a:bodyPr rtlCol="0"/>
+          <a:lstStyle/>
+          <a:p>
+            <a:pPr rtl="0"/>
+            <a:r>
+              <a:rPr lang="ko-KR" altLang="en-US" dirty="0"/>
+              <a:t>현금</a:t>
+            </a:r>
+          </a:p>
+        </p:txBody>
+      </p:sp>
+      <p:sp>
+        <p:nvSpPr>
+          <p:cNvPr id="13" name="내용 개체 틀 12">
+            <a:extLst>
+              <a:ext uri="{FF2B5EF4-FFF2-40B4-BE49-F238E27FC236}">
+                <a16:creationId xmlns:a16="http://schemas.microsoft.com/office/drawing/2014/main" id="{69F9DEC9-77BC-482D-ACFB-0F2B6DC65F9F}"/>
+              </a:ext>
+            </a:extLst>
+          </p:cNvPr>
+          <p:cNvSpPr>
+            <a:spLocks noGrp="1"/>
+          </p:cNvSpPr>
+          <p:nvPr>
+            <p:ph sz="half" idx="16"/>
+          </p:nvPr>
+        </p:nvSpPr>
+        <p:spPr>
+          <a:xfrm>
+            <a:off x="9023074" y="5120366"/>
+            <a:ext cx="2330726" cy="853167"/>
+          </a:xfrm>
+        </p:spPr>
+        <p:txBody>
+          <a:bodyPr rtlCol="0"/>
+          <a:lstStyle/>
+          <a:p>
+            <a:pPr rtl="0"/>
+            <a:r>
+              <a:rPr lang="ko-KR" altLang="en-US" noProof="1"/>
+              <a:t>보유 유동 현금</a:t>
+            </a:r>
+          </a:p>
+          <a:p>
+            <a:pPr rtl="0"/>
+            <a:endParaRPr lang="ko-KR" altLang="en-US" dirty="0"/>
+          </a:p>
+        </p:txBody>
+      </p:sp>
+      <p:sp>
+        <p:nvSpPr>
+          <p:cNvPr id="9" name="슬라이드 번호 개체 틀 8">
+            <a:extLst>
+              <a:ext uri="{FF2B5EF4-FFF2-40B4-BE49-F238E27FC236}">
+                <a16:creationId xmlns:a16="http://schemas.microsoft.com/office/drawing/2014/main" id="{9BFC0B64-8F13-426F-B6C5-9C9427ACAD7E}"/>
               </a:ext>
             </a:extLst>
           </p:cNvPr>
@@ -36352,14 +36622,14 @@
               <a:pPr rtl="0"/>
               <a:t>20</a:t>
             </a:fld>
-            <a:endParaRPr lang="ko-KR" altLang="en-US"/>
+            <a:endParaRPr lang="ko-KR" altLang="en-US" dirty="0"/>
           </a:p>
         </p:txBody>
       </p:sp>
     </p:spTree>
     <p:extLst>
       <p:ext uri="{BB962C8B-B14F-4D97-AF65-F5344CB8AC3E}">
-        <p14:creationId xmlns:p14="http://schemas.microsoft.com/office/powerpoint/2010/main" val="920173932"/>
+        <p14:creationId xmlns:p14="http://schemas.microsoft.com/office/powerpoint/2010/main" val="512234382"/>
       </p:ext>
     </p:extLst>
   </p:cSld>
@@ -36391,37 +36661,116 @@
           <p:cNvPr id="2" name="제목 1">
             <a:extLst>
               <a:ext uri="{FF2B5EF4-FFF2-40B4-BE49-F238E27FC236}">
-                <a16:creationId xmlns:a16="http://schemas.microsoft.com/office/drawing/2014/main" id="{BCCAEE93-8585-46D4-A7EC-F184E317CB2E}"/>
-              </a:ext>
-            </a:extLst>
-          </p:cNvPr>
-          <p:cNvSpPr>
-            <a:spLocks noGrp="1"/>
-          </p:cNvSpPr>
-          <p:nvPr>
-            <p:ph type="ctrTitle"/>
-          </p:nvPr>
-        </p:nvSpPr>
-        <p:spPr>
-          <a:xfrm>
-            <a:off x="4267200" y="2203562"/>
-            <a:ext cx="4179570" cy="1524735"/>
+                <a16:creationId xmlns:a16="http://schemas.microsoft.com/office/drawing/2014/main" id="{38FFA191-5CCC-43CB-BD83-4F80ED362608}"/>
+              </a:ext>
+            </a:extLst>
+          </p:cNvPr>
+          <p:cNvSpPr>
+            <a:spLocks noGrp="1"/>
+          </p:cNvSpPr>
+          <p:nvPr>
+            <p:ph type="title"/>
+          </p:nvPr>
+        </p:nvSpPr>
+        <p:spPr>
+          <a:xfrm>
+            <a:off x="5476875" y="1671639"/>
+            <a:ext cx="5111750" cy="1204912"/>
           </a:xfrm>
         </p:spPr>
         <p:txBody>
           <a:bodyPr rtlCol="0"/>
           <a:lstStyle/>
           <a:p>
-            <a:pPr algn="ctr" rtl="0"/>
-            <a:r>
-              <a:rPr lang="ko-KR" altLang="en-US" dirty="0"/>
-              <a:t>감사합니다</a:t>
-            </a:r>
-            <a:r>
-              <a:rPr lang="en-US" altLang="ko-KR" dirty="0"/>
+            <a:pPr rtl="0"/>
+            <a:r>
+              <a:rPr lang="ko-KR" altLang="en-US"/>
+              <a:t>요약</a:t>
+            </a:r>
+          </a:p>
+        </p:txBody>
+      </p:sp>
+      <p:sp>
+        <p:nvSpPr>
+          <p:cNvPr id="3" name="내용 개체 틀 2">
+            <a:extLst>
+              <a:ext uri="{FF2B5EF4-FFF2-40B4-BE49-F238E27FC236}">
+                <a16:creationId xmlns:a16="http://schemas.microsoft.com/office/drawing/2014/main" id="{E14BBEAF-B516-45F4-9EF6-A9F65111580F}"/>
+              </a:ext>
+            </a:extLst>
+          </p:cNvPr>
+          <p:cNvSpPr>
+            <a:spLocks noGrp="1"/>
+          </p:cNvSpPr>
+          <p:nvPr>
+            <p:ph type="body" idx="1"/>
+          </p:nvPr>
+        </p:nvSpPr>
+        <p:spPr>
+          <a:xfrm>
+            <a:off x="5476875" y="3682546"/>
+            <a:ext cx="5111750" cy="1525588"/>
+          </a:xfrm>
+        </p:spPr>
+        <p:txBody>
+          <a:bodyPr vert="horz" lIns="91440" tIns="45720" rIns="91440" bIns="45720" rtlCol="0" anchor="b">
+            <a:normAutofit/>
+          </a:bodyPr>
+          <a:lstStyle/>
+          <a:p>
+            <a:pPr rtl="0"/>
+            <a:r>
+              <a:rPr lang="en-US" altLang="ko-KR"/>
+              <a:t>Contoso</a:t>
+            </a:r>
+            <a:r>
+              <a:rPr lang="ko-KR" altLang="en-US"/>
+              <a:t>에서는 </a:t>
+            </a:r>
+            <a:r>
+              <a:rPr lang="en-US" altLang="ko-KR"/>
+              <a:t>110%</a:t>
+            </a:r>
+            <a:r>
+              <a:rPr lang="ko-KR" altLang="en-US"/>
+              <a:t>를 제공합니다</a:t>
+            </a:r>
+            <a:r>
+              <a:rPr lang="en-US" altLang="ko-KR"/>
+              <a:t>. </a:t>
+            </a:r>
+            <a:r>
+              <a:rPr lang="ko-KR" altLang="en-US"/>
+              <a:t>차세대 데이터 아키텍처를 사용하여 조직에서 </a:t>
+            </a:r>
+            <a:r>
+              <a:rPr lang="en-US" altLang="ko-KR"/>
+              <a:t>Agile </a:t>
+            </a:r>
+            <a:r>
+              <a:rPr lang="ko-KR" altLang="en-US"/>
+              <a:t>워크플로를 가상으로 관리할 수 있도록 지원합니다</a:t>
+            </a:r>
+            <a:r>
+              <a:rPr lang="en-US" altLang="ko-KR"/>
+              <a:t>. Contoso</a:t>
+            </a:r>
+            <a:r>
+              <a:rPr lang="ko-KR" altLang="en-US"/>
+              <a:t>는 시장 지식과 제품 뒤의 훌륭한 팀 덕택에 성공하고 있습니다</a:t>
+            </a:r>
+            <a:r>
+              <a:rPr lang="en-US" altLang="ko-KR"/>
+              <a:t>. CEO</a:t>
+            </a:r>
+            <a:r>
+              <a:rPr lang="ko-KR" altLang="en-US"/>
+              <a:t>는 “적극적인 비스니스 혁신으로 효율성을 얻게 될 것입니다”라고 말합니다</a:t>
+            </a:r>
+            <a:r>
+              <a:rPr lang="en-US" altLang="ko-KR"/>
               <a:t>.</a:t>
             </a:r>
-            <a:endParaRPr lang="ko-KR" altLang="en-US" dirty="0"/>
           </a:p>
         </p:txBody>
       </p:sp>
@@ -36430,7 +36779,7 @@
           <p:cNvPr id="6" name="슬라이드 번호 개체 틀 5">
             <a:extLst>
               <a:ext uri="{FF2B5EF4-FFF2-40B4-BE49-F238E27FC236}">
-                <a16:creationId xmlns:a16="http://schemas.microsoft.com/office/drawing/2014/main" id="{5EDCFF82-B70F-4971-9182-7C3AEA3CFD26}"/>
+                <a16:creationId xmlns:a16="http://schemas.microsoft.com/office/drawing/2014/main" id="{BAEFF51B-0E28-4171-AE7C-A31AAB42BC73}"/>
               </a:ext>
             </a:extLst>
           </p:cNvPr>
@@ -36443,8 +36792,8 @@
         </p:nvSpPr>
         <p:spPr>
           <a:xfrm>
-            <a:off x="9579428" y="6356350"/>
-            <a:ext cx="1774371" cy="365125"/>
+            <a:off x="8610600" y="6356350"/>
+            <a:ext cx="2743200" cy="365125"/>
           </a:xfrm>
         </p:spPr>
         <p:txBody>
@@ -36456,6 +36805,111 @@
               <a:rPr lang="en-US" altLang="ko-KR" smtClean="0"/>
               <a:pPr rtl="0"/>
               <a:t>21</a:t>
+            </a:fld>
+            <a:endParaRPr lang="ko-KR" altLang="en-US"/>
+          </a:p>
+        </p:txBody>
+      </p:sp>
+    </p:spTree>
+    <p:extLst>
+      <p:ext uri="{BB962C8B-B14F-4D97-AF65-F5344CB8AC3E}">
+        <p14:creationId xmlns:p14="http://schemas.microsoft.com/office/powerpoint/2010/main" val="920173932"/>
+      </p:ext>
+    </p:extLst>
+  </p:cSld>
+  <p:clrMapOvr>
+    <a:masterClrMapping/>
+  </p:clrMapOvr>
+</p:sld>
+</file>
+
+<file path=ppt/slides/slide22.xml><?xml version="1.0" encoding="utf-8"?>
+<p:sld xmlns:a="http://schemas.openxmlformats.org/drawingml/2006/main" xmlns:r="http://schemas.openxmlformats.org/officeDocument/2006/relationships" xmlns:p="http://schemas.openxmlformats.org/presentationml/2006/main">
+  <p:cSld>
+    <p:spTree>
+      <p:nvGrpSpPr>
+        <p:cNvPr id="1" name=""/>
+        <p:cNvGrpSpPr/>
+        <p:nvPr/>
+      </p:nvGrpSpPr>
+      <p:grpSpPr>
+        <a:xfrm>
+          <a:off x="0" y="0"/>
+          <a:ext cx="0" cy="0"/>
+          <a:chOff x="0" y="0"/>
+          <a:chExt cx="0" cy="0"/>
+        </a:xfrm>
+      </p:grpSpPr>
+      <p:sp>
+        <p:nvSpPr>
+          <p:cNvPr id="2" name="제목 1">
+            <a:extLst>
+              <a:ext uri="{FF2B5EF4-FFF2-40B4-BE49-F238E27FC236}">
+                <a16:creationId xmlns:a16="http://schemas.microsoft.com/office/drawing/2014/main" id="{BCCAEE93-8585-46D4-A7EC-F184E317CB2E}"/>
+              </a:ext>
+            </a:extLst>
+          </p:cNvPr>
+          <p:cNvSpPr>
+            <a:spLocks noGrp="1"/>
+          </p:cNvSpPr>
+          <p:nvPr>
+            <p:ph type="ctrTitle"/>
+          </p:nvPr>
+        </p:nvSpPr>
+        <p:spPr>
+          <a:xfrm>
+            <a:off x="4267200" y="2203562"/>
+            <a:ext cx="4179570" cy="1524735"/>
+          </a:xfrm>
+        </p:spPr>
+        <p:txBody>
+          <a:bodyPr rtlCol="0"/>
+          <a:lstStyle/>
+          <a:p>
+            <a:pPr algn="ctr" rtl="0"/>
+            <a:r>
+              <a:rPr lang="ko-KR" altLang="en-US" dirty="0"/>
+              <a:t>감사합니다</a:t>
+            </a:r>
+            <a:r>
+              <a:rPr lang="en-US" altLang="ko-KR" dirty="0"/>
+              <a:t>.</a:t>
+            </a:r>
+            <a:endParaRPr lang="ko-KR" altLang="en-US" dirty="0"/>
+          </a:p>
+        </p:txBody>
+      </p:sp>
+      <p:sp>
+        <p:nvSpPr>
+          <p:cNvPr id="6" name="슬라이드 번호 개체 틀 5">
+            <a:extLst>
+              <a:ext uri="{FF2B5EF4-FFF2-40B4-BE49-F238E27FC236}">
+                <a16:creationId xmlns:a16="http://schemas.microsoft.com/office/drawing/2014/main" id="{5EDCFF82-B70F-4971-9182-7C3AEA3CFD26}"/>
+              </a:ext>
+            </a:extLst>
+          </p:cNvPr>
+          <p:cNvSpPr>
+            <a:spLocks noGrp="1"/>
+          </p:cNvSpPr>
+          <p:nvPr>
+            <p:ph type="sldNum" sz="quarter" idx="12"/>
+          </p:nvPr>
+        </p:nvSpPr>
+        <p:spPr>
+          <a:xfrm>
+            <a:off x="9579428" y="6356350"/>
+            <a:ext cx="1774371" cy="365125"/>
+          </a:xfrm>
+        </p:spPr>
+        <p:txBody>
+          <a:bodyPr rtlCol="0"/>
+          <a:lstStyle/>
+          <a:p>
+            <a:pPr rtl="0"/>
+            <a:fld id="{B5CEABB6-07DC-46E8-9B57-56EC44A396E5}" type="slidenum">
+              <a:rPr lang="en-US" altLang="ko-KR" smtClean="0"/>
+              <a:pPr rtl="0"/>
+              <a:t>22</a:t>
             </a:fld>
             <a:endParaRPr lang="ko-KR" altLang="en-US"/>
           </a:p>
@@ -36496,7 +36950,10 @@
           <p:cNvPr id="2" name="제목 1">
             <a:extLst>
               <a:ext uri="{FF2B5EF4-FFF2-40B4-BE49-F238E27FC236}">
-                <a16:creationId xmlns:a16="http://schemas.microsoft.com/office/drawing/2014/main" id="{67708C79-A4AC-4B5D-92DF-600737E4D11A}"/>
+                <a16:creationId xmlns:a16="http://schemas.microsoft.com/office/drawing/2014/main" id="{6719F29B-F233-48AF-8261-F33A4E079E3E}"/>
+              </a:ext>
+              <a:ext uri="{C183D7F6-B498-43B3-948B-1728B52AA6E4}">
+                <adec:decorative xmlns:adec="http://schemas.microsoft.com/office/drawing/2017/decorative" val="0"/>
               </a:ext>
             </a:extLst>
           </p:cNvPr>
@@ -36509,8 +36966,8 @@
         </p:nvSpPr>
         <p:spPr>
           <a:xfrm>
-            <a:off x="838200" y="5509419"/>
-            <a:ext cx="4082142" cy="585788"/>
+            <a:off x="1333499" y="1020445"/>
+            <a:ext cx="3171825" cy="1325563"/>
           </a:xfrm>
         </p:spPr>
         <p:txBody>
@@ -36520,67 +36977,94 @@
             <a:pPr rtl="0"/>
             <a:r>
               <a:rPr lang="ko-KR" altLang="en-US"/>
-              <a:t>문제</a:t>
-            </a:r>
-          </a:p>
-        </p:txBody>
-      </p:sp>
-      <p:sp>
-        <p:nvSpPr>
-          <p:cNvPr id="3" name="내용 개체 틀 2">
-            <a:extLst>
-              <a:ext uri="{FF2B5EF4-FFF2-40B4-BE49-F238E27FC236}">
-                <a16:creationId xmlns:a16="http://schemas.microsoft.com/office/drawing/2014/main" id="{7D779DE4-CAEA-4617-897E-FEC9A2AC2D6A}"/>
-              </a:ext>
-            </a:extLst>
-          </p:cNvPr>
-          <p:cNvSpPr>
-            <a:spLocks noGrp="1"/>
-          </p:cNvSpPr>
-          <p:nvPr>
-            <p:ph type="body" sz="quarter" idx="13"/>
-          </p:nvPr>
-        </p:nvSpPr>
-        <p:spPr>
-          <a:xfrm>
-            <a:off x="148318" y="1481138"/>
-            <a:ext cx="2141764" cy="514350"/>
-          </a:xfrm>
-        </p:spPr>
-        <p:txBody>
-          <a:bodyPr vert="horz" lIns="91440" tIns="45720" rIns="91440" bIns="45720" rtlCol="0" anchor="ctr">
+              <a:t>회사 소개</a:t>
+            </a:r>
+          </a:p>
+        </p:txBody>
+      </p:sp>
+      <p:sp>
+        <p:nvSpPr>
+          <p:cNvPr id="3" name="부제목 2">
+            <a:extLst>
+              <a:ext uri="{FF2B5EF4-FFF2-40B4-BE49-F238E27FC236}">
+                <a16:creationId xmlns:a16="http://schemas.microsoft.com/office/drawing/2014/main" id="{35E3EA69-4E0E-41BD-8095-A124225A2647}"/>
+              </a:ext>
+              <a:ext uri="{C183D7F6-B498-43B3-948B-1728B52AA6E4}">
+                <adec:decorative xmlns:adec="http://schemas.microsoft.com/office/drawing/2017/decorative" val="0"/>
+              </a:ext>
+            </a:extLst>
+          </p:cNvPr>
+          <p:cNvSpPr>
+            <a:spLocks noGrp="1"/>
+          </p:cNvSpPr>
+          <p:nvPr>
+            <p:ph idx="1"/>
+          </p:nvPr>
+        </p:nvSpPr>
+        <p:spPr>
+          <a:xfrm>
+            <a:off x="1333499" y="2924175"/>
+            <a:ext cx="3171825" cy="2519363"/>
+          </a:xfrm>
+        </p:spPr>
+        <p:txBody>
+          <a:bodyPr rtlCol="0">
             <a:normAutofit/>
           </a:bodyPr>
           <a:lstStyle/>
           <a:p>
             <a:pPr rtl="0"/>
             <a:r>
+              <a:rPr lang="en-US" altLang="ko-KR"/>
+              <a:t>Contoso</a:t>
+            </a:r>
+            <a:r>
               <a:rPr lang="ko-KR" altLang="en-US"/>
-              <a:t>시장 차이</a:t>
-            </a:r>
-          </a:p>
-        </p:txBody>
-      </p:sp>
-      <p:sp>
-        <p:nvSpPr>
-          <p:cNvPr id="4" name="텍스트 개체 틀 3">
-            <a:extLst>
-              <a:ext uri="{FF2B5EF4-FFF2-40B4-BE49-F238E27FC236}">
-                <a16:creationId xmlns:a16="http://schemas.microsoft.com/office/drawing/2014/main" id="{F5FF1291-56EB-4A7B-A198-1D91F9ECC5D3}"/>
-              </a:ext>
-            </a:extLst>
-          </p:cNvPr>
-          <p:cNvSpPr>
-            <a:spLocks noGrp="1"/>
-          </p:cNvSpPr>
-          <p:nvPr>
-            <p:ph type="body" sz="quarter" idx="14"/>
-          </p:nvPr>
-        </p:nvSpPr>
-        <p:spPr>
-          <a:xfrm>
-            <a:off x="714375" y="2557463"/>
-            <a:ext cx="2141764" cy="514350"/>
+              <a:t>에서는 협업하는 사고를 장려하여 업무 공간의 혁신을 추진할 수 있도록 조직을 지원합니다</a:t>
+            </a:r>
+            <a:r>
+              <a:rPr lang="en-US" altLang="ko-KR"/>
+              <a:t>. </a:t>
+            </a:r>
+            <a:r>
+              <a:rPr lang="ko-KR" altLang="en-US"/>
+              <a:t>허점을 보완하고 </a:t>
+            </a:r>
+            <a:r>
+              <a:rPr lang="en-US" altLang="ko-KR"/>
+              <a:t>Agile </a:t>
+            </a:r>
+            <a:r>
+              <a:rPr lang="ko-KR" altLang="en-US"/>
+              <a:t>프레임워크를 활용함으로써 비즈니스가 유기적으로 성장하고 소비자를 우선으로 생각하는 사고방식을 장려합니다</a:t>
+            </a:r>
+            <a:r>
+              <a:rPr lang="en-US" altLang="ko-KR"/>
+              <a:t>.</a:t>
+            </a:r>
+          </a:p>
+        </p:txBody>
+      </p:sp>
+      <p:sp>
+        <p:nvSpPr>
+          <p:cNvPr id="6" name="날짜 개체 틀 5">
+            <a:extLst>
+              <a:ext uri="{FF2B5EF4-FFF2-40B4-BE49-F238E27FC236}">
+                <a16:creationId xmlns:a16="http://schemas.microsoft.com/office/drawing/2014/main" id="{B69DF042-37C5-4E09-AA4C-AA66649C9533}"/>
+              </a:ext>
+            </a:extLst>
+          </p:cNvPr>
+          <p:cNvSpPr>
+            <a:spLocks noGrp="1"/>
+          </p:cNvSpPr>
+          <p:nvPr>
+            <p:ph type="dt" sz="half" idx="10"/>
+          </p:nvPr>
+        </p:nvSpPr>
+        <p:spPr>
+          <a:xfrm>
+            <a:off x="1333500" y="6356350"/>
+            <a:ext cx="985157" cy="365125"/>
           </a:xfrm>
         </p:spPr>
         <p:txBody>
@@ -36589,32 +37073,36 @@
           <a:p>
             <a:pPr rtl="0"/>
             <a:r>
+              <a:rPr lang="en-US" altLang="ko-KR"/>
+              <a:t>20XX</a:t>
+            </a:r>
+            <a:r>
               <a:rPr lang="ko-KR" altLang="en-US"/>
-              <a:t>고객</a:t>
-            </a:r>
-          </a:p>
-        </p:txBody>
-      </p:sp>
-      <p:sp>
-        <p:nvSpPr>
-          <p:cNvPr id="5" name="텍스트 개체 틀 4">
-            <a:extLst>
-              <a:ext uri="{FF2B5EF4-FFF2-40B4-BE49-F238E27FC236}">
-                <a16:creationId xmlns:a16="http://schemas.microsoft.com/office/drawing/2014/main" id="{6184E21C-7534-4FB5-9709-F7D1A11034F3}"/>
-              </a:ext>
-            </a:extLst>
-          </p:cNvPr>
-          <p:cNvSpPr>
-            <a:spLocks noGrp="1"/>
-          </p:cNvSpPr>
-          <p:nvPr>
-            <p:ph type="body" sz="quarter" idx="15"/>
-          </p:nvPr>
-        </p:nvSpPr>
-        <p:spPr>
-          <a:xfrm>
-            <a:off x="1320800" y="3633788"/>
-            <a:ext cx="2141764" cy="514350"/>
+              <a:t>년</a:t>
+            </a:r>
+          </a:p>
+        </p:txBody>
+      </p:sp>
+      <p:sp>
+        <p:nvSpPr>
+          <p:cNvPr id="5" name="바닥글 개체 틀 4">
+            <a:extLst>
+              <a:ext uri="{FF2B5EF4-FFF2-40B4-BE49-F238E27FC236}">
+                <a16:creationId xmlns:a16="http://schemas.microsoft.com/office/drawing/2014/main" id="{AF29EA23-F34E-486A-B8B2-0C3019266975}"/>
+              </a:ext>
+            </a:extLst>
+          </p:cNvPr>
+          <p:cNvSpPr>
+            <a:spLocks noGrp="1"/>
+          </p:cNvSpPr>
+          <p:nvPr>
+            <p:ph type="ftr" sz="quarter" idx="11"/>
+          </p:nvPr>
+        </p:nvSpPr>
+        <p:spPr>
+          <a:xfrm>
+            <a:off x="2669886" y="6356349"/>
+            <a:ext cx="2482842" cy="365125"/>
           </a:xfrm>
         </p:spPr>
         <p:txBody>
@@ -36624,31 +37112,31 @@
             <a:pPr rtl="0"/>
             <a:r>
               <a:rPr lang="ko-KR" altLang="en-US"/>
-              <a:t>재무</a:t>
-            </a:r>
-          </a:p>
-        </p:txBody>
-      </p:sp>
-      <p:sp>
-        <p:nvSpPr>
-          <p:cNvPr id="6" name="텍스트 개체 틀 5">
-            <a:extLst>
-              <a:ext uri="{FF2B5EF4-FFF2-40B4-BE49-F238E27FC236}">
-                <a16:creationId xmlns:a16="http://schemas.microsoft.com/office/drawing/2014/main" id="{5C594564-4FC6-401A-8586-44735EE819EC}"/>
-              </a:ext>
-            </a:extLst>
-          </p:cNvPr>
-          <p:cNvSpPr>
-            <a:spLocks noGrp="1"/>
-          </p:cNvSpPr>
-          <p:nvPr>
-            <p:ph type="body" sz="quarter" idx="16"/>
-          </p:nvPr>
-        </p:nvSpPr>
-        <p:spPr>
-          <a:xfrm>
-            <a:off x="1905000" y="4710114"/>
-            <a:ext cx="2141764" cy="514350"/>
+              <a:t>설명 자료</a:t>
+            </a:r>
+          </a:p>
+        </p:txBody>
+      </p:sp>
+      <p:sp>
+        <p:nvSpPr>
+          <p:cNvPr id="4" name="슬라이드 번호 개체 틀 3">
+            <a:extLst>
+              <a:ext uri="{FF2B5EF4-FFF2-40B4-BE49-F238E27FC236}">
+                <a16:creationId xmlns:a16="http://schemas.microsoft.com/office/drawing/2014/main" id="{328F602C-7F98-4C02-99D4-ED65E00D66A4}"/>
+              </a:ext>
+            </a:extLst>
+          </p:cNvPr>
+          <p:cNvSpPr>
+            <a:spLocks noGrp="1"/>
+          </p:cNvSpPr>
+          <p:nvPr>
+            <p:ph type="sldNum" sz="quarter" idx="12"/>
+          </p:nvPr>
+        </p:nvSpPr>
+        <p:spPr>
+          <a:xfrm>
+            <a:off x="5536305" y="6356350"/>
+            <a:ext cx="987552" cy="365125"/>
           </a:xfrm>
         </p:spPr>
         <p:txBody>
@@ -36656,305 +37144,19 @@
           <a:lstStyle/>
           <a:p>
             <a:pPr rtl="0"/>
-            <a:r>
-              <a:rPr lang="ko-KR" altLang="en-US"/>
-              <a:t>비용</a:t>
-            </a:r>
-          </a:p>
-        </p:txBody>
-      </p:sp>
-      <p:sp>
-        <p:nvSpPr>
-          <p:cNvPr id="7" name="텍스트 개체 틀 6">
-            <a:extLst>
-              <a:ext uri="{FF2B5EF4-FFF2-40B4-BE49-F238E27FC236}">
-                <a16:creationId xmlns:a16="http://schemas.microsoft.com/office/drawing/2014/main" id="{D7EB25CA-DA83-483D-AF83-0001BDF2DE2B}"/>
-              </a:ext>
-            </a:extLst>
-          </p:cNvPr>
-          <p:cNvSpPr>
-            <a:spLocks noGrp="1"/>
-          </p:cNvSpPr>
-          <p:nvPr>
-            <p:ph type="body" sz="quarter" idx="17"/>
-          </p:nvPr>
-        </p:nvSpPr>
-        <p:spPr>
-          <a:xfrm>
-            <a:off x="4401535" y="1594478"/>
-            <a:ext cx="5539095" cy="1010842"/>
-          </a:xfrm>
-        </p:spPr>
-        <p:txBody>
-          <a:bodyPr rtlCol="0"/>
-          <a:lstStyle/>
-          <a:p>
-            <a:pPr rtl="0"/>
-            <a:r>
-              <a:rPr lang="ko-KR" altLang="en-US"/>
-              <a:t>당사 제품처럼 고객에게 도움이 되는 제품은 거의 없음</a:t>
-            </a:r>
-          </a:p>
-          <a:p>
-            <a:pPr rtl="0"/>
-            <a:endParaRPr lang="ko-KR" altLang="en-US"/>
-          </a:p>
-        </p:txBody>
-      </p:sp>
-      <p:sp>
-        <p:nvSpPr>
-          <p:cNvPr id="8" name="텍스트 개체 틀 7">
-            <a:extLst>
-              <a:ext uri="{FF2B5EF4-FFF2-40B4-BE49-F238E27FC236}">
-                <a16:creationId xmlns:a16="http://schemas.microsoft.com/office/drawing/2014/main" id="{B46CE8C6-E12D-4A0D-8553-7FFA31941D56}"/>
-              </a:ext>
-            </a:extLst>
-          </p:cNvPr>
-          <p:cNvSpPr>
-            <a:spLocks noGrp="1"/>
-          </p:cNvSpPr>
-          <p:nvPr>
-            <p:ph type="body" sz="quarter" idx="18"/>
-          </p:nvPr>
-        </p:nvSpPr>
-        <p:spPr>
-          <a:xfrm>
-            <a:off x="4986028" y="2682564"/>
-            <a:ext cx="5539095" cy="1010842"/>
-          </a:xfrm>
-        </p:spPr>
-        <p:txBody>
-          <a:bodyPr rtlCol="0"/>
-          <a:lstStyle/>
-          <a:p>
-            <a:pPr rtl="0"/>
-            <a:r>
-              <a:rPr lang="ko-KR" altLang="en-US"/>
-              <a:t>미국 소비자의 </a:t>
-            </a:r>
-            <a:r>
-              <a:rPr lang="en-US" altLang="ko-KR"/>
-              <a:t>66%</a:t>
-            </a:r>
-            <a:r>
-              <a:rPr lang="ko-KR" altLang="en-US"/>
-              <a:t>가 문제를 부분적으로만 해결하는 여러 제품에 비용을 지출함</a:t>
-            </a:r>
-          </a:p>
-          <a:p>
-            <a:pPr rtl="0"/>
-            <a:endParaRPr lang="ko-KR" altLang="en-US"/>
-          </a:p>
-        </p:txBody>
-      </p:sp>
-      <p:sp>
-        <p:nvSpPr>
-          <p:cNvPr id="9" name="텍스트 개체 틀 8">
-            <a:extLst>
-              <a:ext uri="{FF2B5EF4-FFF2-40B4-BE49-F238E27FC236}">
-                <a16:creationId xmlns:a16="http://schemas.microsoft.com/office/drawing/2014/main" id="{1C7D5285-85DF-4331-A6FA-1AE847CA47AE}"/>
-              </a:ext>
-            </a:extLst>
-          </p:cNvPr>
-          <p:cNvSpPr>
-            <a:spLocks noGrp="1"/>
-          </p:cNvSpPr>
-          <p:nvPr>
-            <p:ph type="body" sz="quarter" idx="19"/>
-          </p:nvPr>
-        </p:nvSpPr>
-        <p:spPr>
-          <a:xfrm>
-            <a:off x="5576937" y="3755394"/>
-            <a:ext cx="5539095" cy="1010842"/>
-          </a:xfrm>
-        </p:spPr>
-        <p:txBody>
-          <a:bodyPr rtlCol="0"/>
-          <a:lstStyle/>
-          <a:p>
-            <a:pPr rtl="0"/>
-            <a:r>
-              <a:rPr lang="en-US" altLang="ko-KR"/>
-              <a:t>2018</a:t>
-            </a:r>
-            <a:r>
-              <a:rPr lang="ko-KR" altLang="en-US"/>
-              <a:t>년 다른 제품에 지출한 </a:t>
-            </a:r>
-            <a:r>
-              <a:rPr lang="en-US" altLang="ko-KR"/>
-              <a:t>480</a:t>
-            </a:r>
-            <a:r>
-              <a:rPr lang="ko-KR" altLang="en-US"/>
-              <a:t>억 달러 중 약 </a:t>
-            </a:r>
-            <a:r>
-              <a:rPr lang="en-US" altLang="ko-KR"/>
-              <a:t>1/4</a:t>
-            </a:r>
-            <a:r>
-              <a:rPr lang="ko-KR" altLang="en-US"/>
-              <a:t>을 밀레니얼 세대가 차지함</a:t>
-            </a:r>
-          </a:p>
-          <a:p>
-            <a:pPr rtl="0"/>
-            <a:endParaRPr lang="ko-KR" altLang="en-US"/>
-          </a:p>
-        </p:txBody>
-      </p:sp>
-      <p:sp>
-        <p:nvSpPr>
-          <p:cNvPr id="10" name="텍스트 개체 틀 9">
-            <a:extLst>
-              <a:ext uri="{FF2B5EF4-FFF2-40B4-BE49-F238E27FC236}">
-                <a16:creationId xmlns:a16="http://schemas.microsoft.com/office/drawing/2014/main" id="{02D305EF-9A88-496B-BFC1-D589A01EE381}"/>
-              </a:ext>
-            </a:extLst>
-          </p:cNvPr>
-          <p:cNvSpPr>
-            <a:spLocks noGrp="1"/>
-          </p:cNvSpPr>
-          <p:nvPr>
-            <p:ph type="body" sz="quarter" idx="20"/>
-          </p:nvPr>
-        </p:nvSpPr>
-        <p:spPr>
-          <a:xfrm>
-            <a:off x="6175279" y="4824430"/>
-            <a:ext cx="5539095" cy="1010842"/>
-          </a:xfrm>
-        </p:spPr>
-        <p:txBody>
-          <a:bodyPr rtlCol="0"/>
-          <a:lstStyle/>
-          <a:p>
-            <a:pPr rtl="0"/>
-            <a:r>
-              <a:rPr lang="ko-KR" altLang="en-US"/>
-              <a:t>생산성 손실 비용이 수천 달러임 </a:t>
-            </a:r>
-          </a:p>
-          <a:p>
-            <a:pPr rtl="0"/>
-            <a:endParaRPr lang="ko-KR" altLang="en-US"/>
-          </a:p>
-        </p:txBody>
-      </p:sp>
-      <p:sp>
-        <p:nvSpPr>
-          <p:cNvPr id="11" name="날짜 개체 틀 10">
-            <a:extLst>
-              <a:ext uri="{FF2B5EF4-FFF2-40B4-BE49-F238E27FC236}">
-                <a16:creationId xmlns:a16="http://schemas.microsoft.com/office/drawing/2014/main" id="{40BF6865-7FAE-4B56-A995-ADF1582DCC64}"/>
-              </a:ext>
-            </a:extLst>
-          </p:cNvPr>
-          <p:cNvSpPr>
-            <a:spLocks noGrp="1"/>
-          </p:cNvSpPr>
-          <p:nvPr>
-            <p:ph type="dt" sz="half" idx="10"/>
-          </p:nvPr>
-        </p:nvSpPr>
-        <p:spPr>
-          <a:xfrm>
-            <a:off x="838200" y="6356350"/>
-            <a:ext cx="2743200" cy="365125"/>
-          </a:xfrm>
-        </p:spPr>
-        <p:txBody>
-          <a:bodyPr rtlCol="0"/>
-          <a:lstStyle/>
-          <a:p>
-            <a:pPr rtl="0"/>
-            <a:r>
-              <a:rPr lang="en-US" altLang="ko-KR"/>
-              <a:t>20XX</a:t>
-            </a:r>
-            <a:r>
-              <a:rPr lang="ko-KR" altLang="en-US"/>
-              <a:t>년</a:t>
-            </a:r>
-          </a:p>
-        </p:txBody>
-      </p:sp>
-      <p:sp>
-        <p:nvSpPr>
-          <p:cNvPr id="12" name="바닥글 개체 틀 11">
-            <a:extLst>
-              <a:ext uri="{FF2B5EF4-FFF2-40B4-BE49-F238E27FC236}">
-                <a16:creationId xmlns:a16="http://schemas.microsoft.com/office/drawing/2014/main" id="{7312B71A-5E84-41DE-9754-5F6291F6DFB7}"/>
-              </a:ext>
-            </a:extLst>
-          </p:cNvPr>
-          <p:cNvSpPr>
-            <a:spLocks noGrp="1"/>
-          </p:cNvSpPr>
-          <p:nvPr>
-            <p:ph type="ftr" sz="quarter" idx="11"/>
-          </p:nvPr>
-        </p:nvSpPr>
-        <p:spPr>
-          <a:xfrm>
-            <a:off x="6155823" y="6356350"/>
-            <a:ext cx="1808712" cy="365125"/>
-          </a:xfrm>
-        </p:spPr>
-        <p:txBody>
-          <a:bodyPr rtlCol="0"/>
-          <a:lstStyle/>
-          <a:p>
-            <a:pPr rtl="0"/>
-            <a:r>
-              <a:rPr lang="ko-KR" altLang="en-US"/>
-              <a:t>설명 자료</a:t>
-            </a:r>
-          </a:p>
-        </p:txBody>
-      </p:sp>
-      <p:sp>
-        <p:nvSpPr>
-          <p:cNvPr id="13" name="슬라이드 번호 개체 틀 12">
-            <a:extLst>
-              <a:ext uri="{FF2B5EF4-FFF2-40B4-BE49-F238E27FC236}">
-                <a16:creationId xmlns:a16="http://schemas.microsoft.com/office/drawing/2014/main" id="{E3984D70-BD95-4E1F-9725-902B5D74DED6}"/>
-              </a:ext>
-            </a:extLst>
-          </p:cNvPr>
-          <p:cNvSpPr>
-            <a:spLocks noGrp="1"/>
-          </p:cNvSpPr>
-          <p:nvPr>
-            <p:ph type="sldNum" sz="quarter" idx="12"/>
-          </p:nvPr>
-        </p:nvSpPr>
-        <p:spPr>
-          <a:xfrm>
-            <a:off x="10810874" y="6356350"/>
-            <a:ext cx="542925" cy="365125"/>
-          </a:xfrm>
-        </p:spPr>
-        <p:txBody>
-          <a:bodyPr rtlCol="0"/>
-          <a:lstStyle/>
-          <a:p>
-            <a:pPr rtl="0"/>
-            <a:fld id="{B5CEABB6-07DC-46E8-9B57-56EC44A396E5}" type="slidenum">
-              <a:rPr lang="en-US" altLang="ko-KR" smtClean="0"/>
-              <a:pPr/>
+            <a:fld id="{19B51A1E-902D-48AF-9020-955120F399B6}" type="slidenum">
+              <a:rPr lang="en-ZA" altLang="ko-KR" smtClean="0"/>
+              <a:pPr rtl="0"/>
               <a:t>3</a:t>
             </a:fld>
-            <a:endParaRPr lang="ko-KR" altLang="en-US"/>
+            <a:endParaRPr lang="ko-KR" altLang="en-ZA"/>
           </a:p>
         </p:txBody>
       </p:sp>
     </p:spTree>
     <p:extLst>
       <p:ext uri="{BB962C8B-B14F-4D97-AF65-F5344CB8AC3E}">
-        <p14:creationId xmlns:p14="http://schemas.microsoft.com/office/powerpoint/2010/main" val="1738561688"/>
+        <p14:creationId xmlns:p14="http://schemas.microsoft.com/office/powerpoint/2010/main" val="2243494996"/>
       </p:ext>
     </p:extLst>
   </p:cSld>
@@ -36986,7 +37188,7 @@
           <p:cNvPr id="2" name="제목 1">
             <a:extLst>
               <a:ext uri="{FF2B5EF4-FFF2-40B4-BE49-F238E27FC236}">
-                <a16:creationId xmlns:a16="http://schemas.microsoft.com/office/drawing/2014/main" id="{75031FE9-9059-4FE8-B4AC-9771F23A1B89}"/>
+                <a16:creationId xmlns:a16="http://schemas.microsoft.com/office/drawing/2014/main" id="{67708C79-A4AC-4B5D-92DF-600737E4D11A}"/>
               </a:ext>
             </a:extLst>
           </p:cNvPr>
@@ -36999,8 +37201,8 @@
         </p:nvSpPr>
         <p:spPr>
           <a:xfrm>
-            <a:off x="1885156" y="892177"/>
-            <a:ext cx="8421688" cy="1325563"/>
+            <a:off x="838200" y="5509419"/>
+            <a:ext cx="4082142" cy="585788"/>
           </a:xfrm>
         </p:spPr>
         <p:txBody>
@@ -37010,7 +37212,7 @@
             <a:pPr rtl="0"/>
             <a:r>
               <a:rPr lang="ko-KR" altLang="en-US"/>
-              <a:t>해결 방법</a:t>
+              <a:t>문제</a:t>
             </a:r>
           </a:p>
         </p:txBody>
@@ -37020,7 +37222,7 @@
           <p:cNvPr id="3" name="내용 개체 틀 2">
             <a:extLst>
               <a:ext uri="{FF2B5EF4-FFF2-40B4-BE49-F238E27FC236}">
-                <a16:creationId xmlns:a16="http://schemas.microsoft.com/office/drawing/2014/main" id="{D4A2EB3F-4D60-451F-8F45-7D6654D2FCD9}"/>
+                <a16:creationId xmlns:a16="http://schemas.microsoft.com/office/drawing/2014/main" id="{7D779DE4-CAEA-4617-897E-FEC9A2AC2D6A}"/>
               </a:ext>
             </a:extLst>
           </p:cNvPr>
@@ -37033,20 +37235,20 @@
         </p:nvSpPr>
         <p:spPr>
           <a:xfrm>
-            <a:off x="1485900" y="2563123"/>
-            <a:ext cx="4031945" cy="365125"/>
-          </a:xfrm>
-        </p:spPr>
-        <p:txBody>
-          <a:bodyPr vert="horz" lIns="91440" tIns="45720" rIns="91440" bIns="45720" rtlCol="0" anchor="t">
-            <a:normAutofit lnSpcReduction="10000"/>
+            <a:off x="148318" y="1481138"/>
+            <a:ext cx="2141764" cy="514350"/>
+          </a:xfrm>
+        </p:spPr>
+        <p:txBody>
+          <a:bodyPr vert="horz" lIns="91440" tIns="45720" rIns="91440" bIns="45720" rtlCol="0" anchor="ctr">
+            <a:normAutofit/>
           </a:bodyPr>
           <a:lstStyle/>
           <a:p>
             <a:pPr rtl="0"/>
             <a:r>
               <a:rPr lang="ko-KR" altLang="en-US"/>
-              <a:t>차이 줄이기</a:t>
+              <a:t>시장 차이</a:t>
             </a:r>
           </a:p>
         </p:txBody>
@@ -37056,21 +37258,21 @@
           <p:cNvPr id="4" name="텍스트 개체 틀 3">
             <a:extLst>
               <a:ext uri="{FF2B5EF4-FFF2-40B4-BE49-F238E27FC236}">
-                <a16:creationId xmlns:a16="http://schemas.microsoft.com/office/drawing/2014/main" id="{AC1C80FB-53F9-42EE-B1E6-D0F998EC5DFA}"/>
-              </a:ext>
-            </a:extLst>
-          </p:cNvPr>
-          <p:cNvSpPr>
-            <a:spLocks noGrp="1"/>
-          </p:cNvSpPr>
-          <p:nvPr>
-            <p:ph type="body" sz="quarter" idx="15"/>
-          </p:nvPr>
-        </p:nvSpPr>
-        <p:spPr>
-          <a:xfrm>
-            <a:off x="1485664" y="3070348"/>
-            <a:ext cx="4031030" cy="1057308"/>
+                <a16:creationId xmlns:a16="http://schemas.microsoft.com/office/drawing/2014/main" id="{F5FF1291-56EB-4A7B-A198-1D91F9ECC5D3}"/>
+              </a:ext>
+            </a:extLst>
+          </p:cNvPr>
+          <p:cNvSpPr>
+            <a:spLocks noGrp="1"/>
+          </p:cNvSpPr>
+          <p:nvPr>
+            <p:ph type="body" sz="quarter" idx="14"/>
+          </p:nvPr>
+        </p:nvSpPr>
+        <p:spPr>
+          <a:xfrm>
+            <a:off x="714375" y="2557463"/>
+            <a:ext cx="2141764" cy="514350"/>
           </a:xfrm>
         </p:spPr>
         <p:txBody>
@@ -37080,19 +37282,7 @@
             <a:pPr rtl="0"/>
             <a:r>
               <a:rPr lang="ko-KR" altLang="en-US"/>
-              <a:t>당사의 제품은 소비자의 삶을 더 편리하게 만들며</a:t>
-            </a:r>
-            <a:r>
-              <a:rPr lang="en-US" altLang="ko-KR"/>
-              <a:t>, </a:t>
-            </a:r>
-            <a:r>
-              <a:rPr lang="ko-KR" altLang="en-US"/>
-              <a:t>시장의 어떤 다른 제품도 동일한 기능을 제공하지 않습니다</a:t>
-            </a:r>
-            <a:r>
-              <a:rPr lang="en-US" altLang="ko-KR"/>
-              <a:t>.</a:t>
+              <a:t>고객</a:t>
             </a:r>
           </a:p>
         </p:txBody>
@@ -37102,57 +37292,21 @@
           <p:cNvPr id="5" name="텍스트 개체 틀 4">
             <a:extLst>
               <a:ext uri="{FF2B5EF4-FFF2-40B4-BE49-F238E27FC236}">
-                <a16:creationId xmlns:a16="http://schemas.microsoft.com/office/drawing/2014/main" id="{E81BA2B5-6A90-4204-ABDD-7183FBB03A02}"/>
-              </a:ext>
-            </a:extLst>
-          </p:cNvPr>
-          <p:cNvSpPr>
-            <a:spLocks noGrp="1"/>
-          </p:cNvSpPr>
-          <p:nvPr>
-            <p:ph type="body" sz="quarter" idx="16"/>
-          </p:nvPr>
-        </p:nvSpPr>
-        <p:spPr>
-          <a:xfrm>
-            <a:off x="6673004" y="2563123"/>
-            <a:ext cx="4031945" cy="365125"/>
-          </a:xfrm>
-        </p:spPr>
-        <p:txBody>
-          <a:bodyPr rtlCol="0">
-            <a:normAutofit lnSpcReduction="10000"/>
-          </a:bodyPr>
-          <a:lstStyle/>
-          <a:p>
-            <a:pPr rtl="0"/>
-            <a:r>
-              <a:rPr lang="ko-KR" altLang="en-US"/>
-              <a:t>대상 고객</a:t>
-            </a:r>
-          </a:p>
-        </p:txBody>
-      </p:sp>
-      <p:sp>
-        <p:nvSpPr>
-          <p:cNvPr id="6" name="텍스트 개체 틀 5">
-            <a:extLst>
-              <a:ext uri="{FF2B5EF4-FFF2-40B4-BE49-F238E27FC236}">
-                <a16:creationId xmlns:a16="http://schemas.microsoft.com/office/drawing/2014/main" id="{7E7D4C34-22A0-4D54-A07D-E1E9A11463E5}"/>
-              </a:ext>
-            </a:extLst>
-          </p:cNvPr>
-          <p:cNvSpPr>
-            <a:spLocks noGrp="1"/>
-          </p:cNvSpPr>
-          <p:nvPr>
-            <p:ph type="body" sz="quarter" idx="17"/>
-          </p:nvPr>
-        </p:nvSpPr>
-        <p:spPr>
-          <a:xfrm>
-            <a:off x="6673143" y="3070348"/>
-            <a:ext cx="4031030" cy="1057308"/>
+                <a16:creationId xmlns:a16="http://schemas.microsoft.com/office/drawing/2014/main" id="{6184E21C-7534-4FB5-9709-F7D1A11034F3}"/>
+              </a:ext>
+            </a:extLst>
+          </p:cNvPr>
+          <p:cNvSpPr>
+            <a:spLocks noGrp="1"/>
+          </p:cNvSpPr>
+          <p:nvPr>
+            <p:ph type="body" sz="quarter" idx="15"/>
+          </p:nvPr>
+        </p:nvSpPr>
+        <p:spPr>
+          <a:xfrm>
+            <a:off x="1320800" y="3633788"/>
+            <a:ext cx="2141764" cy="514350"/>
           </a:xfrm>
         </p:spPr>
         <p:txBody>
@@ -37162,31 +37316,75 @@
             <a:pPr rtl="0"/>
             <a:r>
               <a:rPr lang="ko-KR" altLang="en-US"/>
-              <a:t>대상 그룹은 </a:t>
-            </a:r>
-            <a:r>
-              <a:rPr lang="en-US" altLang="ko-KR"/>
-              <a:t>Z</a:t>
-            </a:r>
+              <a:t>재무</a:t>
+            </a:r>
+          </a:p>
+        </p:txBody>
+      </p:sp>
+      <p:sp>
+        <p:nvSpPr>
+          <p:cNvPr id="6" name="텍스트 개체 틀 5">
+            <a:extLst>
+              <a:ext uri="{FF2B5EF4-FFF2-40B4-BE49-F238E27FC236}">
+                <a16:creationId xmlns:a16="http://schemas.microsoft.com/office/drawing/2014/main" id="{5C594564-4FC6-401A-8586-44735EE819EC}"/>
+              </a:ext>
+            </a:extLst>
+          </p:cNvPr>
+          <p:cNvSpPr>
+            <a:spLocks noGrp="1"/>
+          </p:cNvSpPr>
+          <p:nvPr>
+            <p:ph type="body" sz="quarter" idx="16"/>
+          </p:nvPr>
+        </p:nvSpPr>
+        <p:spPr>
+          <a:xfrm>
+            <a:off x="1905000" y="4710114"/>
+            <a:ext cx="2141764" cy="514350"/>
+          </a:xfrm>
+        </p:spPr>
+        <p:txBody>
+          <a:bodyPr rtlCol="0"/>
+          <a:lstStyle/>
+          <a:p>
+            <a:pPr rtl="0"/>
             <a:r>
               <a:rPr lang="ko-KR" altLang="en-US"/>
-              <a:t>세대</a:t>
-            </a:r>
-            <a:r>
-              <a:rPr lang="en-US" altLang="ko-KR"/>
-              <a:t>(18~25</a:t>
-            </a:r>
+              <a:t>비용</a:t>
+            </a:r>
+          </a:p>
+        </p:txBody>
+      </p:sp>
+      <p:sp>
+        <p:nvSpPr>
+          <p:cNvPr id="7" name="텍스트 개체 틀 6">
+            <a:extLst>
+              <a:ext uri="{FF2B5EF4-FFF2-40B4-BE49-F238E27FC236}">
+                <a16:creationId xmlns:a16="http://schemas.microsoft.com/office/drawing/2014/main" id="{D7EB25CA-DA83-483D-AF83-0001BDF2DE2B}"/>
+              </a:ext>
+            </a:extLst>
+          </p:cNvPr>
+          <p:cNvSpPr>
+            <a:spLocks noGrp="1"/>
+          </p:cNvSpPr>
+          <p:nvPr>
+            <p:ph type="body" sz="quarter" idx="17"/>
+          </p:nvPr>
+        </p:nvSpPr>
+        <p:spPr>
+          <a:xfrm>
+            <a:off x="4401535" y="1594478"/>
+            <a:ext cx="5539095" cy="1010842"/>
+          </a:xfrm>
+        </p:spPr>
+        <p:txBody>
+          <a:bodyPr rtlCol="0"/>
+          <a:lstStyle/>
+          <a:p>
+            <a:pPr rtl="0"/>
             <a:r>
               <a:rPr lang="ko-KR" altLang="en-US"/>
-              <a:t>세</a:t>
-            </a:r>
-            <a:r>
-              <a:rPr lang="en-US" altLang="ko-KR"/>
-              <a:t>)</a:t>
-            </a:r>
-            <a:r>
-              <a:rPr lang="ko-KR" altLang="en-US"/>
-              <a:t>임</a:t>
+              <a:t>당사 제품처럼 고객에게 도움이 되는 제품은 거의 없음</a:t>
             </a:r>
           </a:p>
           <a:p>
@@ -37197,10 +37395,10 @@
       </p:sp>
       <p:sp>
         <p:nvSpPr>
-          <p:cNvPr id="7" name="텍스트 개체 틀 6">
-            <a:extLst>
-              <a:ext uri="{FF2B5EF4-FFF2-40B4-BE49-F238E27FC236}">
-                <a16:creationId xmlns:a16="http://schemas.microsoft.com/office/drawing/2014/main" id="{301D392D-FB66-47A0-B628-5ADE822A2CFF}"/>
+          <p:cNvPr id="8" name="텍스트 개체 틀 7">
+            <a:extLst>
+              <a:ext uri="{FF2B5EF4-FFF2-40B4-BE49-F238E27FC236}">
+                <a16:creationId xmlns:a16="http://schemas.microsoft.com/office/drawing/2014/main" id="{B46CE8C6-E12D-4A0D-8553-7FFA31941D56}"/>
               </a:ext>
             </a:extLst>
           </p:cNvPr>
@@ -37213,44 +37411,8 @@
         </p:nvSpPr>
         <p:spPr>
           <a:xfrm>
-            <a:off x="1485899" y="4319431"/>
-            <a:ext cx="4031945" cy="365125"/>
-          </a:xfrm>
-        </p:spPr>
-        <p:txBody>
-          <a:bodyPr rtlCol="0">
-            <a:normAutofit lnSpcReduction="10000"/>
-          </a:bodyPr>
-          <a:lstStyle/>
-          <a:p>
-            <a:pPr rtl="0"/>
-            <a:r>
-              <a:rPr lang="ko-KR" altLang="en-US"/>
-              <a:t>비용 절감</a:t>
-            </a:r>
-          </a:p>
-        </p:txBody>
-      </p:sp>
-      <p:sp>
-        <p:nvSpPr>
-          <p:cNvPr id="8" name="텍스트 개체 틀 7">
-            <a:extLst>
-              <a:ext uri="{FF2B5EF4-FFF2-40B4-BE49-F238E27FC236}">
-                <a16:creationId xmlns:a16="http://schemas.microsoft.com/office/drawing/2014/main" id="{51C26CE0-2506-4B44-A26F-C12BFA5B18B5}"/>
-              </a:ext>
-            </a:extLst>
-          </p:cNvPr>
-          <p:cNvSpPr>
-            <a:spLocks noGrp="1"/>
-          </p:cNvSpPr>
-          <p:nvPr>
-            <p:ph type="body" sz="quarter" idx="19"/>
-          </p:nvPr>
-        </p:nvSpPr>
-        <p:spPr>
-          <a:xfrm>
-            <a:off x="1486412" y="4826656"/>
-            <a:ext cx="4031030" cy="1057308"/>
+            <a:off x="4986028" y="2682564"/>
+            <a:ext cx="5539095" cy="1010842"/>
           </a:xfrm>
         </p:spPr>
         <p:txBody>
@@ -37260,7 +37422,15 @@
             <a:pPr rtl="0"/>
             <a:r>
               <a:rPr lang="ko-KR" altLang="en-US"/>
-              <a:t>교체 제품에 대한 비용 절감 </a:t>
+              <a:t>미국 소비자의 </a:t>
+            </a:r>
+            <a:r>
+              <a:rPr lang="en-US" altLang="ko-KR"/>
+              <a:t>66%</a:t>
+            </a:r>
+            <a:r>
+              <a:rPr lang="ko-KR" altLang="en-US"/>
+              <a:t>가 문제를 부분적으로만 해결하는 여러 제품에 비용을 지출함</a:t>
             </a:r>
           </a:p>
           <a:p>
@@ -37274,57 +37444,21 @@
           <p:cNvPr id="9" name="텍스트 개체 틀 8">
             <a:extLst>
               <a:ext uri="{FF2B5EF4-FFF2-40B4-BE49-F238E27FC236}">
-                <a16:creationId xmlns:a16="http://schemas.microsoft.com/office/drawing/2014/main" id="{868F40F8-BF35-45E9-B3DD-5436362D746E}"/>
-              </a:ext>
-            </a:extLst>
-          </p:cNvPr>
-          <p:cNvSpPr>
-            <a:spLocks noGrp="1"/>
-          </p:cNvSpPr>
-          <p:nvPr>
-            <p:ph type="body" sz="quarter" idx="23"/>
-          </p:nvPr>
-        </p:nvSpPr>
-        <p:spPr>
-          <a:xfrm>
-            <a:off x="6672630" y="4319431"/>
-            <a:ext cx="4031945" cy="365125"/>
-          </a:xfrm>
-        </p:spPr>
-        <p:txBody>
-          <a:bodyPr rtlCol="0">
-            <a:normAutofit lnSpcReduction="10000"/>
-          </a:bodyPr>
-          <a:lstStyle/>
-          <a:p>
-            <a:pPr rtl="0"/>
-            <a:r>
-              <a:rPr lang="ko-KR" altLang="en-US"/>
-              <a:t>편리성</a:t>
-            </a:r>
-          </a:p>
-        </p:txBody>
-      </p:sp>
-      <p:sp>
-        <p:nvSpPr>
-          <p:cNvPr id="10" name="텍스트 개체 틀 9">
-            <a:extLst>
-              <a:ext uri="{FF2B5EF4-FFF2-40B4-BE49-F238E27FC236}">
-                <a16:creationId xmlns:a16="http://schemas.microsoft.com/office/drawing/2014/main" id="{7F39C97C-2DDC-4706-B96C-B02FAE53A426}"/>
-              </a:ext>
-            </a:extLst>
-          </p:cNvPr>
-          <p:cNvSpPr>
-            <a:spLocks noGrp="1"/>
-          </p:cNvSpPr>
-          <p:nvPr>
-            <p:ph type="body" sz="quarter" idx="24"/>
-          </p:nvPr>
-        </p:nvSpPr>
-        <p:spPr>
-          <a:xfrm>
-            <a:off x="6673143" y="4826656"/>
-            <a:ext cx="4031030" cy="1057308"/>
+                <a16:creationId xmlns:a16="http://schemas.microsoft.com/office/drawing/2014/main" id="{1C7D5285-85DF-4331-A6FA-1AE847CA47AE}"/>
+              </a:ext>
+            </a:extLst>
+          </p:cNvPr>
+          <p:cNvSpPr>
+            <a:spLocks noGrp="1"/>
+          </p:cNvSpPr>
+          <p:nvPr>
+            <p:ph type="body" sz="quarter" idx="19"/>
+          </p:nvPr>
+        </p:nvSpPr>
+        <p:spPr>
+          <a:xfrm>
+            <a:off x="5576937" y="3755394"/>
+            <a:ext cx="5539095" cy="1010842"/>
           </a:xfrm>
         </p:spPr>
         <p:txBody>
@@ -37333,26 +37467,88 @@
           <a:p>
             <a:pPr rtl="0"/>
             <a:r>
+              <a:rPr lang="en-US" altLang="ko-KR"/>
+              <a:t>2018</a:t>
+            </a:r>
+            <a:r>
               <a:rPr lang="ko-KR" altLang="en-US"/>
-              <a:t>고객에게 필요한 대상 정보를 제공하는 간단한 디자인</a:t>
-            </a:r>
-          </a:p>
-        </p:txBody>
-      </p:sp>
-      <p:sp>
-        <p:nvSpPr>
-          <p:cNvPr id="80" name="날짜 개체 틀 79">
-            <a:extLst>
-              <a:ext uri="{FF2B5EF4-FFF2-40B4-BE49-F238E27FC236}">
-                <a16:creationId xmlns:a16="http://schemas.microsoft.com/office/drawing/2014/main" id="{BC1F9D86-85D8-4FD0-B0D3-47D778722782}"/>
-              </a:ext>
-            </a:extLst>
-          </p:cNvPr>
-          <p:cNvSpPr>
-            <a:spLocks noGrp="1"/>
-          </p:cNvSpPr>
-          <p:nvPr>
-            <p:ph type="dt" sz="half" idx="20"/>
+              <a:t>년 다른 제품에 지출한 </a:t>
+            </a:r>
+            <a:r>
+              <a:rPr lang="en-US" altLang="ko-KR"/>
+              <a:t>480</a:t>
+            </a:r>
+            <a:r>
+              <a:rPr lang="ko-KR" altLang="en-US"/>
+              <a:t>억 달러 중 약 </a:t>
+            </a:r>
+            <a:r>
+              <a:rPr lang="en-US" altLang="ko-KR"/>
+              <a:t>1/4</a:t>
+            </a:r>
+            <a:r>
+              <a:rPr lang="ko-KR" altLang="en-US"/>
+              <a:t>을 밀레니얼 세대가 차지함</a:t>
+            </a:r>
+          </a:p>
+          <a:p>
+            <a:pPr rtl="0"/>
+            <a:endParaRPr lang="ko-KR" altLang="en-US"/>
+          </a:p>
+        </p:txBody>
+      </p:sp>
+      <p:sp>
+        <p:nvSpPr>
+          <p:cNvPr id="10" name="텍스트 개체 틀 9">
+            <a:extLst>
+              <a:ext uri="{FF2B5EF4-FFF2-40B4-BE49-F238E27FC236}">
+                <a16:creationId xmlns:a16="http://schemas.microsoft.com/office/drawing/2014/main" id="{02D305EF-9A88-496B-BFC1-D589A01EE381}"/>
+              </a:ext>
+            </a:extLst>
+          </p:cNvPr>
+          <p:cNvSpPr>
+            <a:spLocks noGrp="1"/>
+          </p:cNvSpPr>
+          <p:nvPr>
+            <p:ph type="body" sz="quarter" idx="20"/>
+          </p:nvPr>
+        </p:nvSpPr>
+        <p:spPr>
+          <a:xfrm>
+            <a:off x="6175279" y="4824430"/>
+            <a:ext cx="5539095" cy="1010842"/>
+          </a:xfrm>
+        </p:spPr>
+        <p:txBody>
+          <a:bodyPr rtlCol="0"/>
+          <a:lstStyle/>
+          <a:p>
+            <a:pPr rtl="0"/>
+            <a:r>
+              <a:rPr lang="ko-KR" altLang="en-US"/>
+              <a:t>생산성 손실 비용이 수천 달러임 </a:t>
+            </a:r>
+          </a:p>
+          <a:p>
+            <a:pPr rtl="0"/>
+            <a:endParaRPr lang="ko-KR" altLang="en-US"/>
+          </a:p>
+        </p:txBody>
+      </p:sp>
+      <p:sp>
+        <p:nvSpPr>
+          <p:cNvPr id="11" name="날짜 개체 틀 10">
+            <a:extLst>
+              <a:ext uri="{FF2B5EF4-FFF2-40B4-BE49-F238E27FC236}">
+                <a16:creationId xmlns:a16="http://schemas.microsoft.com/office/drawing/2014/main" id="{40BF6865-7FAE-4B56-A995-ADF1582DCC64}"/>
+              </a:ext>
+            </a:extLst>
+          </p:cNvPr>
+          <p:cNvSpPr>
+            <a:spLocks noGrp="1"/>
+          </p:cNvSpPr>
+          <p:nvPr>
+            <p:ph type="dt" sz="half" idx="10"/>
           </p:nvPr>
         </p:nvSpPr>
         <p:spPr>
@@ -37379,24 +37575,24 @@
       </p:sp>
       <p:sp>
         <p:nvSpPr>
-          <p:cNvPr id="81" name="바닥글 개체 틀 80">
-            <a:extLst>
-              <a:ext uri="{FF2B5EF4-FFF2-40B4-BE49-F238E27FC236}">
-                <a16:creationId xmlns:a16="http://schemas.microsoft.com/office/drawing/2014/main" id="{E94F1D24-E4A1-4B59-B57E-A28453963B88}"/>
-              </a:ext>
-            </a:extLst>
-          </p:cNvPr>
-          <p:cNvSpPr>
-            <a:spLocks noGrp="1"/>
-          </p:cNvSpPr>
-          <p:nvPr>
-            <p:ph type="ftr" sz="quarter" idx="21"/>
-          </p:nvPr>
-        </p:nvSpPr>
-        <p:spPr>
-          <a:xfrm>
-            <a:off x="4038600" y="6356350"/>
-            <a:ext cx="4114800" cy="365125"/>
+          <p:cNvPr id="12" name="바닥글 개체 틀 11">
+            <a:extLst>
+              <a:ext uri="{FF2B5EF4-FFF2-40B4-BE49-F238E27FC236}">
+                <a16:creationId xmlns:a16="http://schemas.microsoft.com/office/drawing/2014/main" id="{7312B71A-5E84-41DE-9754-5F6291F6DFB7}"/>
+              </a:ext>
+            </a:extLst>
+          </p:cNvPr>
+          <p:cNvSpPr>
+            <a:spLocks noGrp="1"/>
+          </p:cNvSpPr>
+          <p:nvPr>
+            <p:ph type="ftr" sz="quarter" idx="11"/>
+          </p:nvPr>
+        </p:nvSpPr>
+        <p:spPr>
+          <a:xfrm>
+            <a:off x="6155823" y="6356350"/>
+            <a:ext cx="1808712" cy="365125"/>
           </a:xfrm>
         </p:spPr>
         <p:txBody>
@@ -37413,24 +37609,24 @@
       </p:sp>
       <p:sp>
         <p:nvSpPr>
-          <p:cNvPr id="82" name="슬라이드 번호 개체 틀 81">
-            <a:extLst>
-              <a:ext uri="{FF2B5EF4-FFF2-40B4-BE49-F238E27FC236}">
-                <a16:creationId xmlns:a16="http://schemas.microsoft.com/office/drawing/2014/main" id="{CE36A058-BEC2-4BC5-A467-F2EB2A365051}"/>
-              </a:ext>
-            </a:extLst>
-          </p:cNvPr>
-          <p:cNvSpPr>
-            <a:spLocks noGrp="1"/>
-          </p:cNvSpPr>
-          <p:nvPr>
-            <p:ph type="sldNum" sz="quarter" idx="22"/>
-          </p:nvPr>
-        </p:nvSpPr>
-        <p:spPr>
-          <a:xfrm>
-            <a:off x="8610600" y="6356350"/>
-            <a:ext cx="2743200" cy="365125"/>
+          <p:cNvPr id="13" name="슬라이드 번호 개체 틀 12">
+            <a:extLst>
+              <a:ext uri="{FF2B5EF4-FFF2-40B4-BE49-F238E27FC236}">
+                <a16:creationId xmlns:a16="http://schemas.microsoft.com/office/drawing/2014/main" id="{E3984D70-BD95-4E1F-9725-902B5D74DED6}"/>
+              </a:ext>
+            </a:extLst>
+          </p:cNvPr>
+          <p:cNvSpPr>
+            <a:spLocks noGrp="1"/>
+          </p:cNvSpPr>
+          <p:nvPr>
+            <p:ph type="sldNum" sz="quarter" idx="12"/>
+          </p:nvPr>
+        </p:nvSpPr>
+        <p:spPr>
+          <a:xfrm>
+            <a:off x="10810874" y="6356350"/>
+            <a:ext cx="542925" cy="365125"/>
           </a:xfrm>
         </p:spPr>
         <p:txBody>
@@ -37440,7 +37636,7 @@
             <a:pPr rtl="0"/>
             <a:fld id="{B5CEABB6-07DC-46E8-9B57-56EC44A396E5}" type="slidenum">
               <a:rPr lang="en-US" altLang="ko-KR" smtClean="0"/>
-              <a:pPr/>
+              <a:pPr rtl="0"/>
               <a:t>4</a:t>
             </a:fld>
             <a:endParaRPr lang="ko-KR" altLang="en-US"/>
@@ -37450,7 +37646,7 @@
     </p:spTree>
     <p:extLst>
       <p:ext uri="{BB962C8B-B14F-4D97-AF65-F5344CB8AC3E}">
-        <p14:creationId xmlns:p14="http://schemas.microsoft.com/office/powerpoint/2010/main" val="1593920805"/>
+        <p14:creationId xmlns:p14="http://schemas.microsoft.com/office/powerpoint/2010/main" val="1738561688"/>
       </p:ext>
     </p:extLst>
   </p:cSld>
@@ -37495,8 +37691,8 @@
         </p:nvSpPr>
         <p:spPr>
           <a:xfrm>
-            <a:off x="1508760" y="4156405"/>
-            <a:ext cx="3139440" cy="1325563"/>
+            <a:off x="1885156" y="892177"/>
+            <a:ext cx="8421688" cy="1325563"/>
           </a:xfrm>
         </p:spPr>
         <p:txBody>
@@ -37506,7 +37702,7 @@
             <a:pPr rtl="0"/>
             <a:r>
               <a:rPr lang="ko-KR" altLang="en-US"/>
-              <a:t>제품 개요</a:t>
+              <a:t>해결 방법</a:t>
             </a:r>
           </a:p>
         </p:txBody>
@@ -37529,8 +37725,8 @@
         </p:nvSpPr>
         <p:spPr>
           <a:xfrm>
-            <a:off x="5922254" y="1530635"/>
-            <a:ext cx="5433204" cy="365125"/>
+            <a:off x="1485900" y="2563123"/>
+            <a:ext cx="4031945" cy="365125"/>
           </a:xfrm>
         </p:spPr>
         <p:txBody>
@@ -37542,7 +37738,7 @@
             <a:pPr rtl="0"/>
             <a:r>
               <a:rPr lang="ko-KR" altLang="en-US"/>
-              <a:t>고유성</a:t>
+              <a:t>차이 줄이기</a:t>
             </a:r>
           </a:p>
         </p:txBody>
@@ -37565,20 +37761,30 @@
         </p:nvSpPr>
         <p:spPr>
           <a:xfrm>
-            <a:off x="5921828" y="1860060"/>
-            <a:ext cx="5431971" cy="557950"/>
-          </a:xfrm>
-        </p:spPr>
-        <p:txBody>
-          <a:bodyPr rtlCol="0">
-            <a:normAutofit/>
-          </a:bodyPr>
+            <a:off x="1485664" y="3070348"/>
+            <a:ext cx="4031030" cy="1057308"/>
+          </a:xfrm>
+        </p:spPr>
+        <p:txBody>
+          <a:bodyPr rtlCol="0"/>
           <a:lstStyle/>
           <a:p>
             <a:pPr rtl="0"/>
             <a:r>
               <a:rPr lang="ko-KR" altLang="en-US"/>
-              <a:t>이 틈새 시장 전용 제품만</a:t>
+              <a:t>당사의 제품은 소비자의 삶을 더 편리하게 만들며</a:t>
+            </a:r>
+            <a:r>
+              <a:rPr lang="en-US" altLang="ko-KR"/>
+              <a:t>, </a:t>
+            </a:r>
+            <a:r>
+              <a:rPr lang="ko-KR" altLang="en-US"/>
+              <a:t>시장의 어떤 다른 제품도 동일한 기능을 제공하지 않습니다</a:t>
+            </a:r>
+            <a:r>
+              <a:rPr lang="en-US" altLang="ko-KR"/>
+              <a:t>.</a:t>
             </a:r>
           </a:p>
         </p:txBody>
@@ -37596,13 +37802,13 @@
             <a:spLocks noGrp="1"/>
           </p:cNvSpPr>
           <p:nvPr>
-            <p:ph type="body" sz="quarter" idx="23"/>
-          </p:nvPr>
-        </p:nvSpPr>
-        <p:spPr>
-          <a:xfrm>
-            <a:off x="5922254" y="2630431"/>
-            <a:ext cx="5433204" cy="365125"/>
+            <p:ph type="body" sz="quarter" idx="16"/>
+          </p:nvPr>
+        </p:nvSpPr>
+        <p:spPr>
+          <a:xfrm>
+            <a:off x="6673004" y="2563123"/>
+            <a:ext cx="4031945" cy="365125"/>
           </a:xfrm>
         </p:spPr>
         <p:txBody>
@@ -37614,7 +37820,7 @@
             <a:pPr rtl="0"/>
             <a:r>
               <a:rPr lang="ko-KR" altLang="en-US"/>
-              <a:t>시장 선점</a:t>
+              <a:t>대상 고객</a:t>
             </a:r>
           </a:p>
         </p:txBody>
@@ -37632,13 +37838,13 @@
             <a:spLocks noGrp="1"/>
           </p:cNvSpPr>
           <p:nvPr>
-            <p:ph type="body" sz="quarter" idx="24"/>
-          </p:nvPr>
-        </p:nvSpPr>
-        <p:spPr>
-          <a:xfrm>
-            <a:off x="5921828" y="2959856"/>
-            <a:ext cx="5431971" cy="557950"/>
+            <p:ph type="body" sz="quarter" idx="17"/>
+          </p:nvPr>
+        </p:nvSpPr>
+        <p:spPr>
+          <a:xfrm>
+            <a:off x="6673143" y="3070348"/>
+            <a:ext cx="4031030" cy="1057308"/>
           </a:xfrm>
         </p:spPr>
         <p:txBody>
@@ -37648,8 +37854,36 @@
             <a:pPr rtl="0"/>
             <a:r>
               <a:rPr lang="ko-KR" altLang="en-US"/>
-              <a:t>세련되고 기능적으로 아름답게 디자인된 제품</a:t>
-            </a:r>
+              <a:t>대상 그룹은 </a:t>
+            </a:r>
+            <a:r>
+              <a:rPr lang="en-US" altLang="ko-KR"/>
+              <a:t>Z</a:t>
+            </a:r>
+            <a:r>
+              <a:rPr lang="ko-KR" altLang="en-US"/>
+              <a:t>세대</a:t>
+            </a:r>
+            <a:r>
+              <a:rPr lang="en-US" altLang="ko-KR"/>
+              <a:t>(18~25</a:t>
+            </a:r>
+            <a:r>
+              <a:rPr lang="ko-KR" altLang="en-US"/>
+              <a:t>세</a:t>
+            </a:r>
+            <a:r>
+              <a:rPr lang="en-US" altLang="ko-KR"/>
+              <a:t>)</a:t>
+            </a:r>
+            <a:r>
+              <a:rPr lang="ko-KR" altLang="en-US"/>
+              <a:t>임</a:t>
+            </a:r>
+          </a:p>
+          <a:p>
+            <a:pPr rtl="0"/>
+            <a:endParaRPr lang="ko-KR" altLang="en-US"/>
           </a:p>
         </p:txBody>
       </p:sp>
@@ -37666,13 +37900,13 @@
             <a:spLocks noGrp="1"/>
           </p:cNvSpPr>
           <p:nvPr>
-            <p:ph type="body" sz="quarter" idx="25"/>
-          </p:nvPr>
-        </p:nvSpPr>
-        <p:spPr>
-          <a:xfrm>
-            <a:off x="5922254" y="3730227"/>
-            <a:ext cx="5433204" cy="365125"/>
+            <p:ph type="body" sz="quarter" idx="18"/>
+          </p:nvPr>
+        </p:nvSpPr>
+        <p:spPr>
+          <a:xfrm>
+            <a:off x="1485899" y="4319431"/>
+            <a:ext cx="4031945" cy="365125"/>
           </a:xfrm>
         </p:spPr>
         <p:txBody>
@@ -37684,7 +37918,7 @@
             <a:pPr rtl="0"/>
             <a:r>
               <a:rPr lang="ko-KR" altLang="en-US"/>
-              <a:t>테스트됨 </a:t>
+              <a:t>비용 절감</a:t>
             </a:r>
           </a:p>
         </p:txBody>
@@ -37702,13 +37936,13 @@
             <a:spLocks noGrp="1"/>
           </p:cNvSpPr>
           <p:nvPr>
-            <p:ph type="body" sz="quarter" idx="26"/>
-          </p:nvPr>
-        </p:nvSpPr>
-        <p:spPr>
-          <a:xfrm>
-            <a:off x="5921828" y="4059652"/>
-            <a:ext cx="5431971" cy="557950"/>
+            <p:ph type="body" sz="quarter" idx="19"/>
+          </p:nvPr>
+        </p:nvSpPr>
+        <p:spPr>
+          <a:xfrm>
+            <a:off x="1486412" y="4826656"/>
+            <a:ext cx="4031030" cy="1057308"/>
           </a:xfrm>
         </p:spPr>
         <p:txBody>
@@ -37718,8 +37952,12 @@
             <a:pPr rtl="0"/>
             <a:r>
               <a:rPr lang="ko-KR" altLang="en-US"/>
-              <a:t>해당 지역의 대학생과 함께 테스트를 수행함</a:t>
-            </a:r>
+              <a:t>교체 제품에 대한 비용 절감 </a:t>
+            </a:r>
+          </a:p>
+          <a:p>
+            <a:pPr rtl="0"/>
+            <a:endParaRPr lang="ko-KR" altLang="en-US"/>
           </a:p>
         </p:txBody>
       </p:sp>
@@ -37736,13 +37974,13 @@
             <a:spLocks noGrp="1"/>
           </p:cNvSpPr>
           <p:nvPr>
-            <p:ph type="body" sz="quarter" idx="27"/>
-          </p:nvPr>
-        </p:nvSpPr>
-        <p:spPr>
-          <a:xfrm>
-            <a:off x="5920106" y="4830024"/>
-            <a:ext cx="5433204" cy="365125"/>
+            <p:ph type="body" sz="quarter" idx="23"/>
+          </p:nvPr>
+        </p:nvSpPr>
+        <p:spPr>
+          <a:xfrm>
+            <a:off x="6672630" y="4319431"/>
+            <a:ext cx="4031945" cy="365125"/>
           </a:xfrm>
         </p:spPr>
         <p:txBody>
@@ -37754,7 +37992,7 @@
             <a:pPr rtl="0"/>
             <a:r>
               <a:rPr lang="ko-KR" altLang="en-US"/>
-              <a:t>정통성</a:t>
+              <a:t>편리성</a:t>
             </a:r>
           </a:p>
         </p:txBody>
@@ -37772,13 +38010,13 @@
             <a:spLocks noGrp="1"/>
           </p:cNvSpPr>
           <p:nvPr>
-            <p:ph type="body" sz="quarter" idx="28"/>
-          </p:nvPr>
-        </p:nvSpPr>
-        <p:spPr>
-          <a:xfrm>
-            <a:off x="5919680" y="5159449"/>
-            <a:ext cx="5431971" cy="557950"/>
+            <p:ph type="body" sz="quarter" idx="24"/>
+          </p:nvPr>
+        </p:nvSpPr>
+        <p:spPr>
+          <a:xfrm>
+            <a:off x="6673143" y="4826656"/>
+            <a:ext cx="4031030" cy="1057308"/>
           </a:xfrm>
         </p:spPr>
         <p:txBody>
@@ -37788,17 +38026,17 @@
             <a:pPr rtl="0"/>
             <a:r>
               <a:rPr lang="ko-KR" altLang="en-US"/>
-              <a:t>현장 전문가의 도움과 의견을 활용하여 설계 </a:t>
-            </a:r>
-          </a:p>
-        </p:txBody>
-      </p:sp>
-      <p:sp>
-        <p:nvSpPr>
-          <p:cNvPr id="20" name="날짜 개체 틀 19">
-            <a:extLst>
-              <a:ext uri="{FF2B5EF4-FFF2-40B4-BE49-F238E27FC236}">
-                <a16:creationId xmlns:a16="http://schemas.microsoft.com/office/drawing/2014/main" id="{A74D661B-510C-4CF2-BF77-3EAFB649883D}"/>
+              <a:t>고객에게 필요한 대상 정보를 제공하는 간단한 디자인</a:t>
+            </a:r>
+          </a:p>
+        </p:txBody>
+      </p:sp>
+      <p:sp>
+        <p:nvSpPr>
+          <p:cNvPr id="80" name="날짜 개체 틀 79">
+            <a:extLst>
+              <a:ext uri="{FF2B5EF4-FFF2-40B4-BE49-F238E27FC236}">
+                <a16:creationId xmlns:a16="http://schemas.microsoft.com/office/drawing/2014/main" id="{BC1F9D86-85D8-4FD0-B0D3-47D778722782}"/>
               </a:ext>
             </a:extLst>
           </p:cNvPr>
@@ -37811,8 +38049,8 @@
         </p:nvSpPr>
         <p:spPr>
           <a:xfrm>
-            <a:off x="5919680" y="6356350"/>
-            <a:ext cx="947516" cy="365125"/>
+            <a:off x="838200" y="6356350"/>
+            <a:ext cx="2743200" cy="365125"/>
           </a:xfrm>
         </p:spPr>
         <p:txBody>
@@ -37833,10 +38071,10 @@
       </p:sp>
       <p:sp>
         <p:nvSpPr>
-          <p:cNvPr id="21" name="바닥글 개체 틀 20">
-            <a:extLst>
-              <a:ext uri="{FF2B5EF4-FFF2-40B4-BE49-F238E27FC236}">
-                <a16:creationId xmlns:a16="http://schemas.microsoft.com/office/drawing/2014/main" id="{7E44CAC0-3B5A-49F6-A2CB-0BC80D111A87}"/>
+          <p:cNvPr id="81" name="바닥글 개체 틀 80">
+            <a:extLst>
+              <a:ext uri="{FF2B5EF4-FFF2-40B4-BE49-F238E27FC236}">
+                <a16:creationId xmlns:a16="http://schemas.microsoft.com/office/drawing/2014/main" id="{E94F1D24-E4A1-4B59-B57E-A28453963B88}"/>
               </a:ext>
             </a:extLst>
           </p:cNvPr>
@@ -37849,8 +38087,8 @@
         </p:nvSpPr>
         <p:spPr>
           <a:xfrm>
-            <a:off x="7161955" y="6356350"/>
-            <a:ext cx="3243942" cy="365125"/>
+            <a:off x="4038600" y="6356350"/>
+            <a:ext cx="4114800" cy="365125"/>
           </a:xfrm>
         </p:spPr>
         <p:txBody>
@@ -37867,10 +38105,10 @@
       </p:sp>
       <p:sp>
         <p:nvSpPr>
-          <p:cNvPr id="22" name="슬라이드 번호 개체 틀 21">
-            <a:extLst>
-              <a:ext uri="{FF2B5EF4-FFF2-40B4-BE49-F238E27FC236}">
-                <a16:creationId xmlns:a16="http://schemas.microsoft.com/office/drawing/2014/main" id="{5D1BD041-3428-4D62-934F-F3FF6D36F90F}"/>
+          <p:cNvPr id="82" name="슬라이드 번호 개체 틀 81">
+            <a:extLst>
+              <a:ext uri="{FF2B5EF4-FFF2-40B4-BE49-F238E27FC236}">
+                <a16:creationId xmlns:a16="http://schemas.microsoft.com/office/drawing/2014/main" id="{CE36A058-BEC2-4BC5-A467-F2EB2A365051}"/>
               </a:ext>
             </a:extLst>
           </p:cNvPr>
@@ -37883,8 +38121,8 @@
         </p:nvSpPr>
         <p:spPr>
           <a:xfrm>
-            <a:off x="10700656" y="6356350"/>
-            <a:ext cx="653143" cy="365125"/>
+            <a:off x="8610600" y="6356350"/>
+            <a:ext cx="2743200" cy="365125"/>
           </a:xfrm>
         </p:spPr>
         <p:txBody>
@@ -37894,7 +38132,7 @@
             <a:pPr rtl="0"/>
             <a:fld id="{B5CEABB6-07DC-46E8-9B57-56EC44A396E5}" type="slidenum">
               <a:rPr lang="en-US" altLang="ko-KR" smtClean="0"/>
-              <a:pPr/>
+              <a:pPr rtl="0"/>
               <a:t>5</a:t>
             </a:fld>
             <a:endParaRPr lang="ko-KR" altLang="en-US"/>
@@ -37904,7 +38142,7 @@
     </p:spTree>
     <p:extLst>
       <p:ext uri="{BB962C8B-B14F-4D97-AF65-F5344CB8AC3E}">
-        <p14:creationId xmlns:p14="http://schemas.microsoft.com/office/powerpoint/2010/main" val="1844941827"/>
+        <p14:creationId xmlns:p14="http://schemas.microsoft.com/office/powerpoint/2010/main" val="1593920805"/>
       </p:ext>
     </p:extLst>
   </p:cSld>
@@ -37936,7 +38174,7 @@
           <p:cNvPr id="2" name="제목 1">
             <a:extLst>
               <a:ext uri="{FF2B5EF4-FFF2-40B4-BE49-F238E27FC236}">
-                <a16:creationId xmlns:a16="http://schemas.microsoft.com/office/drawing/2014/main" id="{537E1C88-627C-4655-A4FB-0BB02EDB078A}"/>
+                <a16:creationId xmlns:a16="http://schemas.microsoft.com/office/drawing/2014/main" id="{75031FE9-9059-4FE8-B4AC-9771F23A1B89}"/>
               </a:ext>
             </a:extLst>
           </p:cNvPr>
@@ -37949,8 +38187,8 @@
         </p:nvSpPr>
         <p:spPr>
           <a:xfrm>
-            <a:off x="1362075" y="1671639"/>
-            <a:ext cx="5111750" cy="1204912"/>
+            <a:off x="1508760" y="4156405"/>
+            <a:ext cx="3139440" cy="1325563"/>
           </a:xfrm>
         </p:spPr>
         <p:txBody>
@@ -37960,9 +38198,8 @@
             <a:pPr rtl="0"/>
             <a:r>
               <a:rPr lang="ko-KR" altLang="en-US"/>
-              <a:t>제품 혜택</a:t>
-            </a:r>
-            <a:endParaRPr lang="ko-KR" altLang="en-US" dirty="0"/>
+              <a:t>제품 개요</a:t>
+            </a:r>
           </a:p>
         </p:txBody>
       </p:sp>
@@ -37971,25 +38208,61 @@
           <p:cNvPr id="3" name="내용 개체 틀 2">
             <a:extLst>
               <a:ext uri="{FF2B5EF4-FFF2-40B4-BE49-F238E27FC236}">
-                <a16:creationId xmlns:a16="http://schemas.microsoft.com/office/drawing/2014/main" id="{033634FE-ADF0-4BC3-A0A9-447EA9DD096B}"/>
-              </a:ext>
-            </a:extLst>
-          </p:cNvPr>
-          <p:cNvSpPr>
-            <a:spLocks noGrp="1"/>
-          </p:cNvSpPr>
-          <p:nvPr>
-            <p:ph type="body" idx="1"/>
-          </p:nvPr>
-        </p:nvSpPr>
-        <p:spPr>
-          <a:xfrm>
-            <a:off x="1362075" y="3660774"/>
-            <a:ext cx="5111750" cy="1525588"/>
+                <a16:creationId xmlns:a16="http://schemas.microsoft.com/office/drawing/2014/main" id="{D4A2EB3F-4D60-451F-8F45-7D6654D2FCD9}"/>
+              </a:ext>
+            </a:extLst>
+          </p:cNvPr>
+          <p:cNvSpPr>
+            <a:spLocks noGrp="1"/>
+          </p:cNvSpPr>
+          <p:nvPr>
+            <p:ph type="body" sz="quarter" idx="13"/>
+          </p:nvPr>
+        </p:nvSpPr>
+        <p:spPr>
+          <a:xfrm>
+            <a:off x="5922254" y="1530635"/>
+            <a:ext cx="5433204" cy="365125"/>
           </a:xfrm>
         </p:spPr>
         <p:txBody>
           <a:bodyPr vert="horz" lIns="91440" tIns="45720" rIns="91440" bIns="45720" rtlCol="0" anchor="t">
+            <a:normAutofit lnSpcReduction="10000"/>
+          </a:bodyPr>
+          <a:lstStyle/>
+          <a:p>
+            <a:pPr rtl="0"/>
+            <a:r>
+              <a:rPr lang="ko-KR" altLang="en-US"/>
+              <a:t>고유성</a:t>
+            </a:r>
+          </a:p>
+        </p:txBody>
+      </p:sp>
+      <p:sp>
+        <p:nvSpPr>
+          <p:cNvPr id="4" name="텍스트 개체 틀 3">
+            <a:extLst>
+              <a:ext uri="{FF2B5EF4-FFF2-40B4-BE49-F238E27FC236}">
+                <a16:creationId xmlns:a16="http://schemas.microsoft.com/office/drawing/2014/main" id="{AC1C80FB-53F9-42EE-B1E6-D0F998EC5DFA}"/>
+              </a:ext>
+            </a:extLst>
+          </p:cNvPr>
+          <p:cNvSpPr>
+            <a:spLocks noGrp="1"/>
+          </p:cNvSpPr>
+          <p:nvPr>
+            <p:ph type="body" sz="quarter" idx="15"/>
+          </p:nvPr>
+        </p:nvSpPr>
+        <p:spPr>
+          <a:xfrm>
+            <a:off x="5921828" y="1860060"/>
+            <a:ext cx="5431971" cy="557950"/>
+          </a:xfrm>
+        </p:spPr>
+        <p:txBody>
+          <a:bodyPr rtlCol="0">
             <a:normAutofit/>
           </a:bodyPr>
           <a:lstStyle/>
@@ -37997,45 +38270,67 @@
             <a:pPr rtl="0"/>
             <a:r>
               <a:rPr lang="ko-KR" altLang="en-US"/>
-              <a:t>멋지고 세련된 제품</a:t>
-            </a:r>
-          </a:p>
+              <a:t>이 틈새 시장 전용 제품만</a:t>
+            </a:r>
+          </a:p>
+        </p:txBody>
+      </p:sp>
+      <p:sp>
+        <p:nvSpPr>
+          <p:cNvPr id="5" name="텍스트 개체 틀 4">
+            <a:extLst>
+              <a:ext uri="{FF2B5EF4-FFF2-40B4-BE49-F238E27FC236}">
+                <a16:creationId xmlns:a16="http://schemas.microsoft.com/office/drawing/2014/main" id="{E81BA2B5-6A90-4204-ABDD-7183FBB03A02}"/>
+              </a:ext>
+            </a:extLst>
+          </p:cNvPr>
+          <p:cNvSpPr>
+            <a:spLocks noGrp="1"/>
+          </p:cNvSpPr>
+          <p:nvPr>
+            <p:ph type="body" sz="quarter" idx="23"/>
+          </p:nvPr>
+        </p:nvSpPr>
+        <p:spPr>
+          <a:xfrm>
+            <a:off x="5922254" y="2630431"/>
+            <a:ext cx="5433204" cy="365125"/>
+          </a:xfrm>
+        </p:spPr>
+        <p:txBody>
+          <a:bodyPr rtlCol="0">
+            <a:normAutofit lnSpcReduction="10000"/>
+          </a:bodyPr>
+          <a:lstStyle/>
           <a:p>
             <a:pPr rtl="0"/>
             <a:r>
-              <a:rPr lang="ko-KR" altLang="en-US" noProof="1"/>
-              <a:t>해당 분야 커뮤니티 연결 </a:t>
-            </a:r>
-          </a:p>
-          <a:p>
-            <a:pPr rtl="0"/>
-            <a:r>
-              <a:rPr lang="ko-KR" altLang="en-US" noProof="1"/>
-              <a:t>온라인 스토어와 시장 전환</a:t>
-            </a:r>
-          </a:p>
-        </p:txBody>
-      </p:sp>
-      <p:sp>
-        <p:nvSpPr>
-          <p:cNvPr id="4" name="날짜 개체 틀 3">
-            <a:extLst>
-              <a:ext uri="{FF2B5EF4-FFF2-40B4-BE49-F238E27FC236}">
-                <a16:creationId xmlns:a16="http://schemas.microsoft.com/office/drawing/2014/main" id="{5C2ACA2A-6BBE-47CF-B76F-F56C9DBF77E6}"/>
-              </a:ext>
-            </a:extLst>
-          </p:cNvPr>
-          <p:cNvSpPr>
-            <a:spLocks noGrp="1"/>
-          </p:cNvSpPr>
-          <p:nvPr>
-            <p:ph type="dt" sz="half" idx="10"/>
-          </p:nvPr>
-        </p:nvSpPr>
-        <p:spPr>
-          <a:xfrm>
-            <a:off x="838200" y="6356350"/>
-            <a:ext cx="2743200" cy="365125"/>
+              <a:rPr lang="ko-KR" altLang="en-US"/>
+              <a:t>시장 선점</a:t>
+            </a:r>
+          </a:p>
+        </p:txBody>
+      </p:sp>
+      <p:sp>
+        <p:nvSpPr>
+          <p:cNvPr id="6" name="텍스트 개체 틀 5">
+            <a:extLst>
+              <a:ext uri="{FF2B5EF4-FFF2-40B4-BE49-F238E27FC236}">
+                <a16:creationId xmlns:a16="http://schemas.microsoft.com/office/drawing/2014/main" id="{7E7D4C34-22A0-4D54-A07D-E1E9A11463E5}"/>
+              </a:ext>
+            </a:extLst>
+          </p:cNvPr>
+          <p:cNvSpPr>
+            <a:spLocks noGrp="1"/>
+          </p:cNvSpPr>
+          <p:nvPr>
+            <p:ph type="body" sz="quarter" idx="24"/>
+          </p:nvPr>
+        </p:nvSpPr>
+        <p:spPr>
+          <a:xfrm>
+            <a:off x="5921828" y="2959856"/>
+            <a:ext cx="5431971" cy="557950"/>
           </a:xfrm>
         </p:spPr>
         <p:txBody>
@@ -38044,6 +38339,180 @@
           <a:p>
             <a:pPr rtl="0"/>
             <a:r>
+              <a:rPr lang="ko-KR" altLang="en-US"/>
+              <a:t>세련되고 기능적으로 아름답게 디자인된 제품</a:t>
+            </a:r>
+          </a:p>
+        </p:txBody>
+      </p:sp>
+      <p:sp>
+        <p:nvSpPr>
+          <p:cNvPr id="7" name="텍스트 개체 틀 6">
+            <a:extLst>
+              <a:ext uri="{FF2B5EF4-FFF2-40B4-BE49-F238E27FC236}">
+                <a16:creationId xmlns:a16="http://schemas.microsoft.com/office/drawing/2014/main" id="{301D392D-FB66-47A0-B628-5ADE822A2CFF}"/>
+              </a:ext>
+            </a:extLst>
+          </p:cNvPr>
+          <p:cNvSpPr>
+            <a:spLocks noGrp="1"/>
+          </p:cNvSpPr>
+          <p:nvPr>
+            <p:ph type="body" sz="quarter" idx="25"/>
+          </p:nvPr>
+        </p:nvSpPr>
+        <p:spPr>
+          <a:xfrm>
+            <a:off x="5922254" y="3730227"/>
+            <a:ext cx="5433204" cy="365125"/>
+          </a:xfrm>
+        </p:spPr>
+        <p:txBody>
+          <a:bodyPr rtlCol="0">
+            <a:normAutofit lnSpcReduction="10000"/>
+          </a:bodyPr>
+          <a:lstStyle/>
+          <a:p>
+            <a:pPr rtl="0"/>
+            <a:r>
+              <a:rPr lang="ko-KR" altLang="en-US"/>
+              <a:t>테스트됨 </a:t>
+            </a:r>
+          </a:p>
+        </p:txBody>
+      </p:sp>
+      <p:sp>
+        <p:nvSpPr>
+          <p:cNvPr id="8" name="텍스트 개체 틀 7">
+            <a:extLst>
+              <a:ext uri="{FF2B5EF4-FFF2-40B4-BE49-F238E27FC236}">
+                <a16:creationId xmlns:a16="http://schemas.microsoft.com/office/drawing/2014/main" id="{51C26CE0-2506-4B44-A26F-C12BFA5B18B5}"/>
+              </a:ext>
+            </a:extLst>
+          </p:cNvPr>
+          <p:cNvSpPr>
+            <a:spLocks noGrp="1"/>
+          </p:cNvSpPr>
+          <p:nvPr>
+            <p:ph type="body" sz="quarter" idx="26"/>
+          </p:nvPr>
+        </p:nvSpPr>
+        <p:spPr>
+          <a:xfrm>
+            <a:off x="5921828" y="4059652"/>
+            <a:ext cx="5431971" cy="557950"/>
+          </a:xfrm>
+        </p:spPr>
+        <p:txBody>
+          <a:bodyPr rtlCol="0"/>
+          <a:lstStyle/>
+          <a:p>
+            <a:pPr rtl="0"/>
+            <a:r>
+              <a:rPr lang="ko-KR" altLang="en-US"/>
+              <a:t>해당 지역의 대학생과 함께 테스트를 수행함</a:t>
+            </a:r>
+          </a:p>
+        </p:txBody>
+      </p:sp>
+      <p:sp>
+        <p:nvSpPr>
+          <p:cNvPr id="9" name="텍스트 개체 틀 8">
+            <a:extLst>
+              <a:ext uri="{FF2B5EF4-FFF2-40B4-BE49-F238E27FC236}">
+                <a16:creationId xmlns:a16="http://schemas.microsoft.com/office/drawing/2014/main" id="{868F40F8-BF35-45E9-B3DD-5436362D746E}"/>
+              </a:ext>
+            </a:extLst>
+          </p:cNvPr>
+          <p:cNvSpPr>
+            <a:spLocks noGrp="1"/>
+          </p:cNvSpPr>
+          <p:nvPr>
+            <p:ph type="body" sz="quarter" idx="27"/>
+          </p:nvPr>
+        </p:nvSpPr>
+        <p:spPr>
+          <a:xfrm>
+            <a:off x="5920106" y="4830024"/>
+            <a:ext cx="5433204" cy="365125"/>
+          </a:xfrm>
+        </p:spPr>
+        <p:txBody>
+          <a:bodyPr rtlCol="0">
+            <a:normAutofit lnSpcReduction="10000"/>
+          </a:bodyPr>
+          <a:lstStyle/>
+          <a:p>
+            <a:pPr rtl="0"/>
+            <a:r>
+              <a:rPr lang="ko-KR" altLang="en-US"/>
+              <a:t>정통성</a:t>
+            </a:r>
+          </a:p>
+        </p:txBody>
+      </p:sp>
+      <p:sp>
+        <p:nvSpPr>
+          <p:cNvPr id="10" name="텍스트 개체 틀 9">
+            <a:extLst>
+              <a:ext uri="{FF2B5EF4-FFF2-40B4-BE49-F238E27FC236}">
+                <a16:creationId xmlns:a16="http://schemas.microsoft.com/office/drawing/2014/main" id="{7F39C97C-2DDC-4706-B96C-B02FAE53A426}"/>
+              </a:ext>
+            </a:extLst>
+          </p:cNvPr>
+          <p:cNvSpPr>
+            <a:spLocks noGrp="1"/>
+          </p:cNvSpPr>
+          <p:nvPr>
+            <p:ph type="body" sz="quarter" idx="28"/>
+          </p:nvPr>
+        </p:nvSpPr>
+        <p:spPr>
+          <a:xfrm>
+            <a:off x="5919680" y="5159449"/>
+            <a:ext cx="5431971" cy="557950"/>
+          </a:xfrm>
+        </p:spPr>
+        <p:txBody>
+          <a:bodyPr rtlCol="0"/>
+          <a:lstStyle/>
+          <a:p>
+            <a:pPr rtl="0"/>
+            <a:r>
+              <a:rPr lang="ko-KR" altLang="en-US"/>
+              <a:t>현장 전문가의 도움과 의견을 활용하여 설계 </a:t>
+            </a:r>
+          </a:p>
+        </p:txBody>
+      </p:sp>
+      <p:sp>
+        <p:nvSpPr>
+          <p:cNvPr id="20" name="날짜 개체 틀 19">
+            <a:extLst>
+              <a:ext uri="{FF2B5EF4-FFF2-40B4-BE49-F238E27FC236}">
+                <a16:creationId xmlns:a16="http://schemas.microsoft.com/office/drawing/2014/main" id="{A74D661B-510C-4CF2-BF77-3EAFB649883D}"/>
+              </a:ext>
+            </a:extLst>
+          </p:cNvPr>
+          <p:cNvSpPr>
+            <a:spLocks noGrp="1"/>
+          </p:cNvSpPr>
+          <p:nvPr>
+            <p:ph type="dt" sz="half" idx="20"/>
+          </p:nvPr>
+        </p:nvSpPr>
+        <p:spPr>
+          <a:xfrm>
+            <a:off x="5919680" y="6356350"/>
+            <a:ext cx="947516" cy="365125"/>
+          </a:xfrm>
+        </p:spPr>
+        <p:txBody>
+          <a:bodyPr rtlCol="0"/>
+          <a:lstStyle/>
+          <a:p>
+            <a:pPr rtl="0"/>
+            <a:r>
               <a:rPr lang="en-US" altLang="ko-KR"/>
               <a:t>20XX</a:t>
             </a:r>
@@ -38051,30 +38520,29 @@
               <a:rPr lang="ko-KR" altLang="en-US"/>
               <a:t>년</a:t>
             </a:r>
-            <a:endParaRPr lang="ko-KR" altLang="en-US" dirty="0"/>
-          </a:p>
-        </p:txBody>
-      </p:sp>
-      <p:sp>
-        <p:nvSpPr>
-          <p:cNvPr id="5" name="바닥글 개체 틀 4">
-            <a:extLst>
-              <a:ext uri="{FF2B5EF4-FFF2-40B4-BE49-F238E27FC236}">
-                <a16:creationId xmlns:a16="http://schemas.microsoft.com/office/drawing/2014/main" id="{396A095E-DB05-47EC-A2D5-47398A4A00B4}"/>
-              </a:ext>
-            </a:extLst>
-          </p:cNvPr>
-          <p:cNvSpPr>
-            <a:spLocks noGrp="1"/>
-          </p:cNvSpPr>
-          <p:nvPr>
-            <p:ph type="ftr" sz="quarter" idx="11"/>
-          </p:nvPr>
-        </p:nvSpPr>
-        <p:spPr>
-          <a:xfrm>
-            <a:off x="5224463" y="6356350"/>
-            <a:ext cx="1743075" cy="365125"/>
+          </a:p>
+        </p:txBody>
+      </p:sp>
+      <p:sp>
+        <p:nvSpPr>
+          <p:cNvPr id="21" name="바닥글 개체 틀 20">
+            <a:extLst>
+              <a:ext uri="{FF2B5EF4-FFF2-40B4-BE49-F238E27FC236}">
+                <a16:creationId xmlns:a16="http://schemas.microsoft.com/office/drawing/2014/main" id="{7E44CAC0-3B5A-49F6-A2CB-0BC80D111A87}"/>
+              </a:ext>
+            </a:extLst>
+          </p:cNvPr>
+          <p:cNvSpPr>
+            <a:spLocks noGrp="1"/>
+          </p:cNvSpPr>
+          <p:nvPr>
+            <p:ph type="ftr" sz="quarter" idx="21"/>
+          </p:nvPr>
+        </p:nvSpPr>
+        <p:spPr>
+          <a:xfrm>
+            <a:off x="7161955" y="6356350"/>
+            <a:ext cx="3243942" cy="365125"/>
           </a:xfrm>
         </p:spPr>
         <p:txBody>
@@ -38086,30 +38554,29 @@
               <a:rPr lang="ko-KR" altLang="en-US"/>
               <a:t>설명 자료</a:t>
             </a:r>
-            <a:endParaRPr lang="ko-KR" altLang="en-US" dirty="0"/>
-          </a:p>
-        </p:txBody>
-      </p:sp>
-      <p:sp>
-        <p:nvSpPr>
-          <p:cNvPr id="6" name="슬라이드 번호 개체 틀 5">
-            <a:extLst>
-              <a:ext uri="{FF2B5EF4-FFF2-40B4-BE49-F238E27FC236}">
-                <a16:creationId xmlns:a16="http://schemas.microsoft.com/office/drawing/2014/main" id="{C23C3221-5F04-4CA7-A86A-EEA8566A1735}"/>
-              </a:ext>
-            </a:extLst>
-          </p:cNvPr>
-          <p:cNvSpPr>
-            <a:spLocks noGrp="1"/>
-          </p:cNvSpPr>
-          <p:nvPr>
-            <p:ph type="sldNum" sz="quarter" idx="12"/>
-          </p:nvPr>
-        </p:nvSpPr>
-        <p:spPr>
-          <a:xfrm>
-            <a:off x="8610600" y="6356350"/>
-            <a:ext cx="2743200" cy="365125"/>
+          </a:p>
+        </p:txBody>
+      </p:sp>
+      <p:sp>
+        <p:nvSpPr>
+          <p:cNvPr id="22" name="슬라이드 번호 개체 틀 21">
+            <a:extLst>
+              <a:ext uri="{FF2B5EF4-FFF2-40B4-BE49-F238E27FC236}">
+                <a16:creationId xmlns:a16="http://schemas.microsoft.com/office/drawing/2014/main" id="{5D1BD041-3428-4D62-934F-F3FF6D36F90F}"/>
+              </a:ext>
+            </a:extLst>
+          </p:cNvPr>
+          <p:cNvSpPr>
+            <a:spLocks noGrp="1"/>
+          </p:cNvSpPr>
+          <p:nvPr>
+            <p:ph type="sldNum" sz="quarter" idx="22"/>
+          </p:nvPr>
+        </p:nvSpPr>
+        <p:spPr>
+          <a:xfrm>
+            <a:off x="10700656" y="6356350"/>
+            <a:ext cx="653143" cy="365125"/>
           </a:xfrm>
         </p:spPr>
         <p:txBody>
@@ -38119,17 +38586,17 @@
             <a:pPr rtl="0"/>
             <a:fld id="{B5CEABB6-07DC-46E8-9B57-56EC44A396E5}" type="slidenum">
               <a:rPr lang="en-US" altLang="ko-KR" smtClean="0"/>
-              <a:pPr/>
+              <a:pPr rtl="0"/>
               <a:t>6</a:t>
             </a:fld>
-            <a:endParaRPr lang="ko-KR" altLang="en-US" dirty="0"/>
+            <a:endParaRPr lang="ko-KR" altLang="en-US"/>
           </a:p>
         </p:txBody>
       </p:sp>
     </p:spTree>
     <p:extLst>
       <p:ext uri="{BB962C8B-B14F-4D97-AF65-F5344CB8AC3E}">
-        <p14:creationId xmlns:p14="http://schemas.microsoft.com/office/powerpoint/2010/main" val="1346372204"/>
+        <p14:creationId xmlns:p14="http://schemas.microsoft.com/office/powerpoint/2010/main" val="1844941827"/>
       </p:ext>
     </p:extLst>
   </p:cSld>
@@ -38161,21 +38628,21 @@
           <p:cNvPr id="2" name="제목 1">
             <a:extLst>
               <a:ext uri="{FF2B5EF4-FFF2-40B4-BE49-F238E27FC236}">
-                <a16:creationId xmlns:a16="http://schemas.microsoft.com/office/drawing/2014/main" id="{A29DE7F2-E890-4744-88DD-A75F5E300513}"/>
-              </a:ext>
-            </a:extLst>
-          </p:cNvPr>
-          <p:cNvSpPr>
-            <a:spLocks noGrp="1"/>
-          </p:cNvSpPr>
-          <p:nvPr>
-            <p:ph type="ctrTitle"/>
-          </p:nvPr>
-        </p:nvSpPr>
-        <p:spPr>
-          <a:xfrm>
-            <a:off x="6991350" y="2571235"/>
-            <a:ext cx="4179570" cy="1715531"/>
+                <a16:creationId xmlns:a16="http://schemas.microsoft.com/office/drawing/2014/main" id="{537E1C88-627C-4655-A4FB-0BB02EDB078A}"/>
+              </a:ext>
+            </a:extLst>
+          </p:cNvPr>
+          <p:cNvSpPr>
+            <a:spLocks noGrp="1"/>
+          </p:cNvSpPr>
+          <p:nvPr>
+            <p:ph type="title"/>
+          </p:nvPr>
+        </p:nvSpPr>
+        <p:spPr>
+          <a:xfrm>
+            <a:off x="1362075" y="1671639"/>
+            <a:ext cx="5111750" cy="1204912"/>
           </a:xfrm>
         </p:spPr>
         <p:txBody>
@@ -38185,15 +38652,176 @@
             <a:pPr rtl="0"/>
             <a:r>
               <a:rPr lang="ko-KR" altLang="en-US"/>
-              <a:t>회사 개요</a:t>
-            </a:r>
+              <a:t>제품 혜택</a:t>
+            </a:r>
+            <a:endParaRPr lang="ko-KR" altLang="en-US" dirty="0"/>
+          </a:p>
+        </p:txBody>
+      </p:sp>
+      <p:sp>
+        <p:nvSpPr>
+          <p:cNvPr id="3" name="내용 개체 틀 2">
+            <a:extLst>
+              <a:ext uri="{FF2B5EF4-FFF2-40B4-BE49-F238E27FC236}">
+                <a16:creationId xmlns:a16="http://schemas.microsoft.com/office/drawing/2014/main" id="{033634FE-ADF0-4BC3-A0A9-447EA9DD096B}"/>
+              </a:ext>
+            </a:extLst>
+          </p:cNvPr>
+          <p:cNvSpPr>
+            <a:spLocks noGrp="1"/>
+          </p:cNvSpPr>
+          <p:nvPr>
+            <p:ph type="body" idx="1"/>
+          </p:nvPr>
+        </p:nvSpPr>
+        <p:spPr>
+          <a:xfrm>
+            <a:off x="1362075" y="3660774"/>
+            <a:ext cx="5111750" cy="1525588"/>
+          </a:xfrm>
+        </p:spPr>
+        <p:txBody>
+          <a:bodyPr vert="horz" lIns="91440" tIns="45720" rIns="91440" bIns="45720" rtlCol="0" anchor="t">
+            <a:normAutofit/>
+          </a:bodyPr>
+          <a:lstStyle/>
+          <a:p>
+            <a:pPr rtl="0"/>
+            <a:r>
+              <a:rPr lang="ko-KR" altLang="en-US"/>
+              <a:t>멋지고 세련된 제품</a:t>
+            </a:r>
+          </a:p>
+          <a:p>
+            <a:pPr rtl="0"/>
+            <a:r>
+              <a:rPr lang="ko-KR" altLang="en-US" noProof="1"/>
+              <a:t>해당 분야 커뮤니티 연결 </a:t>
+            </a:r>
+          </a:p>
+          <a:p>
+            <a:pPr rtl="0"/>
+            <a:r>
+              <a:rPr lang="ko-KR" altLang="en-US" noProof="1"/>
+              <a:t>온라인 스토어와 시장 전환</a:t>
+            </a:r>
+          </a:p>
+        </p:txBody>
+      </p:sp>
+      <p:sp>
+        <p:nvSpPr>
+          <p:cNvPr id="4" name="날짜 개체 틀 3">
+            <a:extLst>
+              <a:ext uri="{FF2B5EF4-FFF2-40B4-BE49-F238E27FC236}">
+                <a16:creationId xmlns:a16="http://schemas.microsoft.com/office/drawing/2014/main" id="{5C2ACA2A-6BBE-47CF-B76F-F56C9DBF77E6}"/>
+              </a:ext>
+            </a:extLst>
+          </p:cNvPr>
+          <p:cNvSpPr>
+            <a:spLocks noGrp="1"/>
+          </p:cNvSpPr>
+          <p:nvPr>
+            <p:ph type="dt" sz="half" idx="10"/>
+          </p:nvPr>
+        </p:nvSpPr>
+        <p:spPr>
+          <a:xfrm>
+            <a:off x="838200" y="6356350"/>
+            <a:ext cx="2743200" cy="365125"/>
+          </a:xfrm>
+        </p:spPr>
+        <p:txBody>
+          <a:bodyPr rtlCol="0"/>
+          <a:lstStyle/>
+          <a:p>
+            <a:pPr rtl="0"/>
+            <a:r>
+              <a:rPr lang="en-US" altLang="ko-KR"/>
+              <a:t>20XX</a:t>
+            </a:r>
+            <a:r>
+              <a:rPr lang="ko-KR" altLang="en-US"/>
+              <a:t>년</a:t>
+            </a:r>
+            <a:endParaRPr lang="ko-KR" altLang="en-US" dirty="0"/>
+          </a:p>
+        </p:txBody>
+      </p:sp>
+      <p:sp>
+        <p:nvSpPr>
+          <p:cNvPr id="5" name="바닥글 개체 틀 4">
+            <a:extLst>
+              <a:ext uri="{FF2B5EF4-FFF2-40B4-BE49-F238E27FC236}">
+                <a16:creationId xmlns:a16="http://schemas.microsoft.com/office/drawing/2014/main" id="{396A095E-DB05-47EC-A2D5-47398A4A00B4}"/>
+              </a:ext>
+            </a:extLst>
+          </p:cNvPr>
+          <p:cNvSpPr>
+            <a:spLocks noGrp="1"/>
+          </p:cNvSpPr>
+          <p:nvPr>
+            <p:ph type="ftr" sz="quarter" idx="11"/>
+          </p:nvPr>
+        </p:nvSpPr>
+        <p:spPr>
+          <a:xfrm>
+            <a:off x="5224463" y="6356350"/>
+            <a:ext cx="1743075" cy="365125"/>
+          </a:xfrm>
+        </p:spPr>
+        <p:txBody>
+          <a:bodyPr rtlCol="0"/>
+          <a:lstStyle/>
+          <a:p>
+            <a:pPr rtl="0"/>
+            <a:r>
+              <a:rPr lang="ko-KR" altLang="en-US"/>
+              <a:t>설명 자료</a:t>
+            </a:r>
+            <a:endParaRPr lang="ko-KR" altLang="en-US" dirty="0"/>
+          </a:p>
+        </p:txBody>
+      </p:sp>
+      <p:sp>
+        <p:nvSpPr>
+          <p:cNvPr id="6" name="슬라이드 번호 개체 틀 5">
+            <a:extLst>
+              <a:ext uri="{FF2B5EF4-FFF2-40B4-BE49-F238E27FC236}">
+                <a16:creationId xmlns:a16="http://schemas.microsoft.com/office/drawing/2014/main" id="{C23C3221-5F04-4CA7-A86A-EEA8566A1735}"/>
+              </a:ext>
+            </a:extLst>
+          </p:cNvPr>
+          <p:cNvSpPr>
+            <a:spLocks noGrp="1"/>
+          </p:cNvSpPr>
+          <p:nvPr>
+            <p:ph type="sldNum" sz="quarter" idx="12"/>
+          </p:nvPr>
+        </p:nvSpPr>
+        <p:spPr>
+          <a:xfrm>
+            <a:off x="8610600" y="6356350"/>
+            <a:ext cx="2743200" cy="365125"/>
+          </a:xfrm>
+        </p:spPr>
+        <p:txBody>
+          <a:bodyPr rtlCol="0"/>
+          <a:lstStyle/>
+          <a:p>
+            <a:pPr rtl="0"/>
+            <a:fld id="{B5CEABB6-07DC-46E8-9B57-56EC44A396E5}" type="slidenum">
+              <a:rPr lang="en-US" altLang="ko-KR" smtClean="0"/>
+              <a:pPr rtl="0"/>
+              <a:t>7</a:t>
+            </a:fld>
+            <a:endParaRPr lang="ko-KR" altLang="en-US" dirty="0"/>
           </a:p>
         </p:txBody>
       </p:sp>
     </p:spTree>
     <p:extLst>
       <p:ext uri="{BB962C8B-B14F-4D97-AF65-F5344CB8AC3E}">
-        <p14:creationId xmlns:p14="http://schemas.microsoft.com/office/powerpoint/2010/main" val="707789176"/>
+        <p14:creationId xmlns:p14="http://schemas.microsoft.com/office/powerpoint/2010/main" val="1346372204"/>
       </p:ext>
     </p:extLst>
   </p:cSld>
@@ -38225,21 +38853,21 @@
           <p:cNvPr id="2" name="제목 1">
             <a:extLst>
               <a:ext uri="{FF2B5EF4-FFF2-40B4-BE49-F238E27FC236}">
-                <a16:creationId xmlns:a16="http://schemas.microsoft.com/office/drawing/2014/main" id="{8A4E0A63-A388-49B1-A04E-27CE9BD622EF}"/>
-              </a:ext>
-            </a:extLst>
-          </p:cNvPr>
-          <p:cNvSpPr>
-            <a:spLocks noGrp="1"/>
-          </p:cNvSpPr>
-          <p:nvPr>
-            <p:ph type="title"/>
-          </p:nvPr>
-        </p:nvSpPr>
-        <p:spPr>
-          <a:xfrm>
-            <a:off x="5920169" y="1152771"/>
-            <a:ext cx="5431971" cy="846301"/>
+                <a16:creationId xmlns:a16="http://schemas.microsoft.com/office/drawing/2014/main" id="{A29DE7F2-E890-4744-88DD-A75F5E300513}"/>
+              </a:ext>
+            </a:extLst>
+          </p:cNvPr>
+          <p:cNvSpPr>
+            <a:spLocks noGrp="1"/>
+          </p:cNvSpPr>
+          <p:nvPr>
+            <p:ph type="ctrTitle"/>
+          </p:nvPr>
+        </p:nvSpPr>
+        <p:spPr>
+          <a:xfrm>
+            <a:off x="6991350" y="2571235"/>
+            <a:ext cx="4179570" cy="1715531"/>
           </a:xfrm>
         </p:spPr>
         <p:txBody>
@@ -38249,352 +38877,15 @@
             <a:pPr rtl="0"/>
             <a:r>
               <a:rPr lang="ko-KR" altLang="en-US"/>
-              <a:t>비즈니스 모델</a:t>
-            </a:r>
-            <a:endParaRPr lang="ko-KR" altLang="en-US" dirty="0"/>
-          </a:p>
-        </p:txBody>
-      </p:sp>
-      <p:sp>
-        <p:nvSpPr>
-          <p:cNvPr id="6" name="텍스트 개체 틀 5">
-            <a:extLst>
-              <a:ext uri="{FF2B5EF4-FFF2-40B4-BE49-F238E27FC236}">
-                <a16:creationId xmlns:a16="http://schemas.microsoft.com/office/drawing/2014/main" id="{7640DF9D-0C9E-4C5D-9635-6B4DE10CCEE5}"/>
-              </a:ext>
-            </a:extLst>
-          </p:cNvPr>
-          <p:cNvSpPr>
-            <a:spLocks noGrp="1"/>
-          </p:cNvSpPr>
-          <p:nvPr>
-            <p:ph type="body" sz="quarter" idx="13"/>
-          </p:nvPr>
-        </p:nvSpPr>
-        <p:spPr>
-          <a:xfrm>
-            <a:off x="5922254" y="2469515"/>
-            <a:ext cx="5433204" cy="365125"/>
-          </a:xfrm>
-        </p:spPr>
-        <p:txBody>
-          <a:bodyPr vert="horz" lIns="91440" tIns="45720" rIns="91440" bIns="45720" rtlCol="0" anchor="t">
-            <a:noAutofit/>
-          </a:bodyPr>
-          <a:lstStyle/>
-          <a:p>
-            <a:pPr rtl="0"/>
-            <a:r>
-              <a:rPr lang="ko-KR" altLang="en-US" noProof="1"/>
-              <a:t>요약</a:t>
-            </a:r>
-          </a:p>
-        </p:txBody>
-      </p:sp>
-      <p:sp>
-        <p:nvSpPr>
-          <p:cNvPr id="7" name="텍스트 개체 틀 6">
-            <a:extLst>
-              <a:ext uri="{FF2B5EF4-FFF2-40B4-BE49-F238E27FC236}">
-                <a16:creationId xmlns:a16="http://schemas.microsoft.com/office/drawing/2014/main" id="{40297407-CE4E-4284-879D-AEC395713625}"/>
-              </a:ext>
-            </a:extLst>
-          </p:cNvPr>
-          <p:cNvSpPr>
-            <a:spLocks noGrp="1"/>
-          </p:cNvSpPr>
-          <p:nvPr>
-            <p:ph type="body" sz="quarter" idx="15"/>
-          </p:nvPr>
-        </p:nvSpPr>
-        <p:spPr>
-          <a:xfrm>
-            <a:off x="5921828" y="2798940"/>
-            <a:ext cx="5431971" cy="557950"/>
-          </a:xfrm>
-        </p:spPr>
-        <p:txBody>
-          <a:bodyPr rtlCol="0">
-            <a:normAutofit/>
-          </a:bodyPr>
-          <a:lstStyle/>
-          <a:p>
-            <a:pPr rtl="0"/>
-            <a:r>
-              <a:rPr lang="ko-KR" altLang="en-US" noProof="1"/>
-              <a:t>시장 추세 및 소셜 미디어에 관한 연구를 기반으로 합니다</a:t>
-            </a:r>
-            <a:r>
-              <a:rPr lang="en-US" altLang="ko-KR" noProof="1"/>
-              <a:t>.</a:t>
-            </a:r>
-            <a:endParaRPr lang="ko-KR" altLang="en-US" noProof="1"/>
-          </a:p>
-        </p:txBody>
-      </p:sp>
-      <p:sp>
-        <p:nvSpPr>
-          <p:cNvPr id="8" name="텍스트 개체 틀 7">
-            <a:extLst>
-              <a:ext uri="{FF2B5EF4-FFF2-40B4-BE49-F238E27FC236}">
-                <a16:creationId xmlns:a16="http://schemas.microsoft.com/office/drawing/2014/main" id="{F5C3A7BE-F7FC-4942-A31A-491A8A806103}"/>
-              </a:ext>
-            </a:extLst>
-          </p:cNvPr>
-          <p:cNvSpPr>
-            <a:spLocks noGrp="1"/>
-          </p:cNvSpPr>
-          <p:nvPr>
-            <p:ph type="body" sz="quarter" idx="23"/>
-          </p:nvPr>
-        </p:nvSpPr>
-        <p:spPr>
-          <a:xfrm>
-            <a:off x="5922254" y="3569311"/>
-            <a:ext cx="5433204" cy="365125"/>
-          </a:xfrm>
-        </p:spPr>
-        <p:txBody>
-          <a:bodyPr vert="horz" lIns="91440" tIns="45720" rIns="91440" bIns="45720" rtlCol="0" anchor="t">
-            <a:noAutofit/>
-          </a:bodyPr>
-          <a:lstStyle/>
-          <a:p>
-            <a:pPr rtl="0"/>
-            <a:r>
-              <a:rPr lang="ko-KR" altLang="en-US" noProof="1"/>
-              <a:t>디자인</a:t>
-            </a:r>
-          </a:p>
-        </p:txBody>
-      </p:sp>
-      <p:sp>
-        <p:nvSpPr>
-          <p:cNvPr id="9" name="텍스트 개체 틀 8">
-            <a:extLst>
-              <a:ext uri="{FF2B5EF4-FFF2-40B4-BE49-F238E27FC236}">
-                <a16:creationId xmlns:a16="http://schemas.microsoft.com/office/drawing/2014/main" id="{95CCE699-03D1-4642-B46A-B14EF17DA183}"/>
-              </a:ext>
-            </a:extLst>
-          </p:cNvPr>
-          <p:cNvSpPr>
-            <a:spLocks noGrp="1"/>
-          </p:cNvSpPr>
-          <p:nvPr>
-            <p:ph type="body" sz="quarter" idx="24"/>
-          </p:nvPr>
-        </p:nvSpPr>
-        <p:spPr>
-          <a:xfrm>
-            <a:off x="5921828" y="3898736"/>
-            <a:ext cx="5431971" cy="557950"/>
-          </a:xfrm>
-        </p:spPr>
-        <p:txBody>
-          <a:bodyPr rtlCol="0">
-            <a:normAutofit/>
-          </a:bodyPr>
-          <a:lstStyle/>
-          <a:p>
-            <a:pPr rtl="0"/>
-            <a:r>
-              <a:rPr lang="ko-KR" altLang="en-US" noProof="1"/>
-              <a:t>당사는 사람들이 이 틈새 시장 전용 제품을 더 많이 필요로 한다고 생각합니다</a:t>
-            </a:r>
-            <a:r>
-              <a:rPr lang="en-US" altLang="ko-KR" noProof="1"/>
-              <a:t>.</a:t>
-            </a:r>
-            <a:endParaRPr lang="ko-KR" altLang="en-US" noProof="1"/>
-          </a:p>
-        </p:txBody>
-      </p:sp>
-      <p:sp>
-        <p:nvSpPr>
-          <p:cNvPr id="10" name="텍스트 개체 틀 9">
-            <a:extLst>
-              <a:ext uri="{FF2B5EF4-FFF2-40B4-BE49-F238E27FC236}">
-                <a16:creationId xmlns:a16="http://schemas.microsoft.com/office/drawing/2014/main" id="{BC1DF189-6F2F-4C21-88CC-C82D3D0D147B}"/>
-              </a:ext>
-            </a:extLst>
-          </p:cNvPr>
-          <p:cNvSpPr>
-            <a:spLocks noGrp="1"/>
-          </p:cNvSpPr>
-          <p:nvPr>
-            <p:ph type="body" sz="quarter" idx="25"/>
-          </p:nvPr>
-        </p:nvSpPr>
-        <p:spPr>
-          <a:xfrm>
-            <a:off x="5922254" y="4669107"/>
-            <a:ext cx="5433204" cy="365125"/>
-          </a:xfrm>
-        </p:spPr>
-        <p:txBody>
-          <a:bodyPr vert="horz" lIns="91440" tIns="45720" rIns="91440" bIns="45720" rtlCol="0" anchor="t">
-            <a:normAutofit lnSpcReduction="10000"/>
-          </a:bodyPr>
-          <a:lstStyle/>
-          <a:p>
-            <a:pPr rtl="0"/>
-            <a:r>
-              <a:rPr lang="ko-KR" altLang="en-US" noProof="1"/>
-              <a:t>연구</a:t>
-            </a:r>
-          </a:p>
-        </p:txBody>
-      </p:sp>
-      <p:sp>
-        <p:nvSpPr>
-          <p:cNvPr id="5" name="텍스트 개체 틀 4">
-            <a:extLst>
-              <a:ext uri="{FF2B5EF4-FFF2-40B4-BE49-F238E27FC236}">
-                <a16:creationId xmlns:a16="http://schemas.microsoft.com/office/drawing/2014/main" id="{06E82690-B145-4D4F-B2D1-0B2A8C50FD71}"/>
-              </a:ext>
-            </a:extLst>
-          </p:cNvPr>
-          <p:cNvSpPr>
-            <a:spLocks noGrp="1"/>
-          </p:cNvSpPr>
-          <p:nvPr>
-            <p:ph type="body" sz="quarter" idx="26"/>
-          </p:nvPr>
-        </p:nvSpPr>
-        <p:spPr>
-          <a:xfrm>
-            <a:off x="5921828" y="4998532"/>
-            <a:ext cx="5431971" cy="557950"/>
-          </a:xfrm>
-        </p:spPr>
-        <p:txBody>
-          <a:bodyPr rtlCol="0">
-            <a:normAutofit/>
-          </a:bodyPr>
-          <a:lstStyle/>
-          <a:p>
-            <a:pPr rtl="0"/>
-            <a:r>
-              <a:rPr lang="ko-KR" altLang="en-US" noProof="1"/>
-              <a:t>미니멀리스트와 편리성 </a:t>
-            </a:r>
-          </a:p>
-        </p:txBody>
-      </p:sp>
-      <p:sp>
-        <p:nvSpPr>
-          <p:cNvPr id="32" name="날짜 개체 틀 31">
-            <a:extLst>
-              <a:ext uri="{FF2B5EF4-FFF2-40B4-BE49-F238E27FC236}">
-                <a16:creationId xmlns:a16="http://schemas.microsoft.com/office/drawing/2014/main" id="{D5DB19F8-B538-4965-BA90-ED372B99F5DC}"/>
-              </a:ext>
-            </a:extLst>
-          </p:cNvPr>
-          <p:cNvSpPr>
-            <a:spLocks noGrp="1"/>
-          </p:cNvSpPr>
-          <p:nvPr>
-            <p:ph type="dt" sz="half" idx="20"/>
-          </p:nvPr>
-        </p:nvSpPr>
-        <p:spPr>
-          <a:xfrm>
-            <a:off x="5919680" y="6356350"/>
-            <a:ext cx="947516" cy="365125"/>
-          </a:xfrm>
-        </p:spPr>
-        <p:txBody>
-          <a:bodyPr rtlCol="0"/>
-          <a:lstStyle/>
-          <a:p>
-            <a:pPr rtl="0"/>
-            <a:r>
-              <a:rPr lang="en-US" altLang="ko-KR"/>
-              <a:t>20XX</a:t>
-            </a:r>
-            <a:r>
-              <a:rPr lang="ko-KR" altLang="en-US"/>
-              <a:t>년</a:t>
-            </a:r>
-            <a:endParaRPr lang="ko-KR" altLang="en-US" dirty="0"/>
-          </a:p>
-        </p:txBody>
-      </p:sp>
-      <p:sp>
-        <p:nvSpPr>
-          <p:cNvPr id="3" name="바닥글 개체 틀 2">
-            <a:extLst>
-              <a:ext uri="{FF2B5EF4-FFF2-40B4-BE49-F238E27FC236}">
-                <a16:creationId xmlns:a16="http://schemas.microsoft.com/office/drawing/2014/main" id="{005C44B1-BA82-483C-BD91-F89067442F9E}"/>
-              </a:ext>
-            </a:extLst>
-          </p:cNvPr>
-          <p:cNvSpPr>
-            <a:spLocks noGrp="1"/>
-          </p:cNvSpPr>
-          <p:nvPr>
-            <p:ph type="ftr" sz="quarter" idx="21"/>
-          </p:nvPr>
-        </p:nvSpPr>
-        <p:spPr>
-          <a:xfrm>
-            <a:off x="7161955" y="6356350"/>
-            <a:ext cx="3243942" cy="365125"/>
-          </a:xfrm>
-        </p:spPr>
-        <p:txBody>
-          <a:bodyPr rtlCol="0"/>
-          <a:lstStyle/>
-          <a:p>
-            <a:pPr rtl="0"/>
-            <a:r>
-              <a:rPr lang="ko-KR" altLang="en-US"/>
-              <a:t>설명 자료</a:t>
-            </a:r>
-            <a:endParaRPr lang="ko-KR" altLang="en-US" dirty="0"/>
-          </a:p>
-        </p:txBody>
-      </p:sp>
-      <p:sp>
-        <p:nvSpPr>
-          <p:cNvPr id="4" name="슬라이드 번호 개체 틀 3">
-            <a:extLst>
-              <a:ext uri="{FF2B5EF4-FFF2-40B4-BE49-F238E27FC236}">
-                <a16:creationId xmlns:a16="http://schemas.microsoft.com/office/drawing/2014/main" id="{79ED4A67-3A46-4F54-A12A-EAE1B53E6457}"/>
-              </a:ext>
-            </a:extLst>
-          </p:cNvPr>
-          <p:cNvSpPr>
-            <a:spLocks noGrp="1"/>
-          </p:cNvSpPr>
-          <p:nvPr>
-            <p:ph type="sldNum" sz="quarter" idx="22"/>
-          </p:nvPr>
-        </p:nvSpPr>
-        <p:spPr>
-          <a:xfrm>
-            <a:off x="10700656" y="6356350"/>
-            <a:ext cx="653143" cy="365125"/>
-          </a:xfrm>
-        </p:spPr>
-        <p:txBody>
-          <a:bodyPr rtlCol="0"/>
-          <a:lstStyle/>
-          <a:p>
-            <a:pPr rtl="0"/>
-            <a:fld id="{19B51A1E-902D-48AF-9020-955120F399B6}" type="slidenum">
-              <a:rPr lang="en-US" altLang="ko-KR" smtClean="0"/>
-              <a:pPr/>
-              <a:t>8</a:t>
-            </a:fld>
-            <a:endParaRPr lang="ko-KR" altLang="en-US" dirty="0"/>
+              <a:t>회사 개요</a:t>
+            </a:r>
           </a:p>
         </p:txBody>
       </p:sp>
     </p:spTree>
     <p:extLst>
       <p:ext uri="{BB962C8B-B14F-4D97-AF65-F5344CB8AC3E}">
-        <p14:creationId xmlns:p14="http://schemas.microsoft.com/office/powerpoint/2010/main" val="2069393026"/>
+        <p14:creationId xmlns:p14="http://schemas.microsoft.com/office/powerpoint/2010/main" val="707789176"/>
       </p:ext>
     </p:extLst>
   </p:cSld>
@@ -38626,7 +38917,7 @@
           <p:cNvPr id="2" name="제목 1">
             <a:extLst>
               <a:ext uri="{FF2B5EF4-FFF2-40B4-BE49-F238E27FC236}">
-                <a16:creationId xmlns:a16="http://schemas.microsoft.com/office/drawing/2014/main" id="{5CE54ABB-4929-4810-950B-2DAEA0A5BAB4}"/>
+                <a16:creationId xmlns:a16="http://schemas.microsoft.com/office/drawing/2014/main" id="{8A4E0A63-A388-49B1-A04E-27CE9BD622EF}"/>
               </a:ext>
             </a:extLst>
           </p:cNvPr>
@@ -38639,8 +38930,8 @@
         </p:nvSpPr>
         <p:spPr>
           <a:xfrm>
-            <a:off x="1885156" y="892177"/>
-            <a:ext cx="8421688" cy="1325563"/>
+            <a:off x="5920169" y="1152771"/>
+            <a:ext cx="5431971" cy="846301"/>
           </a:xfrm>
         </p:spPr>
         <p:txBody>
@@ -38650,7 +38941,7 @@
             <a:pPr rtl="0"/>
             <a:r>
               <a:rPr lang="ko-KR" altLang="en-US"/>
-              <a:t>시장 개요</a:t>
+              <a:t>비즈니스 모델</a:t>
             </a:r>
             <a:endParaRPr lang="ko-KR" altLang="en-US" dirty="0"/>
           </a:p>
@@ -38658,66 +38949,64 @@
       </p:sp>
       <p:sp>
         <p:nvSpPr>
-          <p:cNvPr id="4" name="텍스트 개체 틀 3">
-            <a:extLst>
-              <a:ext uri="{FF2B5EF4-FFF2-40B4-BE49-F238E27FC236}">
-                <a16:creationId xmlns:a16="http://schemas.microsoft.com/office/drawing/2014/main" id="{A112B089-A8F9-45B1-BE6E-EAC10163F082}"/>
-              </a:ext>
-            </a:extLst>
-          </p:cNvPr>
-          <p:cNvSpPr>
-            <a:spLocks noGrp="1"/>
-          </p:cNvSpPr>
-          <p:nvPr>
-            <p:ph type="body" idx="1"/>
-          </p:nvPr>
-        </p:nvSpPr>
-        <p:spPr>
-          <a:xfrm>
-            <a:off x="1243104" y="2776936"/>
-            <a:ext cx="2882475" cy="823912"/>
-          </a:xfrm>
-        </p:spPr>
-        <p:txBody>
-          <a:bodyPr rtlCol="0"/>
+          <p:cNvPr id="6" name="텍스트 개체 틀 5">
+            <a:extLst>
+              <a:ext uri="{FF2B5EF4-FFF2-40B4-BE49-F238E27FC236}">
+                <a16:creationId xmlns:a16="http://schemas.microsoft.com/office/drawing/2014/main" id="{7640DF9D-0C9E-4C5D-9635-6B4DE10CCEE5}"/>
+              </a:ext>
+            </a:extLst>
+          </p:cNvPr>
+          <p:cNvSpPr>
+            <a:spLocks noGrp="1"/>
+          </p:cNvSpPr>
+          <p:nvPr>
+            <p:ph type="body" sz="quarter" idx="13"/>
+          </p:nvPr>
+        </p:nvSpPr>
+        <p:spPr>
+          <a:xfrm>
+            <a:off x="5922254" y="2469515"/>
+            <a:ext cx="5433204" cy="365125"/>
+          </a:xfrm>
+        </p:spPr>
+        <p:txBody>
+          <a:bodyPr vert="horz" lIns="91440" tIns="45720" rIns="91440" bIns="45720" rtlCol="0" anchor="t">
+            <a:noAutofit/>
+          </a:bodyPr>
           <a:lstStyle/>
           <a:p>
             <a:pPr rtl="0"/>
             <a:r>
-              <a:rPr lang="en-US" altLang="ko-KR" dirty="0"/>
-              <a:t>₩30</a:t>
-            </a:r>
-            <a:r>
-              <a:rPr lang="ko-KR" altLang="en-US" dirty="0"/>
-              <a:t>억</a:t>
-            </a:r>
-          </a:p>
-        </p:txBody>
-      </p:sp>
-      <p:sp>
-        <p:nvSpPr>
-          <p:cNvPr id="7" name="내용 개체 틀 6">
-            <a:extLst>
-              <a:ext uri="{FF2B5EF4-FFF2-40B4-BE49-F238E27FC236}">
-                <a16:creationId xmlns:a16="http://schemas.microsoft.com/office/drawing/2014/main" id="{6B35F89A-6CDF-41F7-BD87-18B45BD7330B}"/>
-              </a:ext>
-            </a:extLst>
-          </p:cNvPr>
-          <p:cNvSpPr>
-            <a:spLocks noGrp="1"/>
-          </p:cNvSpPr>
-          <p:nvPr>
-            <p:ph sz="half" idx="2"/>
-          </p:nvPr>
-        </p:nvSpPr>
-        <p:spPr>
-          <a:xfrm>
-            <a:off x="1243104" y="3834606"/>
-            <a:ext cx="2882475" cy="1997867"/>
-          </a:xfrm>
-        </p:spPr>
-        <p:txBody>
-          <a:bodyPr vert="horz" lIns="91440" tIns="45720" rIns="91440" bIns="45720" rtlCol="0" anchor="t">
+              <a:rPr lang="ko-KR" altLang="en-US" noProof="1"/>
+              <a:t>요약</a:t>
+            </a:r>
+          </a:p>
+        </p:txBody>
+      </p:sp>
+      <p:sp>
+        <p:nvSpPr>
+          <p:cNvPr id="7" name="텍스트 개체 틀 6">
+            <a:extLst>
+              <a:ext uri="{FF2B5EF4-FFF2-40B4-BE49-F238E27FC236}">
+                <a16:creationId xmlns:a16="http://schemas.microsoft.com/office/drawing/2014/main" id="{40297407-CE4E-4284-879D-AEC395713625}"/>
+              </a:ext>
+            </a:extLst>
+          </p:cNvPr>
+          <p:cNvSpPr>
+            <a:spLocks noGrp="1"/>
+          </p:cNvSpPr>
+          <p:nvPr>
+            <p:ph type="body" sz="quarter" idx="15"/>
+          </p:nvPr>
+        </p:nvSpPr>
+        <p:spPr>
+          <a:xfrm>
+            <a:off x="5921828" y="2798940"/>
+            <a:ext cx="5431971" cy="557950"/>
+          </a:xfrm>
+        </p:spPr>
+        <p:txBody>
+          <a:bodyPr rtlCol="0">
             <a:normAutofit/>
           </a:bodyPr>
           <a:lstStyle/>
@@ -38725,194 +39014,185 @@
             <a:pPr rtl="0"/>
             <a:r>
               <a:rPr lang="ko-KR" altLang="en-US" noProof="1"/>
-              <a:t>창조의 자유</a:t>
-            </a:r>
-            <a:endParaRPr lang="ko-KR" altLang="en-US"/>
-          </a:p>
+              <a:t>시장 추세 및 소셜 미디어에 관한 연구를 기반으로 합니다</a:t>
+            </a:r>
+            <a:r>
+              <a:rPr lang="en-US" altLang="ko-KR" noProof="1"/>
+              <a:t>.</a:t>
+            </a:r>
+            <a:endParaRPr lang="ko-KR" altLang="en-US" noProof="1"/>
+          </a:p>
+        </p:txBody>
+      </p:sp>
+      <p:sp>
+        <p:nvSpPr>
+          <p:cNvPr id="8" name="텍스트 개체 틀 7">
+            <a:extLst>
+              <a:ext uri="{FF2B5EF4-FFF2-40B4-BE49-F238E27FC236}">
+                <a16:creationId xmlns:a16="http://schemas.microsoft.com/office/drawing/2014/main" id="{F5C3A7BE-F7FC-4942-A31A-491A8A806103}"/>
+              </a:ext>
+            </a:extLst>
+          </p:cNvPr>
+          <p:cNvSpPr>
+            <a:spLocks noGrp="1"/>
+          </p:cNvSpPr>
+          <p:nvPr>
+            <p:ph type="body" sz="quarter" idx="23"/>
+          </p:nvPr>
+        </p:nvSpPr>
+        <p:spPr>
+          <a:xfrm>
+            <a:off x="5922254" y="3569311"/>
+            <a:ext cx="5433204" cy="365125"/>
+          </a:xfrm>
+        </p:spPr>
+        <p:txBody>
+          <a:bodyPr vert="horz" lIns="91440" tIns="45720" rIns="91440" bIns="45720" rtlCol="0" anchor="t">
+            <a:noAutofit/>
+          </a:bodyPr>
+          <a:lstStyle/>
           <a:p>
             <a:pPr rtl="0"/>
             <a:r>
               <a:rPr lang="ko-KR" altLang="en-US" noProof="1"/>
-              <a:t>선택적 포괄 시장</a:t>
-            </a:r>
-          </a:p>
-          <a:p>
-            <a:pPr rtl="0"/>
-            <a:r>
-              <a:rPr lang="en-US" altLang="ko-KR" noProof="1"/>
-              <a:t>SAM(</a:t>
-            </a:r>
-            <a:r>
-              <a:rPr lang="ko-KR" altLang="en-US" noProof="1"/>
-              <a:t>유효 시장</a:t>
-            </a:r>
-            <a:r>
-              <a:rPr lang="en-US" altLang="ko-KR" noProof="1"/>
-              <a:t>)</a:t>
-            </a:r>
-            <a:endParaRPr lang="ko-KR" altLang="en-US" noProof="1"/>
-          </a:p>
-          <a:p>
-            <a:pPr rtl="0"/>
-            <a:endParaRPr lang="ko-KR" altLang="en-ZA" noProof="1"/>
-          </a:p>
-        </p:txBody>
-      </p:sp>
-      <p:sp>
-        <p:nvSpPr>
-          <p:cNvPr id="6" name="텍스트 개체 틀 5">
-            <a:extLst>
-              <a:ext uri="{FF2B5EF4-FFF2-40B4-BE49-F238E27FC236}">
-                <a16:creationId xmlns:a16="http://schemas.microsoft.com/office/drawing/2014/main" id="{0FE22F9B-4BF8-41DC-8F1C-836B546E59AD}"/>
-              </a:ext>
-            </a:extLst>
-          </p:cNvPr>
-          <p:cNvSpPr>
-            <a:spLocks noGrp="1"/>
-          </p:cNvSpPr>
-          <p:nvPr>
-            <p:ph type="body" sz="quarter" idx="3"/>
-          </p:nvPr>
-        </p:nvSpPr>
-        <p:spPr>
-          <a:xfrm>
-            <a:off x="4647665" y="2776936"/>
-            <a:ext cx="2896671" cy="823912"/>
-          </a:xfrm>
-        </p:spPr>
-        <p:txBody>
-          <a:bodyPr rtlCol="0"/>
-          <a:lstStyle/>
-          <a:p>
-            <a:pPr rtl="0"/>
-            <a:r>
-              <a:rPr lang="en-US" altLang="ko-KR" dirty="0"/>
-              <a:t>₩10</a:t>
-            </a:r>
-            <a:r>
-              <a:rPr lang="ko-KR" altLang="en-US" dirty="0"/>
-              <a:t>억</a:t>
-            </a:r>
-          </a:p>
-        </p:txBody>
-      </p:sp>
-      <p:sp>
-        <p:nvSpPr>
-          <p:cNvPr id="3" name="텍스트 개체 틀 2">
-            <a:extLst>
-              <a:ext uri="{FF2B5EF4-FFF2-40B4-BE49-F238E27FC236}">
-                <a16:creationId xmlns:a16="http://schemas.microsoft.com/office/drawing/2014/main" id="{D5E1C399-8F48-44F5-9461-3C89866D4CE1}"/>
-              </a:ext>
-            </a:extLst>
-          </p:cNvPr>
-          <p:cNvSpPr>
-            <a:spLocks noGrp="1"/>
-          </p:cNvSpPr>
-          <p:nvPr>
-            <p:ph sz="quarter" idx="4"/>
-          </p:nvPr>
-        </p:nvSpPr>
-        <p:spPr>
-          <a:xfrm>
-            <a:off x="4647665" y="3834606"/>
-            <a:ext cx="2896671" cy="1997867"/>
-          </a:xfrm>
-        </p:spPr>
-        <p:txBody>
-          <a:bodyPr rtlCol="0"/>
-          <a:lstStyle/>
-          <a:p>
-            <a:pPr rtl="0"/>
-            <a:r>
-              <a:rPr lang="ko-KR" altLang="en-US"/>
-              <a:t>구축 기회</a:t>
-            </a:r>
-          </a:p>
-          <a:p>
-            <a:pPr rtl="0"/>
-            <a:r>
-              <a:rPr lang="ko-KR" altLang="en-US"/>
-              <a:t>완전 포괄 시장</a:t>
-            </a:r>
-          </a:p>
-          <a:p>
-            <a:pPr rtl="0"/>
-            <a:r>
-              <a:rPr lang="en-US" altLang="ko-KR"/>
-              <a:t>TAM(</a:t>
-            </a:r>
-            <a:r>
-              <a:rPr lang="ko-KR" altLang="en-US"/>
-              <a:t>전체 시장</a:t>
-            </a:r>
-            <a:r>
-              <a:rPr lang="en-US" altLang="ko-KR"/>
-              <a:t>)</a:t>
-            </a:r>
-            <a:endParaRPr lang="ko-KR" altLang="en-US" dirty="0"/>
-          </a:p>
-        </p:txBody>
-      </p:sp>
-      <p:sp>
-        <p:nvSpPr>
-          <p:cNvPr id="5" name="내용 개체 틀 4">
-            <a:extLst>
-              <a:ext uri="{FF2B5EF4-FFF2-40B4-BE49-F238E27FC236}">
-                <a16:creationId xmlns:a16="http://schemas.microsoft.com/office/drawing/2014/main" id="{CF515C5D-2CDB-4E66-B2B8-1451BC44247F}"/>
-              </a:ext>
-            </a:extLst>
-          </p:cNvPr>
-          <p:cNvSpPr>
-            <a:spLocks noGrp="1"/>
-          </p:cNvSpPr>
-          <p:nvPr>
-            <p:ph type="body" idx="13"/>
-          </p:nvPr>
-        </p:nvSpPr>
-        <p:spPr>
-          <a:xfrm>
-            <a:off x="8066421" y="2776936"/>
-            <a:ext cx="2882475" cy="823912"/>
-          </a:xfrm>
-        </p:spPr>
-        <p:txBody>
-          <a:bodyPr vert="horz" lIns="91440" tIns="45720" rIns="91440" bIns="45720" rtlCol="0" anchor="b">
+              <a:t>디자인</a:t>
+            </a:r>
+          </a:p>
+        </p:txBody>
+      </p:sp>
+      <p:sp>
+        <p:nvSpPr>
+          <p:cNvPr id="9" name="텍스트 개체 틀 8">
+            <a:extLst>
+              <a:ext uri="{FF2B5EF4-FFF2-40B4-BE49-F238E27FC236}">
+                <a16:creationId xmlns:a16="http://schemas.microsoft.com/office/drawing/2014/main" id="{95CCE699-03D1-4642-B46A-B14EF17DA183}"/>
+              </a:ext>
+            </a:extLst>
+          </p:cNvPr>
+          <p:cNvSpPr>
+            <a:spLocks noGrp="1"/>
+          </p:cNvSpPr>
+          <p:nvPr>
+            <p:ph type="body" sz="quarter" idx="24"/>
+          </p:nvPr>
+        </p:nvSpPr>
+        <p:spPr>
+          <a:xfrm>
+            <a:off x="5921828" y="3898736"/>
+            <a:ext cx="5431971" cy="557950"/>
+          </a:xfrm>
+        </p:spPr>
+        <p:txBody>
+          <a:bodyPr rtlCol="0">
             <a:normAutofit/>
           </a:bodyPr>
           <a:lstStyle/>
           <a:p>
             <a:pPr rtl="0"/>
             <a:r>
-              <a:rPr lang="en-US" altLang="ko-KR" dirty="0"/>
-              <a:t>₩20</a:t>
-            </a:r>
-            <a:r>
-              <a:rPr lang="ko-KR" altLang="en-US" dirty="0"/>
-              <a:t>억</a:t>
-            </a:r>
-          </a:p>
-        </p:txBody>
-      </p:sp>
-      <p:sp>
-        <p:nvSpPr>
-          <p:cNvPr id="8" name="텍스트 개체 틀 7">
-            <a:extLst>
-              <a:ext uri="{FF2B5EF4-FFF2-40B4-BE49-F238E27FC236}">
-                <a16:creationId xmlns:a16="http://schemas.microsoft.com/office/drawing/2014/main" id="{E92B9716-8D44-4864-8986-720957B34362}"/>
-              </a:ext>
-            </a:extLst>
-          </p:cNvPr>
-          <p:cNvSpPr>
-            <a:spLocks noGrp="1"/>
-          </p:cNvSpPr>
-          <p:nvPr>
-            <p:ph sz="half" idx="14"/>
-          </p:nvPr>
-        </p:nvSpPr>
-        <p:spPr>
-          <a:xfrm>
-            <a:off x="8066421" y="3834606"/>
-            <a:ext cx="2882475" cy="1997867"/>
+              <a:rPr lang="ko-KR" altLang="en-US" noProof="1"/>
+              <a:t>당사는 사람들이 이 틈새 시장 전용 제품을 더 많이 필요로 한다고 생각합니다</a:t>
+            </a:r>
+            <a:r>
+              <a:rPr lang="en-US" altLang="ko-KR" noProof="1"/>
+              <a:t>.</a:t>
+            </a:r>
+            <a:endParaRPr lang="ko-KR" altLang="en-US" noProof="1"/>
+          </a:p>
+        </p:txBody>
+      </p:sp>
+      <p:sp>
+        <p:nvSpPr>
+          <p:cNvPr id="10" name="텍스트 개체 틀 9">
+            <a:extLst>
+              <a:ext uri="{FF2B5EF4-FFF2-40B4-BE49-F238E27FC236}">
+                <a16:creationId xmlns:a16="http://schemas.microsoft.com/office/drawing/2014/main" id="{BC1DF189-6F2F-4C21-88CC-C82D3D0D147B}"/>
+              </a:ext>
+            </a:extLst>
+          </p:cNvPr>
+          <p:cNvSpPr>
+            <a:spLocks noGrp="1"/>
+          </p:cNvSpPr>
+          <p:nvPr>
+            <p:ph type="body" sz="quarter" idx="25"/>
+          </p:nvPr>
+        </p:nvSpPr>
+        <p:spPr>
+          <a:xfrm>
+            <a:off x="5922254" y="4669107"/>
+            <a:ext cx="5433204" cy="365125"/>
+          </a:xfrm>
+        </p:spPr>
+        <p:txBody>
+          <a:bodyPr vert="horz" lIns="91440" tIns="45720" rIns="91440" bIns="45720" rtlCol="0" anchor="t">
+            <a:normAutofit lnSpcReduction="10000"/>
+          </a:bodyPr>
+          <a:lstStyle/>
+          <a:p>
+            <a:pPr rtl="0"/>
+            <a:r>
+              <a:rPr lang="ko-KR" altLang="en-US" noProof="1"/>
+              <a:t>연구</a:t>
+            </a:r>
+          </a:p>
+        </p:txBody>
+      </p:sp>
+      <p:sp>
+        <p:nvSpPr>
+          <p:cNvPr id="5" name="텍스트 개체 틀 4">
+            <a:extLst>
+              <a:ext uri="{FF2B5EF4-FFF2-40B4-BE49-F238E27FC236}">
+                <a16:creationId xmlns:a16="http://schemas.microsoft.com/office/drawing/2014/main" id="{06E82690-B145-4D4F-B2D1-0B2A8C50FD71}"/>
+              </a:ext>
+            </a:extLst>
+          </p:cNvPr>
+          <p:cNvSpPr>
+            <a:spLocks noGrp="1"/>
+          </p:cNvSpPr>
+          <p:nvPr>
+            <p:ph type="body" sz="quarter" idx="26"/>
+          </p:nvPr>
+        </p:nvSpPr>
+        <p:spPr>
+          <a:xfrm>
+            <a:off x="5921828" y="4998532"/>
+            <a:ext cx="5431971" cy="557950"/>
+          </a:xfrm>
+        </p:spPr>
+        <p:txBody>
+          <a:bodyPr rtlCol="0">
+            <a:normAutofit/>
+          </a:bodyPr>
+          <a:lstStyle/>
+          <a:p>
+            <a:pPr rtl="0"/>
+            <a:r>
+              <a:rPr lang="ko-KR" altLang="en-US" noProof="1"/>
+              <a:t>미니멀리스트와 편리성 </a:t>
+            </a:r>
+          </a:p>
+        </p:txBody>
+      </p:sp>
+      <p:sp>
+        <p:nvSpPr>
+          <p:cNvPr id="32" name="날짜 개체 틀 31">
+            <a:extLst>
+              <a:ext uri="{FF2B5EF4-FFF2-40B4-BE49-F238E27FC236}">
+                <a16:creationId xmlns:a16="http://schemas.microsoft.com/office/drawing/2014/main" id="{D5DB19F8-B538-4965-BA90-ED372B99F5DC}"/>
+              </a:ext>
+            </a:extLst>
+          </p:cNvPr>
+          <p:cNvSpPr>
+            <a:spLocks noGrp="1"/>
+          </p:cNvSpPr>
+          <p:nvPr>
+            <p:ph type="dt" sz="half" idx="20"/>
+          </p:nvPr>
+        </p:nvSpPr>
+        <p:spPr>
+          <a:xfrm>
+            <a:off x="5919680" y="6356350"/>
+            <a:ext cx="947516" cy="365125"/>
           </a:xfrm>
         </p:spPr>
         <p:txBody>
@@ -38921,59 +39201,37 @@
           <a:p>
             <a:pPr rtl="0"/>
             <a:r>
-              <a:rPr lang="ko-KR" altLang="en-US" noProof="1"/>
-              <a:t>경쟁 업체가 거의 없음</a:t>
-            </a:r>
-          </a:p>
-          <a:p>
-            <a:pPr rtl="0"/>
-            <a:r>
-              <a:rPr lang="ko-KR" altLang="en-US" noProof="1"/>
-              <a:t>특정 대상 시장</a:t>
-            </a:r>
-          </a:p>
-          <a:p>
-            <a:pPr rtl="0"/>
-            <a:r>
-              <a:rPr lang="en-US" altLang="ko-KR" noProof="1"/>
-              <a:t>SOM(</a:t>
-            </a:r>
-            <a:r>
-              <a:rPr lang="ko-KR" altLang="en-US" noProof="1"/>
-              <a:t>수익 시장</a:t>
-            </a:r>
-            <a:r>
-              <a:rPr lang="en-US" altLang="ko-KR" noProof="1"/>
-              <a:t>)</a:t>
-            </a:r>
-            <a:endParaRPr lang="ko-KR" altLang="en-ZA"/>
-          </a:p>
-          <a:p>
-            <a:pPr rtl="0"/>
+              <a:rPr lang="en-US" altLang="ko-KR"/>
+              <a:t>20XX</a:t>
+            </a:r>
+            <a:r>
+              <a:rPr lang="ko-KR" altLang="en-US"/>
+              <a:t>년</a:t>
+            </a:r>
             <a:endParaRPr lang="ko-KR" altLang="en-US" dirty="0"/>
           </a:p>
         </p:txBody>
       </p:sp>
       <p:sp>
         <p:nvSpPr>
-          <p:cNvPr id="11" name="슬라이드 번호 개체 틀 10">
-            <a:extLst>
-              <a:ext uri="{FF2B5EF4-FFF2-40B4-BE49-F238E27FC236}">
-                <a16:creationId xmlns:a16="http://schemas.microsoft.com/office/drawing/2014/main" id="{BAD5B6F4-0A90-447A-A1AE-D75C934B6B29}"/>
-              </a:ext>
-            </a:extLst>
-          </p:cNvPr>
-          <p:cNvSpPr>
-            <a:spLocks noGrp="1"/>
-          </p:cNvSpPr>
-          <p:nvPr>
-            <p:ph type="sldNum" sz="quarter" idx="12"/>
-          </p:nvPr>
-        </p:nvSpPr>
-        <p:spPr>
-          <a:xfrm>
-            <a:off x="8610600" y="6356350"/>
-            <a:ext cx="2743200" cy="365125"/>
+          <p:cNvPr id="3" name="바닥글 개체 틀 2">
+            <a:extLst>
+              <a:ext uri="{FF2B5EF4-FFF2-40B4-BE49-F238E27FC236}">
+                <a16:creationId xmlns:a16="http://schemas.microsoft.com/office/drawing/2014/main" id="{005C44B1-BA82-483C-BD91-F89067442F9E}"/>
+              </a:ext>
+            </a:extLst>
+          </p:cNvPr>
+          <p:cNvSpPr>
+            <a:spLocks noGrp="1"/>
+          </p:cNvSpPr>
+          <p:nvPr>
+            <p:ph type="ftr" sz="quarter" idx="21"/>
+          </p:nvPr>
+        </p:nvSpPr>
+        <p:spPr>
+          <a:xfrm>
+            <a:off x="7161955" y="6356350"/>
+            <a:ext cx="3243942" cy="365125"/>
           </a:xfrm>
         </p:spPr>
         <p:txBody>
@@ -38981,9 +39239,44 @@
           <a:lstStyle/>
           <a:p>
             <a:pPr rtl="0"/>
-            <a:fld id="{B5CEABB6-07DC-46E8-9B57-56EC44A396E5}" type="slidenum">
+            <a:r>
+              <a:rPr lang="ko-KR" altLang="en-US"/>
+              <a:t>설명 자료</a:t>
+            </a:r>
+            <a:endParaRPr lang="ko-KR" altLang="en-US" dirty="0"/>
+          </a:p>
+        </p:txBody>
+      </p:sp>
+      <p:sp>
+        <p:nvSpPr>
+          <p:cNvPr id="4" name="슬라이드 번호 개체 틀 3">
+            <a:extLst>
+              <a:ext uri="{FF2B5EF4-FFF2-40B4-BE49-F238E27FC236}">
+                <a16:creationId xmlns:a16="http://schemas.microsoft.com/office/drawing/2014/main" id="{79ED4A67-3A46-4F54-A12A-EAE1B53E6457}"/>
+              </a:ext>
+            </a:extLst>
+          </p:cNvPr>
+          <p:cNvSpPr>
+            <a:spLocks noGrp="1"/>
+          </p:cNvSpPr>
+          <p:nvPr>
+            <p:ph type="sldNum" sz="quarter" idx="22"/>
+          </p:nvPr>
+        </p:nvSpPr>
+        <p:spPr>
+          <a:xfrm>
+            <a:off x="10700656" y="6356350"/>
+            <a:ext cx="653143" cy="365125"/>
+          </a:xfrm>
+        </p:spPr>
+        <p:txBody>
+          <a:bodyPr rtlCol="0"/>
+          <a:lstStyle/>
+          <a:p>
+            <a:pPr rtl="0"/>
+            <a:fld id="{19B51A1E-902D-48AF-9020-955120F399B6}" type="slidenum">
               <a:rPr lang="en-US" altLang="ko-KR" smtClean="0"/>
-              <a:pPr/>
+              <a:pPr rtl="0"/>
               <a:t>9</a:t>
             </a:fld>
             <a:endParaRPr lang="ko-KR" altLang="en-US" dirty="0"/>
@@ -38993,7 +39286,7 @@
     </p:spTree>
     <p:extLst>
       <p:ext uri="{BB962C8B-B14F-4D97-AF65-F5344CB8AC3E}">
-        <p14:creationId xmlns:p14="http://schemas.microsoft.com/office/powerpoint/2010/main" val="2121178069"/>
+        <p14:creationId xmlns:p14="http://schemas.microsoft.com/office/powerpoint/2010/main" val="2069393026"/>
       </p:ext>
     </p:extLst>
   </p:cSld>
@@ -39814,15 +40107,6 @@
 </file>
 
 <file path=customXml/item2.xml><?xml version="1.0" encoding="utf-8"?>
-<?mso-contentType ?>
-<FormTemplates xmlns="http://schemas.microsoft.com/sharepoint/v3/contenttype/forms">
-  <Display>DocumentLibraryForm</Display>
-  <Edit>DocumentLibraryForm</Edit>
-  <New>DocumentLibraryForm</New>
-</FormTemplates>
-</file>
-
-<file path=customXml/item3.xml><?xml version="1.0" encoding="utf-8"?>
 <ct:contentTypeSchema xmlns:ct="http://schemas.microsoft.com/office/2006/metadata/contentType" xmlns:ma="http://schemas.microsoft.com/office/2006/metadata/properties/metaAttributes" ct:_="" ma:_="" ma:contentTypeName="Document" ma:contentTypeID="0x01010079F111ED35F8CC479449609E8A0923A6" ma:contentTypeVersion="20" ma:contentTypeDescription="Create a new document." ma:contentTypeScope="" ma:versionID="1267097ee5f5874adfcc408041ae252e">
   <xsd:schema xmlns:xsd="http://www.w3.org/2001/XMLSchema" xmlns:xs="http://www.w3.org/2001/XMLSchema" xmlns:p="http://schemas.microsoft.com/office/2006/metadata/properties" xmlns:ns1="http://schemas.microsoft.com/sharepoint/v3" xmlns:ns2="71af3243-3dd4-4a8d-8c0d-dd76da1f02a5" xmlns:ns3="16c05727-aa75-4e4a-9b5f-8a80a1165891" xmlns:ns4="230e9df3-be65-4c73-a93b-d1236ebd677e" targetNamespace="http://schemas.microsoft.com/office/2006/metadata/properties" ma:root="true" ma:fieldsID="395891a93df65b14727750f2c06c306c" ns1:_="" ns2:_="" ns3:_="" ns4:_="">
     <xsd:import namespace="http://schemas.microsoft.com/sharepoint/v3"/>
@@ -40098,6 +40382,15 @@
 </ct:contentTypeSchema>
 </file>
 
+<file path=customXml/item3.xml><?xml version="1.0" encoding="utf-8"?>
+<?mso-contentType ?>
+<FormTemplates xmlns="http://schemas.microsoft.com/sharepoint/v3/contenttype/forms">
+  <Display>DocumentLibraryForm</Display>
+  <Edit>DocumentLibraryForm</Edit>
+  <New>DocumentLibraryForm</New>
+</FormTemplates>
+</file>
+
 <file path=customXml/itemProps1.xml><?xml version="1.0" encoding="utf-8"?>
 <ds:datastoreItem xmlns:ds="http://schemas.openxmlformats.org/officeDocument/2006/customXml" ds:itemID="{7F97B18F-50BC-4F30-8373-93489E845F83}">
   <ds:schemaRefs>
@@ -40111,14 +40404,6 @@
 </file>
 
 <file path=customXml/itemProps2.xml><?xml version="1.0" encoding="utf-8"?>
-<ds:datastoreItem xmlns:ds="http://schemas.openxmlformats.org/officeDocument/2006/customXml" ds:itemID="{42BC90D6-94CF-42F7-AAC4-9CF6824C54D5}">
-  <ds:schemaRefs>
-    <ds:schemaRef ds:uri="http://schemas.microsoft.com/sharepoint/v3/contenttype/forms"/>
-  </ds:schemaRefs>
-</ds:datastoreItem>
-</file>
-
-<file path=customXml/itemProps3.xml><?xml version="1.0" encoding="utf-8"?>
 <ds:datastoreItem xmlns:ds="http://schemas.openxmlformats.org/officeDocument/2006/customXml" ds:itemID="{64CF2EF3-001F-4BE9-81B3-86ECBBF9425F}">
   <ds:schemaRefs>
     <ds:schemaRef ds:uri="http://schemas.microsoft.com/office/2006/metadata/contentType"/>
@@ -40139,6 +40424,14 @@
 </ds:datastoreItem>
 </file>
 
+<file path=customXml/itemProps3.xml><?xml version="1.0" encoding="utf-8"?>
+<ds:datastoreItem xmlns:ds="http://schemas.openxmlformats.org/officeDocument/2006/customXml" ds:itemID="{42BC90D6-94CF-42F7-AAC4-9CF6824C54D5}">
+  <ds:schemaRefs>
+    <ds:schemaRef ds:uri="http://schemas.microsoft.com/sharepoint/v3/contenttype/forms"/>
+  </ds:schemaRefs>
+</ds:datastoreItem>
+</file>
+
 <file path=docMetadata/LabelInfo.xml><?xml version="1.0" encoding="utf-8"?>
 <clbl:labelList xmlns:clbl="http://schemas.microsoft.com/office/2020/mipLabelMetadata">
   <clbl:label id="{f42aa342-8706-4288-bd11-ebb85995028c}" enabled="1" method="Standard" siteId="{72f988bf-86f1-41af-91ab-2d7cd011db47}" removed="0"/>

--- a/1-freshman/2st-semester/백세시대부자학/백제시대부자학-조은성.pptx
+++ b/1-freshman/2st-semester/백세시대부자학/백제시대부자학-조은성.pptx
@@ -1927,7 +1927,7 @@
                 <a:latin typeface="+mj-ea"/>
                 <a:ea typeface="+mj-ea"/>
               </a:rPr>
-              <a:t>2024-09-15</a:t>
+              <a:t>2024-09-19</a:t>
             </a:fld>
             <a:endParaRPr lang="ko-KR" altLang="en-US" dirty="0">
               <a:latin typeface="+mj-ea"/>
@@ -2125,7 +2125,7 @@
             <a:fld id="{6B577933-6CF4-4A80-8F7D-D574BAC42BBA}" type="datetime1">
               <a:rPr lang="ko-KR" altLang="en-US" smtClean="0"/>
               <a:pPr/>
-              <a:t>2024-09-15</a:t>
+              <a:t>2024-09-19</a:t>
             </a:fld>
             <a:endParaRPr lang="ko-KR" altLang="en-US" dirty="0"/>
           </a:p>
@@ -22110,7 +22110,9 @@
           </a:xfrm>
         </p:spPr>
         <p:txBody>
-          <a:bodyPr rtlCol="0"/>
+          <a:bodyPr rtlCol="0">
+            <a:normAutofit/>
+          </a:bodyPr>
           <a:lstStyle/>
           <a:p>
             <a:pPr rtl="0"/>
@@ -35785,7 +35787,10 @@
           <a:bodyPr/>
           <a:lstStyle/>
           <a:p>
-            <a:endParaRPr lang="ko-KR" altLang="en-US" dirty="0"/>
+            <a:r>
+              <a:rPr lang="ko-KR" altLang="en-US" dirty="0"/>
+              <a:t>감마 인공지능을 사용</a:t>
+            </a:r>
           </a:p>
         </p:txBody>
       </p:sp>
@@ -40088,25 +40093,6 @@
 </file>
 
 <file path=customXml/item1.xml><?xml version="1.0" encoding="utf-8"?>
-<p:properties xmlns:p="http://schemas.microsoft.com/office/2006/metadata/properties" xmlns:xsi="http://www.w3.org/2001/XMLSchema-instance" xmlns:pc="http://schemas.microsoft.com/office/infopath/2007/PartnerControls">
-  <documentManagement>
-    <_ip_UnifiedCompliancePolicyUIAction xmlns="http://schemas.microsoft.com/sharepoint/v3" xsi:nil="true"/>
-    <Image xmlns="71af3243-3dd4-4a8d-8c0d-dd76da1f02a5">
-      <Url xsi:nil="true"/>
-      <Description xsi:nil="true"/>
-    </Image>
-    <Status xmlns="71af3243-3dd4-4a8d-8c0d-dd76da1f02a5">Not started</Status>
-    <_ip_UnifiedCompliancePolicyProperties xmlns="http://schemas.microsoft.com/sharepoint/v3" xsi:nil="true"/>
-    <ImageTagsTaxHTField xmlns="71af3243-3dd4-4a8d-8c0d-dd76da1f02a5">
-      <Terms xmlns="http://schemas.microsoft.com/office/infopath/2007/PartnerControls"/>
-    </ImageTagsTaxHTField>
-    <TaxCatchAll xmlns="230e9df3-be65-4c73-a93b-d1236ebd677e"/>
-    <MediaServiceKeyPoints xmlns="71af3243-3dd4-4a8d-8c0d-dd76da1f02a5" xsi:nil="true"/>
-  </documentManagement>
-</p:properties>
-</file>
-
-<file path=customXml/item2.xml><?xml version="1.0" encoding="utf-8"?>
 <ct:contentTypeSchema xmlns:ct="http://schemas.microsoft.com/office/2006/metadata/contentType" xmlns:ma="http://schemas.microsoft.com/office/2006/metadata/properties/metaAttributes" ct:_="" ma:_="" ma:contentTypeName="Document" ma:contentTypeID="0x01010079F111ED35F8CC479449609E8A0923A6" ma:contentTypeVersion="20" ma:contentTypeDescription="Create a new document." ma:contentTypeScope="" ma:versionID="1267097ee5f5874adfcc408041ae252e">
   <xsd:schema xmlns:xsd="http://www.w3.org/2001/XMLSchema" xmlns:xs="http://www.w3.org/2001/XMLSchema" xmlns:p="http://schemas.microsoft.com/office/2006/metadata/properties" xmlns:ns1="http://schemas.microsoft.com/sharepoint/v3" xmlns:ns2="71af3243-3dd4-4a8d-8c0d-dd76da1f02a5" xmlns:ns3="16c05727-aa75-4e4a-9b5f-8a80a1165891" xmlns:ns4="230e9df3-be65-4c73-a93b-d1236ebd677e" targetNamespace="http://schemas.microsoft.com/office/2006/metadata/properties" ma:root="true" ma:fieldsID="395891a93df65b14727750f2c06c306c" ns1:_="" ns2:_="" ns3:_="" ns4:_="">
     <xsd:import namespace="http://schemas.microsoft.com/sharepoint/v3"/>
@@ -40382,6 +40368,25 @@
 </ct:contentTypeSchema>
 </file>
 
+<file path=customXml/item2.xml><?xml version="1.0" encoding="utf-8"?>
+<p:properties xmlns:p="http://schemas.microsoft.com/office/2006/metadata/properties" xmlns:xsi="http://www.w3.org/2001/XMLSchema-instance" xmlns:pc="http://schemas.microsoft.com/office/infopath/2007/PartnerControls">
+  <documentManagement>
+    <_ip_UnifiedCompliancePolicyUIAction xmlns="http://schemas.microsoft.com/sharepoint/v3" xsi:nil="true"/>
+    <Image xmlns="71af3243-3dd4-4a8d-8c0d-dd76da1f02a5">
+      <Url xsi:nil="true"/>
+      <Description xsi:nil="true"/>
+    </Image>
+    <Status xmlns="71af3243-3dd4-4a8d-8c0d-dd76da1f02a5">Not started</Status>
+    <_ip_UnifiedCompliancePolicyProperties xmlns="http://schemas.microsoft.com/sharepoint/v3" xsi:nil="true"/>
+    <ImageTagsTaxHTField xmlns="71af3243-3dd4-4a8d-8c0d-dd76da1f02a5">
+      <Terms xmlns="http://schemas.microsoft.com/office/infopath/2007/PartnerControls"/>
+    </ImageTagsTaxHTField>
+    <TaxCatchAll xmlns="230e9df3-be65-4c73-a93b-d1236ebd677e"/>
+    <MediaServiceKeyPoints xmlns="71af3243-3dd4-4a8d-8c0d-dd76da1f02a5" xsi:nil="true"/>
+  </documentManagement>
+</p:properties>
+</file>
+
 <file path=customXml/item3.xml><?xml version="1.0" encoding="utf-8"?>
 <?mso-contentType ?>
 <FormTemplates xmlns="http://schemas.microsoft.com/sharepoint/v3/contenttype/forms">
@@ -40392,18 +40397,6 @@
 </file>
 
 <file path=customXml/itemProps1.xml><?xml version="1.0" encoding="utf-8"?>
-<ds:datastoreItem xmlns:ds="http://schemas.openxmlformats.org/officeDocument/2006/customXml" ds:itemID="{7F97B18F-50BC-4F30-8373-93489E845F83}">
-  <ds:schemaRefs>
-    <ds:schemaRef ds:uri="http://schemas.microsoft.com/office/2006/metadata/properties"/>
-    <ds:schemaRef ds:uri="http://schemas.microsoft.com/office/infopath/2007/PartnerControls"/>
-    <ds:schemaRef ds:uri="http://schemas.microsoft.com/sharepoint/v3"/>
-    <ds:schemaRef ds:uri="71af3243-3dd4-4a8d-8c0d-dd76da1f02a5"/>
-    <ds:schemaRef ds:uri="230e9df3-be65-4c73-a93b-d1236ebd677e"/>
-  </ds:schemaRefs>
-</ds:datastoreItem>
-</file>
-
-<file path=customXml/itemProps2.xml><?xml version="1.0" encoding="utf-8"?>
 <ds:datastoreItem xmlns:ds="http://schemas.openxmlformats.org/officeDocument/2006/customXml" ds:itemID="{64CF2EF3-001F-4BE9-81B3-86ECBBF9425F}">
   <ds:schemaRefs>
     <ds:schemaRef ds:uri="http://schemas.microsoft.com/office/2006/metadata/contentType"/>
@@ -40424,6 +40417,18 @@
 </ds:datastoreItem>
 </file>
 
+<file path=customXml/itemProps2.xml><?xml version="1.0" encoding="utf-8"?>
+<ds:datastoreItem xmlns:ds="http://schemas.openxmlformats.org/officeDocument/2006/customXml" ds:itemID="{7F97B18F-50BC-4F30-8373-93489E845F83}">
+  <ds:schemaRefs>
+    <ds:schemaRef ds:uri="http://schemas.microsoft.com/office/2006/metadata/properties"/>
+    <ds:schemaRef ds:uri="http://schemas.microsoft.com/office/infopath/2007/PartnerControls"/>
+    <ds:schemaRef ds:uri="http://schemas.microsoft.com/sharepoint/v3"/>
+    <ds:schemaRef ds:uri="71af3243-3dd4-4a8d-8c0d-dd76da1f02a5"/>
+    <ds:schemaRef ds:uri="230e9df3-be65-4c73-a93b-d1236ebd677e"/>
+  </ds:schemaRefs>
+</ds:datastoreItem>
+</file>
+
 <file path=customXml/itemProps3.xml><?xml version="1.0" encoding="utf-8"?>
 <ds:datastoreItem xmlns:ds="http://schemas.openxmlformats.org/officeDocument/2006/customXml" ds:itemID="{42BC90D6-94CF-42F7-AAC4-9CF6824C54D5}">
   <ds:schemaRefs>
